--- a/CYBER360-1.6-Interactive-CLI.pptx
+++ b/CYBER360-1.6-Interactive-CLI.pptx
@@ -157,14 +157,6 @@
     </p:ext>
   </p:extLst>
 </p:presentation>
-</file>
-
-<file path=ppt/revisionInfo.xml><?xml version="1.0" encoding="utf-8"?>
-<p1510:revInfo xmlns:a="http://schemas.openxmlformats.org/drawingml/2006/main" xmlns:r="http://schemas.openxmlformats.org/officeDocument/2006/relationships" xmlns:p1510="http://schemas.microsoft.com/office/powerpoint/2015/10/main">
-  <p1510:revLst>
-    <p1510:client id="{51435501-271E-456B-B95C-82DF6B0C339C}" v="5" dt="2023-11-21T14:01:25.743"/>
-  </p1510:revLst>
-</p1510:revInfo>
 </file>
 
 <file path=ppt/changesInfos/changesInfo1.xml><?xml version="1.0" encoding="utf-8"?>
@@ -670,6 +662,30 @@
       </pc:sldMasterChg>
     </pc:docChg>
   </pc:docChgLst>
+  <pc:docChgLst>
+    <pc:chgData name="Gibbons, Carl" userId="d2b037bc-8fb4-4222-845c-61440543a456" providerId="ADAL" clId="{E57B44F7-9166-4860-B42E-16E10C370C69}"/>
+    <pc:docChg chg="custSel modSld">
+      <pc:chgData name="Gibbons, Carl" userId="d2b037bc-8fb4-4222-845c-61440543a456" providerId="ADAL" clId="{E57B44F7-9166-4860-B42E-16E10C370C69}" dt="2024-05-17T03:21:15.531" v="22"/>
+      <pc:docMkLst>
+        <pc:docMk/>
+      </pc:docMkLst>
+      <pc:sldChg chg="modSp mod">
+        <pc:chgData name="Gibbons, Carl" userId="d2b037bc-8fb4-4222-845c-61440543a456" providerId="ADAL" clId="{E57B44F7-9166-4860-B42E-16E10C370C69}" dt="2024-05-17T03:21:15.531" v="22"/>
+        <pc:sldMkLst>
+          <pc:docMk/>
+          <pc:sldMk cId="1660845239" sldId="290"/>
+        </pc:sldMkLst>
+        <pc:spChg chg="mod">
+          <ac:chgData name="Gibbons, Carl" userId="d2b037bc-8fb4-4222-845c-61440543a456" providerId="ADAL" clId="{E57B44F7-9166-4860-B42E-16E10C370C69}" dt="2024-05-17T03:21:15.531" v="22"/>
+          <ac:spMkLst>
+            <pc:docMk/>
+            <pc:sldMk cId="1660845239" sldId="290"/>
+            <ac:spMk id="4" creationId="{B64A8207-997F-319E-7F6D-676D3ECA779B}"/>
+          </ac:spMkLst>
+        </pc:spChg>
+      </pc:sldChg>
+    </pc:docChg>
+  </pc:docChgLst>
 </pc:chgInfo>
 </file>
 
@@ -898,7 +914,7 @@
           <a:p>
             <a:fld id="{0D69348B-4620-44E9-BF3F-EACBA9EEF323}" type="datetimeFigureOut">
               <a:rPr lang="en-US" smtClean="0"/>
-              <a:t>11/21/2023</a:t>
+              <a:t>5/16/2024</a:t>
             </a:fld>
             <a:endParaRPr lang="en-US"/>
           </a:p>
@@ -1310,7 +1326,7 @@
           <a:p>
             <a:fld id="{0D69348B-4620-44E9-BF3F-EACBA9EEF323}" type="datetimeFigureOut">
               <a:rPr lang="en-US" smtClean="0"/>
-              <a:t>11/21/2023</a:t>
+              <a:t>5/16/2024</a:t>
             </a:fld>
             <a:endParaRPr lang="en-US"/>
           </a:p>
@@ -1451,7 +1467,7 @@
           <a:p>
             <a:fld id="{0D69348B-4620-44E9-BF3F-EACBA9EEF323}" type="datetimeFigureOut">
               <a:rPr lang="en-US" smtClean="0"/>
-              <a:t>11/21/2023</a:t>
+              <a:t>5/16/2024</a:t>
             </a:fld>
             <a:endParaRPr lang="en-US"/>
           </a:p>
@@ -1564,7 +1580,7 @@
           <a:p>
             <a:fld id="{0D69348B-4620-44E9-BF3F-EACBA9EEF323}" type="datetimeFigureOut">
               <a:rPr lang="en-US" smtClean="0"/>
-              <a:t>11/21/2023</a:t>
+              <a:t>5/16/2024</a:t>
             </a:fld>
             <a:endParaRPr lang="en-US"/>
           </a:p>
@@ -1875,7 +1891,7 @@
           <a:p>
             <a:fld id="{0D69348B-4620-44E9-BF3F-EACBA9EEF323}" type="datetimeFigureOut">
               <a:rPr lang="en-US" smtClean="0"/>
-              <a:t>11/21/2023</a:t>
+              <a:t>5/16/2024</a:t>
             </a:fld>
             <a:endParaRPr lang="en-US"/>
           </a:p>
@@ -2163,7 +2179,7 @@
           <a:p>
             <a:fld id="{0D69348B-4620-44E9-BF3F-EACBA9EEF323}" type="datetimeFigureOut">
               <a:rPr lang="en-US" smtClean="0"/>
-              <a:t>11/21/2023</a:t>
+              <a:t>5/16/2024</a:t>
             </a:fld>
             <a:endParaRPr lang="en-US"/>
           </a:p>
@@ -2361,7 +2377,7 @@
           <a:p>
             <a:fld id="{0D69348B-4620-44E9-BF3F-EACBA9EEF323}" type="datetimeFigureOut">
               <a:rPr lang="en-US" smtClean="0"/>
-              <a:t>11/21/2023</a:t>
+              <a:t>5/16/2024</a:t>
             </a:fld>
             <a:endParaRPr lang="en-US"/>
           </a:p>
@@ -2569,7 +2585,7 @@
           <a:p>
             <a:fld id="{0D69348B-4620-44E9-BF3F-EACBA9EEF323}" type="datetimeFigureOut">
               <a:rPr lang="en-US" smtClean="0"/>
-              <a:t>11/21/2023</a:t>
+              <a:t>5/16/2024</a:t>
             </a:fld>
             <a:endParaRPr lang="en-US"/>
           </a:p>
@@ -3068,7 +3084,7 @@
           <a:p>
             <a:fld id="{0BE24BAF-58C0-4D38-ABA0-4170CC92DC13}" type="datetimeFigureOut">
               <a:rPr lang="en-US" smtClean="0"/>
-              <a:t>11/21/2023</a:t>
+              <a:t>5/16/2024</a:t>
             </a:fld>
             <a:endParaRPr lang="en-US"/>
           </a:p>
@@ -3369,7 +3385,7 @@
           <a:p>
             <a:fld id="{0BE24BAF-58C0-4D38-ABA0-4170CC92DC13}" type="datetimeFigureOut">
               <a:rPr lang="en-US" smtClean="0"/>
-              <a:t>11/21/2023</a:t>
+              <a:t>5/16/2024</a:t>
             </a:fld>
             <a:endParaRPr lang="en-US"/>
           </a:p>
@@ -3567,7 +3583,7 @@
           <a:p>
             <a:fld id="{0D69348B-4620-44E9-BF3F-EACBA9EEF323}" type="datetimeFigureOut">
               <a:rPr lang="en-US" smtClean="0"/>
-              <a:t>11/21/2023</a:t>
+              <a:t>5/16/2024</a:t>
             </a:fld>
             <a:endParaRPr lang="en-US"/>
           </a:p>
@@ -3842,7 +3858,7 @@
           <a:p>
             <a:fld id="{0D69348B-4620-44E9-BF3F-EACBA9EEF323}" type="datetimeFigureOut">
               <a:rPr lang="en-US" smtClean="0"/>
-              <a:t>11/21/2023</a:t>
+              <a:t>5/16/2024</a:t>
             </a:fld>
             <a:endParaRPr lang="en-US"/>
           </a:p>
@@ -3974,14 +3990,14 @@
           </a:ln>
           <a:extLst>
             <a:ext uri="{909E8E84-426E-40dd-AFC4-6F175D3DCCD1}">
-              <a14:hiddenFill xmlns:a14="http://schemas.microsoft.com/office/drawing/2010/main" xmlns="">
+              <a14:hiddenFill xmlns="" xmlns:a14="http://schemas.microsoft.com/office/drawing/2010/main">
                 <a:solidFill>
                   <a:srgbClr val="FFFFFF"/>
                 </a:solidFill>
               </a14:hiddenFill>
             </a:ext>
             <a:ext uri="{91240B29-F687-4f45-9708-019B960494DF}">
-              <a14:hiddenLine xmlns:a14="http://schemas.microsoft.com/office/drawing/2010/main" xmlns="" w="9525">
+              <a14:hiddenLine xmlns="" xmlns:a14="http://schemas.microsoft.com/office/drawing/2010/main" w="9525">
                 <a:solidFill>
                   <a:srgbClr val="000000"/>
                 </a:solidFill>
@@ -4797,7 +4813,7 @@
           <a:p>
             <a:fld id="{0D69348B-4620-44E9-BF3F-EACBA9EEF323}" type="datetimeFigureOut">
               <a:rPr lang="en-US" smtClean="0"/>
-              <a:t>11/21/2023</a:t>
+              <a:t>5/16/2024</a:t>
             </a:fld>
             <a:endParaRPr lang="en-US"/>
           </a:p>
@@ -7408,7 +7424,7 @@
               <a:rPr lang="en-US" sz="2000" dirty="0">
                 <a:latin typeface="Lucida Console" panose="020B0609040504020204" pitchFamily="49" charset="0"/>
               </a:rPr>
-              <a:t>New-Object String(“PowerShell”)</a:t>
+              <a:t>New-Object String("PowerShell")</a:t>
             </a:r>
           </a:p>
           <a:p>
@@ -7438,19 +7454,19 @@
               <a:rPr lang="en-US" sz="2000" dirty="0">
                 <a:latin typeface="Lucida Console" panose="020B0609040504020204" pitchFamily="49" charset="0"/>
               </a:rPr>
-              <a:t>$s=New-Object String(“</a:t>
+              <a:t>$s=New-Object String("</a:t>
             </a:r>
             <a:r>
               <a:rPr lang="en-US" sz="2000" dirty="0" err="1">
                 <a:latin typeface="Lucida Console" panose="020B0609040504020204" pitchFamily="49" charset="0"/>
               </a:rPr>
-              <a:t>Powershell</a:t>
-            </a:r>
-            <a:r>
-              <a:rPr lang="en-US" sz="2000" dirty="0">
-                <a:latin typeface="Lucida Console" panose="020B0609040504020204" pitchFamily="49" charset="0"/>
-              </a:rPr>
-              <a:t>”);$s | Get-Member</a:t>
+              <a:t>powershell</a:t>
+            </a:r>
+            <a:r>
+              <a:rPr lang="en-US" sz="2000" dirty="0">
+                <a:latin typeface="Lucida Console" panose="020B0609040504020204" pitchFamily="49" charset="0"/>
+              </a:rPr>
+              <a:t>");$s | Get-Member</a:t>
             </a:r>
           </a:p>
           <a:p>
@@ -7655,7 +7671,7 @@
               <a:rPr lang="en-US" sz="2000" dirty="0" err="1">
                 <a:latin typeface="Lucida Console" panose="020B0609040504020204" pitchFamily="49" charset="0"/>
               </a:rPr>
-              <a:t>werShell</a:t>
+              <a:t>wershell</a:t>
             </a:r>
             <a:r>
               <a:rPr lang="en-US" sz="2000" i="1" dirty="0">
@@ -7701,7 +7717,7 @@
               <a:rPr lang="en-US" sz="2000" dirty="0">
                 <a:latin typeface="Lucida Console" panose="020B0609040504020204" pitchFamily="49" charset="0"/>
               </a:rPr>
-              <a:t>Power</a:t>
+              <a:t>power</a:t>
             </a:r>
             <a:r>
               <a:rPr lang="en-US" sz="2000" i="1" dirty="0">
@@ -7752,19 +7768,7 @@
               <a:rPr lang="en-US" sz="2000" i="1" dirty="0">
                 <a:latin typeface="+mn-lt"/>
               </a:rPr>
-              <a:t>(We chained </a:t>
-            </a:r>
-            <a:r>
-              <a:rPr lang="en-US" sz="2000" i="1">
-                <a:latin typeface="+mn-lt"/>
-              </a:rPr>
-              <a:t>two messages together</a:t>
-            </a:r>
-            <a:r>
-              <a:rPr lang="en-US" sz="2000" i="1" dirty="0">
-                <a:latin typeface="+mn-lt"/>
-              </a:rPr>
-              <a:t>. Observe output: POWER. Let that sink in a bit!)</a:t>
+              <a:t>(We chained two messages together. Observe output: POWER. Let that sink in a bit!)</a:t>
             </a:r>
           </a:p>
           <a:p>

--- a/CYBER360-1.6-Interactive-CLI.pptx
+++ b/CYBER360-1.6-Interactive-CLI.pptx
@@ -2,27 +2,26 @@
 <file path=ppt/presentation.xml><?xml version="1.0" encoding="utf-8"?>
 <p:presentation xmlns:a="http://schemas.openxmlformats.org/drawingml/2006/main" xmlns:r="http://schemas.openxmlformats.org/officeDocument/2006/relationships" xmlns:p="http://schemas.openxmlformats.org/presentationml/2006/main" saveSubsetFonts="1">
   <p:sldMasterIdLst>
-    <p:sldMasterId id="2147483661" r:id="rId1"/>
-    <p:sldMasterId id="2147483681" r:id="rId2"/>
+    <p:sldMasterId id="2147483648" r:id="rId1"/>
   </p:sldMasterIdLst>
   <p:sldIdLst>
-    <p:sldId id="256" r:id="rId3"/>
-    <p:sldId id="278" r:id="rId4"/>
-    <p:sldId id="279" r:id="rId5"/>
-    <p:sldId id="292" r:id="rId6"/>
-    <p:sldId id="281" r:id="rId7"/>
-    <p:sldId id="280" r:id="rId8"/>
-    <p:sldId id="293" r:id="rId9"/>
-    <p:sldId id="282" r:id="rId10"/>
-    <p:sldId id="283" r:id="rId11"/>
-    <p:sldId id="284" r:id="rId12"/>
-    <p:sldId id="285" r:id="rId13"/>
-    <p:sldId id="286" r:id="rId14"/>
-    <p:sldId id="287" r:id="rId15"/>
-    <p:sldId id="288" r:id="rId16"/>
-    <p:sldId id="289" r:id="rId17"/>
-    <p:sldId id="290" r:id="rId18"/>
-    <p:sldId id="291" r:id="rId19"/>
+    <p:sldId id="257" r:id="rId2"/>
+    <p:sldId id="258" r:id="rId3"/>
+    <p:sldId id="259" r:id="rId4"/>
+    <p:sldId id="260" r:id="rId5"/>
+    <p:sldId id="261" r:id="rId6"/>
+    <p:sldId id="262" r:id="rId7"/>
+    <p:sldId id="263" r:id="rId8"/>
+    <p:sldId id="264" r:id="rId9"/>
+    <p:sldId id="265" r:id="rId10"/>
+    <p:sldId id="266" r:id="rId11"/>
+    <p:sldId id="267" r:id="rId12"/>
+    <p:sldId id="268" r:id="rId13"/>
+    <p:sldId id="269" r:id="rId14"/>
+    <p:sldId id="270" r:id="rId15"/>
+    <p:sldId id="271" r:id="rId16"/>
+    <p:sldId id="272" r:id="rId17"/>
+    <p:sldId id="273" r:id="rId18"/>
   </p:sldIdLst>
   <p:sldSz cx="12192000" cy="6858000"/>
   <p:notesSz cx="6858000" cy="9144000"/>
@@ -30,124 +29,94 @@
     <a:defPPr>
       <a:defRPr lang="en-US"/>
     </a:defPPr>
-    <a:lvl1pPr algn="l" rtl="0" eaLnBrk="0" fontAlgn="base" hangingPunct="0">
-      <a:spcBef>
-        <a:spcPct val="0"/>
-      </a:spcBef>
-      <a:spcAft>
-        <a:spcPct val="0"/>
-      </a:spcAft>
-      <a:defRPr sz="2400" kern="1200">
+    <a:lvl1pPr marL="0" algn="l" defTabSz="914400" rtl="0" eaLnBrk="1" latinLnBrk="0" hangingPunct="1">
+      <a:defRPr sz="1800" kern="1200">
         <a:solidFill>
           <a:schemeClr val="tx1"/>
         </a:solidFill>
-        <a:latin typeface="Arial" charset="0"/>
-        <a:ea typeface="ＭＳ Ｐゴシック" charset="0"/>
-        <a:cs typeface="ＭＳ Ｐゴシック" charset="0"/>
+        <a:latin typeface="+mn-lt"/>
+        <a:ea typeface="+mn-ea"/>
+        <a:cs typeface="+mn-cs"/>
       </a:defRPr>
     </a:lvl1pPr>
-    <a:lvl2pPr marL="457200" algn="l" rtl="0" eaLnBrk="0" fontAlgn="base" hangingPunct="0">
-      <a:spcBef>
-        <a:spcPct val="0"/>
-      </a:spcBef>
-      <a:spcAft>
-        <a:spcPct val="0"/>
-      </a:spcAft>
-      <a:defRPr sz="2400" kern="1200">
+    <a:lvl2pPr marL="457200" algn="l" defTabSz="914400" rtl="0" eaLnBrk="1" latinLnBrk="0" hangingPunct="1">
+      <a:defRPr sz="1800" kern="1200">
         <a:solidFill>
           <a:schemeClr val="tx1"/>
         </a:solidFill>
-        <a:latin typeface="Arial" charset="0"/>
-        <a:ea typeface="ＭＳ Ｐゴシック" charset="0"/>
-        <a:cs typeface="ＭＳ Ｐゴシック" charset="0"/>
+        <a:latin typeface="+mn-lt"/>
+        <a:ea typeface="+mn-ea"/>
+        <a:cs typeface="+mn-cs"/>
       </a:defRPr>
     </a:lvl2pPr>
-    <a:lvl3pPr marL="914400" algn="l" rtl="0" eaLnBrk="0" fontAlgn="base" hangingPunct="0">
-      <a:spcBef>
-        <a:spcPct val="0"/>
-      </a:spcBef>
-      <a:spcAft>
-        <a:spcPct val="0"/>
-      </a:spcAft>
-      <a:defRPr sz="2400" kern="1200">
+    <a:lvl3pPr marL="914400" algn="l" defTabSz="914400" rtl="0" eaLnBrk="1" latinLnBrk="0" hangingPunct="1">
+      <a:defRPr sz="1800" kern="1200">
         <a:solidFill>
           <a:schemeClr val="tx1"/>
         </a:solidFill>
-        <a:latin typeface="Arial" charset="0"/>
-        <a:ea typeface="ＭＳ Ｐゴシック" charset="0"/>
-        <a:cs typeface="ＭＳ Ｐゴシック" charset="0"/>
+        <a:latin typeface="+mn-lt"/>
+        <a:ea typeface="+mn-ea"/>
+        <a:cs typeface="+mn-cs"/>
       </a:defRPr>
     </a:lvl3pPr>
-    <a:lvl4pPr marL="1371600" algn="l" rtl="0" eaLnBrk="0" fontAlgn="base" hangingPunct="0">
-      <a:spcBef>
-        <a:spcPct val="0"/>
-      </a:spcBef>
-      <a:spcAft>
-        <a:spcPct val="0"/>
-      </a:spcAft>
-      <a:defRPr sz="2400" kern="1200">
+    <a:lvl4pPr marL="1371600" algn="l" defTabSz="914400" rtl="0" eaLnBrk="1" latinLnBrk="0" hangingPunct="1">
+      <a:defRPr sz="1800" kern="1200">
         <a:solidFill>
           <a:schemeClr val="tx1"/>
         </a:solidFill>
-        <a:latin typeface="Arial" charset="0"/>
-        <a:ea typeface="ＭＳ Ｐゴシック" charset="0"/>
-        <a:cs typeface="ＭＳ Ｐゴシック" charset="0"/>
+        <a:latin typeface="+mn-lt"/>
+        <a:ea typeface="+mn-ea"/>
+        <a:cs typeface="+mn-cs"/>
       </a:defRPr>
     </a:lvl4pPr>
-    <a:lvl5pPr marL="1828800" algn="l" rtl="0" eaLnBrk="0" fontAlgn="base" hangingPunct="0">
-      <a:spcBef>
-        <a:spcPct val="0"/>
-      </a:spcBef>
-      <a:spcAft>
-        <a:spcPct val="0"/>
-      </a:spcAft>
-      <a:defRPr sz="2400" kern="1200">
+    <a:lvl5pPr marL="1828800" algn="l" defTabSz="914400" rtl="0" eaLnBrk="1" latinLnBrk="0" hangingPunct="1">
+      <a:defRPr sz="1800" kern="1200">
         <a:solidFill>
           <a:schemeClr val="tx1"/>
         </a:solidFill>
-        <a:latin typeface="Arial" charset="0"/>
-        <a:ea typeface="ＭＳ Ｐゴシック" charset="0"/>
-        <a:cs typeface="ＭＳ Ｐゴシック" charset="0"/>
+        <a:latin typeface="+mn-lt"/>
+        <a:ea typeface="+mn-ea"/>
+        <a:cs typeface="+mn-cs"/>
       </a:defRPr>
     </a:lvl5pPr>
-    <a:lvl6pPr marL="2286000" algn="l" defTabSz="457200" rtl="0" eaLnBrk="1" latinLnBrk="0" hangingPunct="1">
-      <a:defRPr sz="2400" kern="1200">
+    <a:lvl6pPr marL="2286000" algn="l" defTabSz="914400" rtl="0" eaLnBrk="1" latinLnBrk="0" hangingPunct="1">
+      <a:defRPr sz="1800" kern="1200">
         <a:solidFill>
           <a:schemeClr val="tx1"/>
         </a:solidFill>
-        <a:latin typeface="Arial" charset="0"/>
-        <a:ea typeface="ＭＳ Ｐゴシック" charset="0"/>
-        <a:cs typeface="ＭＳ Ｐゴシック" charset="0"/>
+        <a:latin typeface="+mn-lt"/>
+        <a:ea typeface="+mn-ea"/>
+        <a:cs typeface="+mn-cs"/>
       </a:defRPr>
     </a:lvl6pPr>
-    <a:lvl7pPr marL="2743200" algn="l" defTabSz="457200" rtl="0" eaLnBrk="1" latinLnBrk="0" hangingPunct="1">
-      <a:defRPr sz="2400" kern="1200">
+    <a:lvl7pPr marL="2743200" algn="l" defTabSz="914400" rtl="0" eaLnBrk="1" latinLnBrk="0" hangingPunct="1">
+      <a:defRPr sz="1800" kern="1200">
         <a:solidFill>
           <a:schemeClr val="tx1"/>
         </a:solidFill>
-        <a:latin typeface="Arial" charset="0"/>
-        <a:ea typeface="ＭＳ Ｐゴシック" charset="0"/>
-        <a:cs typeface="ＭＳ Ｐゴシック" charset="0"/>
+        <a:latin typeface="+mn-lt"/>
+        <a:ea typeface="+mn-ea"/>
+        <a:cs typeface="+mn-cs"/>
       </a:defRPr>
     </a:lvl7pPr>
-    <a:lvl8pPr marL="3200400" algn="l" defTabSz="457200" rtl="0" eaLnBrk="1" latinLnBrk="0" hangingPunct="1">
-      <a:defRPr sz="2400" kern="1200">
+    <a:lvl8pPr marL="3200400" algn="l" defTabSz="914400" rtl="0" eaLnBrk="1" latinLnBrk="0" hangingPunct="1">
+      <a:defRPr sz="1800" kern="1200">
         <a:solidFill>
           <a:schemeClr val="tx1"/>
         </a:solidFill>
-        <a:latin typeface="Arial" charset="0"/>
-        <a:ea typeface="ＭＳ Ｐゴシック" charset="0"/>
-        <a:cs typeface="ＭＳ Ｐゴシック" charset="0"/>
+        <a:latin typeface="+mn-lt"/>
+        <a:ea typeface="+mn-ea"/>
+        <a:cs typeface="+mn-cs"/>
       </a:defRPr>
     </a:lvl8pPr>
-    <a:lvl9pPr marL="3657600" algn="l" defTabSz="457200" rtl="0" eaLnBrk="1" latinLnBrk="0" hangingPunct="1">
-      <a:defRPr sz="2400" kern="1200">
+    <a:lvl9pPr marL="3657600" algn="l" defTabSz="914400" rtl="0" eaLnBrk="1" latinLnBrk="0" hangingPunct="1">
+      <a:defRPr sz="1800" kern="1200">
         <a:solidFill>
           <a:schemeClr val="tx1"/>
         </a:solidFill>
-        <a:latin typeface="Arial" charset="0"/>
-        <a:ea typeface="ＭＳ Ｐゴシック" charset="0"/>
-        <a:cs typeface="ＭＳ Ｐゴシック" charset="0"/>
+        <a:latin typeface="+mn-lt"/>
+        <a:ea typeface="+mn-ea"/>
+        <a:cs typeface="+mn-cs"/>
       </a:defRPr>
     </a:lvl9pPr>
   </p:defaultTextStyle>
@@ -162,524 +131,455 @@
 <file path=ppt/changesInfos/changesInfo1.xml><?xml version="1.0" encoding="utf-8"?>
 <pc:chgInfo xmlns:a="http://schemas.openxmlformats.org/drawingml/2006/main" xmlns:r="http://schemas.openxmlformats.org/officeDocument/2006/relationships" xmlns:ac="http://schemas.microsoft.com/office/drawing/2013/main/command" xmlns:pc="http://schemas.microsoft.com/office/powerpoint/2013/main/command">
   <pc:docChgLst>
-    <pc:chgData name="Gibbons, Carl" userId="d2b037bc-8fb4-4222-845c-61440543a456" providerId="ADAL" clId="{51435501-271E-456B-B95C-82DF6B0C339C}"/>
-    <pc:docChg chg="undo custSel addSld delSld modSld">
-      <pc:chgData name="Gibbons, Carl" userId="d2b037bc-8fb4-4222-845c-61440543a456" providerId="ADAL" clId="{51435501-271E-456B-B95C-82DF6B0C339C}" dt="2023-11-21T16:13:36.939" v="2419" actId="20577"/>
+    <pc:chgData name="Palmer, Jennifer" userId="04c8c1b4-349a-4c5d-8a68-5732467f309e" providerId="ADAL" clId="{F06F7416-AE39-4B53-98DF-CCE392FB41DF}"/>
+    <pc:docChg chg="modSld">
+      <pc:chgData name="Palmer, Jennifer" userId="04c8c1b4-349a-4c5d-8a68-5732467f309e" providerId="ADAL" clId="{F06F7416-AE39-4B53-98DF-CCE392FB41DF}" dt="2024-11-20T22:54:03.626" v="5" actId="1076"/>
       <pc:docMkLst>
         <pc:docMk/>
       </pc:docMkLst>
       <pc:sldChg chg="modSp mod">
-        <pc:chgData name="Gibbons, Carl" userId="d2b037bc-8fb4-4222-845c-61440543a456" providerId="ADAL" clId="{51435501-271E-456B-B95C-82DF6B0C339C}" dt="2023-11-21T16:00:45.532" v="1937" actId="20577"/>
+        <pc:chgData name="Palmer, Jennifer" userId="04c8c1b4-349a-4c5d-8a68-5732467f309e" providerId="ADAL" clId="{F06F7416-AE39-4B53-98DF-CCE392FB41DF}" dt="2024-11-20T22:54:03.626" v="5" actId="1076"/>
         <pc:sldMkLst>
           <pc:docMk/>
-          <pc:sldMk cId="3644072983" sldId="256"/>
+          <pc:sldMk cId="3093343089" sldId="258"/>
         </pc:sldMkLst>
         <pc:spChg chg="mod">
-          <ac:chgData name="Gibbons, Carl" userId="d2b037bc-8fb4-4222-845c-61440543a456" providerId="ADAL" clId="{51435501-271E-456B-B95C-82DF6B0C339C}" dt="2023-11-21T13:40:11.968" v="817"/>
+          <ac:chgData name="Palmer, Jennifer" userId="04c8c1b4-349a-4c5d-8a68-5732467f309e" providerId="ADAL" clId="{F06F7416-AE39-4B53-98DF-CCE392FB41DF}" dt="2024-11-20T22:54:03.626" v="5" actId="1076"/>
           <ac:spMkLst>
             <pc:docMk/>
-            <pc:sldMk cId="3644072983" sldId="256"/>
-            <ac:spMk id="2" creationId="{6FCA7FD7-E3CD-7A2C-5AF7-2EE59026C9D4}"/>
-          </ac:spMkLst>
-        </pc:spChg>
-        <pc:spChg chg="mod">
-          <ac:chgData name="Gibbons, Carl" userId="d2b037bc-8fb4-4222-845c-61440543a456" providerId="ADAL" clId="{51435501-271E-456B-B95C-82DF6B0C339C}" dt="2023-11-21T16:00:45.532" v="1937" actId="20577"/>
-          <ac:spMkLst>
-            <pc:docMk/>
-            <pc:sldMk cId="3644072983" sldId="256"/>
-            <ac:spMk id="3" creationId="{8586CD17-5B17-5D66-987C-05DC748B3FF9}"/>
-          </ac:spMkLst>
-        </pc:spChg>
-      </pc:sldChg>
-      <pc:sldChg chg="del">
-        <pc:chgData name="Gibbons, Carl" userId="d2b037bc-8fb4-4222-845c-61440543a456" providerId="ADAL" clId="{51435501-271E-456B-B95C-82DF6B0C339C}" dt="2023-11-21T08:40:31.434" v="0" actId="47"/>
-        <pc:sldMkLst>
-          <pc:docMk/>
-          <pc:sldMk cId="2611413137" sldId="266"/>
-        </pc:sldMkLst>
-      </pc:sldChg>
-      <pc:sldChg chg="del">
-        <pc:chgData name="Gibbons, Carl" userId="d2b037bc-8fb4-4222-845c-61440543a456" providerId="ADAL" clId="{51435501-271E-456B-B95C-82DF6B0C339C}" dt="2023-11-21T08:40:31.434" v="0" actId="47"/>
-        <pc:sldMkLst>
-          <pc:docMk/>
-          <pc:sldMk cId="4188996306" sldId="267"/>
-        </pc:sldMkLst>
-      </pc:sldChg>
-      <pc:sldChg chg="del">
-        <pc:chgData name="Gibbons, Carl" userId="d2b037bc-8fb4-4222-845c-61440543a456" providerId="ADAL" clId="{51435501-271E-456B-B95C-82DF6B0C339C}" dt="2023-11-21T08:40:31.434" v="0" actId="47"/>
-        <pc:sldMkLst>
-          <pc:docMk/>
-          <pc:sldMk cId="2022267737" sldId="268"/>
-        </pc:sldMkLst>
-      </pc:sldChg>
-      <pc:sldChg chg="del">
-        <pc:chgData name="Gibbons, Carl" userId="d2b037bc-8fb4-4222-845c-61440543a456" providerId="ADAL" clId="{51435501-271E-456B-B95C-82DF6B0C339C}" dt="2023-11-21T08:40:31.434" v="0" actId="47"/>
-        <pc:sldMkLst>
-          <pc:docMk/>
-          <pc:sldMk cId="1055206713" sldId="269"/>
-        </pc:sldMkLst>
-      </pc:sldChg>
-      <pc:sldChg chg="del">
-        <pc:chgData name="Gibbons, Carl" userId="d2b037bc-8fb4-4222-845c-61440543a456" providerId="ADAL" clId="{51435501-271E-456B-B95C-82DF6B0C339C}" dt="2023-11-21T08:40:31.434" v="0" actId="47"/>
-        <pc:sldMkLst>
-          <pc:docMk/>
-          <pc:sldMk cId="1457658100" sldId="271"/>
-        </pc:sldMkLst>
-      </pc:sldChg>
-      <pc:sldChg chg="del">
-        <pc:chgData name="Gibbons, Carl" userId="d2b037bc-8fb4-4222-845c-61440543a456" providerId="ADAL" clId="{51435501-271E-456B-B95C-82DF6B0C339C}" dt="2023-11-21T08:40:31.434" v="0" actId="47"/>
-        <pc:sldMkLst>
-          <pc:docMk/>
-          <pc:sldMk cId="3594981681" sldId="272"/>
-        </pc:sldMkLst>
-      </pc:sldChg>
-      <pc:sldChg chg="del">
-        <pc:chgData name="Gibbons, Carl" userId="d2b037bc-8fb4-4222-845c-61440543a456" providerId="ADAL" clId="{51435501-271E-456B-B95C-82DF6B0C339C}" dt="2023-11-21T08:40:31.434" v="0" actId="47"/>
-        <pc:sldMkLst>
-          <pc:docMk/>
-          <pc:sldMk cId="1865769485" sldId="273"/>
-        </pc:sldMkLst>
-      </pc:sldChg>
-      <pc:sldChg chg="del">
-        <pc:chgData name="Gibbons, Carl" userId="d2b037bc-8fb4-4222-845c-61440543a456" providerId="ADAL" clId="{51435501-271E-456B-B95C-82DF6B0C339C}" dt="2023-11-21T08:40:31.434" v="0" actId="47"/>
-        <pc:sldMkLst>
-          <pc:docMk/>
-          <pc:sldMk cId="3798299007" sldId="274"/>
-        </pc:sldMkLst>
-      </pc:sldChg>
-      <pc:sldChg chg="del">
-        <pc:chgData name="Gibbons, Carl" userId="d2b037bc-8fb4-4222-845c-61440543a456" providerId="ADAL" clId="{51435501-271E-456B-B95C-82DF6B0C339C}" dt="2023-11-21T08:40:31.434" v="0" actId="47"/>
-        <pc:sldMkLst>
-          <pc:docMk/>
-          <pc:sldMk cId="3809967197" sldId="275"/>
-        </pc:sldMkLst>
-      </pc:sldChg>
-      <pc:sldChg chg="del">
-        <pc:chgData name="Gibbons, Carl" userId="d2b037bc-8fb4-4222-845c-61440543a456" providerId="ADAL" clId="{51435501-271E-456B-B95C-82DF6B0C339C}" dt="2023-11-21T08:40:31.434" v="0" actId="47"/>
-        <pc:sldMkLst>
-          <pc:docMk/>
-          <pc:sldMk cId="1742169507" sldId="276"/>
-        </pc:sldMkLst>
-      </pc:sldChg>
-      <pc:sldChg chg="modSp add mod">
-        <pc:chgData name="Gibbons, Carl" userId="d2b037bc-8fb4-4222-845c-61440543a456" providerId="ADAL" clId="{51435501-271E-456B-B95C-82DF6B0C339C}" dt="2023-11-21T16:02:19.772" v="1957" actId="20577"/>
-        <pc:sldMkLst>
-          <pc:docMk/>
-          <pc:sldMk cId="3093343089" sldId="278"/>
-        </pc:sldMkLst>
-        <pc:spChg chg="mod">
-          <ac:chgData name="Gibbons, Carl" userId="d2b037bc-8fb4-4222-845c-61440543a456" providerId="ADAL" clId="{51435501-271E-456B-B95C-82DF6B0C339C}" dt="2023-11-21T13:40:11.968" v="817"/>
-          <ac:spMkLst>
-            <pc:docMk/>
-            <pc:sldMk cId="3093343089" sldId="278"/>
+            <pc:sldMk cId="3093343089" sldId="258"/>
             <ac:spMk id="2" creationId="{64492E64-A68B-8CA7-B3C6-044F7C8E76AB}"/>
           </ac:spMkLst>
         </pc:spChg>
         <pc:spChg chg="mod">
-          <ac:chgData name="Gibbons, Carl" userId="d2b037bc-8fb4-4222-845c-61440543a456" providerId="ADAL" clId="{51435501-271E-456B-B95C-82DF6B0C339C}" dt="2023-11-21T16:02:19.772" v="1957" actId="20577"/>
+          <ac:chgData name="Palmer, Jennifer" userId="04c8c1b4-349a-4c5d-8a68-5732467f309e" providerId="ADAL" clId="{F06F7416-AE39-4B53-98DF-CCE392FB41DF}" dt="2024-11-20T22:53:56.864" v="4" actId="1076"/>
           <ac:spMkLst>
             <pc:docMk/>
-            <pc:sldMk cId="3093343089" sldId="278"/>
-            <ac:spMk id="4" creationId="{B64A8207-997F-319E-7F6D-676D3ECA779B}"/>
-          </ac:spMkLst>
-        </pc:spChg>
-      </pc:sldChg>
-      <pc:sldChg chg="modSp add mod">
-        <pc:chgData name="Gibbons, Carl" userId="d2b037bc-8fb4-4222-845c-61440543a456" providerId="ADAL" clId="{51435501-271E-456B-B95C-82DF6B0C339C}" dt="2023-11-21T13:40:44.566" v="819" actId="2711"/>
-        <pc:sldMkLst>
-          <pc:docMk/>
-          <pc:sldMk cId="3904849878" sldId="279"/>
-        </pc:sldMkLst>
-        <pc:spChg chg="mod">
-          <ac:chgData name="Gibbons, Carl" userId="d2b037bc-8fb4-4222-845c-61440543a456" providerId="ADAL" clId="{51435501-271E-456B-B95C-82DF6B0C339C}" dt="2023-11-21T13:40:11.968" v="817"/>
-          <ac:spMkLst>
-            <pc:docMk/>
-            <pc:sldMk cId="3904849878" sldId="279"/>
-            <ac:spMk id="2" creationId="{64492E64-A68B-8CA7-B3C6-044F7C8E76AB}"/>
-          </ac:spMkLst>
-        </pc:spChg>
-        <pc:spChg chg="mod">
-          <ac:chgData name="Gibbons, Carl" userId="d2b037bc-8fb4-4222-845c-61440543a456" providerId="ADAL" clId="{51435501-271E-456B-B95C-82DF6B0C339C}" dt="2023-11-21T13:40:44.566" v="819" actId="2711"/>
-          <ac:spMkLst>
-            <pc:docMk/>
-            <pc:sldMk cId="3904849878" sldId="279"/>
-            <ac:spMk id="4" creationId="{B64A8207-997F-319E-7F6D-676D3ECA779B}"/>
-          </ac:spMkLst>
-        </pc:spChg>
-      </pc:sldChg>
-      <pc:sldChg chg="modSp add mod">
-        <pc:chgData name="Gibbons, Carl" userId="d2b037bc-8fb4-4222-845c-61440543a456" providerId="ADAL" clId="{51435501-271E-456B-B95C-82DF6B0C339C}" dt="2023-11-21T13:46:41.411" v="1032" actId="20577"/>
-        <pc:sldMkLst>
-          <pc:docMk/>
-          <pc:sldMk cId="2315803868" sldId="280"/>
-        </pc:sldMkLst>
-        <pc:spChg chg="mod">
-          <ac:chgData name="Gibbons, Carl" userId="d2b037bc-8fb4-4222-845c-61440543a456" providerId="ADAL" clId="{51435501-271E-456B-B95C-82DF6B0C339C}" dt="2023-11-21T13:40:11.968" v="817"/>
-          <ac:spMkLst>
-            <pc:docMk/>
-            <pc:sldMk cId="2315803868" sldId="280"/>
-            <ac:spMk id="2" creationId="{64492E64-A68B-8CA7-B3C6-044F7C8E76AB}"/>
-          </ac:spMkLst>
-        </pc:spChg>
-        <pc:spChg chg="mod">
-          <ac:chgData name="Gibbons, Carl" userId="d2b037bc-8fb4-4222-845c-61440543a456" providerId="ADAL" clId="{51435501-271E-456B-B95C-82DF6B0C339C}" dt="2023-11-21T13:46:41.411" v="1032" actId="20577"/>
-          <ac:spMkLst>
-            <pc:docMk/>
-            <pc:sldMk cId="2315803868" sldId="280"/>
-            <ac:spMk id="4" creationId="{B64A8207-997F-319E-7F6D-676D3ECA779B}"/>
-          </ac:spMkLst>
-        </pc:spChg>
-      </pc:sldChg>
-      <pc:sldChg chg="modSp add mod">
-        <pc:chgData name="Gibbons, Carl" userId="d2b037bc-8fb4-4222-845c-61440543a456" providerId="ADAL" clId="{51435501-271E-456B-B95C-82DF6B0C339C}" dt="2023-11-21T13:45:26.003" v="1019" actId="2711"/>
-        <pc:sldMkLst>
-          <pc:docMk/>
-          <pc:sldMk cId="3236794296" sldId="281"/>
-        </pc:sldMkLst>
-        <pc:spChg chg="mod">
-          <ac:chgData name="Gibbons, Carl" userId="d2b037bc-8fb4-4222-845c-61440543a456" providerId="ADAL" clId="{51435501-271E-456B-B95C-82DF6B0C339C}" dt="2023-11-21T13:40:11.968" v="817"/>
-          <ac:spMkLst>
-            <pc:docMk/>
-            <pc:sldMk cId="3236794296" sldId="281"/>
-            <ac:spMk id="2" creationId="{64492E64-A68B-8CA7-B3C6-044F7C8E76AB}"/>
-          </ac:spMkLst>
-        </pc:spChg>
-        <pc:spChg chg="mod">
-          <ac:chgData name="Gibbons, Carl" userId="d2b037bc-8fb4-4222-845c-61440543a456" providerId="ADAL" clId="{51435501-271E-456B-B95C-82DF6B0C339C}" dt="2023-11-21T13:45:26.003" v="1019" actId="2711"/>
-          <ac:spMkLst>
-            <pc:docMk/>
-            <pc:sldMk cId="3236794296" sldId="281"/>
-            <ac:spMk id="4" creationId="{B64A8207-997F-319E-7F6D-676D3ECA779B}"/>
-          </ac:spMkLst>
-        </pc:spChg>
-      </pc:sldChg>
-      <pc:sldChg chg="modSp add mod">
-        <pc:chgData name="Gibbons, Carl" userId="d2b037bc-8fb4-4222-845c-61440543a456" providerId="ADAL" clId="{51435501-271E-456B-B95C-82DF6B0C339C}" dt="2023-11-21T16:07:48.458" v="2160" actId="20577"/>
-        <pc:sldMkLst>
-          <pc:docMk/>
-          <pc:sldMk cId="3407578347" sldId="282"/>
-        </pc:sldMkLst>
-        <pc:spChg chg="mod">
-          <ac:chgData name="Gibbons, Carl" userId="d2b037bc-8fb4-4222-845c-61440543a456" providerId="ADAL" clId="{51435501-271E-456B-B95C-82DF6B0C339C}" dt="2023-11-21T13:40:11.968" v="817"/>
-          <ac:spMkLst>
-            <pc:docMk/>
-            <pc:sldMk cId="3407578347" sldId="282"/>
-            <ac:spMk id="2" creationId="{64492E64-A68B-8CA7-B3C6-044F7C8E76AB}"/>
-          </ac:spMkLst>
-        </pc:spChg>
-        <pc:spChg chg="mod">
-          <ac:chgData name="Gibbons, Carl" userId="d2b037bc-8fb4-4222-845c-61440543a456" providerId="ADAL" clId="{51435501-271E-456B-B95C-82DF6B0C339C}" dt="2023-11-21T16:07:48.458" v="2160" actId="20577"/>
-          <ac:spMkLst>
-            <pc:docMk/>
-            <pc:sldMk cId="3407578347" sldId="282"/>
-            <ac:spMk id="4" creationId="{B64A8207-997F-319E-7F6D-676D3ECA779B}"/>
-          </ac:spMkLst>
-        </pc:spChg>
-      </pc:sldChg>
-      <pc:sldChg chg="modSp add mod">
-        <pc:chgData name="Gibbons, Carl" userId="d2b037bc-8fb4-4222-845c-61440543a456" providerId="ADAL" clId="{51435501-271E-456B-B95C-82DF6B0C339C}" dt="2023-11-21T13:58:59.100" v="1462" actId="20577"/>
-        <pc:sldMkLst>
-          <pc:docMk/>
-          <pc:sldMk cId="430972845" sldId="283"/>
-        </pc:sldMkLst>
-        <pc:spChg chg="mod">
-          <ac:chgData name="Gibbons, Carl" userId="d2b037bc-8fb4-4222-845c-61440543a456" providerId="ADAL" clId="{51435501-271E-456B-B95C-82DF6B0C339C}" dt="2023-11-21T13:40:11.968" v="817"/>
-          <ac:spMkLst>
-            <pc:docMk/>
-            <pc:sldMk cId="430972845" sldId="283"/>
-            <ac:spMk id="2" creationId="{64492E64-A68B-8CA7-B3C6-044F7C8E76AB}"/>
-          </ac:spMkLst>
-        </pc:spChg>
-        <pc:spChg chg="mod">
-          <ac:chgData name="Gibbons, Carl" userId="d2b037bc-8fb4-4222-845c-61440543a456" providerId="ADAL" clId="{51435501-271E-456B-B95C-82DF6B0C339C}" dt="2023-11-21T13:58:59.100" v="1462" actId="20577"/>
-          <ac:spMkLst>
-            <pc:docMk/>
-            <pc:sldMk cId="430972845" sldId="283"/>
-            <ac:spMk id="4" creationId="{B64A8207-997F-319E-7F6D-676D3ECA779B}"/>
-          </ac:spMkLst>
-        </pc:spChg>
-      </pc:sldChg>
-      <pc:sldChg chg="addSp modSp add mod">
-        <pc:chgData name="Gibbons, Carl" userId="d2b037bc-8fb4-4222-845c-61440543a456" providerId="ADAL" clId="{51435501-271E-456B-B95C-82DF6B0C339C}" dt="2023-11-21T14:04:57.572" v="1657" actId="20577"/>
-        <pc:sldMkLst>
-          <pc:docMk/>
-          <pc:sldMk cId="1455565890" sldId="284"/>
-        </pc:sldMkLst>
-        <pc:spChg chg="mod">
-          <ac:chgData name="Gibbons, Carl" userId="d2b037bc-8fb4-4222-845c-61440543a456" providerId="ADAL" clId="{51435501-271E-456B-B95C-82DF6B0C339C}" dt="2023-11-21T13:40:11.968" v="817"/>
-          <ac:spMkLst>
-            <pc:docMk/>
-            <pc:sldMk cId="1455565890" sldId="284"/>
-            <ac:spMk id="2" creationId="{64492E64-A68B-8CA7-B3C6-044F7C8E76AB}"/>
-          </ac:spMkLst>
-        </pc:spChg>
-        <pc:spChg chg="add mod">
-          <ac:chgData name="Gibbons, Carl" userId="d2b037bc-8fb4-4222-845c-61440543a456" providerId="ADAL" clId="{51435501-271E-456B-B95C-82DF6B0C339C}" dt="2023-11-21T14:02:52.617" v="1619" actId="1076"/>
-          <ac:spMkLst>
-            <pc:docMk/>
-            <pc:sldMk cId="1455565890" sldId="284"/>
-            <ac:spMk id="3" creationId="{7375AC1B-6801-392D-9257-009409CA099B}"/>
-          </ac:spMkLst>
-        </pc:spChg>
-        <pc:spChg chg="mod">
-          <ac:chgData name="Gibbons, Carl" userId="d2b037bc-8fb4-4222-845c-61440543a456" providerId="ADAL" clId="{51435501-271E-456B-B95C-82DF6B0C339C}" dt="2023-11-21T14:04:57.572" v="1657" actId="20577"/>
-          <ac:spMkLst>
-            <pc:docMk/>
-            <pc:sldMk cId="1455565890" sldId="284"/>
-            <ac:spMk id="4" creationId="{B64A8207-997F-319E-7F6D-676D3ECA779B}"/>
-          </ac:spMkLst>
-        </pc:spChg>
-      </pc:sldChg>
-      <pc:sldChg chg="modSp add mod">
-        <pc:chgData name="Gibbons, Carl" userId="d2b037bc-8fb4-4222-845c-61440543a456" providerId="ADAL" clId="{51435501-271E-456B-B95C-82DF6B0C339C}" dt="2023-11-21T14:06:28.175" v="1674" actId="2711"/>
-        <pc:sldMkLst>
-          <pc:docMk/>
-          <pc:sldMk cId="2197797733" sldId="285"/>
-        </pc:sldMkLst>
-        <pc:spChg chg="mod">
-          <ac:chgData name="Gibbons, Carl" userId="d2b037bc-8fb4-4222-845c-61440543a456" providerId="ADAL" clId="{51435501-271E-456B-B95C-82DF6B0C339C}" dt="2023-11-21T13:40:11.968" v="817"/>
-          <ac:spMkLst>
-            <pc:docMk/>
-            <pc:sldMk cId="2197797733" sldId="285"/>
-            <ac:spMk id="2" creationId="{64492E64-A68B-8CA7-B3C6-044F7C8E76AB}"/>
-          </ac:spMkLst>
-        </pc:spChg>
-        <pc:spChg chg="mod">
-          <ac:chgData name="Gibbons, Carl" userId="d2b037bc-8fb4-4222-845c-61440543a456" providerId="ADAL" clId="{51435501-271E-456B-B95C-82DF6B0C339C}" dt="2023-11-21T14:06:28.175" v="1674" actId="2711"/>
-          <ac:spMkLst>
-            <pc:docMk/>
-            <pc:sldMk cId="2197797733" sldId="285"/>
-            <ac:spMk id="4" creationId="{B64A8207-997F-319E-7F6D-676D3ECA779B}"/>
-          </ac:spMkLst>
-        </pc:spChg>
-      </pc:sldChg>
-      <pc:sldChg chg="modSp add mod">
-        <pc:chgData name="Gibbons, Carl" userId="d2b037bc-8fb4-4222-845c-61440543a456" providerId="ADAL" clId="{51435501-271E-456B-B95C-82DF6B0C339C}" dt="2023-11-21T14:08:44.001" v="1707" actId="20577"/>
-        <pc:sldMkLst>
-          <pc:docMk/>
-          <pc:sldMk cId="302208558" sldId="286"/>
-        </pc:sldMkLst>
-        <pc:spChg chg="mod">
-          <ac:chgData name="Gibbons, Carl" userId="d2b037bc-8fb4-4222-845c-61440543a456" providerId="ADAL" clId="{51435501-271E-456B-B95C-82DF6B0C339C}" dt="2023-11-21T13:40:11.968" v="817"/>
-          <ac:spMkLst>
-            <pc:docMk/>
-            <pc:sldMk cId="302208558" sldId="286"/>
-            <ac:spMk id="2" creationId="{64492E64-A68B-8CA7-B3C6-044F7C8E76AB}"/>
-          </ac:spMkLst>
-        </pc:spChg>
-        <pc:spChg chg="mod">
-          <ac:chgData name="Gibbons, Carl" userId="d2b037bc-8fb4-4222-845c-61440543a456" providerId="ADAL" clId="{51435501-271E-456B-B95C-82DF6B0C339C}" dt="2023-11-21T14:08:44.001" v="1707" actId="20577"/>
-          <ac:spMkLst>
-            <pc:docMk/>
-            <pc:sldMk cId="302208558" sldId="286"/>
-            <ac:spMk id="4" creationId="{B64A8207-997F-319E-7F6D-676D3ECA779B}"/>
-          </ac:spMkLst>
-        </pc:spChg>
-      </pc:sldChg>
-      <pc:sldChg chg="modSp add mod">
-        <pc:chgData name="Gibbons, Carl" userId="d2b037bc-8fb4-4222-845c-61440543a456" providerId="ADAL" clId="{51435501-271E-456B-B95C-82DF6B0C339C}" dt="2023-11-21T14:12:54.577" v="1727" actId="1076"/>
-        <pc:sldMkLst>
-          <pc:docMk/>
-          <pc:sldMk cId="1303758253" sldId="287"/>
-        </pc:sldMkLst>
-        <pc:spChg chg="mod">
-          <ac:chgData name="Gibbons, Carl" userId="d2b037bc-8fb4-4222-845c-61440543a456" providerId="ADAL" clId="{51435501-271E-456B-B95C-82DF6B0C339C}" dt="2023-11-21T13:40:11.968" v="817"/>
-          <ac:spMkLst>
-            <pc:docMk/>
-            <pc:sldMk cId="1303758253" sldId="287"/>
-            <ac:spMk id="2" creationId="{64492E64-A68B-8CA7-B3C6-044F7C8E76AB}"/>
-          </ac:spMkLst>
-        </pc:spChg>
-        <pc:spChg chg="mod">
-          <ac:chgData name="Gibbons, Carl" userId="d2b037bc-8fb4-4222-845c-61440543a456" providerId="ADAL" clId="{51435501-271E-456B-B95C-82DF6B0C339C}" dt="2023-11-21T14:12:54.577" v="1727" actId="1076"/>
-          <ac:spMkLst>
-            <pc:docMk/>
-            <pc:sldMk cId="1303758253" sldId="287"/>
-            <ac:spMk id="3" creationId="{971FC0D0-C1B5-D622-2BCB-D09C9EBB7F94}"/>
-          </ac:spMkLst>
-        </pc:spChg>
-        <pc:spChg chg="mod">
-          <ac:chgData name="Gibbons, Carl" userId="d2b037bc-8fb4-4222-845c-61440543a456" providerId="ADAL" clId="{51435501-271E-456B-B95C-82DF6B0C339C}" dt="2023-11-21T14:12:00.892" v="1723" actId="20577"/>
-          <ac:spMkLst>
-            <pc:docMk/>
-            <pc:sldMk cId="1303758253" sldId="287"/>
-            <ac:spMk id="4" creationId="{B64A8207-997F-319E-7F6D-676D3ECA779B}"/>
-          </ac:spMkLst>
-        </pc:spChg>
-      </pc:sldChg>
-      <pc:sldChg chg="modSp add mod">
-        <pc:chgData name="Gibbons, Carl" userId="d2b037bc-8fb4-4222-845c-61440543a456" providerId="ADAL" clId="{51435501-271E-456B-B95C-82DF6B0C339C}" dt="2023-11-21T14:15:00.826" v="1745" actId="20577"/>
-        <pc:sldMkLst>
-          <pc:docMk/>
-          <pc:sldMk cId="2314789064" sldId="288"/>
-        </pc:sldMkLst>
-        <pc:spChg chg="mod">
-          <ac:chgData name="Gibbons, Carl" userId="d2b037bc-8fb4-4222-845c-61440543a456" providerId="ADAL" clId="{51435501-271E-456B-B95C-82DF6B0C339C}" dt="2023-11-21T13:40:11.968" v="817"/>
-          <ac:spMkLst>
-            <pc:docMk/>
-            <pc:sldMk cId="2314789064" sldId="288"/>
-            <ac:spMk id="2" creationId="{64492E64-A68B-8CA7-B3C6-044F7C8E76AB}"/>
-          </ac:spMkLst>
-        </pc:spChg>
-        <pc:spChg chg="mod">
-          <ac:chgData name="Gibbons, Carl" userId="d2b037bc-8fb4-4222-845c-61440543a456" providerId="ADAL" clId="{51435501-271E-456B-B95C-82DF6B0C339C}" dt="2023-11-21T14:15:00.826" v="1745" actId="20577"/>
-          <ac:spMkLst>
-            <pc:docMk/>
-            <pc:sldMk cId="2314789064" sldId="288"/>
-            <ac:spMk id="4" creationId="{B64A8207-997F-319E-7F6D-676D3ECA779B}"/>
-          </ac:spMkLst>
-        </pc:spChg>
-      </pc:sldChg>
-      <pc:sldChg chg="modSp add mod">
-        <pc:chgData name="Gibbons, Carl" userId="d2b037bc-8fb4-4222-845c-61440543a456" providerId="ADAL" clId="{51435501-271E-456B-B95C-82DF6B0C339C}" dt="2023-11-21T16:10:07.751" v="2311" actId="20577"/>
-        <pc:sldMkLst>
-          <pc:docMk/>
-          <pc:sldMk cId="3380918512" sldId="289"/>
-        </pc:sldMkLst>
-        <pc:spChg chg="mod">
-          <ac:chgData name="Gibbons, Carl" userId="d2b037bc-8fb4-4222-845c-61440543a456" providerId="ADAL" clId="{51435501-271E-456B-B95C-82DF6B0C339C}" dt="2023-11-21T13:40:11.968" v="817"/>
-          <ac:spMkLst>
-            <pc:docMk/>
-            <pc:sldMk cId="3380918512" sldId="289"/>
-            <ac:spMk id="2" creationId="{64492E64-A68B-8CA7-B3C6-044F7C8E76AB}"/>
-          </ac:spMkLst>
-        </pc:spChg>
-        <pc:spChg chg="mod">
-          <ac:chgData name="Gibbons, Carl" userId="d2b037bc-8fb4-4222-845c-61440543a456" providerId="ADAL" clId="{51435501-271E-456B-B95C-82DF6B0C339C}" dt="2023-11-21T16:10:07.751" v="2311" actId="20577"/>
-          <ac:spMkLst>
-            <pc:docMk/>
-            <pc:sldMk cId="3380918512" sldId="289"/>
-            <ac:spMk id="4" creationId="{B64A8207-997F-319E-7F6D-676D3ECA779B}"/>
-          </ac:spMkLst>
-        </pc:spChg>
-      </pc:sldChg>
-      <pc:sldChg chg="modSp add mod">
-        <pc:chgData name="Gibbons, Carl" userId="d2b037bc-8fb4-4222-845c-61440543a456" providerId="ADAL" clId="{51435501-271E-456B-B95C-82DF6B0C339C}" dt="2023-11-21T16:13:36.939" v="2419" actId="20577"/>
-        <pc:sldMkLst>
-          <pc:docMk/>
-          <pc:sldMk cId="1660845239" sldId="290"/>
-        </pc:sldMkLst>
-        <pc:spChg chg="mod">
-          <ac:chgData name="Gibbons, Carl" userId="d2b037bc-8fb4-4222-845c-61440543a456" providerId="ADAL" clId="{51435501-271E-456B-B95C-82DF6B0C339C}" dt="2023-11-21T13:40:11.968" v="817"/>
-          <ac:spMkLst>
-            <pc:docMk/>
-            <pc:sldMk cId="1660845239" sldId="290"/>
-            <ac:spMk id="2" creationId="{64492E64-A68B-8CA7-B3C6-044F7C8E76AB}"/>
-          </ac:spMkLst>
-        </pc:spChg>
-        <pc:spChg chg="mod">
-          <ac:chgData name="Gibbons, Carl" userId="d2b037bc-8fb4-4222-845c-61440543a456" providerId="ADAL" clId="{51435501-271E-456B-B95C-82DF6B0C339C}" dt="2023-11-21T16:13:36.939" v="2419" actId="20577"/>
-          <ac:spMkLst>
-            <pc:docMk/>
-            <pc:sldMk cId="1660845239" sldId="290"/>
-            <ac:spMk id="4" creationId="{B64A8207-997F-319E-7F6D-676D3ECA779B}"/>
-          </ac:spMkLst>
-        </pc:spChg>
-      </pc:sldChg>
-      <pc:sldChg chg="modSp add mod">
-        <pc:chgData name="Gibbons, Carl" userId="d2b037bc-8fb4-4222-845c-61440543a456" providerId="ADAL" clId="{51435501-271E-456B-B95C-82DF6B0C339C}" dt="2023-11-21T14:27:42.368" v="1857" actId="20577"/>
-        <pc:sldMkLst>
-          <pc:docMk/>
-          <pc:sldMk cId="2281732276" sldId="291"/>
-        </pc:sldMkLst>
-        <pc:spChg chg="mod">
-          <ac:chgData name="Gibbons, Carl" userId="d2b037bc-8fb4-4222-845c-61440543a456" providerId="ADAL" clId="{51435501-271E-456B-B95C-82DF6B0C339C}" dt="2023-11-21T13:40:11.968" v="817"/>
-          <ac:spMkLst>
-            <pc:docMk/>
-            <pc:sldMk cId="2281732276" sldId="291"/>
-            <ac:spMk id="2" creationId="{64492E64-A68B-8CA7-B3C6-044F7C8E76AB}"/>
-          </ac:spMkLst>
-        </pc:spChg>
-        <pc:spChg chg="mod">
-          <ac:chgData name="Gibbons, Carl" userId="d2b037bc-8fb4-4222-845c-61440543a456" providerId="ADAL" clId="{51435501-271E-456B-B95C-82DF6B0C339C}" dt="2023-11-21T14:27:42.368" v="1857" actId="20577"/>
-          <ac:spMkLst>
-            <pc:docMk/>
-            <pc:sldMk cId="2281732276" sldId="291"/>
+            <pc:sldMk cId="3093343089" sldId="258"/>
             <ac:spMk id="4" creationId="{B64A8207-997F-319E-7F6D-676D3ECA779B}"/>
           </ac:spMkLst>
         </pc:spChg>
       </pc:sldChg>
       <pc:sldChg chg="modSp mod">
-        <pc:chgData name="Gibbons, Carl" userId="d2b037bc-8fb4-4222-845c-61440543a456" providerId="ADAL" clId="{51435501-271E-456B-B95C-82DF6B0C339C}" dt="2023-11-21T16:03:35.690" v="1958" actId="20577"/>
+        <pc:chgData name="Palmer, Jennifer" userId="04c8c1b4-349a-4c5d-8a68-5732467f309e" providerId="ADAL" clId="{F06F7416-AE39-4B53-98DF-CCE392FB41DF}" dt="2024-11-20T22:52:51.937" v="1" actId="1076"/>
         <pc:sldMkLst>
           <pc:docMk/>
-          <pc:sldMk cId="86819421" sldId="292"/>
+          <pc:sldMk cId="3904849878" sldId="259"/>
         </pc:sldMkLst>
         <pc:spChg chg="mod">
-          <ac:chgData name="Gibbons, Carl" userId="d2b037bc-8fb4-4222-845c-61440543a456" providerId="ADAL" clId="{51435501-271E-456B-B95C-82DF6B0C339C}" dt="2023-11-21T13:40:11.968" v="817"/>
+          <ac:chgData name="Palmer, Jennifer" userId="04c8c1b4-349a-4c5d-8a68-5732467f309e" providerId="ADAL" clId="{F06F7416-AE39-4B53-98DF-CCE392FB41DF}" dt="2024-11-20T22:52:51.937" v="1" actId="1076"/>
           <ac:spMkLst>
             <pc:docMk/>
-            <pc:sldMk cId="86819421" sldId="292"/>
+            <pc:sldMk cId="3904849878" sldId="259"/>
             <ac:spMk id="2" creationId="{64492E64-A68B-8CA7-B3C6-044F7C8E76AB}"/>
           </ac:spMkLst>
         </pc:spChg>
         <pc:spChg chg="mod">
-          <ac:chgData name="Gibbons, Carl" userId="d2b037bc-8fb4-4222-845c-61440543a456" providerId="ADAL" clId="{51435501-271E-456B-B95C-82DF6B0C339C}" dt="2023-11-21T16:03:35.690" v="1958" actId="20577"/>
+          <ac:chgData name="Palmer, Jennifer" userId="04c8c1b4-349a-4c5d-8a68-5732467f309e" providerId="ADAL" clId="{F06F7416-AE39-4B53-98DF-CCE392FB41DF}" dt="2024-11-20T22:52:48.045" v="0" actId="1076"/>
           <ac:spMkLst>
             <pc:docMk/>
-            <pc:sldMk cId="86819421" sldId="292"/>
+            <pc:sldMk cId="3904849878" sldId="259"/>
+            <ac:spMk id="4" creationId="{B64A8207-997F-319E-7F6D-676D3ECA779B}"/>
+          </ac:spMkLst>
+        </pc:spChg>
+      </pc:sldChg>
+    </pc:docChg>
+  </pc:docChgLst>
+  <pc:docChgLst>
+    <pc:chgData name="Talbert, Matthew" userId="877a4118-3f16-4ac9-a72c-5dd2c7b28c85" providerId="ADAL" clId="{542DF80E-0BAB-49BE-8038-A8F3A0DA3938}"/>
+    <pc:docChg chg="undo redo custSel modSld">
+      <pc:chgData name="Talbert, Matthew" userId="877a4118-3f16-4ac9-a72c-5dd2c7b28c85" providerId="ADAL" clId="{542DF80E-0BAB-49BE-8038-A8F3A0DA3938}" dt="2024-11-22T22:58:37.173" v="397" actId="12788"/>
+      <pc:docMkLst>
+        <pc:docMk/>
+      </pc:docMkLst>
+      <pc:sldChg chg="modSp mod">
+        <pc:chgData name="Talbert, Matthew" userId="877a4118-3f16-4ac9-a72c-5dd2c7b28c85" providerId="ADAL" clId="{542DF80E-0BAB-49BE-8038-A8F3A0DA3938}" dt="2024-11-22T22:57:54.827" v="382" actId="12788"/>
+        <pc:sldMkLst>
+          <pc:docMk/>
+          <pc:sldMk cId="3093343089" sldId="258"/>
+        </pc:sldMkLst>
+        <pc:spChg chg="mod">
+          <ac:chgData name="Talbert, Matthew" userId="877a4118-3f16-4ac9-a72c-5dd2c7b28c85" providerId="ADAL" clId="{542DF80E-0BAB-49BE-8038-A8F3A0DA3938}" dt="2024-11-22T22:57:54.827" v="382" actId="12788"/>
+          <ac:spMkLst>
+            <pc:docMk/>
+            <pc:sldMk cId="3093343089" sldId="258"/>
+            <ac:spMk id="2" creationId="{64492E64-A68B-8CA7-B3C6-044F7C8E76AB}"/>
+          </ac:spMkLst>
+        </pc:spChg>
+        <pc:spChg chg="mod">
+          <ac:chgData name="Talbert, Matthew" userId="877a4118-3f16-4ac9-a72c-5dd2c7b28c85" providerId="ADAL" clId="{542DF80E-0BAB-49BE-8038-A8F3A0DA3938}" dt="2024-11-22T22:57:54.827" v="382" actId="12788"/>
+          <ac:spMkLst>
+            <pc:docMk/>
+            <pc:sldMk cId="3093343089" sldId="258"/>
             <ac:spMk id="4" creationId="{B64A8207-997F-319E-7F6D-676D3ECA779B}"/>
           </ac:spMkLst>
         </pc:spChg>
       </pc:sldChg>
       <pc:sldChg chg="modSp mod">
-        <pc:chgData name="Gibbons, Carl" userId="d2b037bc-8fb4-4222-845c-61440543a456" providerId="ADAL" clId="{51435501-271E-456B-B95C-82DF6B0C339C}" dt="2023-11-21T13:47:14.264" v="1036" actId="2711"/>
+        <pc:chgData name="Talbert, Matthew" userId="877a4118-3f16-4ac9-a72c-5dd2c7b28c85" providerId="ADAL" clId="{542DF80E-0BAB-49BE-8038-A8F3A0DA3938}" dt="2024-11-22T22:58:02.355" v="383" actId="12788"/>
         <pc:sldMkLst>
           <pc:docMk/>
-          <pc:sldMk cId="3031538593" sldId="293"/>
+          <pc:sldMk cId="3904849878" sldId="259"/>
         </pc:sldMkLst>
         <pc:spChg chg="mod">
-          <ac:chgData name="Gibbons, Carl" userId="d2b037bc-8fb4-4222-845c-61440543a456" providerId="ADAL" clId="{51435501-271E-456B-B95C-82DF6B0C339C}" dt="2023-11-21T13:40:11.968" v="817"/>
+          <ac:chgData name="Talbert, Matthew" userId="877a4118-3f16-4ac9-a72c-5dd2c7b28c85" providerId="ADAL" clId="{542DF80E-0BAB-49BE-8038-A8F3A0DA3938}" dt="2024-11-22T22:58:02.355" v="383" actId="12788"/>
           <ac:spMkLst>
             <pc:docMk/>
-            <pc:sldMk cId="3031538593" sldId="293"/>
+            <pc:sldMk cId="3904849878" sldId="259"/>
             <ac:spMk id="2" creationId="{64492E64-A68B-8CA7-B3C6-044F7C8E76AB}"/>
           </ac:spMkLst>
         </pc:spChg>
         <pc:spChg chg="mod">
-          <ac:chgData name="Gibbons, Carl" userId="d2b037bc-8fb4-4222-845c-61440543a456" providerId="ADAL" clId="{51435501-271E-456B-B95C-82DF6B0C339C}" dt="2023-11-21T13:47:14.264" v="1036" actId="2711"/>
+          <ac:chgData name="Talbert, Matthew" userId="877a4118-3f16-4ac9-a72c-5dd2c7b28c85" providerId="ADAL" clId="{542DF80E-0BAB-49BE-8038-A8F3A0DA3938}" dt="2024-11-22T22:58:02.355" v="383" actId="12788"/>
           <ac:spMkLst>
             <pc:docMk/>
-            <pc:sldMk cId="3031538593" sldId="293"/>
+            <pc:sldMk cId="3904849878" sldId="259"/>
             <ac:spMk id="4" creationId="{B64A8207-997F-319E-7F6D-676D3ECA779B}"/>
           </ac:spMkLst>
         </pc:spChg>
       </pc:sldChg>
-      <pc:sldMasterChg chg="delSldLayout">
-        <pc:chgData name="Gibbons, Carl" userId="d2b037bc-8fb4-4222-845c-61440543a456" providerId="ADAL" clId="{51435501-271E-456B-B95C-82DF6B0C339C}" dt="2023-11-21T08:40:31.434" v="0" actId="47"/>
-        <pc:sldMasterMkLst>
-          <pc:docMk/>
-          <pc:sldMasterMk cId="3136267371" sldId="2147483681"/>
-        </pc:sldMasterMkLst>
-        <pc:sldLayoutChg chg="del">
-          <pc:chgData name="Gibbons, Carl" userId="d2b037bc-8fb4-4222-845c-61440543a456" providerId="ADAL" clId="{51435501-271E-456B-B95C-82DF6B0C339C}" dt="2023-11-21T08:40:31.434" v="0" actId="47"/>
-          <pc:sldLayoutMkLst>
-            <pc:docMk/>
-            <pc:sldMasterMk cId="3136267371" sldId="2147483681"/>
-            <pc:sldLayoutMk cId="2326417790" sldId="2147483693"/>
-          </pc:sldLayoutMkLst>
-        </pc:sldLayoutChg>
-      </pc:sldMasterChg>
-    </pc:docChg>
-  </pc:docChgLst>
-  <pc:docChgLst>
-    <pc:chgData name="Gibbons, Carl" userId="d2b037bc-8fb4-4222-845c-61440543a456" providerId="ADAL" clId="{E57B44F7-9166-4860-B42E-16E10C370C69}"/>
-    <pc:docChg chg="custSel modSld">
-      <pc:chgData name="Gibbons, Carl" userId="d2b037bc-8fb4-4222-845c-61440543a456" providerId="ADAL" clId="{E57B44F7-9166-4860-B42E-16E10C370C69}" dt="2024-05-17T03:21:15.531" v="22"/>
-      <pc:docMkLst>
-        <pc:docMk/>
-      </pc:docMkLst>
       <pc:sldChg chg="modSp mod">
-        <pc:chgData name="Gibbons, Carl" userId="d2b037bc-8fb4-4222-845c-61440543a456" providerId="ADAL" clId="{E57B44F7-9166-4860-B42E-16E10C370C69}" dt="2024-05-17T03:21:15.531" v="22"/>
+        <pc:chgData name="Talbert, Matthew" userId="877a4118-3f16-4ac9-a72c-5dd2c7b28c85" providerId="ADAL" clId="{542DF80E-0BAB-49BE-8038-A8F3A0DA3938}" dt="2024-11-22T22:58:04.297" v="384" actId="12788"/>
         <pc:sldMkLst>
           <pc:docMk/>
-          <pc:sldMk cId="1660845239" sldId="290"/>
+          <pc:sldMk cId="86819421" sldId="260"/>
         </pc:sldMkLst>
         <pc:spChg chg="mod">
-          <ac:chgData name="Gibbons, Carl" userId="d2b037bc-8fb4-4222-845c-61440543a456" providerId="ADAL" clId="{E57B44F7-9166-4860-B42E-16E10C370C69}" dt="2024-05-17T03:21:15.531" v="22"/>
+          <ac:chgData name="Talbert, Matthew" userId="877a4118-3f16-4ac9-a72c-5dd2c7b28c85" providerId="ADAL" clId="{542DF80E-0BAB-49BE-8038-A8F3A0DA3938}" dt="2024-11-22T22:58:04.297" v="384" actId="12788"/>
           <ac:spMkLst>
             <pc:docMk/>
-            <pc:sldMk cId="1660845239" sldId="290"/>
+            <pc:sldMk cId="86819421" sldId="260"/>
+            <ac:spMk id="2" creationId="{64492E64-A68B-8CA7-B3C6-044F7C8E76AB}"/>
+          </ac:spMkLst>
+        </pc:spChg>
+        <pc:spChg chg="mod">
+          <ac:chgData name="Talbert, Matthew" userId="877a4118-3f16-4ac9-a72c-5dd2c7b28c85" providerId="ADAL" clId="{542DF80E-0BAB-49BE-8038-A8F3A0DA3938}" dt="2024-11-22T22:58:04.297" v="384" actId="12788"/>
+          <ac:spMkLst>
+            <pc:docMk/>
+            <pc:sldMk cId="86819421" sldId="260"/>
+            <ac:spMk id="4" creationId="{B64A8207-997F-319E-7F6D-676D3ECA779B}"/>
+          </ac:spMkLst>
+        </pc:spChg>
+      </pc:sldChg>
+      <pc:sldChg chg="modSp mod">
+        <pc:chgData name="Talbert, Matthew" userId="877a4118-3f16-4ac9-a72c-5dd2c7b28c85" providerId="ADAL" clId="{542DF80E-0BAB-49BE-8038-A8F3A0DA3938}" dt="2024-11-22T22:58:07.400" v="385" actId="12788"/>
+        <pc:sldMkLst>
+          <pc:docMk/>
+          <pc:sldMk cId="3236794296" sldId="261"/>
+        </pc:sldMkLst>
+        <pc:spChg chg="mod">
+          <ac:chgData name="Talbert, Matthew" userId="877a4118-3f16-4ac9-a72c-5dd2c7b28c85" providerId="ADAL" clId="{542DF80E-0BAB-49BE-8038-A8F3A0DA3938}" dt="2024-11-22T22:58:07.400" v="385" actId="12788"/>
+          <ac:spMkLst>
+            <pc:docMk/>
+            <pc:sldMk cId="3236794296" sldId="261"/>
+            <ac:spMk id="2" creationId="{64492E64-A68B-8CA7-B3C6-044F7C8E76AB}"/>
+          </ac:spMkLst>
+        </pc:spChg>
+        <pc:spChg chg="mod">
+          <ac:chgData name="Talbert, Matthew" userId="877a4118-3f16-4ac9-a72c-5dd2c7b28c85" providerId="ADAL" clId="{542DF80E-0BAB-49BE-8038-A8F3A0DA3938}" dt="2024-11-22T22:58:07.400" v="385" actId="12788"/>
+          <ac:spMkLst>
+            <pc:docMk/>
+            <pc:sldMk cId="3236794296" sldId="261"/>
+            <ac:spMk id="4" creationId="{B64A8207-997F-319E-7F6D-676D3ECA779B}"/>
+          </ac:spMkLst>
+        </pc:spChg>
+      </pc:sldChg>
+      <pc:sldChg chg="modSp mod">
+        <pc:chgData name="Talbert, Matthew" userId="877a4118-3f16-4ac9-a72c-5dd2c7b28c85" providerId="ADAL" clId="{542DF80E-0BAB-49BE-8038-A8F3A0DA3938}" dt="2024-11-22T22:58:09.428" v="386" actId="12788"/>
+        <pc:sldMkLst>
+          <pc:docMk/>
+          <pc:sldMk cId="2315803868" sldId="262"/>
+        </pc:sldMkLst>
+        <pc:spChg chg="mod">
+          <ac:chgData name="Talbert, Matthew" userId="877a4118-3f16-4ac9-a72c-5dd2c7b28c85" providerId="ADAL" clId="{542DF80E-0BAB-49BE-8038-A8F3A0DA3938}" dt="2024-11-22T22:58:09.428" v="386" actId="12788"/>
+          <ac:spMkLst>
+            <pc:docMk/>
+            <pc:sldMk cId="2315803868" sldId="262"/>
+            <ac:spMk id="2" creationId="{64492E64-A68B-8CA7-B3C6-044F7C8E76AB}"/>
+          </ac:spMkLst>
+        </pc:spChg>
+        <pc:spChg chg="mod">
+          <ac:chgData name="Talbert, Matthew" userId="877a4118-3f16-4ac9-a72c-5dd2c7b28c85" providerId="ADAL" clId="{542DF80E-0BAB-49BE-8038-A8F3A0DA3938}" dt="2024-11-22T22:58:09.428" v="386" actId="12788"/>
+          <ac:spMkLst>
+            <pc:docMk/>
+            <pc:sldMk cId="2315803868" sldId="262"/>
+            <ac:spMk id="4" creationId="{B64A8207-997F-319E-7F6D-676D3ECA779B}"/>
+          </ac:spMkLst>
+        </pc:spChg>
+      </pc:sldChg>
+      <pc:sldChg chg="modSp mod">
+        <pc:chgData name="Talbert, Matthew" userId="877a4118-3f16-4ac9-a72c-5dd2c7b28c85" providerId="ADAL" clId="{542DF80E-0BAB-49BE-8038-A8F3A0DA3938}" dt="2024-11-22T22:58:11.940" v="388" actId="12788"/>
+        <pc:sldMkLst>
+          <pc:docMk/>
+          <pc:sldMk cId="3031538593" sldId="263"/>
+        </pc:sldMkLst>
+        <pc:spChg chg="mod">
+          <ac:chgData name="Talbert, Matthew" userId="877a4118-3f16-4ac9-a72c-5dd2c7b28c85" providerId="ADAL" clId="{542DF80E-0BAB-49BE-8038-A8F3A0DA3938}" dt="2024-11-22T22:58:11.940" v="388" actId="12788"/>
+          <ac:spMkLst>
+            <pc:docMk/>
+            <pc:sldMk cId="3031538593" sldId="263"/>
+            <ac:spMk id="2" creationId="{64492E64-A68B-8CA7-B3C6-044F7C8E76AB}"/>
+          </ac:spMkLst>
+        </pc:spChg>
+        <pc:spChg chg="mod">
+          <ac:chgData name="Talbert, Matthew" userId="877a4118-3f16-4ac9-a72c-5dd2c7b28c85" providerId="ADAL" clId="{542DF80E-0BAB-49BE-8038-A8F3A0DA3938}" dt="2024-11-22T22:58:11.940" v="388" actId="12788"/>
+          <ac:spMkLst>
+            <pc:docMk/>
+            <pc:sldMk cId="3031538593" sldId="263"/>
+            <ac:spMk id="4" creationId="{B64A8207-997F-319E-7F6D-676D3ECA779B}"/>
+          </ac:spMkLst>
+        </pc:spChg>
+      </pc:sldChg>
+      <pc:sldChg chg="modSp mod">
+        <pc:chgData name="Talbert, Matthew" userId="877a4118-3f16-4ac9-a72c-5dd2c7b28c85" providerId="ADAL" clId="{542DF80E-0BAB-49BE-8038-A8F3A0DA3938}" dt="2024-11-22T22:58:14.142" v="389" actId="12788"/>
+        <pc:sldMkLst>
+          <pc:docMk/>
+          <pc:sldMk cId="3407578347" sldId="264"/>
+        </pc:sldMkLst>
+        <pc:spChg chg="mod">
+          <ac:chgData name="Talbert, Matthew" userId="877a4118-3f16-4ac9-a72c-5dd2c7b28c85" providerId="ADAL" clId="{542DF80E-0BAB-49BE-8038-A8F3A0DA3938}" dt="2024-11-22T22:58:14.142" v="389" actId="12788"/>
+          <ac:spMkLst>
+            <pc:docMk/>
+            <pc:sldMk cId="3407578347" sldId="264"/>
+            <ac:spMk id="2" creationId="{64492E64-A68B-8CA7-B3C6-044F7C8E76AB}"/>
+          </ac:spMkLst>
+        </pc:spChg>
+        <pc:spChg chg="mod">
+          <ac:chgData name="Talbert, Matthew" userId="877a4118-3f16-4ac9-a72c-5dd2c7b28c85" providerId="ADAL" clId="{542DF80E-0BAB-49BE-8038-A8F3A0DA3938}" dt="2024-11-22T22:58:14.142" v="389" actId="12788"/>
+          <ac:spMkLst>
+            <pc:docMk/>
+            <pc:sldMk cId="3407578347" sldId="264"/>
+            <ac:spMk id="4" creationId="{B64A8207-997F-319E-7F6D-676D3ECA779B}"/>
+          </ac:spMkLst>
+        </pc:spChg>
+      </pc:sldChg>
+      <pc:sldChg chg="modSp mod">
+        <pc:chgData name="Talbert, Matthew" userId="877a4118-3f16-4ac9-a72c-5dd2c7b28c85" providerId="ADAL" clId="{542DF80E-0BAB-49BE-8038-A8F3A0DA3938}" dt="2024-11-22T22:58:16.076" v="390" actId="12788"/>
+        <pc:sldMkLst>
+          <pc:docMk/>
+          <pc:sldMk cId="430972845" sldId="265"/>
+        </pc:sldMkLst>
+        <pc:spChg chg="mod">
+          <ac:chgData name="Talbert, Matthew" userId="877a4118-3f16-4ac9-a72c-5dd2c7b28c85" providerId="ADAL" clId="{542DF80E-0BAB-49BE-8038-A8F3A0DA3938}" dt="2024-11-22T22:58:16.076" v="390" actId="12788"/>
+          <ac:spMkLst>
+            <pc:docMk/>
+            <pc:sldMk cId="430972845" sldId="265"/>
+            <ac:spMk id="2" creationId="{64492E64-A68B-8CA7-B3C6-044F7C8E76AB}"/>
+          </ac:spMkLst>
+        </pc:spChg>
+        <pc:spChg chg="mod">
+          <ac:chgData name="Talbert, Matthew" userId="877a4118-3f16-4ac9-a72c-5dd2c7b28c85" providerId="ADAL" clId="{542DF80E-0BAB-49BE-8038-A8F3A0DA3938}" dt="2024-11-22T22:58:16.076" v="390" actId="12788"/>
+          <ac:spMkLst>
+            <pc:docMk/>
+            <pc:sldMk cId="430972845" sldId="265"/>
+            <ac:spMk id="4" creationId="{B64A8207-997F-319E-7F6D-676D3ECA779B}"/>
+          </ac:spMkLst>
+        </pc:spChg>
+      </pc:sldChg>
+      <pc:sldChg chg="modSp mod">
+        <pc:chgData name="Talbert, Matthew" userId="877a4118-3f16-4ac9-a72c-5dd2c7b28c85" providerId="ADAL" clId="{542DF80E-0BAB-49BE-8038-A8F3A0DA3938}" dt="2024-11-22T22:58:18.589" v="391" actId="12788"/>
+        <pc:sldMkLst>
+          <pc:docMk/>
+          <pc:sldMk cId="1455565890" sldId="266"/>
+        </pc:sldMkLst>
+        <pc:spChg chg="mod">
+          <ac:chgData name="Talbert, Matthew" userId="877a4118-3f16-4ac9-a72c-5dd2c7b28c85" providerId="ADAL" clId="{542DF80E-0BAB-49BE-8038-A8F3A0DA3938}" dt="2024-11-22T22:58:18.589" v="391" actId="12788"/>
+          <ac:spMkLst>
+            <pc:docMk/>
+            <pc:sldMk cId="1455565890" sldId="266"/>
+            <ac:spMk id="2" creationId="{64492E64-A68B-8CA7-B3C6-044F7C8E76AB}"/>
+          </ac:spMkLst>
+        </pc:spChg>
+        <pc:spChg chg="mod">
+          <ac:chgData name="Talbert, Matthew" userId="877a4118-3f16-4ac9-a72c-5dd2c7b28c85" providerId="ADAL" clId="{542DF80E-0BAB-49BE-8038-A8F3A0DA3938}" dt="2024-11-22T22:58:18.589" v="391" actId="12788"/>
+          <ac:spMkLst>
+            <pc:docMk/>
+            <pc:sldMk cId="1455565890" sldId="266"/>
+            <ac:spMk id="3" creationId="{7375AC1B-6801-392D-9257-009409CA099B}"/>
+          </ac:spMkLst>
+        </pc:spChg>
+        <pc:spChg chg="mod">
+          <ac:chgData name="Talbert, Matthew" userId="877a4118-3f16-4ac9-a72c-5dd2c7b28c85" providerId="ADAL" clId="{542DF80E-0BAB-49BE-8038-A8F3A0DA3938}" dt="2024-11-22T22:58:18.589" v="391" actId="12788"/>
+          <ac:spMkLst>
+            <pc:docMk/>
+            <pc:sldMk cId="1455565890" sldId="266"/>
+            <ac:spMk id="4" creationId="{B64A8207-997F-319E-7F6D-676D3ECA779B}"/>
+          </ac:spMkLst>
+        </pc:spChg>
+      </pc:sldChg>
+      <pc:sldChg chg="modSp mod">
+        <pc:chgData name="Talbert, Matthew" userId="877a4118-3f16-4ac9-a72c-5dd2c7b28c85" providerId="ADAL" clId="{542DF80E-0BAB-49BE-8038-A8F3A0DA3938}" dt="2024-11-22T22:58:20.755" v="392" actId="12788"/>
+        <pc:sldMkLst>
+          <pc:docMk/>
+          <pc:sldMk cId="2197797733" sldId="267"/>
+        </pc:sldMkLst>
+        <pc:spChg chg="mod">
+          <ac:chgData name="Talbert, Matthew" userId="877a4118-3f16-4ac9-a72c-5dd2c7b28c85" providerId="ADAL" clId="{542DF80E-0BAB-49BE-8038-A8F3A0DA3938}" dt="2024-11-22T22:58:20.755" v="392" actId="12788"/>
+          <ac:spMkLst>
+            <pc:docMk/>
+            <pc:sldMk cId="2197797733" sldId="267"/>
+            <ac:spMk id="2" creationId="{64492E64-A68B-8CA7-B3C6-044F7C8E76AB}"/>
+          </ac:spMkLst>
+        </pc:spChg>
+        <pc:spChg chg="mod">
+          <ac:chgData name="Talbert, Matthew" userId="877a4118-3f16-4ac9-a72c-5dd2c7b28c85" providerId="ADAL" clId="{542DF80E-0BAB-49BE-8038-A8F3A0DA3938}" dt="2024-11-22T22:58:20.755" v="392" actId="12788"/>
+          <ac:spMkLst>
+            <pc:docMk/>
+            <pc:sldMk cId="2197797733" sldId="267"/>
+            <ac:spMk id="4" creationId="{B64A8207-997F-319E-7F6D-676D3ECA779B}"/>
+          </ac:spMkLst>
+        </pc:spChg>
+      </pc:sldChg>
+      <pc:sldChg chg="modSp mod">
+        <pc:chgData name="Talbert, Matthew" userId="877a4118-3f16-4ac9-a72c-5dd2c7b28c85" providerId="ADAL" clId="{542DF80E-0BAB-49BE-8038-A8F3A0DA3938}" dt="2024-11-22T22:58:26.548" v="393" actId="12788"/>
+        <pc:sldMkLst>
+          <pc:docMk/>
+          <pc:sldMk cId="302208558" sldId="268"/>
+        </pc:sldMkLst>
+        <pc:spChg chg="mod">
+          <ac:chgData name="Talbert, Matthew" userId="877a4118-3f16-4ac9-a72c-5dd2c7b28c85" providerId="ADAL" clId="{542DF80E-0BAB-49BE-8038-A8F3A0DA3938}" dt="2024-11-22T22:58:26.548" v="393" actId="12788"/>
+          <ac:spMkLst>
+            <pc:docMk/>
+            <pc:sldMk cId="302208558" sldId="268"/>
+            <ac:spMk id="2" creationId="{64492E64-A68B-8CA7-B3C6-044F7C8E76AB}"/>
+          </ac:spMkLst>
+        </pc:spChg>
+        <pc:spChg chg="mod">
+          <ac:chgData name="Talbert, Matthew" userId="877a4118-3f16-4ac9-a72c-5dd2c7b28c85" providerId="ADAL" clId="{542DF80E-0BAB-49BE-8038-A8F3A0DA3938}" dt="2024-11-22T22:58:26.548" v="393" actId="12788"/>
+          <ac:spMkLst>
+            <pc:docMk/>
+            <pc:sldMk cId="302208558" sldId="268"/>
+            <ac:spMk id="4" creationId="{B64A8207-997F-319E-7F6D-676D3ECA779B}"/>
+          </ac:spMkLst>
+        </pc:spChg>
+      </pc:sldChg>
+      <pc:sldChg chg="modSp mod">
+        <pc:chgData name="Talbert, Matthew" userId="877a4118-3f16-4ac9-a72c-5dd2c7b28c85" providerId="ADAL" clId="{542DF80E-0BAB-49BE-8038-A8F3A0DA3938}" dt="2024-11-22T22:58:28.513" v="394" actId="12788"/>
+        <pc:sldMkLst>
+          <pc:docMk/>
+          <pc:sldMk cId="1303758253" sldId="269"/>
+        </pc:sldMkLst>
+        <pc:spChg chg="mod">
+          <ac:chgData name="Talbert, Matthew" userId="877a4118-3f16-4ac9-a72c-5dd2c7b28c85" providerId="ADAL" clId="{542DF80E-0BAB-49BE-8038-A8F3A0DA3938}" dt="2024-11-22T22:58:28.513" v="394" actId="12788"/>
+          <ac:spMkLst>
+            <pc:docMk/>
+            <pc:sldMk cId="1303758253" sldId="269"/>
+            <ac:spMk id="2" creationId="{64492E64-A68B-8CA7-B3C6-044F7C8E76AB}"/>
+          </ac:spMkLst>
+        </pc:spChg>
+        <pc:spChg chg="mod">
+          <ac:chgData name="Talbert, Matthew" userId="877a4118-3f16-4ac9-a72c-5dd2c7b28c85" providerId="ADAL" clId="{542DF80E-0BAB-49BE-8038-A8F3A0DA3938}" dt="2024-11-22T22:58:28.513" v="394" actId="12788"/>
+          <ac:spMkLst>
+            <pc:docMk/>
+            <pc:sldMk cId="1303758253" sldId="269"/>
+            <ac:spMk id="3" creationId="{971FC0D0-C1B5-D622-2BCB-D09C9EBB7F94}"/>
+          </ac:spMkLst>
+        </pc:spChg>
+        <pc:spChg chg="mod">
+          <ac:chgData name="Talbert, Matthew" userId="877a4118-3f16-4ac9-a72c-5dd2c7b28c85" providerId="ADAL" clId="{542DF80E-0BAB-49BE-8038-A8F3A0DA3938}" dt="2024-11-22T22:58:28.513" v="394" actId="12788"/>
+          <ac:spMkLst>
+            <pc:docMk/>
+            <pc:sldMk cId="1303758253" sldId="269"/>
+            <ac:spMk id="4" creationId="{B64A8207-997F-319E-7F6D-676D3ECA779B}"/>
+          </ac:spMkLst>
+        </pc:spChg>
+      </pc:sldChg>
+      <pc:sldChg chg="modSp mod">
+        <pc:chgData name="Talbert, Matthew" userId="877a4118-3f16-4ac9-a72c-5dd2c7b28c85" providerId="ADAL" clId="{542DF80E-0BAB-49BE-8038-A8F3A0DA3938}" dt="2024-11-22T22:58:30.157" v="395" actId="12788"/>
+        <pc:sldMkLst>
+          <pc:docMk/>
+          <pc:sldMk cId="2314789064" sldId="270"/>
+        </pc:sldMkLst>
+        <pc:spChg chg="mod">
+          <ac:chgData name="Talbert, Matthew" userId="877a4118-3f16-4ac9-a72c-5dd2c7b28c85" providerId="ADAL" clId="{542DF80E-0BAB-49BE-8038-A8F3A0DA3938}" dt="2024-11-22T22:58:30.157" v="395" actId="12788"/>
+          <ac:spMkLst>
+            <pc:docMk/>
+            <pc:sldMk cId="2314789064" sldId="270"/>
+            <ac:spMk id="2" creationId="{64492E64-A68B-8CA7-B3C6-044F7C8E76AB}"/>
+          </ac:spMkLst>
+        </pc:spChg>
+        <pc:spChg chg="mod">
+          <ac:chgData name="Talbert, Matthew" userId="877a4118-3f16-4ac9-a72c-5dd2c7b28c85" providerId="ADAL" clId="{542DF80E-0BAB-49BE-8038-A8F3A0DA3938}" dt="2024-11-22T22:58:30.157" v="395" actId="12788"/>
+          <ac:spMkLst>
+            <pc:docMk/>
+            <pc:sldMk cId="2314789064" sldId="270"/>
+            <ac:spMk id="4" creationId="{B64A8207-997F-319E-7F6D-676D3ECA779B}"/>
+          </ac:spMkLst>
+        </pc:spChg>
+      </pc:sldChg>
+      <pc:sldChg chg="modSp mod">
+        <pc:chgData name="Talbert, Matthew" userId="877a4118-3f16-4ac9-a72c-5dd2c7b28c85" providerId="ADAL" clId="{542DF80E-0BAB-49BE-8038-A8F3A0DA3938}" dt="2024-11-22T22:58:32.058" v="396" actId="12788"/>
+        <pc:sldMkLst>
+          <pc:docMk/>
+          <pc:sldMk cId="3380918512" sldId="271"/>
+        </pc:sldMkLst>
+        <pc:spChg chg="mod">
+          <ac:chgData name="Talbert, Matthew" userId="877a4118-3f16-4ac9-a72c-5dd2c7b28c85" providerId="ADAL" clId="{542DF80E-0BAB-49BE-8038-A8F3A0DA3938}" dt="2024-11-22T22:58:32.058" v="396" actId="12788"/>
+          <ac:spMkLst>
+            <pc:docMk/>
+            <pc:sldMk cId="3380918512" sldId="271"/>
+            <ac:spMk id="2" creationId="{64492E64-A68B-8CA7-B3C6-044F7C8E76AB}"/>
+          </ac:spMkLst>
+        </pc:spChg>
+        <pc:spChg chg="mod">
+          <ac:chgData name="Talbert, Matthew" userId="877a4118-3f16-4ac9-a72c-5dd2c7b28c85" providerId="ADAL" clId="{542DF80E-0BAB-49BE-8038-A8F3A0DA3938}" dt="2024-11-22T22:58:32.058" v="396" actId="12788"/>
+          <ac:spMkLst>
+            <pc:docMk/>
+            <pc:sldMk cId="3380918512" sldId="271"/>
+            <ac:spMk id="4" creationId="{B64A8207-997F-319E-7F6D-676D3ECA779B}"/>
+          </ac:spMkLst>
+        </pc:spChg>
+      </pc:sldChg>
+      <pc:sldChg chg="modSp mod">
+        <pc:chgData name="Talbert, Matthew" userId="877a4118-3f16-4ac9-a72c-5dd2c7b28c85" providerId="ADAL" clId="{542DF80E-0BAB-49BE-8038-A8F3A0DA3938}" dt="2024-11-22T22:18:56.031" v="381" actId="12788"/>
+        <pc:sldMkLst>
+          <pc:docMk/>
+          <pc:sldMk cId="1660845239" sldId="272"/>
+        </pc:sldMkLst>
+        <pc:spChg chg="mod">
+          <ac:chgData name="Talbert, Matthew" userId="877a4118-3f16-4ac9-a72c-5dd2c7b28c85" providerId="ADAL" clId="{542DF80E-0BAB-49BE-8038-A8F3A0DA3938}" dt="2024-11-22T22:17:58.932" v="365" actId="12788"/>
+          <ac:spMkLst>
+            <pc:docMk/>
+            <pc:sldMk cId="1660845239" sldId="272"/>
+            <ac:spMk id="2" creationId="{64492E64-A68B-8CA7-B3C6-044F7C8E76AB}"/>
+          </ac:spMkLst>
+        </pc:spChg>
+        <pc:spChg chg="mod">
+          <ac:chgData name="Talbert, Matthew" userId="877a4118-3f16-4ac9-a72c-5dd2c7b28c85" providerId="ADAL" clId="{542DF80E-0BAB-49BE-8038-A8F3A0DA3938}" dt="2024-11-22T22:18:56.031" v="381" actId="12788"/>
+          <ac:spMkLst>
+            <pc:docMk/>
+            <pc:sldMk cId="1660845239" sldId="272"/>
+            <ac:spMk id="4" creationId="{B64A8207-997F-319E-7F6D-676D3ECA779B}"/>
+          </ac:spMkLst>
+        </pc:spChg>
+        <pc:spChg chg="mod">
+          <ac:chgData name="Talbert, Matthew" userId="877a4118-3f16-4ac9-a72c-5dd2c7b28c85" providerId="ADAL" clId="{542DF80E-0BAB-49BE-8038-A8F3A0DA3938}" dt="2024-11-22T22:18:50.122" v="380" actId="1076"/>
+          <ac:spMkLst>
+            <pc:docMk/>
+            <pc:sldMk cId="1660845239" sldId="272"/>
+            <ac:spMk id="5" creationId="{C3D53CFC-124F-2A23-2884-777394206961}"/>
+          </ac:spMkLst>
+        </pc:spChg>
+      </pc:sldChg>
+      <pc:sldChg chg="modSp mod">
+        <pc:chgData name="Talbert, Matthew" userId="877a4118-3f16-4ac9-a72c-5dd2c7b28c85" providerId="ADAL" clId="{542DF80E-0BAB-49BE-8038-A8F3A0DA3938}" dt="2024-11-22T22:58:37.173" v="397" actId="12788"/>
+        <pc:sldMkLst>
+          <pc:docMk/>
+          <pc:sldMk cId="2281732276" sldId="273"/>
+        </pc:sldMkLst>
+        <pc:spChg chg="mod">
+          <ac:chgData name="Talbert, Matthew" userId="877a4118-3f16-4ac9-a72c-5dd2c7b28c85" providerId="ADAL" clId="{542DF80E-0BAB-49BE-8038-A8F3A0DA3938}" dt="2024-11-22T22:58:37.173" v="397" actId="12788"/>
+          <ac:spMkLst>
+            <pc:docMk/>
+            <pc:sldMk cId="2281732276" sldId="273"/>
+            <ac:spMk id="2" creationId="{64492E64-A68B-8CA7-B3C6-044F7C8E76AB}"/>
+          </ac:spMkLst>
+        </pc:spChg>
+        <pc:spChg chg="mod">
+          <ac:chgData name="Talbert, Matthew" userId="877a4118-3f16-4ac9-a72c-5dd2c7b28c85" providerId="ADAL" clId="{542DF80E-0BAB-49BE-8038-A8F3A0DA3938}" dt="2024-11-22T22:58:37.173" v="397" actId="12788"/>
+          <ac:spMkLst>
+            <pc:docMk/>
+            <pc:sldMk cId="2281732276" sldId="273"/>
             <ac:spMk id="4" creationId="{B64A8207-997F-319E-7F6D-676D3ECA779B}"/>
           </ac:spMkLst>
         </pc:spChg>
@@ -690,8 +590,8 @@
 </file>
 
 <file path=ppt/slideLayouts/slideLayout1.xml><?xml version="1.0" encoding="utf-8"?>
-<p:sldLayout xmlns:a="http://schemas.openxmlformats.org/drawingml/2006/main" xmlns:r="http://schemas.openxmlformats.org/officeDocument/2006/relationships" xmlns:p="http://schemas.openxmlformats.org/presentationml/2006/main" preserve="1">
-  <p:cSld name="Section Header">
+<p:sldLayout xmlns:a="http://schemas.openxmlformats.org/drawingml/2006/main" xmlns:r="http://schemas.openxmlformats.org/officeDocument/2006/relationships" xmlns:p="http://schemas.openxmlformats.org/presentationml/2006/main" preserve="1" userDrawn="1">
+  <p:cSld name="Title Slide">
     <p:spTree>
       <p:nvGrpSpPr>
         <p:cNvPr id="1" name=""/>
@@ -709,275 +609,7 @@
     </p:spTree>
     <p:extLst>
       <p:ext uri="{BB962C8B-B14F-4D97-AF65-F5344CB8AC3E}">
-        <p14:creationId xmlns:p14="http://schemas.microsoft.com/office/powerpoint/2010/main" val="186424346"/>
-      </p:ext>
-    </p:extLst>
-  </p:cSld>
-  <p:clrMapOvr>
-    <a:masterClrMapping/>
-  </p:clrMapOvr>
-  <p:transition>
-    <p:fade/>
-  </p:transition>
-</p:sldLayout>
-</file>
-
-<file path=ppt/slideLayouts/slideLayout10.xml><?xml version="1.0" encoding="utf-8"?>
-<p:sldLayout xmlns:a="http://schemas.openxmlformats.org/drawingml/2006/main" xmlns:r="http://schemas.openxmlformats.org/officeDocument/2006/relationships" xmlns:p="http://schemas.openxmlformats.org/presentationml/2006/main" type="twoObj" preserve="1">
-  <p:cSld name="Two Content">
-    <p:spTree>
-      <p:nvGrpSpPr>
-        <p:cNvPr id="1" name=""/>
-        <p:cNvGrpSpPr/>
-        <p:nvPr/>
-      </p:nvGrpSpPr>
-      <p:grpSpPr>
-        <a:xfrm>
-          <a:off x="0" y="0"/>
-          <a:ext cx="0" cy="0"/>
-          <a:chOff x="0" y="0"/>
-          <a:chExt cx="0" cy="0"/>
-        </a:xfrm>
-      </p:grpSpPr>
-      <p:sp>
-        <p:nvSpPr>
-          <p:cNvPr id="2" name="Title 1">
-            <a:extLst>
-              <a:ext uri="{FF2B5EF4-FFF2-40B4-BE49-F238E27FC236}">
-                <a16:creationId xmlns:a16="http://schemas.microsoft.com/office/drawing/2014/main" id="{D7417273-9D16-5639-8844-46262C7A214A}"/>
-              </a:ext>
-            </a:extLst>
-          </p:cNvPr>
-          <p:cNvSpPr>
-            <a:spLocks noGrp="1"/>
-          </p:cNvSpPr>
-          <p:nvPr>
-            <p:ph type="title"/>
-          </p:nvPr>
-        </p:nvSpPr>
-        <p:spPr/>
-        <p:txBody>
-          <a:bodyPr/>
-          <a:lstStyle/>
-          <a:p>
-            <a:r>
-              <a:rPr lang="en-US"/>
-              <a:t>Click to edit Master title style</a:t>
-            </a:r>
-          </a:p>
-        </p:txBody>
-      </p:sp>
-      <p:sp>
-        <p:nvSpPr>
-          <p:cNvPr id="3" name="Content Placeholder 2">
-            <a:extLst>
-              <a:ext uri="{FF2B5EF4-FFF2-40B4-BE49-F238E27FC236}">
-                <a16:creationId xmlns:a16="http://schemas.microsoft.com/office/drawing/2014/main" id="{B0CB97D0-5920-4A0C-455B-784B34D523CD}"/>
-              </a:ext>
-            </a:extLst>
-          </p:cNvPr>
-          <p:cNvSpPr>
-            <a:spLocks noGrp="1"/>
-          </p:cNvSpPr>
-          <p:nvPr>
-            <p:ph sz="half" idx="1"/>
-          </p:nvPr>
-        </p:nvSpPr>
-        <p:spPr>
-          <a:xfrm>
-            <a:off x="838200" y="1825625"/>
-            <a:ext cx="5181600" cy="4351338"/>
-          </a:xfrm>
-        </p:spPr>
-        <p:txBody>
-          <a:bodyPr/>
-          <a:lstStyle/>
-          <a:p>
-            <a:pPr lvl="0"/>
-            <a:r>
-              <a:rPr lang="en-US"/>
-              <a:t>Click to edit Master text styles</a:t>
-            </a:r>
-          </a:p>
-          <a:p>
-            <a:pPr lvl="1"/>
-            <a:r>
-              <a:rPr lang="en-US"/>
-              <a:t>Second level</a:t>
-            </a:r>
-          </a:p>
-          <a:p>
-            <a:pPr lvl="2"/>
-            <a:r>
-              <a:rPr lang="en-US"/>
-              <a:t>Third level</a:t>
-            </a:r>
-          </a:p>
-          <a:p>
-            <a:pPr lvl="3"/>
-            <a:r>
-              <a:rPr lang="en-US"/>
-              <a:t>Fourth level</a:t>
-            </a:r>
-          </a:p>
-          <a:p>
-            <a:pPr lvl="4"/>
-            <a:r>
-              <a:rPr lang="en-US"/>
-              <a:t>Fifth level</a:t>
-            </a:r>
-          </a:p>
-        </p:txBody>
-      </p:sp>
-      <p:sp>
-        <p:nvSpPr>
-          <p:cNvPr id="4" name="Content Placeholder 3">
-            <a:extLst>
-              <a:ext uri="{FF2B5EF4-FFF2-40B4-BE49-F238E27FC236}">
-                <a16:creationId xmlns:a16="http://schemas.microsoft.com/office/drawing/2014/main" id="{49C5FDBC-D200-7F14-85E8-2B208477DAF9}"/>
-              </a:ext>
-            </a:extLst>
-          </p:cNvPr>
-          <p:cNvSpPr>
-            <a:spLocks noGrp="1"/>
-          </p:cNvSpPr>
-          <p:nvPr>
-            <p:ph sz="half" idx="2"/>
-          </p:nvPr>
-        </p:nvSpPr>
-        <p:spPr>
-          <a:xfrm>
-            <a:off x="6172200" y="1825625"/>
-            <a:ext cx="5181600" cy="4351338"/>
-          </a:xfrm>
-        </p:spPr>
-        <p:txBody>
-          <a:bodyPr/>
-          <a:lstStyle/>
-          <a:p>
-            <a:pPr lvl="0"/>
-            <a:r>
-              <a:rPr lang="en-US"/>
-              <a:t>Click to edit Master text styles</a:t>
-            </a:r>
-          </a:p>
-          <a:p>
-            <a:pPr lvl="1"/>
-            <a:r>
-              <a:rPr lang="en-US"/>
-              <a:t>Second level</a:t>
-            </a:r>
-          </a:p>
-          <a:p>
-            <a:pPr lvl="2"/>
-            <a:r>
-              <a:rPr lang="en-US"/>
-              <a:t>Third level</a:t>
-            </a:r>
-          </a:p>
-          <a:p>
-            <a:pPr lvl="3"/>
-            <a:r>
-              <a:rPr lang="en-US"/>
-              <a:t>Fourth level</a:t>
-            </a:r>
-          </a:p>
-          <a:p>
-            <a:pPr lvl="4"/>
-            <a:r>
-              <a:rPr lang="en-US"/>
-              <a:t>Fifth level</a:t>
-            </a:r>
-          </a:p>
-        </p:txBody>
-      </p:sp>
-      <p:sp>
-        <p:nvSpPr>
-          <p:cNvPr id="5" name="Date Placeholder 4">
-            <a:extLst>
-              <a:ext uri="{FF2B5EF4-FFF2-40B4-BE49-F238E27FC236}">
-                <a16:creationId xmlns:a16="http://schemas.microsoft.com/office/drawing/2014/main" id="{9C0A7D34-EDD4-2B7C-7597-31E5AE2E8BD6}"/>
-              </a:ext>
-            </a:extLst>
-          </p:cNvPr>
-          <p:cNvSpPr>
-            <a:spLocks noGrp="1"/>
-          </p:cNvSpPr>
-          <p:nvPr>
-            <p:ph type="dt" sz="half" idx="10"/>
-          </p:nvPr>
-        </p:nvSpPr>
-        <p:spPr/>
-        <p:txBody>
-          <a:bodyPr/>
-          <a:lstStyle/>
-          <a:p>
-            <a:fld id="{0D69348B-4620-44E9-BF3F-EACBA9EEF323}" type="datetimeFigureOut">
-              <a:rPr lang="en-US" smtClean="0"/>
-              <a:t>5/16/2024</a:t>
-            </a:fld>
-            <a:endParaRPr lang="en-US"/>
-          </a:p>
-        </p:txBody>
-      </p:sp>
-      <p:sp>
-        <p:nvSpPr>
-          <p:cNvPr id="6" name="Footer Placeholder 5">
-            <a:extLst>
-              <a:ext uri="{FF2B5EF4-FFF2-40B4-BE49-F238E27FC236}">
-                <a16:creationId xmlns:a16="http://schemas.microsoft.com/office/drawing/2014/main" id="{001C50E6-D64B-52FC-1719-552ED73B243D}"/>
-              </a:ext>
-            </a:extLst>
-          </p:cNvPr>
-          <p:cNvSpPr>
-            <a:spLocks noGrp="1"/>
-          </p:cNvSpPr>
-          <p:nvPr>
-            <p:ph type="ftr" sz="quarter" idx="11"/>
-          </p:nvPr>
-        </p:nvSpPr>
-        <p:spPr/>
-        <p:txBody>
-          <a:bodyPr/>
-          <a:lstStyle/>
-          <a:p>
-            <a:endParaRPr lang="en-US"/>
-          </a:p>
-        </p:txBody>
-      </p:sp>
-      <p:sp>
-        <p:nvSpPr>
-          <p:cNvPr id="7" name="Slide Number Placeholder 6">
-            <a:extLst>
-              <a:ext uri="{FF2B5EF4-FFF2-40B4-BE49-F238E27FC236}">
-                <a16:creationId xmlns:a16="http://schemas.microsoft.com/office/drawing/2014/main" id="{159CBFED-25BE-7153-12B4-D0E8588920D3}"/>
-              </a:ext>
-            </a:extLst>
-          </p:cNvPr>
-          <p:cNvSpPr>
-            <a:spLocks noGrp="1"/>
-          </p:cNvSpPr>
-          <p:nvPr>
-            <p:ph type="sldNum" sz="quarter" idx="12"/>
-          </p:nvPr>
-        </p:nvSpPr>
-        <p:spPr/>
-        <p:txBody>
-          <a:bodyPr/>
-          <a:lstStyle/>
-          <a:p>
-            <a:fld id="{986C47A0-D0C4-4E8A-BEE9-37B09C3712B2}" type="slidenum">
-              <a:rPr lang="en-US" smtClean="0"/>
-              <a:t>‹#›</a:t>
-            </a:fld>
-            <a:endParaRPr lang="en-US"/>
-          </a:p>
-        </p:txBody>
-      </p:sp>
-    </p:spTree>
-    <p:extLst>
-      <p:ext uri="{BB962C8B-B14F-4D97-AF65-F5344CB8AC3E}">
-        <p14:creationId xmlns:p14="http://schemas.microsoft.com/office/powerpoint/2010/main" val="3119249891"/>
+        <p14:creationId xmlns:p14="http://schemas.microsoft.com/office/powerpoint/2010/main" val="2903089904"/>
       </p:ext>
     </p:extLst>
   </p:cSld>
@@ -987,1272 +619,7 @@
 </p:sldLayout>
 </file>
 
-<file path=ppt/slideLayouts/slideLayout11.xml><?xml version="1.0" encoding="utf-8"?>
-<p:sldLayout xmlns:a="http://schemas.openxmlformats.org/drawingml/2006/main" xmlns:r="http://schemas.openxmlformats.org/officeDocument/2006/relationships" xmlns:p="http://schemas.openxmlformats.org/presentationml/2006/main" type="twoTxTwoObj" preserve="1">
-  <p:cSld name="Comparison">
-    <p:spTree>
-      <p:nvGrpSpPr>
-        <p:cNvPr id="1" name=""/>
-        <p:cNvGrpSpPr/>
-        <p:nvPr/>
-      </p:nvGrpSpPr>
-      <p:grpSpPr>
-        <a:xfrm>
-          <a:off x="0" y="0"/>
-          <a:ext cx="0" cy="0"/>
-          <a:chOff x="0" y="0"/>
-          <a:chExt cx="0" cy="0"/>
-        </a:xfrm>
-      </p:grpSpPr>
-      <p:sp>
-        <p:nvSpPr>
-          <p:cNvPr id="2" name="Title 1">
-            <a:extLst>
-              <a:ext uri="{FF2B5EF4-FFF2-40B4-BE49-F238E27FC236}">
-                <a16:creationId xmlns:a16="http://schemas.microsoft.com/office/drawing/2014/main" id="{4EC51817-320C-EB58-D57C-AAA586C0053E}"/>
-              </a:ext>
-            </a:extLst>
-          </p:cNvPr>
-          <p:cNvSpPr>
-            <a:spLocks noGrp="1"/>
-          </p:cNvSpPr>
-          <p:nvPr>
-            <p:ph type="title"/>
-          </p:nvPr>
-        </p:nvSpPr>
-        <p:spPr>
-          <a:xfrm>
-            <a:off x="839788" y="365125"/>
-            <a:ext cx="10515600" cy="1325563"/>
-          </a:xfrm>
-        </p:spPr>
-        <p:txBody>
-          <a:bodyPr/>
-          <a:lstStyle/>
-          <a:p>
-            <a:r>
-              <a:rPr lang="en-US"/>
-              <a:t>Click to edit Master title style</a:t>
-            </a:r>
-          </a:p>
-        </p:txBody>
-      </p:sp>
-      <p:sp>
-        <p:nvSpPr>
-          <p:cNvPr id="3" name="Text Placeholder 2">
-            <a:extLst>
-              <a:ext uri="{FF2B5EF4-FFF2-40B4-BE49-F238E27FC236}">
-                <a16:creationId xmlns:a16="http://schemas.microsoft.com/office/drawing/2014/main" id="{21FF1CDE-5ED1-45BC-1BBF-82DBA76868F4}"/>
-              </a:ext>
-            </a:extLst>
-          </p:cNvPr>
-          <p:cNvSpPr>
-            <a:spLocks noGrp="1"/>
-          </p:cNvSpPr>
-          <p:nvPr>
-            <p:ph type="body" idx="1"/>
-          </p:nvPr>
-        </p:nvSpPr>
-        <p:spPr>
-          <a:xfrm>
-            <a:off x="839788" y="1681163"/>
-            <a:ext cx="5157787" cy="823912"/>
-          </a:xfrm>
-        </p:spPr>
-        <p:txBody>
-          <a:bodyPr anchor="b"/>
-          <a:lstStyle>
-            <a:lvl1pPr marL="0" indent="0">
-              <a:buNone/>
-              <a:defRPr sz="2400" b="1"/>
-            </a:lvl1pPr>
-            <a:lvl2pPr marL="457200" indent="0">
-              <a:buNone/>
-              <a:defRPr sz="2000" b="1"/>
-            </a:lvl2pPr>
-            <a:lvl3pPr marL="914400" indent="0">
-              <a:buNone/>
-              <a:defRPr sz="1800" b="1"/>
-            </a:lvl3pPr>
-            <a:lvl4pPr marL="1371600" indent="0">
-              <a:buNone/>
-              <a:defRPr sz="1600" b="1"/>
-            </a:lvl4pPr>
-            <a:lvl5pPr marL="1828800" indent="0">
-              <a:buNone/>
-              <a:defRPr sz="1600" b="1"/>
-            </a:lvl5pPr>
-            <a:lvl6pPr marL="2286000" indent="0">
-              <a:buNone/>
-              <a:defRPr sz="1600" b="1"/>
-            </a:lvl6pPr>
-            <a:lvl7pPr marL="2743200" indent="0">
-              <a:buNone/>
-              <a:defRPr sz="1600" b="1"/>
-            </a:lvl7pPr>
-            <a:lvl8pPr marL="3200400" indent="0">
-              <a:buNone/>
-              <a:defRPr sz="1600" b="1"/>
-            </a:lvl8pPr>
-            <a:lvl9pPr marL="3657600" indent="0">
-              <a:buNone/>
-              <a:defRPr sz="1600" b="1"/>
-            </a:lvl9pPr>
-          </a:lstStyle>
-          <a:p>
-            <a:pPr lvl="0"/>
-            <a:r>
-              <a:rPr lang="en-US"/>
-              <a:t>Click to edit Master text styles</a:t>
-            </a:r>
-          </a:p>
-        </p:txBody>
-      </p:sp>
-      <p:sp>
-        <p:nvSpPr>
-          <p:cNvPr id="4" name="Content Placeholder 3">
-            <a:extLst>
-              <a:ext uri="{FF2B5EF4-FFF2-40B4-BE49-F238E27FC236}">
-                <a16:creationId xmlns:a16="http://schemas.microsoft.com/office/drawing/2014/main" id="{CB45744E-8CC8-1B85-F492-6648EB8A9996}"/>
-              </a:ext>
-            </a:extLst>
-          </p:cNvPr>
-          <p:cNvSpPr>
-            <a:spLocks noGrp="1"/>
-          </p:cNvSpPr>
-          <p:nvPr>
-            <p:ph sz="half" idx="2"/>
-          </p:nvPr>
-        </p:nvSpPr>
-        <p:spPr>
-          <a:xfrm>
-            <a:off x="839788" y="2505075"/>
-            <a:ext cx="5157787" cy="3684588"/>
-          </a:xfrm>
-        </p:spPr>
-        <p:txBody>
-          <a:bodyPr/>
-          <a:lstStyle/>
-          <a:p>
-            <a:pPr lvl="0"/>
-            <a:r>
-              <a:rPr lang="en-US"/>
-              <a:t>Click to edit Master text styles</a:t>
-            </a:r>
-          </a:p>
-          <a:p>
-            <a:pPr lvl="1"/>
-            <a:r>
-              <a:rPr lang="en-US"/>
-              <a:t>Second level</a:t>
-            </a:r>
-          </a:p>
-          <a:p>
-            <a:pPr lvl="2"/>
-            <a:r>
-              <a:rPr lang="en-US"/>
-              <a:t>Third level</a:t>
-            </a:r>
-          </a:p>
-          <a:p>
-            <a:pPr lvl="3"/>
-            <a:r>
-              <a:rPr lang="en-US"/>
-              <a:t>Fourth level</a:t>
-            </a:r>
-          </a:p>
-          <a:p>
-            <a:pPr lvl="4"/>
-            <a:r>
-              <a:rPr lang="en-US"/>
-              <a:t>Fifth level</a:t>
-            </a:r>
-          </a:p>
-        </p:txBody>
-      </p:sp>
-      <p:sp>
-        <p:nvSpPr>
-          <p:cNvPr id="5" name="Text Placeholder 4">
-            <a:extLst>
-              <a:ext uri="{FF2B5EF4-FFF2-40B4-BE49-F238E27FC236}">
-                <a16:creationId xmlns:a16="http://schemas.microsoft.com/office/drawing/2014/main" id="{E073266C-0D92-527A-30E1-7ECDD28C0F91}"/>
-              </a:ext>
-            </a:extLst>
-          </p:cNvPr>
-          <p:cNvSpPr>
-            <a:spLocks noGrp="1"/>
-          </p:cNvSpPr>
-          <p:nvPr>
-            <p:ph type="body" sz="quarter" idx="3"/>
-          </p:nvPr>
-        </p:nvSpPr>
-        <p:spPr>
-          <a:xfrm>
-            <a:off x="6172200" y="1681163"/>
-            <a:ext cx="5183188" cy="823912"/>
-          </a:xfrm>
-        </p:spPr>
-        <p:txBody>
-          <a:bodyPr anchor="b"/>
-          <a:lstStyle>
-            <a:lvl1pPr marL="0" indent="0">
-              <a:buNone/>
-              <a:defRPr sz="2400" b="1"/>
-            </a:lvl1pPr>
-            <a:lvl2pPr marL="457200" indent="0">
-              <a:buNone/>
-              <a:defRPr sz="2000" b="1"/>
-            </a:lvl2pPr>
-            <a:lvl3pPr marL="914400" indent="0">
-              <a:buNone/>
-              <a:defRPr sz="1800" b="1"/>
-            </a:lvl3pPr>
-            <a:lvl4pPr marL="1371600" indent="0">
-              <a:buNone/>
-              <a:defRPr sz="1600" b="1"/>
-            </a:lvl4pPr>
-            <a:lvl5pPr marL="1828800" indent="0">
-              <a:buNone/>
-              <a:defRPr sz="1600" b="1"/>
-            </a:lvl5pPr>
-            <a:lvl6pPr marL="2286000" indent="0">
-              <a:buNone/>
-              <a:defRPr sz="1600" b="1"/>
-            </a:lvl6pPr>
-            <a:lvl7pPr marL="2743200" indent="0">
-              <a:buNone/>
-              <a:defRPr sz="1600" b="1"/>
-            </a:lvl7pPr>
-            <a:lvl8pPr marL="3200400" indent="0">
-              <a:buNone/>
-              <a:defRPr sz="1600" b="1"/>
-            </a:lvl8pPr>
-            <a:lvl9pPr marL="3657600" indent="0">
-              <a:buNone/>
-              <a:defRPr sz="1600" b="1"/>
-            </a:lvl9pPr>
-          </a:lstStyle>
-          <a:p>
-            <a:pPr lvl="0"/>
-            <a:r>
-              <a:rPr lang="en-US"/>
-              <a:t>Click to edit Master text styles</a:t>
-            </a:r>
-          </a:p>
-        </p:txBody>
-      </p:sp>
-      <p:sp>
-        <p:nvSpPr>
-          <p:cNvPr id="6" name="Content Placeholder 5">
-            <a:extLst>
-              <a:ext uri="{FF2B5EF4-FFF2-40B4-BE49-F238E27FC236}">
-                <a16:creationId xmlns:a16="http://schemas.microsoft.com/office/drawing/2014/main" id="{1E10B574-E76B-4DE3-3CFA-1190E252BA61}"/>
-              </a:ext>
-            </a:extLst>
-          </p:cNvPr>
-          <p:cNvSpPr>
-            <a:spLocks noGrp="1"/>
-          </p:cNvSpPr>
-          <p:nvPr>
-            <p:ph sz="quarter" idx="4"/>
-          </p:nvPr>
-        </p:nvSpPr>
-        <p:spPr>
-          <a:xfrm>
-            <a:off x="6172200" y="2505075"/>
-            <a:ext cx="5183188" cy="3684588"/>
-          </a:xfrm>
-        </p:spPr>
-        <p:txBody>
-          <a:bodyPr/>
-          <a:lstStyle/>
-          <a:p>
-            <a:pPr lvl="0"/>
-            <a:r>
-              <a:rPr lang="en-US"/>
-              <a:t>Click to edit Master text styles</a:t>
-            </a:r>
-          </a:p>
-          <a:p>
-            <a:pPr lvl="1"/>
-            <a:r>
-              <a:rPr lang="en-US"/>
-              <a:t>Second level</a:t>
-            </a:r>
-          </a:p>
-          <a:p>
-            <a:pPr lvl="2"/>
-            <a:r>
-              <a:rPr lang="en-US"/>
-              <a:t>Third level</a:t>
-            </a:r>
-          </a:p>
-          <a:p>
-            <a:pPr lvl="3"/>
-            <a:r>
-              <a:rPr lang="en-US"/>
-              <a:t>Fourth level</a:t>
-            </a:r>
-          </a:p>
-          <a:p>
-            <a:pPr lvl="4"/>
-            <a:r>
-              <a:rPr lang="en-US"/>
-              <a:t>Fifth level</a:t>
-            </a:r>
-          </a:p>
-        </p:txBody>
-      </p:sp>
-      <p:sp>
-        <p:nvSpPr>
-          <p:cNvPr id="7" name="Date Placeholder 6">
-            <a:extLst>
-              <a:ext uri="{FF2B5EF4-FFF2-40B4-BE49-F238E27FC236}">
-                <a16:creationId xmlns:a16="http://schemas.microsoft.com/office/drawing/2014/main" id="{B22F13C7-15CB-D0AD-592A-4574F62CF3CA}"/>
-              </a:ext>
-            </a:extLst>
-          </p:cNvPr>
-          <p:cNvSpPr>
-            <a:spLocks noGrp="1"/>
-          </p:cNvSpPr>
-          <p:nvPr>
-            <p:ph type="dt" sz="half" idx="10"/>
-          </p:nvPr>
-        </p:nvSpPr>
-        <p:spPr/>
-        <p:txBody>
-          <a:bodyPr/>
-          <a:lstStyle/>
-          <a:p>
-            <a:fld id="{0D69348B-4620-44E9-BF3F-EACBA9EEF323}" type="datetimeFigureOut">
-              <a:rPr lang="en-US" smtClean="0"/>
-              <a:t>5/16/2024</a:t>
-            </a:fld>
-            <a:endParaRPr lang="en-US"/>
-          </a:p>
-        </p:txBody>
-      </p:sp>
-      <p:sp>
-        <p:nvSpPr>
-          <p:cNvPr id="8" name="Footer Placeholder 7">
-            <a:extLst>
-              <a:ext uri="{FF2B5EF4-FFF2-40B4-BE49-F238E27FC236}">
-                <a16:creationId xmlns:a16="http://schemas.microsoft.com/office/drawing/2014/main" id="{2F5F3798-7B61-5530-4CE3-C6CC264D0CAB}"/>
-              </a:ext>
-            </a:extLst>
-          </p:cNvPr>
-          <p:cNvSpPr>
-            <a:spLocks noGrp="1"/>
-          </p:cNvSpPr>
-          <p:nvPr>
-            <p:ph type="ftr" sz="quarter" idx="11"/>
-          </p:nvPr>
-        </p:nvSpPr>
-        <p:spPr/>
-        <p:txBody>
-          <a:bodyPr/>
-          <a:lstStyle/>
-          <a:p>
-            <a:endParaRPr lang="en-US"/>
-          </a:p>
-        </p:txBody>
-      </p:sp>
-      <p:sp>
-        <p:nvSpPr>
-          <p:cNvPr id="9" name="Slide Number Placeholder 8">
-            <a:extLst>
-              <a:ext uri="{FF2B5EF4-FFF2-40B4-BE49-F238E27FC236}">
-                <a16:creationId xmlns:a16="http://schemas.microsoft.com/office/drawing/2014/main" id="{DEA57831-0ADE-7493-7182-6249F4413808}"/>
-              </a:ext>
-            </a:extLst>
-          </p:cNvPr>
-          <p:cNvSpPr>
-            <a:spLocks noGrp="1"/>
-          </p:cNvSpPr>
-          <p:nvPr>
-            <p:ph type="sldNum" sz="quarter" idx="12"/>
-          </p:nvPr>
-        </p:nvSpPr>
-        <p:spPr/>
-        <p:txBody>
-          <a:bodyPr/>
-          <a:lstStyle/>
-          <a:p>
-            <a:fld id="{986C47A0-D0C4-4E8A-BEE9-37B09C3712B2}" type="slidenum">
-              <a:rPr lang="en-US" smtClean="0"/>
-              <a:t>‹#›</a:t>
-            </a:fld>
-            <a:endParaRPr lang="en-US"/>
-          </a:p>
-        </p:txBody>
-      </p:sp>
-    </p:spTree>
-    <p:extLst>
-      <p:ext uri="{BB962C8B-B14F-4D97-AF65-F5344CB8AC3E}">
-        <p14:creationId xmlns:p14="http://schemas.microsoft.com/office/powerpoint/2010/main" val="3054922134"/>
-      </p:ext>
-    </p:extLst>
-  </p:cSld>
-  <p:clrMapOvr>
-    <a:masterClrMapping/>
-  </p:clrMapOvr>
-</p:sldLayout>
-</file>
-
-<file path=ppt/slideLayouts/slideLayout12.xml><?xml version="1.0" encoding="utf-8"?>
-<p:sldLayout xmlns:a="http://schemas.openxmlformats.org/drawingml/2006/main" xmlns:r="http://schemas.openxmlformats.org/officeDocument/2006/relationships" xmlns:p="http://schemas.openxmlformats.org/presentationml/2006/main" type="titleOnly" preserve="1">
-  <p:cSld name="Title Only">
-    <p:spTree>
-      <p:nvGrpSpPr>
-        <p:cNvPr id="1" name=""/>
-        <p:cNvGrpSpPr/>
-        <p:nvPr/>
-      </p:nvGrpSpPr>
-      <p:grpSpPr>
-        <a:xfrm>
-          <a:off x="0" y="0"/>
-          <a:ext cx="0" cy="0"/>
-          <a:chOff x="0" y="0"/>
-          <a:chExt cx="0" cy="0"/>
-        </a:xfrm>
-      </p:grpSpPr>
-      <p:sp>
-        <p:nvSpPr>
-          <p:cNvPr id="2" name="Title 1">
-            <a:extLst>
-              <a:ext uri="{FF2B5EF4-FFF2-40B4-BE49-F238E27FC236}">
-                <a16:creationId xmlns:a16="http://schemas.microsoft.com/office/drawing/2014/main" id="{C51D6B86-2F64-08CA-8DAC-2D6D1CA3880D}"/>
-              </a:ext>
-            </a:extLst>
-          </p:cNvPr>
-          <p:cNvSpPr>
-            <a:spLocks noGrp="1"/>
-          </p:cNvSpPr>
-          <p:nvPr>
-            <p:ph type="title"/>
-          </p:nvPr>
-        </p:nvSpPr>
-        <p:spPr/>
-        <p:txBody>
-          <a:bodyPr/>
-          <a:lstStyle/>
-          <a:p>
-            <a:r>
-              <a:rPr lang="en-US"/>
-              <a:t>Click to edit Master title style</a:t>
-            </a:r>
-          </a:p>
-        </p:txBody>
-      </p:sp>
-      <p:sp>
-        <p:nvSpPr>
-          <p:cNvPr id="3" name="Date Placeholder 2">
-            <a:extLst>
-              <a:ext uri="{FF2B5EF4-FFF2-40B4-BE49-F238E27FC236}">
-                <a16:creationId xmlns:a16="http://schemas.microsoft.com/office/drawing/2014/main" id="{03C4A398-4A9D-A2A3-6474-1E420261434B}"/>
-              </a:ext>
-            </a:extLst>
-          </p:cNvPr>
-          <p:cNvSpPr>
-            <a:spLocks noGrp="1"/>
-          </p:cNvSpPr>
-          <p:nvPr>
-            <p:ph type="dt" sz="half" idx="10"/>
-          </p:nvPr>
-        </p:nvSpPr>
-        <p:spPr/>
-        <p:txBody>
-          <a:bodyPr/>
-          <a:lstStyle/>
-          <a:p>
-            <a:fld id="{0D69348B-4620-44E9-BF3F-EACBA9EEF323}" type="datetimeFigureOut">
-              <a:rPr lang="en-US" smtClean="0"/>
-              <a:t>5/16/2024</a:t>
-            </a:fld>
-            <a:endParaRPr lang="en-US"/>
-          </a:p>
-        </p:txBody>
-      </p:sp>
-      <p:sp>
-        <p:nvSpPr>
-          <p:cNvPr id="4" name="Footer Placeholder 3">
-            <a:extLst>
-              <a:ext uri="{FF2B5EF4-FFF2-40B4-BE49-F238E27FC236}">
-                <a16:creationId xmlns:a16="http://schemas.microsoft.com/office/drawing/2014/main" id="{1B329954-395E-06FF-D638-EC31477B4B60}"/>
-              </a:ext>
-            </a:extLst>
-          </p:cNvPr>
-          <p:cNvSpPr>
-            <a:spLocks noGrp="1"/>
-          </p:cNvSpPr>
-          <p:nvPr>
-            <p:ph type="ftr" sz="quarter" idx="11"/>
-          </p:nvPr>
-        </p:nvSpPr>
-        <p:spPr/>
-        <p:txBody>
-          <a:bodyPr/>
-          <a:lstStyle/>
-          <a:p>
-            <a:endParaRPr lang="en-US"/>
-          </a:p>
-        </p:txBody>
-      </p:sp>
-      <p:sp>
-        <p:nvSpPr>
-          <p:cNvPr id="5" name="Slide Number Placeholder 4">
-            <a:extLst>
-              <a:ext uri="{FF2B5EF4-FFF2-40B4-BE49-F238E27FC236}">
-                <a16:creationId xmlns:a16="http://schemas.microsoft.com/office/drawing/2014/main" id="{26A16BE0-3CF4-0FFF-42E9-C2ABCD5E1AB3}"/>
-              </a:ext>
-            </a:extLst>
-          </p:cNvPr>
-          <p:cNvSpPr>
-            <a:spLocks noGrp="1"/>
-          </p:cNvSpPr>
-          <p:nvPr>
-            <p:ph type="sldNum" sz="quarter" idx="12"/>
-          </p:nvPr>
-        </p:nvSpPr>
-        <p:spPr/>
-        <p:txBody>
-          <a:bodyPr/>
-          <a:lstStyle/>
-          <a:p>
-            <a:fld id="{986C47A0-D0C4-4E8A-BEE9-37B09C3712B2}" type="slidenum">
-              <a:rPr lang="en-US" smtClean="0"/>
-              <a:t>‹#›</a:t>
-            </a:fld>
-            <a:endParaRPr lang="en-US"/>
-          </a:p>
-        </p:txBody>
-      </p:sp>
-    </p:spTree>
-    <p:extLst>
-      <p:ext uri="{BB962C8B-B14F-4D97-AF65-F5344CB8AC3E}">
-        <p14:creationId xmlns:p14="http://schemas.microsoft.com/office/powerpoint/2010/main" val="2938381997"/>
-      </p:ext>
-    </p:extLst>
-  </p:cSld>
-  <p:clrMapOvr>
-    <a:masterClrMapping/>
-  </p:clrMapOvr>
-</p:sldLayout>
-</file>
-
-<file path=ppt/slideLayouts/slideLayout13.xml><?xml version="1.0" encoding="utf-8"?>
-<p:sldLayout xmlns:a="http://schemas.openxmlformats.org/drawingml/2006/main" xmlns:r="http://schemas.openxmlformats.org/officeDocument/2006/relationships" xmlns:p="http://schemas.openxmlformats.org/presentationml/2006/main" type="blank" preserve="1">
-  <p:cSld name="Blank">
-    <p:spTree>
-      <p:nvGrpSpPr>
-        <p:cNvPr id="1" name=""/>
-        <p:cNvGrpSpPr/>
-        <p:nvPr/>
-      </p:nvGrpSpPr>
-      <p:grpSpPr>
-        <a:xfrm>
-          <a:off x="0" y="0"/>
-          <a:ext cx="0" cy="0"/>
-          <a:chOff x="0" y="0"/>
-          <a:chExt cx="0" cy="0"/>
-        </a:xfrm>
-      </p:grpSpPr>
-      <p:sp>
-        <p:nvSpPr>
-          <p:cNvPr id="2" name="Date Placeholder 1">
-            <a:extLst>
-              <a:ext uri="{FF2B5EF4-FFF2-40B4-BE49-F238E27FC236}">
-                <a16:creationId xmlns:a16="http://schemas.microsoft.com/office/drawing/2014/main" id="{AA5B9B0A-FA71-5C03-A207-2398589F58E9}"/>
-              </a:ext>
-            </a:extLst>
-          </p:cNvPr>
-          <p:cNvSpPr>
-            <a:spLocks noGrp="1"/>
-          </p:cNvSpPr>
-          <p:nvPr>
-            <p:ph type="dt" sz="half" idx="10"/>
-          </p:nvPr>
-        </p:nvSpPr>
-        <p:spPr/>
-        <p:txBody>
-          <a:bodyPr/>
-          <a:lstStyle/>
-          <a:p>
-            <a:fld id="{0D69348B-4620-44E9-BF3F-EACBA9EEF323}" type="datetimeFigureOut">
-              <a:rPr lang="en-US" smtClean="0"/>
-              <a:t>5/16/2024</a:t>
-            </a:fld>
-            <a:endParaRPr lang="en-US"/>
-          </a:p>
-        </p:txBody>
-      </p:sp>
-      <p:sp>
-        <p:nvSpPr>
-          <p:cNvPr id="3" name="Footer Placeholder 2">
-            <a:extLst>
-              <a:ext uri="{FF2B5EF4-FFF2-40B4-BE49-F238E27FC236}">
-                <a16:creationId xmlns:a16="http://schemas.microsoft.com/office/drawing/2014/main" id="{5EEC7B99-A534-1835-A5BF-8993DDBD237D}"/>
-              </a:ext>
-            </a:extLst>
-          </p:cNvPr>
-          <p:cNvSpPr>
-            <a:spLocks noGrp="1"/>
-          </p:cNvSpPr>
-          <p:nvPr>
-            <p:ph type="ftr" sz="quarter" idx="11"/>
-          </p:nvPr>
-        </p:nvSpPr>
-        <p:spPr/>
-        <p:txBody>
-          <a:bodyPr/>
-          <a:lstStyle/>
-          <a:p>
-            <a:endParaRPr lang="en-US"/>
-          </a:p>
-        </p:txBody>
-      </p:sp>
-      <p:sp>
-        <p:nvSpPr>
-          <p:cNvPr id="4" name="Slide Number Placeholder 3">
-            <a:extLst>
-              <a:ext uri="{FF2B5EF4-FFF2-40B4-BE49-F238E27FC236}">
-                <a16:creationId xmlns:a16="http://schemas.microsoft.com/office/drawing/2014/main" id="{6E001977-30BB-D5A2-E565-94C0467FE0FD}"/>
-              </a:ext>
-            </a:extLst>
-          </p:cNvPr>
-          <p:cNvSpPr>
-            <a:spLocks noGrp="1"/>
-          </p:cNvSpPr>
-          <p:nvPr>
-            <p:ph type="sldNum" sz="quarter" idx="12"/>
-          </p:nvPr>
-        </p:nvSpPr>
-        <p:spPr/>
-        <p:txBody>
-          <a:bodyPr/>
-          <a:lstStyle/>
-          <a:p>
-            <a:fld id="{986C47A0-D0C4-4E8A-BEE9-37B09C3712B2}" type="slidenum">
-              <a:rPr lang="en-US" smtClean="0"/>
-              <a:t>‹#›</a:t>
-            </a:fld>
-            <a:endParaRPr lang="en-US"/>
-          </a:p>
-        </p:txBody>
-      </p:sp>
-    </p:spTree>
-    <p:extLst>
-      <p:ext uri="{BB962C8B-B14F-4D97-AF65-F5344CB8AC3E}">
-        <p14:creationId xmlns:p14="http://schemas.microsoft.com/office/powerpoint/2010/main" val="2840775159"/>
-      </p:ext>
-    </p:extLst>
-  </p:cSld>
-  <p:clrMapOvr>
-    <a:masterClrMapping/>
-  </p:clrMapOvr>
-</p:sldLayout>
-</file>
-
-<file path=ppt/slideLayouts/slideLayout14.xml><?xml version="1.0" encoding="utf-8"?>
-<p:sldLayout xmlns:a="http://schemas.openxmlformats.org/drawingml/2006/main" xmlns:r="http://schemas.openxmlformats.org/officeDocument/2006/relationships" xmlns:p="http://schemas.openxmlformats.org/presentationml/2006/main" type="objTx" preserve="1">
-  <p:cSld name="Content with Caption">
-    <p:spTree>
-      <p:nvGrpSpPr>
-        <p:cNvPr id="1" name=""/>
-        <p:cNvGrpSpPr/>
-        <p:nvPr/>
-      </p:nvGrpSpPr>
-      <p:grpSpPr>
-        <a:xfrm>
-          <a:off x="0" y="0"/>
-          <a:ext cx="0" cy="0"/>
-          <a:chOff x="0" y="0"/>
-          <a:chExt cx="0" cy="0"/>
-        </a:xfrm>
-      </p:grpSpPr>
-      <p:sp>
-        <p:nvSpPr>
-          <p:cNvPr id="2" name="Title 1">
-            <a:extLst>
-              <a:ext uri="{FF2B5EF4-FFF2-40B4-BE49-F238E27FC236}">
-                <a16:creationId xmlns:a16="http://schemas.microsoft.com/office/drawing/2014/main" id="{AC38A989-6857-707E-A17F-8A83A6144698}"/>
-              </a:ext>
-            </a:extLst>
-          </p:cNvPr>
-          <p:cNvSpPr>
-            <a:spLocks noGrp="1"/>
-          </p:cNvSpPr>
-          <p:nvPr>
-            <p:ph type="title"/>
-          </p:nvPr>
-        </p:nvSpPr>
-        <p:spPr>
-          <a:xfrm>
-            <a:off x="839788" y="457200"/>
-            <a:ext cx="3932237" cy="1600200"/>
-          </a:xfrm>
-        </p:spPr>
-        <p:txBody>
-          <a:bodyPr anchor="b"/>
-          <a:lstStyle>
-            <a:lvl1pPr>
-              <a:defRPr sz="3200"/>
-            </a:lvl1pPr>
-          </a:lstStyle>
-          <a:p>
-            <a:r>
-              <a:rPr lang="en-US"/>
-              <a:t>Click to edit Master title style</a:t>
-            </a:r>
-          </a:p>
-        </p:txBody>
-      </p:sp>
-      <p:sp>
-        <p:nvSpPr>
-          <p:cNvPr id="3" name="Content Placeholder 2">
-            <a:extLst>
-              <a:ext uri="{FF2B5EF4-FFF2-40B4-BE49-F238E27FC236}">
-                <a16:creationId xmlns:a16="http://schemas.microsoft.com/office/drawing/2014/main" id="{D3A3E0C8-FA9B-6F55-E988-D7B8ADBC9C21}"/>
-              </a:ext>
-            </a:extLst>
-          </p:cNvPr>
-          <p:cNvSpPr>
-            <a:spLocks noGrp="1"/>
-          </p:cNvSpPr>
-          <p:nvPr>
-            <p:ph idx="1"/>
-          </p:nvPr>
-        </p:nvSpPr>
-        <p:spPr>
-          <a:xfrm>
-            <a:off x="5183188" y="987425"/>
-            <a:ext cx="6172200" cy="4873625"/>
-          </a:xfrm>
-        </p:spPr>
-        <p:txBody>
-          <a:bodyPr/>
-          <a:lstStyle>
-            <a:lvl1pPr>
-              <a:defRPr sz="3200"/>
-            </a:lvl1pPr>
-            <a:lvl2pPr>
-              <a:defRPr sz="2800"/>
-            </a:lvl2pPr>
-            <a:lvl3pPr>
-              <a:defRPr sz="2400"/>
-            </a:lvl3pPr>
-            <a:lvl4pPr>
-              <a:defRPr sz="2000"/>
-            </a:lvl4pPr>
-            <a:lvl5pPr>
-              <a:defRPr sz="2000"/>
-            </a:lvl5pPr>
-            <a:lvl6pPr>
-              <a:defRPr sz="2000"/>
-            </a:lvl6pPr>
-            <a:lvl7pPr>
-              <a:defRPr sz="2000"/>
-            </a:lvl7pPr>
-            <a:lvl8pPr>
-              <a:defRPr sz="2000"/>
-            </a:lvl8pPr>
-            <a:lvl9pPr>
-              <a:defRPr sz="2000"/>
-            </a:lvl9pPr>
-          </a:lstStyle>
-          <a:p>
-            <a:pPr lvl="0"/>
-            <a:r>
-              <a:rPr lang="en-US"/>
-              <a:t>Click to edit Master text styles</a:t>
-            </a:r>
-          </a:p>
-          <a:p>
-            <a:pPr lvl="1"/>
-            <a:r>
-              <a:rPr lang="en-US"/>
-              <a:t>Second level</a:t>
-            </a:r>
-          </a:p>
-          <a:p>
-            <a:pPr lvl="2"/>
-            <a:r>
-              <a:rPr lang="en-US"/>
-              <a:t>Third level</a:t>
-            </a:r>
-          </a:p>
-          <a:p>
-            <a:pPr lvl="3"/>
-            <a:r>
-              <a:rPr lang="en-US"/>
-              <a:t>Fourth level</a:t>
-            </a:r>
-          </a:p>
-          <a:p>
-            <a:pPr lvl="4"/>
-            <a:r>
-              <a:rPr lang="en-US"/>
-              <a:t>Fifth level</a:t>
-            </a:r>
-          </a:p>
-        </p:txBody>
-      </p:sp>
-      <p:sp>
-        <p:nvSpPr>
-          <p:cNvPr id="4" name="Text Placeholder 3">
-            <a:extLst>
-              <a:ext uri="{FF2B5EF4-FFF2-40B4-BE49-F238E27FC236}">
-                <a16:creationId xmlns:a16="http://schemas.microsoft.com/office/drawing/2014/main" id="{FC649A31-16E4-3C58-CFAF-870BE9A231C8}"/>
-              </a:ext>
-            </a:extLst>
-          </p:cNvPr>
-          <p:cNvSpPr>
-            <a:spLocks noGrp="1"/>
-          </p:cNvSpPr>
-          <p:nvPr>
-            <p:ph type="body" sz="half" idx="2"/>
-          </p:nvPr>
-        </p:nvSpPr>
-        <p:spPr>
-          <a:xfrm>
-            <a:off x="839788" y="2057400"/>
-            <a:ext cx="3932237" cy="3811588"/>
-          </a:xfrm>
-        </p:spPr>
-        <p:txBody>
-          <a:bodyPr/>
-          <a:lstStyle>
-            <a:lvl1pPr marL="0" indent="0">
-              <a:buNone/>
-              <a:defRPr sz="1600"/>
-            </a:lvl1pPr>
-            <a:lvl2pPr marL="457200" indent="0">
-              <a:buNone/>
-              <a:defRPr sz="1400"/>
-            </a:lvl2pPr>
-            <a:lvl3pPr marL="914400" indent="0">
-              <a:buNone/>
-              <a:defRPr sz="1200"/>
-            </a:lvl3pPr>
-            <a:lvl4pPr marL="1371600" indent="0">
-              <a:buNone/>
-              <a:defRPr sz="1000"/>
-            </a:lvl4pPr>
-            <a:lvl5pPr marL="1828800" indent="0">
-              <a:buNone/>
-              <a:defRPr sz="1000"/>
-            </a:lvl5pPr>
-            <a:lvl6pPr marL="2286000" indent="0">
-              <a:buNone/>
-              <a:defRPr sz="1000"/>
-            </a:lvl6pPr>
-            <a:lvl7pPr marL="2743200" indent="0">
-              <a:buNone/>
-              <a:defRPr sz="1000"/>
-            </a:lvl7pPr>
-            <a:lvl8pPr marL="3200400" indent="0">
-              <a:buNone/>
-              <a:defRPr sz="1000"/>
-            </a:lvl8pPr>
-            <a:lvl9pPr marL="3657600" indent="0">
-              <a:buNone/>
-              <a:defRPr sz="1000"/>
-            </a:lvl9pPr>
-          </a:lstStyle>
-          <a:p>
-            <a:pPr lvl="0"/>
-            <a:r>
-              <a:rPr lang="en-US"/>
-              <a:t>Click to edit Master text styles</a:t>
-            </a:r>
-          </a:p>
-        </p:txBody>
-      </p:sp>
-      <p:sp>
-        <p:nvSpPr>
-          <p:cNvPr id="5" name="Date Placeholder 4">
-            <a:extLst>
-              <a:ext uri="{FF2B5EF4-FFF2-40B4-BE49-F238E27FC236}">
-                <a16:creationId xmlns:a16="http://schemas.microsoft.com/office/drawing/2014/main" id="{5999608F-F9E6-C047-FAFD-5BD962E36788}"/>
-              </a:ext>
-            </a:extLst>
-          </p:cNvPr>
-          <p:cNvSpPr>
-            <a:spLocks noGrp="1"/>
-          </p:cNvSpPr>
-          <p:nvPr>
-            <p:ph type="dt" sz="half" idx="10"/>
-          </p:nvPr>
-        </p:nvSpPr>
-        <p:spPr/>
-        <p:txBody>
-          <a:bodyPr/>
-          <a:lstStyle/>
-          <a:p>
-            <a:fld id="{0D69348B-4620-44E9-BF3F-EACBA9EEF323}" type="datetimeFigureOut">
-              <a:rPr lang="en-US" smtClean="0"/>
-              <a:t>5/16/2024</a:t>
-            </a:fld>
-            <a:endParaRPr lang="en-US"/>
-          </a:p>
-        </p:txBody>
-      </p:sp>
-      <p:sp>
-        <p:nvSpPr>
-          <p:cNvPr id="6" name="Footer Placeholder 5">
-            <a:extLst>
-              <a:ext uri="{FF2B5EF4-FFF2-40B4-BE49-F238E27FC236}">
-                <a16:creationId xmlns:a16="http://schemas.microsoft.com/office/drawing/2014/main" id="{E1D5DC43-2068-E43E-0C96-6105FF141340}"/>
-              </a:ext>
-            </a:extLst>
-          </p:cNvPr>
-          <p:cNvSpPr>
-            <a:spLocks noGrp="1"/>
-          </p:cNvSpPr>
-          <p:nvPr>
-            <p:ph type="ftr" sz="quarter" idx="11"/>
-          </p:nvPr>
-        </p:nvSpPr>
-        <p:spPr/>
-        <p:txBody>
-          <a:bodyPr/>
-          <a:lstStyle/>
-          <a:p>
-            <a:endParaRPr lang="en-US"/>
-          </a:p>
-        </p:txBody>
-      </p:sp>
-      <p:sp>
-        <p:nvSpPr>
-          <p:cNvPr id="7" name="Slide Number Placeholder 6">
-            <a:extLst>
-              <a:ext uri="{FF2B5EF4-FFF2-40B4-BE49-F238E27FC236}">
-                <a16:creationId xmlns:a16="http://schemas.microsoft.com/office/drawing/2014/main" id="{07714F4E-989B-09B5-9809-BA4CDB940F1A}"/>
-              </a:ext>
-            </a:extLst>
-          </p:cNvPr>
-          <p:cNvSpPr>
-            <a:spLocks noGrp="1"/>
-          </p:cNvSpPr>
-          <p:nvPr>
-            <p:ph type="sldNum" sz="quarter" idx="12"/>
-          </p:nvPr>
-        </p:nvSpPr>
-        <p:spPr/>
-        <p:txBody>
-          <a:bodyPr/>
-          <a:lstStyle/>
-          <a:p>
-            <a:fld id="{986C47A0-D0C4-4E8A-BEE9-37B09C3712B2}" type="slidenum">
-              <a:rPr lang="en-US" smtClean="0"/>
-              <a:t>‹#›</a:t>
-            </a:fld>
-            <a:endParaRPr lang="en-US"/>
-          </a:p>
-        </p:txBody>
-      </p:sp>
-    </p:spTree>
-    <p:extLst>
-      <p:ext uri="{BB962C8B-B14F-4D97-AF65-F5344CB8AC3E}">
-        <p14:creationId xmlns:p14="http://schemas.microsoft.com/office/powerpoint/2010/main" val="489734700"/>
-      </p:ext>
-    </p:extLst>
-  </p:cSld>
-  <p:clrMapOvr>
-    <a:masterClrMapping/>
-  </p:clrMapOvr>
-</p:sldLayout>
-</file>
-
-<file path=ppt/slideLayouts/slideLayout15.xml><?xml version="1.0" encoding="utf-8"?>
-<p:sldLayout xmlns:a="http://schemas.openxmlformats.org/drawingml/2006/main" xmlns:r="http://schemas.openxmlformats.org/officeDocument/2006/relationships" xmlns:p="http://schemas.openxmlformats.org/presentationml/2006/main" type="picTx" preserve="1">
-  <p:cSld name="Picture with Caption">
-    <p:spTree>
-      <p:nvGrpSpPr>
-        <p:cNvPr id="1" name=""/>
-        <p:cNvGrpSpPr/>
-        <p:nvPr/>
-      </p:nvGrpSpPr>
-      <p:grpSpPr>
-        <a:xfrm>
-          <a:off x="0" y="0"/>
-          <a:ext cx="0" cy="0"/>
-          <a:chOff x="0" y="0"/>
-          <a:chExt cx="0" cy="0"/>
-        </a:xfrm>
-      </p:grpSpPr>
-      <p:sp>
-        <p:nvSpPr>
-          <p:cNvPr id="2" name="Title 1">
-            <a:extLst>
-              <a:ext uri="{FF2B5EF4-FFF2-40B4-BE49-F238E27FC236}">
-                <a16:creationId xmlns:a16="http://schemas.microsoft.com/office/drawing/2014/main" id="{3355A176-7BDB-BCDB-D1C0-7943D50F9B44}"/>
-              </a:ext>
-            </a:extLst>
-          </p:cNvPr>
-          <p:cNvSpPr>
-            <a:spLocks noGrp="1"/>
-          </p:cNvSpPr>
-          <p:nvPr>
-            <p:ph type="title"/>
-          </p:nvPr>
-        </p:nvSpPr>
-        <p:spPr>
-          <a:xfrm>
-            <a:off x="839788" y="457200"/>
-            <a:ext cx="3932237" cy="1600200"/>
-          </a:xfrm>
-        </p:spPr>
-        <p:txBody>
-          <a:bodyPr anchor="b"/>
-          <a:lstStyle>
-            <a:lvl1pPr>
-              <a:defRPr sz="3200"/>
-            </a:lvl1pPr>
-          </a:lstStyle>
-          <a:p>
-            <a:r>
-              <a:rPr lang="en-US"/>
-              <a:t>Click to edit Master title style</a:t>
-            </a:r>
-          </a:p>
-        </p:txBody>
-      </p:sp>
-      <p:sp>
-        <p:nvSpPr>
-          <p:cNvPr id="3" name="Picture Placeholder 2">
-            <a:extLst>
-              <a:ext uri="{FF2B5EF4-FFF2-40B4-BE49-F238E27FC236}">
-                <a16:creationId xmlns:a16="http://schemas.microsoft.com/office/drawing/2014/main" id="{B68408D7-61D1-185C-72B8-001F411FC6F7}"/>
-              </a:ext>
-            </a:extLst>
-          </p:cNvPr>
-          <p:cNvSpPr>
-            <a:spLocks noGrp="1"/>
-          </p:cNvSpPr>
-          <p:nvPr>
-            <p:ph type="pic" idx="1"/>
-          </p:nvPr>
-        </p:nvSpPr>
-        <p:spPr>
-          <a:xfrm>
-            <a:off x="5183188" y="987425"/>
-            <a:ext cx="6172200" cy="4873625"/>
-          </a:xfrm>
-        </p:spPr>
-        <p:txBody>
-          <a:bodyPr/>
-          <a:lstStyle>
-            <a:lvl1pPr marL="0" indent="0">
-              <a:buNone/>
-              <a:defRPr sz="3200"/>
-            </a:lvl1pPr>
-            <a:lvl2pPr marL="457200" indent="0">
-              <a:buNone/>
-              <a:defRPr sz="2800"/>
-            </a:lvl2pPr>
-            <a:lvl3pPr marL="914400" indent="0">
-              <a:buNone/>
-              <a:defRPr sz="2400"/>
-            </a:lvl3pPr>
-            <a:lvl4pPr marL="1371600" indent="0">
-              <a:buNone/>
-              <a:defRPr sz="2000"/>
-            </a:lvl4pPr>
-            <a:lvl5pPr marL="1828800" indent="0">
-              <a:buNone/>
-              <a:defRPr sz="2000"/>
-            </a:lvl5pPr>
-            <a:lvl6pPr marL="2286000" indent="0">
-              <a:buNone/>
-              <a:defRPr sz="2000"/>
-            </a:lvl6pPr>
-            <a:lvl7pPr marL="2743200" indent="0">
-              <a:buNone/>
-              <a:defRPr sz="2000"/>
-            </a:lvl7pPr>
-            <a:lvl8pPr marL="3200400" indent="0">
-              <a:buNone/>
-              <a:defRPr sz="2000"/>
-            </a:lvl8pPr>
-            <a:lvl9pPr marL="3657600" indent="0">
-              <a:buNone/>
-              <a:defRPr sz="2000"/>
-            </a:lvl9pPr>
-          </a:lstStyle>
-          <a:p>
-            <a:endParaRPr lang="en-US"/>
-          </a:p>
-        </p:txBody>
-      </p:sp>
-      <p:sp>
-        <p:nvSpPr>
-          <p:cNvPr id="4" name="Text Placeholder 3">
-            <a:extLst>
-              <a:ext uri="{FF2B5EF4-FFF2-40B4-BE49-F238E27FC236}">
-                <a16:creationId xmlns:a16="http://schemas.microsoft.com/office/drawing/2014/main" id="{390B86E7-BC7A-324F-5231-BB8844695F10}"/>
-              </a:ext>
-            </a:extLst>
-          </p:cNvPr>
-          <p:cNvSpPr>
-            <a:spLocks noGrp="1"/>
-          </p:cNvSpPr>
-          <p:nvPr>
-            <p:ph type="body" sz="half" idx="2"/>
-          </p:nvPr>
-        </p:nvSpPr>
-        <p:spPr>
-          <a:xfrm>
-            <a:off x="839788" y="2057400"/>
-            <a:ext cx="3932237" cy="3811588"/>
-          </a:xfrm>
-        </p:spPr>
-        <p:txBody>
-          <a:bodyPr/>
-          <a:lstStyle>
-            <a:lvl1pPr marL="0" indent="0">
-              <a:buNone/>
-              <a:defRPr sz="1600"/>
-            </a:lvl1pPr>
-            <a:lvl2pPr marL="457200" indent="0">
-              <a:buNone/>
-              <a:defRPr sz="1400"/>
-            </a:lvl2pPr>
-            <a:lvl3pPr marL="914400" indent="0">
-              <a:buNone/>
-              <a:defRPr sz="1200"/>
-            </a:lvl3pPr>
-            <a:lvl4pPr marL="1371600" indent="0">
-              <a:buNone/>
-              <a:defRPr sz="1000"/>
-            </a:lvl4pPr>
-            <a:lvl5pPr marL="1828800" indent="0">
-              <a:buNone/>
-              <a:defRPr sz="1000"/>
-            </a:lvl5pPr>
-            <a:lvl6pPr marL="2286000" indent="0">
-              <a:buNone/>
-              <a:defRPr sz="1000"/>
-            </a:lvl6pPr>
-            <a:lvl7pPr marL="2743200" indent="0">
-              <a:buNone/>
-              <a:defRPr sz="1000"/>
-            </a:lvl7pPr>
-            <a:lvl8pPr marL="3200400" indent="0">
-              <a:buNone/>
-              <a:defRPr sz="1000"/>
-            </a:lvl8pPr>
-            <a:lvl9pPr marL="3657600" indent="0">
-              <a:buNone/>
-              <a:defRPr sz="1000"/>
-            </a:lvl9pPr>
-          </a:lstStyle>
-          <a:p>
-            <a:pPr lvl="0"/>
-            <a:r>
-              <a:rPr lang="en-US"/>
-              <a:t>Click to edit Master text styles</a:t>
-            </a:r>
-          </a:p>
-        </p:txBody>
-      </p:sp>
-      <p:sp>
-        <p:nvSpPr>
-          <p:cNvPr id="5" name="Date Placeholder 4">
-            <a:extLst>
-              <a:ext uri="{FF2B5EF4-FFF2-40B4-BE49-F238E27FC236}">
-                <a16:creationId xmlns:a16="http://schemas.microsoft.com/office/drawing/2014/main" id="{CA9F4411-F5FF-7DD9-8280-4EAE80811D9F}"/>
-              </a:ext>
-            </a:extLst>
-          </p:cNvPr>
-          <p:cNvSpPr>
-            <a:spLocks noGrp="1"/>
-          </p:cNvSpPr>
-          <p:nvPr>
-            <p:ph type="dt" sz="half" idx="10"/>
-          </p:nvPr>
-        </p:nvSpPr>
-        <p:spPr/>
-        <p:txBody>
-          <a:bodyPr/>
-          <a:lstStyle/>
-          <a:p>
-            <a:fld id="{0D69348B-4620-44E9-BF3F-EACBA9EEF323}" type="datetimeFigureOut">
-              <a:rPr lang="en-US" smtClean="0"/>
-              <a:t>5/16/2024</a:t>
-            </a:fld>
-            <a:endParaRPr lang="en-US"/>
-          </a:p>
-        </p:txBody>
-      </p:sp>
-      <p:sp>
-        <p:nvSpPr>
-          <p:cNvPr id="6" name="Footer Placeholder 5">
-            <a:extLst>
-              <a:ext uri="{FF2B5EF4-FFF2-40B4-BE49-F238E27FC236}">
-                <a16:creationId xmlns:a16="http://schemas.microsoft.com/office/drawing/2014/main" id="{BD00158C-2DC0-C40D-E476-8D815E2210E6}"/>
-              </a:ext>
-            </a:extLst>
-          </p:cNvPr>
-          <p:cNvSpPr>
-            <a:spLocks noGrp="1"/>
-          </p:cNvSpPr>
-          <p:nvPr>
-            <p:ph type="ftr" sz="quarter" idx="11"/>
-          </p:nvPr>
-        </p:nvSpPr>
-        <p:spPr/>
-        <p:txBody>
-          <a:bodyPr/>
-          <a:lstStyle/>
-          <a:p>
-            <a:endParaRPr lang="en-US"/>
-          </a:p>
-        </p:txBody>
-      </p:sp>
-      <p:sp>
-        <p:nvSpPr>
-          <p:cNvPr id="7" name="Slide Number Placeholder 6">
-            <a:extLst>
-              <a:ext uri="{FF2B5EF4-FFF2-40B4-BE49-F238E27FC236}">
-                <a16:creationId xmlns:a16="http://schemas.microsoft.com/office/drawing/2014/main" id="{E47CEA17-958B-3F11-0DD0-F3DB57410690}"/>
-              </a:ext>
-            </a:extLst>
-          </p:cNvPr>
-          <p:cNvSpPr>
-            <a:spLocks noGrp="1"/>
-          </p:cNvSpPr>
-          <p:nvPr>
-            <p:ph type="sldNum" sz="quarter" idx="12"/>
-          </p:nvPr>
-        </p:nvSpPr>
-        <p:spPr/>
-        <p:txBody>
-          <a:bodyPr/>
-          <a:lstStyle/>
-          <a:p>
-            <a:fld id="{986C47A0-D0C4-4E8A-BEE9-37B09C3712B2}" type="slidenum">
-              <a:rPr lang="en-US" smtClean="0"/>
-              <a:t>‹#›</a:t>
-            </a:fld>
-            <a:endParaRPr lang="en-US"/>
-          </a:p>
-        </p:txBody>
-      </p:sp>
-    </p:spTree>
-    <p:extLst>
-      <p:ext uri="{BB962C8B-B14F-4D97-AF65-F5344CB8AC3E}">
-        <p14:creationId xmlns:p14="http://schemas.microsoft.com/office/powerpoint/2010/main" val="1801490617"/>
-      </p:ext>
-    </p:extLst>
-  </p:cSld>
-  <p:clrMapOvr>
-    <a:masterClrMapping/>
-  </p:clrMapOvr>
-</p:sldLayout>
-</file>
-
-<file path=ppt/slideLayouts/slideLayout16.xml><?xml version="1.0" encoding="utf-8"?>
+<file path=ppt/slideLayouts/slideLayout10.xml><?xml version="1.0" encoding="utf-8"?>
 <p:sldLayout xmlns:a="http://schemas.openxmlformats.org/drawingml/2006/main" xmlns:r="http://schemas.openxmlformats.org/officeDocument/2006/relationships" xmlns:p="http://schemas.openxmlformats.org/presentationml/2006/main" type="vertTx" preserve="1">
   <p:cSld name="Title and Vertical Text">
     <p:spTree>
@@ -2274,7 +641,7 @@
           <p:cNvPr id="2" name="Title 1">
             <a:extLst>
               <a:ext uri="{FF2B5EF4-FFF2-40B4-BE49-F238E27FC236}">
-                <a16:creationId xmlns:a16="http://schemas.microsoft.com/office/drawing/2014/main" id="{D6AD2E5E-D555-7E2B-7E3F-7520CC1D227E}"/>
+                <a16:creationId xmlns:a16="http://schemas.microsoft.com/office/drawing/2014/main" id="{A2992E9E-93C1-7E84-A4D5-EA127AB4BDC1}"/>
               </a:ext>
             </a:extLst>
           </p:cNvPr>
@@ -2285,7 +652,15 @@
             <p:ph type="title"/>
           </p:nvPr>
         </p:nvSpPr>
-        <p:spPr/>
+        <p:spPr>
+          <a:xfrm>
+            <a:off x="602787" y="1498382"/>
+            <a:ext cx="10515600" cy="1325563"/>
+          </a:xfrm>
+          <a:prstGeom prst="rect">
+            <a:avLst/>
+          </a:prstGeom>
+        </p:spPr>
         <p:txBody>
           <a:bodyPr/>
           <a:lstStyle/>
@@ -2302,7 +677,7 @@
           <p:cNvPr id="3" name="Vertical Text Placeholder 2">
             <a:extLst>
               <a:ext uri="{FF2B5EF4-FFF2-40B4-BE49-F238E27FC236}">
-                <a16:creationId xmlns:a16="http://schemas.microsoft.com/office/drawing/2014/main" id="{21BCA2AE-5C6A-0627-55FB-1213E6BA2F01}"/>
+                <a16:creationId xmlns:a16="http://schemas.microsoft.com/office/drawing/2014/main" id="{FBFF1E9B-EE9D-9A7E-EE97-87C838D9BB2F}"/>
               </a:ext>
             </a:extLst>
           </p:cNvPr>
@@ -2313,7 +688,15 @@
             <p:ph type="body" orient="vert" idx="1"/>
           </p:nvPr>
         </p:nvSpPr>
-        <p:spPr/>
+        <p:spPr>
+          <a:xfrm>
+            <a:off x="838200" y="1825625"/>
+            <a:ext cx="10515600" cy="4351338"/>
+          </a:xfrm>
+          <a:prstGeom prst="rect">
+            <a:avLst/>
+          </a:prstGeom>
+        </p:spPr>
         <p:txBody>
           <a:bodyPr vert="eaVert"/>
           <a:lstStyle/>
@@ -2359,7 +742,7 @@
           <p:cNvPr id="4" name="Date Placeholder 3">
             <a:extLst>
               <a:ext uri="{FF2B5EF4-FFF2-40B4-BE49-F238E27FC236}">
-                <a16:creationId xmlns:a16="http://schemas.microsoft.com/office/drawing/2014/main" id="{5107EDAF-37A2-AD0D-A11E-C6E412B7CD68}"/>
+                <a16:creationId xmlns:a16="http://schemas.microsoft.com/office/drawing/2014/main" id="{450DA212-C93A-3075-FD32-156F351E64D4}"/>
               </a:ext>
             </a:extLst>
           </p:cNvPr>
@@ -2370,14 +753,22 @@
             <p:ph type="dt" sz="half" idx="10"/>
           </p:nvPr>
         </p:nvSpPr>
-        <p:spPr/>
+        <p:spPr>
+          <a:xfrm>
+            <a:off x="838200" y="6445249"/>
+            <a:ext cx="2743200" cy="365125"/>
+          </a:xfrm>
+          <a:prstGeom prst="rect">
+            <a:avLst/>
+          </a:prstGeom>
+        </p:spPr>
         <p:txBody>
           <a:bodyPr/>
           <a:lstStyle/>
           <a:p>
-            <a:fld id="{0D69348B-4620-44E9-BF3F-EACBA9EEF323}" type="datetimeFigureOut">
+            <a:fld id="{71087A05-F855-4434-8DDE-39A8542098A6}" type="datetimeFigureOut">
               <a:rPr lang="en-US" smtClean="0"/>
-              <a:t>5/16/2024</a:t>
+              <a:t>11/21/2024</a:t>
             </a:fld>
             <a:endParaRPr lang="en-US"/>
           </a:p>
@@ -2388,7 +779,7 @@
           <p:cNvPr id="5" name="Footer Placeholder 4">
             <a:extLst>
               <a:ext uri="{FF2B5EF4-FFF2-40B4-BE49-F238E27FC236}">
-                <a16:creationId xmlns:a16="http://schemas.microsoft.com/office/drawing/2014/main" id="{17AABE0A-6316-1BFF-88AA-1E305E3595C5}"/>
+                <a16:creationId xmlns:a16="http://schemas.microsoft.com/office/drawing/2014/main" id="{D6AA4E94-35D9-7831-A0BB-9A28BFA422BE}"/>
               </a:ext>
             </a:extLst>
           </p:cNvPr>
@@ -2399,7 +790,15 @@
             <p:ph type="ftr" sz="quarter" idx="11"/>
           </p:nvPr>
         </p:nvSpPr>
-        <p:spPr/>
+        <p:spPr>
+          <a:xfrm>
+            <a:off x="4038600" y="6356350"/>
+            <a:ext cx="4114800" cy="365125"/>
+          </a:xfrm>
+          <a:prstGeom prst="rect">
+            <a:avLst/>
+          </a:prstGeom>
+        </p:spPr>
         <p:txBody>
           <a:bodyPr/>
           <a:lstStyle/>
@@ -2413,7 +812,7 @@
           <p:cNvPr id="6" name="Slide Number Placeholder 5">
             <a:extLst>
               <a:ext uri="{FF2B5EF4-FFF2-40B4-BE49-F238E27FC236}">
-                <a16:creationId xmlns:a16="http://schemas.microsoft.com/office/drawing/2014/main" id="{FC568FF5-9BB0-1800-E4BA-438F3408E54B}"/>
+                <a16:creationId xmlns:a16="http://schemas.microsoft.com/office/drawing/2014/main" id="{2E0B5BE5-01BB-5041-6101-F169276B2397}"/>
               </a:ext>
             </a:extLst>
           </p:cNvPr>
@@ -2424,12 +823,20 @@
             <p:ph type="sldNum" sz="quarter" idx="12"/>
           </p:nvPr>
         </p:nvSpPr>
-        <p:spPr/>
+        <p:spPr>
+          <a:xfrm>
+            <a:off x="8610600" y="6356350"/>
+            <a:ext cx="2743200" cy="365125"/>
+          </a:xfrm>
+          <a:prstGeom prst="rect">
+            <a:avLst/>
+          </a:prstGeom>
+        </p:spPr>
         <p:txBody>
           <a:bodyPr/>
           <a:lstStyle/>
           <a:p>
-            <a:fld id="{986C47A0-D0C4-4E8A-BEE9-37B09C3712B2}" type="slidenum">
+            <a:fld id="{6C0014F0-3D1D-4459-A530-32E6C19AE461}" type="slidenum">
               <a:rPr lang="en-US" smtClean="0"/>
               <a:t>‹#›</a:t>
             </a:fld>
@@ -2440,7 +847,7 @@
     </p:spTree>
     <p:extLst>
       <p:ext uri="{BB962C8B-B14F-4D97-AF65-F5344CB8AC3E}">
-        <p14:creationId xmlns:p14="http://schemas.microsoft.com/office/powerpoint/2010/main" val="246953702"/>
+        <p14:creationId xmlns:p14="http://schemas.microsoft.com/office/powerpoint/2010/main" val="3058523283"/>
       </p:ext>
     </p:extLst>
   </p:cSld>
@@ -2450,7 +857,7 @@
 </p:sldLayout>
 </file>
 
-<file path=ppt/slideLayouts/slideLayout17.xml><?xml version="1.0" encoding="utf-8"?>
+<file path=ppt/slideLayouts/slideLayout11.xml><?xml version="1.0" encoding="utf-8"?>
 <p:sldLayout xmlns:a="http://schemas.openxmlformats.org/drawingml/2006/main" xmlns:r="http://schemas.openxmlformats.org/officeDocument/2006/relationships" xmlns:p="http://schemas.openxmlformats.org/presentationml/2006/main" type="vertTitleAndTx" preserve="1">
   <p:cSld name="Vertical Title and Text">
     <p:spTree>
@@ -2472,7 +879,7 @@
           <p:cNvPr id="2" name="Vertical Title 1">
             <a:extLst>
               <a:ext uri="{FF2B5EF4-FFF2-40B4-BE49-F238E27FC236}">
-                <a16:creationId xmlns:a16="http://schemas.microsoft.com/office/drawing/2014/main" id="{AAE8DA51-17B9-3E3B-6597-C3149EC564E7}"/>
+                <a16:creationId xmlns:a16="http://schemas.microsoft.com/office/drawing/2014/main" id="{B7D370E5-4104-4DF4-CE6F-43777E948DFD}"/>
               </a:ext>
             </a:extLst>
           </p:cNvPr>
@@ -2488,6 +895,9 @@
             <a:off x="8724900" y="365125"/>
             <a:ext cx="2628900" cy="5811838"/>
           </a:xfrm>
+          <a:prstGeom prst="rect">
+            <a:avLst/>
+          </a:prstGeom>
         </p:spPr>
         <p:txBody>
           <a:bodyPr vert="eaVert"/>
@@ -2505,7 +915,7 @@
           <p:cNvPr id="3" name="Vertical Text Placeholder 2">
             <a:extLst>
               <a:ext uri="{FF2B5EF4-FFF2-40B4-BE49-F238E27FC236}">
-                <a16:creationId xmlns:a16="http://schemas.microsoft.com/office/drawing/2014/main" id="{C43333B4-9DAF-48B6-30CB-E3B610BEF084}"/>
+                <a16:creationId xmlns:a16="http://schemas.microsoft.com/office/drawing/2014/main" id="{3CEA6D81-DFD1-D8AC-EC26-DC0557526EE4}"/>
               </a:ext>
             </a:extLst>
           </p:cNvPr>
@@ -2521,6 +931,9 @@
             <a:off x="838200" y="365125"/>
             <a:ext cx="7734300" cy="5811838"/>
           </a:xfrm>
+          <a:prstGeom prst="rect">
+            <a:avLst/>
+          </a:prstGeom>
         </p:spPr>
         <p:txBody>
           <a:bodyPr vert="eaVert"/>
@@ -2567,7 +980,7 @@
           <p:cNvPr id="4" name="Date Placeholder 3">
             <a:extLst>
               <a:ext uri="{FF2B5EF4-FFF2-40B4-BE49-F238E27FC236}">
-                <a16:creationId xmlns:a16="http://schemas.microsoft.com/office/drawing/2014/main" id="{6086BDD1-83F5-3D7A-8DD5-DF362A8AD1E7}"/>
+                <a16:creationId xmlns:a16="http://schemas.microsoft.com/office/drawing/2014/main" id="{60E27890-E421-871D-9D4F-F7E5B558B71E}"/>
               </a:ext>
             </a:extLst>
           </p:cNvPr>
@@ -2578,14 +991,22 @@
             <p:ph type="dt" sz="half" idx="10"/>
           </p:nvPr>
         </p:nvSpPr>
-        <p:spPr/>
+        <p:spPr>
+          <a:xfrm>
+            <a:off x="838200" y="6445249"/>
+            <a:ext cx="2743200" cy="365125"/>
+          </a:xfrm>
+          <a:prstGeom prst="rect">
+            <a:avLst/>
+          </a:prstGeom>
+        </p:spPr>
         <p:txBody>
           <a:bodyPr/>
           <a:lstStyle/>
           <a:p>
-            <a:fld id="{0D69348B-4620-44E9-BF3F-EACBA9EEF323}" type="datetimeFigureOut">
+            <a:fld id="{71087A05-F855-4434-8DDE-39A8542098A6}" type="datetimeFigureOut">
               <a:rPr lang="en-US" smtClean="0"/>
-              <a:t>5/16/2024</a:t>
+              <a:t>11/21/2024</a:t>
             </a:fld>
             <a:endParaRPr lang="en-US"/>
           </a:p>
@@ -2596,7 +1017,7 @@
           <p:cNvPr id="5" name="Footer Placeholder 4">
             <a:extLst>
               <a:ext uri="{FF2B5EF4-FFF2-40B4-BE49-F238E27FC236}">
-                <a16:creationId xmlns:a16="http://schemas.microsoft.com/office/drawing/2014/main" id="{4CD22109-0E78-0957-7BBE-F0B6D89EFBB0}"/>
+                <a16:creationId xmlns:a16="http://schemas.microsoft.com/office/drawing/2014/main" id="{B7A93CF4-905B-F31B-69BD-9BEBF9008D86}"/>
               </a:ext>
             </a:extLst>
           </p:cNvPr>
@@ -2607,7 +1028,15 @@
             <p:ph type="ftr" sz="quarter" idx="11"/>
           </p:nvPr>
         </p:nvSpPr>
-        <p:spPr/>
+        <p:spPr>
+          <a:xfrm>
+            <a:off x="4038600" y="6356350"/>
+            <a:ext cx="4114800" cy="365125"/>
+          </a:xfrm>
+          <a:prstGeom prst="rect">
+            <a:avLst/>
+          </a:prstGeom>
+        </p:spPr>
         <p:txBody>
           <a:bodyPr/>
           <a:lstStyle/>
@@ -2621,7 +1050,7 @@
           <p:cNvPr id="6" name="Slide Number Placeholder 5">
             <a:extLst>
               <a:ext uri="{FF2B5EF4-FFF2-40B4-BE49-F238E27FC236}">
-                <a16:creationId xmlns:a16="http://schemas.microsoft.com/office/drawing/2014/main" id="{292DE250-FF35-6AD5-3A95-9CDBFE6C2373}"/>
+                <a16:creationId xmlns:a16="http://schemas.microsoft.com/office/drawing/2014/main" id="{B9BD2B1C-442A-F5C9-9AEB-F9DE0158660F}"/>
               </a:ext>
             </a:extLst>
           </p:cNvPr>
@@ -2632,12 +1061,20 @@
             <p:ph type="sldNum" sz="quarter" idx="12"/>
           </p:nvPr>
         </p:nvSpPr>
-        <p:spPr/>
+        <p:spPr>
+          <a:xfrm>
+            <a:off x="8610600" y="6356350"/>
+            <a:ext cx="2743200" cy="365125"/>
+          </a:xfrm>
+          <a:prstGeom prst="rect">
+            <a:avLst/>
+          </a:prstGeom>
+        </p:spPr>
         <p:txBody>
           <a:bodyPr/>
           <a:lstStyle/>
           <a:p>
-            <a:fld id="{986C47A0-D0C4-4E8A-BEE9-37B09C3712B2}" type="slidenum">
+            <a:fld id="{6C0014F0-3D1D-4459-A530-32E6C19AE461}" type="slidenum">
               <a:rPr lang="en-US" smtClean="0"/>
               <a:t>‹#›</a:t>
             </a:fld>
@@ -2648,7 +1085,7 @@
     </p:spTree>
     <p:extLst>
       <p:ext uri="{BB962C8B-B14F-4D97-AF65-F5344CB8AC3E}">
-        <p14:creationId xmlns:p14="http://schemas.microsoft.com/office/powerpoint/2010/main" val="2492140018"/>
+        <p14:creationId xmlns:p14="http://schemas.microsoft.com/office/powerpoint/2010/main" val="4080666653"/>
       </p:ext>
     </p:extLst>
   </p:cSld>
@@ -2658,287 +1095,8 @@
 </p:sldLayout>
 </file>
 
-<file path=ppt/slideLayouts/slideLayout18.xml><?xml version="1.0" encoding="utf-8"?>
-<p:sldLayout xmlns:a="http://schemas.openxmlformats.org/drawingml/2006/main" xmlns:r="http://schemas.openxmlformats.org/officeDocument/2006/relationships" xmlns:p="http://schemas.openxmlformats.org/presentationml/2006/main">
-  <p:cSld name="Contents slide layout">
-    <p:spTree>
-      <p:nvGrpSpPr>
-        <p:cNvPr id="1" name=""/>
-        <p:cNvGrpSpPr/>
-        <p:nvPr/>
-      </p:nvGrpSpPr>
-      <p:grpSpPr>
-        <a:xfrm>
-          <a:off x="0" y="0"/>
-          <a:ext cx="0" cy="0"/>
-          <a:chOff x="0" y="0"/>
-          <a:chExt cx="0" cy="0"/>
-        </a:xfrm>
-      </p:grpSpPr>
-      <p:sp>
-        <p:nvSpPr>
-          <p:cNvPr id="2" name="Text Placeholder 9">
-            <a:extLst>
-              <a:ext uri="{FF2B5EF4-FFF2-40B4-BE49-F238E27FC236}">
-                <a16:creationId xmlns:a16="http://schemas.microsoft.com/office/drawing/2014/main" id="{23DE32A5-6181-4C51-AD5C-3F1A448478A1}"/>
-              </a:ext>
-            </a:extLst>
-          </p:cNvPr>
-          <p:cNvSpPr>
-            <a:spLocks noGrp="1"/>
-          </p:cNvSpPr>
-          <p:nvPr>
-            <p:ph type="body" sz="quarter" idx="10" hasCustomPrompt="1"/>
-          </p:nvPr>
-        </p:nvSpPr>
-        <p:spPr>
-          <a:xfrm>
-            <a:off x="323529" y="339509"/>
-            <a:ext cx="11573197" cy="724247"/>
-          </a:xfrm>
-          <a:prstGeom prst="rect">
-            <a:avLst/>
-          </a:prstGeom>
-        </p:spPr>
-        <p:txBody>
-          <a:bodyPr anchor="ctr"/>
-          <a:lstStyle>
-            <a:lvl1pPr marL="0" indent="0" algn="ctr">
-              <a:buNone/>
-              <a:defRPr sz="5400" b="0" baseline="0">
-                <a:solidFill>
-                  <a:schemeClr val="tx1">
-                    <a:lumMod val="85000"/>
-                    <a:lumOff val="15000"/>
-                  </a:schemeClr>
-                </a:solidFill>
-                <a:latin typeface="+mj-lt"/>
-                <a:cs typeface="Arial" pitchFamily="34" charset="0"/>
-              </a:defRPr>
-            </a:lvl1pPr>
-          </a:lstStyle>
-          <a:p>
-            <a:pPr lvl="0"/>
-            <a:r>
-              <a:rPr lang="en-US" altLang="ko-KR" dirty="0"/>
-              <a:t>BASIC LAYOUT</a:t>
-            </a:r>
-          </a:p>
-        </p:txBody>
-      </p:sp>
-    </p:spTree>
-    <p:extLst>
-      <p:ext uri="{BB962C8B-B14F-4D97-AF65-F5344CB8AC3E}">
-        <p14:creationId xmlns:p14="http://schemas.microsoft.com/office/powerpoint/2010/main" val="1533723494"/>
-      </p:ext>
-    </p:extLst>
-  </p:cSld>
-  <p:clrMapOvr>
-    <a:masterClrMapping/>
-  </p:clrMapOvr>
-</p:sldLayout>
-</file>
-
-<file path=ppt/slideLayouts/slideLayout2.xml><?xml version="1.0" encoding="utf-8"?>
-<p:sldLayout xmlns:a="http://schemas.openxmlformats.org/drawingml/2006/main" xmlns:r="http://schemas.openxmlformats.org/officeDocument/2006/relationships" xmlns:p="http://schemas.openxmlformats.org/presentationml/2006/main" preserve="1">
-  <p:cSld name="Title Only">
-    <p:spTree>
-      <p:nvGrpSpPr>
-        <p:cNvPr id="1" name=""/>
-        <p:cNvGrpSpPr/>
-        <p:nvPr/>
-      </p:nvGrpSpPr>
-      <p:grpSpPr>
-        <a:xfrm>
-          <a:off x="0" y="0"/>
-          <a:ext cx="0" cy="0"/>
-          <a:chOff x="0" y="0"/>
-          <a:chExt cx="0" cy="0"/>
-        </a:xfrm>
-      </p:grpSpPr>
-      <p:cxnSp>
-        <p:nvCxnSpPr>
-          <p:cNvPr id="16" name="Straight Connector 15"/>
-          <p:cNvCxnSpPr/>
-          <p:nvPr/>
-        </p:nvCxnSpPr>
-        <p:spPr bwMode="auto">
-          <a:xfrm>
-            <a:off x="634999" y="983343"/>
-            <a:ext cx="10947401" cy="0"/>
-          </a:xfrm>
-          <a:prstGeom prst="line">
-            <a:avLst/>
-          </a:prstGeom>
-          <a:solidFill>
-            <a:schemeClr val="accent1"/>
-          </a:solidFill>
-          <a:ln w="3175" cap="flat" cmpd="sng" algn="ctr">
-            <a:solidFill>
-              <a:schemeClr val="bg1"/>
-            </a:solidFill>
-            <a:prstDash val="solid"/>
-            <a:round/>
-            <a:headEnd type="none" w="med" len="med"/>
-            <a:tailEnd type="none" w="med" len="med"/>
-          </a:ln>
-          <a:effectLst/>
-        </p:spPr>
-      </p:cxnSp>
-      <p:sp>
-        <p:nvSpPr>
-          <p:cNvPr id="17" name="Title 10"/>
-          <p:cNvSpPr>
-            <a:spLocks noGrp="1"/>
-          </p:cNvSpPr>
-          <p:nvPr>
-            <p:ph type="title" hasCustomPrompt="1"/>
-          </p:nvPr>
-        </p:nvSpPr>
-        <p:spPr>
-          <a:xfrm>
-            <a:off x="533400" y="76200"/>
-            <a:ext cx="11049000" cy="907143"/>
-          </a:xfrm>
-          <a:prstGeom prst="rect">
-            <a:avLst/>
-          </a:prstGeom>
-        </p:spPr>
-        <p:txBody>
-          <a:bodyPr anchor="ctr" anchorCtr="0"/>
-          <a:lstStyle>
-            <a:lvl1pPr>
-              <a:defRPr sz="2400"/>
-            </a:lvl1pPr>
-          </a:lstStyle>
-          <a:p>
-            <a:pPr>
-              <a:defRPr/>
-            </a:pPr>
-            <a:r>
-              <a:rPr lang="en-US" sz="2200" dirty="0"/>
-              <a:t>Slide Title</a:t>
-            </a:r>
-          </a:p>
-        </p:txBody>
-      </p:sp>
-    </p:spTree>
-    <p:extLst>
-      <p:ext uri="{BB962C8B-B14F-4D97-AF65-F5344CB8AC3E}">
-        <p14:creationId xmlns:p14="http://schemas.microsoft.com/office/powerpoint/2010/main" val="3703445315"/>
-      </p:ext>
-    </p:extLst>
-  </p:cSld>
-  <p:clrMapOvr>
-    <a:masterClrMapping/>
-  </p:clrMapOvr>
-  <p:transition>
-    <p:fade/>
-  </p:transition>
-</p:sldLayout>
-</file>
-
-<file path=ppt/slideLayouts/slideLayout3.xml><?xml version="1.0" encoding="utf-8"?>
-<p:sldLayout xmlns:a="http://schemas.openxmlformats.org/drawingml/2006/main" xmlns:r="http://schemas.openxmlformats.org/officeDocument/2006/relationships" xmlns:p="http://schemas.openxmlformats.org/presentationml/2006/main" type="blank">
-  <p:cSld name="Blank">
-    <p:spTree>
-      <p:nvGrpSpPr>
-        <p:cNvPr id="1" name=""/>
-        <p:cNvGrpSpPr/>
-        <p:nvPr/>
-      </p:nvGrpSpPr>
-      <p:grpSpPr>
-        <a:xfrm>
-          <a:off x="0" y="0"/>
-          <a:ext cx="0" cy="0"/>
-          <a:chOff x="0" y="0"/>
-          <a:chExt cx="0" cy="0"/>
-        </a:xfrm>
-      </p:grpSpPr>
-    </p:spTree>
-    <p:extLst>
-      <p:ext uri="{BB962C8B-B14F-4D97-AF65-F5344CB8AC3E}">
-        <p14:creationId xmlns:p14="http://schemas.microsoft.com/office/powerpoint/2010/main" val="2791655748"/>
-      </p:ext>
-    </p:extLst>
-  </p:cSld>
-  <p:clrMapOvr>
-    <a:masterClrMapping/>
-  </p:clrMapOvr>
-</p:sldLayout>
-</file>
-
-<file path=ppt/slideLayouts/slideLayout4.xml><?xml version="1.0" encoding="utf-8"?>
-<p:sldLayout xmlns:a="http://schemas.openxmlformats.org/drawingml/2006/main" xmlns:r="http://schemas.openxmlformats.org/officeDocument/2006/relationships" xmlns:p="http://schemas.openxmlformats.org/presentationml/2006/main" preserve="1">
-  <p:cSld name="Custom Layout">
-    <p:spTree>
-      <p:nvGrpSpPr>
-        <p:cNvPr id="1" name=""/>
-        <p:cNvGrpSpPr/>
-        <p:nvPr/>
-      </p:nvGrpSpPr>
-      <p:grpSpPr>
-        <a:xfrm>
-          <a:off x="0" y="0"/>
-          <a:ext cx="0" cy="0"/>
-          <a:chOff x="0" y="0"/>
-          <a:chExt cx="0" cy="0"/>
-        </a:xfrm>
-      </p:grpSpPr>
-      <p:sp>
-        <p:nvSpPr>
-          <p:cNvPr id="2" name="Title 1">
-            <a:extLst>
-              <a:ext uri="{FF2B5EF4-FFF2-40B4-BE49-F238E27FC236}">
-                <a16:creationId xmlns:a16="http://schemas.microsoft.com/office/drawing/2014/main" id="{EB95561D-B949-3649-8DE3-37913D11D197}"/>
-              </a:ext>
-            </a:extLst>
-          </p:cNvPr>
-          <p:cNvSpPr>
-            <a:spLocks noGrp="1"/>
-          </p:cNvSpPr>
-          <p:nvPr>
-            <p:ph type="title"/>
-          </p:nvPr>
-        </p:nvSpPr>
-        <p:spPr>
-          <a:xfrm>
-            <a:off x="838200" y="365125"/>
-            <a:ext cx="10515600" cy="1325563"/>
-          </a:xfrm>
-          <a:prstGeom prst="rect">
-            <a:avLst/>
-          </a:prstGeom>
-        </p:spPr>
-        <p:txBody>
-          <a:bodyPr/>
-          <a:lstStyle/>
-          <a:p>
-            <a:r>
-              <a:rPr lang="en-US"/>
-              <a:t>Click to edit Master title style</a:t>
-            </a:r>
-          </a:p>
-        </p:txBody>
-      </p:sp>
-    </p:spTree>
-    <p:extLst>
-      <p:ext uri="{BB962C8B-B14F-4D97-AF65-F5344CB8AC3E}">
-        <p14:creationId xmlns:p14="http://schemas.microsoft.com/office/powerpoint/2010/main" val="2177857422"/>
-      </p:ext>
-    </p:extLst>
-  </p:cSld>
-  <p:clrMapOvr>
-    <a:masterClrMapping/>
-  </p:clrMapOvr>
-  <p:transition>
-    <p:fade/>
-  </p:transition>
-</p:sldLayout>
-</file>
-
-<file path=ppt/slideLayouts/slideLayout5.xml><?xml version="1.0" encoding="utf-8"?>
-<p:sldLayout xmlns:a="http://schemas.openxmlformats.org/drawingml/2006/main" xmlns:r="http://schemas.openxmlformats.org/officeDocument/2006/relationships" xmlns:p="http://schemas.openxmlformats.org/presentationml/2006/main" type="title">
+<file path=ppt/slideLayouts/slideLayout12.xml><?xml version="1.0" encoding="utf-8"?>
+<p:sldLayout xmlns:a="http://schemas.openxmlformats.org/drawingml/2006/main" xmlns:r="http://schemas.openxmlformats.org/officeDocument/2006/relationships" xmlns:p="http://schemas.openxmlformats.org/presentationml/2006/main" type="title" preserve="1">
   <p:cSld name="Title Slide">
     <p:spTree>
       <p:nvGrpSpPr>
@@ -2959,7 +1117,7 @@
           <p:cNvPr id="2" name="Title 1">
             <a:extLst>
               <a:ext uri="{FF2B5EF4-FFF2-40B4-BE49-F238E27FC236}">
-                <a16:creationId xmlns:a16="http://schemas.microsoft.com/office/drawing/2014/main" id="{13F663EF-3D40-7FF9-6390-00F17F7D89D2}"/>
+                <a16:creationId xmlns:a16="http://schemas.microsoft.com/office/drawing/2014/main" id="{DD581941-0C9F-2373-780E-9153E7306EE0}"/>
               </a:ext>
             </a:extLst>
           </p:cNvPr>
@@ -2996,7 +1154,7 @@
           <p:cNvPr id="3" name="Subtitle 2">
             <a:extLst>
               <a:ext uri="{FF2B5EF4-FFF2-40B4-BE49-F238E27FC236}">
-                <a16:creationId xmlns:a16="http://schemas.microsoft.com/office/drawing/2014/main" id="{02392760-2C5B-A5E9-50CF-8E0F18C964D7}"/>
+                <a16:creationId xmlns:a16="http://schemas.microsoft.com/office/drawing/2014/main" id="{FC927A9A-3EED-7C12-0FFF-384113480AA1}"/>
               </a:ext>
             </a:extLst>
           </p:cNvPr>
@@ -3066,7 +1224,7 @@
           <p:cNvPr id="4" name="Date Placeholder 3">
             <a:extLst>
               <a:ext uri="{FF2B5EF4-FFF2-40B4-BE49-F238E27FC236}">
-                <a16:creationId xmlns:a16="http://schemas.microsoft.com/office/drawing/2014/main" id="{28E22313-72D3-BC48-B6C7-BD28A4B25912}"/>
+                <a16:creationId xmlns:a16="http://schemas.microsoft.com/office/drawing/2014/main" id="{E43FE0D7-D5FB-3326-9483-F15495075853}"/>
               </a:ext>
             </a:extLst>
           </p:cNvPr>
@@ -3084,7 +1242,7 @@
           <a:p>
             <a:fld id="{0BE24BAF-58C0-4D38-ABA0-4170CC92DC13}" type="datetimeFigureOut">
               <a:rPr lang="en-US" smtClean="0"/>
-              <a:t>5/16/2024</a:t>
+              <a:t>11/21/2024</a:t>
             </a:fld>
             <a:endParaRPr lang="en-US"/>
           </a:p>
@@ -3095,7 +1253,7 @@
           <p:cNvPr id="5" name="Footer Placeholder 4">
             <a:extLst>
               <a:ext uri="{FF2B5EF4-FFF2-40B4-BE49-F238E27FC236}">
-                <a16:creationId xmlns:a16="http://schemas.microsoft.com/office/drawing/2014/main" id="{79A961C9-27D3-9627-AC42-42DA3AE02626}"/>
+                <a16:creationId xmlns:a16="http://schemas.microsoft.com/office/drawing/2014/main" id="{AAEBCD6E-6B69-E7FF-A8EA-F8E294BDA7E7}"/>
               </a:ext>
             </a:extLst>
           </p:cNvPr>
@@ -3120,7 +1278,7 @@
           <p:cNvPr id="6" name="Slide Number Placeholder 5">
             <a:extLst>
               <a:ext uri="{FF2B5EF4-FFF2-40B4-BE49-F238E27FC236}">
-                <a16:creationId xmlns:a16="http://schemas.microsoft.com/office/drawing/2014/main" id="{87512D45-370E-D661-58AD-D3D45A41FCD2}"/>
+                <a16:creationId xmlns:a16="http://schemas.microsoft.com/office/drawing/2014/main" id="{FF22DB5A-E75D-49DD-123C-37B6BC85E903}"/>
               </a:ext>
             </a:extLst>
           </p:cNvPr>
@@ -3147,7 +1305,7 @@
     </p:spTree>
     <p:extLst>
       <p:ext uri="{BB962C8B-B14F-4D97-AF65-F5344CB8AC3E}">
-        <p14:creationId xmlns:p14="http://schemas.microsoft.com/office/powerpoint/2010/main" val="3594575308"/>
+        <p14:creationId xmlns:p14="http://schemas.microsoft.com/office/powerpoint/2010/main" val="2918341831"/>
       </p:ext>
     </p:extLst>
   </p:cSld>
@@ -3157,7 +1315,7 @@
 </p:sldLayout>
 </file>
 
-<file path=ppt/slideLayouts/slideLayout6.xml><?xml version="1.0" encoding="utf-8"?>
+<file path=ppt/slideLayouts/slideLayout13.xml><?xml version="1.0" encoding="utf-8"?>
 <p:sldLayout xmlns:a="http://schemas.openxmlformats.org/drawingml/2006/main" xmlns:r="http://schemas.openxmlformats.org/officeDocument/2006/relationships" xmlns:p="http://schemas.openxmlformats.org/presentationml/2006/main">
   <p:cSld name="Contents slide layout">
     <p:spTree>
@@ -3228,7 +1386,7 @@
     </p:spTree>
     <p:extLst>
       <p:ext uri="{BB962C8B-B14F-4D97-AF65-F5344CB8AC3E}">
-        <p14:creationId xmlns:p14="http://schemas.microsoft.com/office/powerpoint/2010/main" val="1992043631"/>
+        <p14:creationId xmlns:p14="http://schemas.microsoft.com/office/powerpoint/2010/main" val="3048634756"/>
       </p:ext>
     </p:extLst>
   </p:cSld>
@@ -3238,227 +1396,7 @@
 </p:sldLayout>
 </file>
 
-<file path=ppt/slideLayouts/slideLayout7.xml><?xml version="1.0" encoding="utf-8"?>
-<p:sldLayout xmlns:a="http://schemas.openxmlformats.org/drawingml/2006/main" xmlns:r="http://schemas.openxmlformats.org/officeDocument/2006/relationships" xmlns:p="http://schemas.openxmlformats.org/presentationml/2006/main" type="title" preserve="1">
-  <p:cSld name="Title Slide">
-    <p:spTree>
-      <p:nvGrpSpPr>
-        <p:cNvPr id="1" name=""/>
-        <p:cNvGrpSpPr/>
-        <p:nvPr/>
-      </p:nvGrpSpPr>
-      <p:grpSpPr>
-        <a:xfrm>
-          <a:off x="0" y="0"/>
-          <a:ext cx="0" cy="0"/>
-          <a:chOff x="0" y="0"/>
-          <a:chExt cx="0" cy="0"/>
-        </a:xfrm>
-      </p:grpSpPr>
-      <p:sp>
-        <p:nvSpPr>
-          <p:cNvPr id="2" name="Title 1">
-            <a:extLst>
-              <a:ext uri="{FF2B5EF4-FFF2-40B4-BE49-F238E27FC236}">
-                <a16:creationId xmlns:a16="http://schemas.microsoft.com/office/drawing/2014/main" id="{DD581941-0C9F-2373-780E-9153E7306EE0}"/>
-              </a:ext>
-            </a:extLst>
-          </p:cNvPr>
-          <p:cNvSpPr>
-            <a:spLocks noGrp="1"/>
-          </p:cNvSpPr>
-          <p:nvPr>
-            <p:ph type="ctrTitle"/>
-          </p:nvPr>
-        </p:nvSpPr>
-        <p:spPr>
-          <a:xfrm>
-            <a:off x="1524000" y="1122363"/>
-            <a:ext cx="9144000" cy="2387600"/>
-          </a:xfrm>
-        </p:spPr>
-        <p:txBody>
-          <a:bodyPr anchor="b"/>
-          <a:lstStyle>
-            <a:lvl1pPr algn="ctr">
-              <a:defRPr sz="6000"/>
-            </a:lvl1pPr>
-          </a:lstStyle>
-          <a:p>
-            <a:r>
-              <a:rPr lang="en-US"/>
-              <a:t>Click to edit Master title style</a:t>
-            </a:r>
-          </a:p>
-        </p:txBody>
-      </p:sp>
-      <p:sp>
-        <p:nvSpPr>
-          <p:cNvPr id="3" name="Subtitle 2">
-            <a:extLst>
-              <a:ext uri="{FF2B5EF4-FFF2-40B4-BE49-F238E27FC236}">
-                <a16:creationId xmlns:a16="http://schemas.microsoft.com/office/drawing/2014/main" id="{FC927A9A-3EED-7C12-0FFF-384113480AA1}"/>
-              </a:ext>
-            </a:extLst>
-          </p:cNvPr>
-          <p:cNvSpPr>
-            <a:spLocks noGrp="1"/>
-          </p:cNvSpPr>
-          <p:nvPr>
-            <p:ph type="subTitle" idx="1"/>
-          </p:nvPr>
-        </p:nvSpPr>
-        <p:spPr>
-          <a:xfrm>
-            <a:off x="1524000" y="3602038"/>
-            <a:ext cx="9144000" cy="1655762"/>
-          </a:xfrm>
-        </p:spPr>
-        <p:txBody>
-          <a:bodyPr/>
-          <a:lstStyle>
-            <a:lvl1pPr marL="0" indent="0" algn="ctr">
-              <a:buNone/>
-              <a:defRPr sz="2400"/>
-            </a:lvl1pPr>
-            <a:lvl2pPr marL="457200" indent="0" algn="ctr">
-              <a:buNone/>
-              <a:defRPr sz="2000"/>
-            </a:lvl2pPr>
-            <a:lvl3pPr marL="914400" indent="0" algn="ctr">
-              <a:buNone/>
-              <a:defRPr sz="1800"/>
-            </a:lvl3pPr>
-            <a:lvl4pPr marL="1371600" indent="0" algn="ctr">
-              <a:buNone/>
-              <a:defRPr sz="1600"/>
-            </a:lvl4pPr>
-            <a:lvl5pPr marL="1828800" indent="0" algn="ctr">
-              <a:buNone/>
-              <a:defRPr sz="1600"/>
-            </a:lvl5pPr>
-            <a:lvl6pPr marL="2286000" indent="0" algn="ctr">
-              <a:buNone/>
-              <a:defRPr sz="1600"/>
-            </a:lvl6pPr>
-            <a:lvl7pPr marL="2743200" indent="0" algn="ctr">
-              <a:buNone/>
-              <a:defRPr sz="1600"/>
-            </a:lvl7pPr>
-            <a:lvl8pPr marL="3200400" indent="0" algn="ctr">
-              <a:buNone/>
-              <a:defRPr sz="1600"/>
-            </a:lvl8pPr>
-            <a:lvl9pPr marL="3657600" indent="0" algn="ctr">
-              <a:buNone/>
-              <a:defRPr sz="1600"/>
-            </a:lvl9pPr>
-          </a:lstStyle>
-          <a:p>
-            <a:r>
-              <a:rPr lang="en-US"/>
-              <a:t>Click to edit Master subtitle style</a:t>
-            </a:r>
-          </a:p>
-        </p:txBody>
-      </p:sp>
-      <p:sp>
-        <p:nvSpPr>
-          <p:cNvPr id="4" name="Date Placeholder 3">
-            <a:extLst>
-              <a:ext uri="{FF2B5EF4-FFF2-40B4-BE49-F238E27FC236}">
-                <a16:creationId xmlns:a16="http://schemas.microsoft.com/office/drawing/2014/main" id="{E43FE0D7-D5FB-3326-9483-F15495075853}"/>
-              </a:ext>
-            </a:extLst>
-          </p:cNvPr>
-          <p:cNvSpPr>
-            <a:spLocks noGrp="1"/>
-          </p:cNvSpPr>
-          <p:nvPr>
-            <p:ph type="dt" sz="half" idx="10"/>
-          </p:nvPr>
-        </p:nvSpPr>
-        <p:spPr/>
-        <p:txBody>
-          <a:bodyPr/>
-          <a:lstStyle/>
-          <a:p>
-            <a:fld id="{0BE24BAF-58C0-4D38-ABA0-4170CC92DC13}" type="datetimeFigureOut">
-              <a:rPr lang="en-US" smtClean="0"/>
-              <a:t>5/16/2024</a:t>
-            </a:fld>
-            <a:endParaRPr lang="en-US"/>
-          </a:p>
-        </p:txBody>
-      </p:sp>
-      <p:sp>
-        <p:nvSpPr>
-          <p:cNvPr id="5" name="Footer Placeholder 4">
-            <a:extLst>
-              <a:ext uri="{FF2B5EF4-FFF2-40B4-BE49-F238E27FC236}">
-                <a16:creationId xmlns:a16="http://schemas.microsoft.com/office/drawing/2014/main" id="{AAEBCD6E-6B69-E7FF-A8EA-F8E294BDA7E7}"/>
-              </a:ext>
-            </a:extLst>
-          </p:cNvPr>
-          <p:cNvSpPr>
-            <a:spLocks noGrp="1"/>
-          </p:cNvSpPr>
-          <p:nvPr>
-            <p:ph type="ftr" sz="quarter" idx="11"/>
-          </p:nvPr>
-        </p:nvSpPr>
-        <p:spPr/>
-        <p:txBody>
-          <a:bodyPr/>
-          <a:lstStyle/>
-          <a:p>
-            <a:endParaRPr lang="en-US"/>
-          </a:p>
-        </p:txBody>
-      </p:sp>
-      <p:sp>
-        <p:nvSpPr>
-          <p:cNvPr id="6" name="Slide Number Placeholder 5">
-            <a:extLst>
-              <a:ext uri="{FF2B5EF4-FFF2-40B4-BE49-F238E27FC236}">
-                <a16:creationId xmlns:a16="http://schemas.microsoft.com/office/drawing/2014/main" id="{FF22DB5A-E75D-49DD-123C-37B6BC85E903}"/>
-              </a:ext>
-            </a:extLst>
-          </p:cNvPr>
-          <p:cNvSpPr>
-            <a:spLocks noGrp="1"/>
-          </p:cNvSpPr>
-          <p:nvPr>
-            <p:ph type="sldNum" sz="quarter" idx="12"/>
-          </p:nvPr>
-        </p:nvSpPr>
-        <p:spPr/>
-        <p:txBody>
-          <a:bodyPr/>
-          <a:lstStyle/>
-          <a:p>
-            <a:fld id="{13D5471E-615E-4FAD-96CF-E230E8BB09F6}" type="slidenum">
-              <a:rPr lang="en-US" smtClean="0"/>
-              <a:t>‹#›</a:t>
-            </a:fld>
-            <a:endParaRPr lang="en-US"/>
-          </a:p>
-        </p:txBody>
-      </p:sp>
-    </p:spTree>
-    <p:extLst>
-      <p:ext uri="{BB962C8B-B14F-4D97-AF65-F5344CB8AC3E}">
-        <p14:creationId xmlns:p14="http://schemas.microsoft.com/office/powerpoint/2010/main" val="267940307"/>
-      </p:ext>
-    </p:extLst>
-  </p:cSld>
-  <p:clrMapOvr>
-    <a:masterClrMapping/>
-  </p:clrMapOvr>
-</p:sldLayout>
-</file>
-
-<file path=ppt/slideLayouts/slideLayout8.xml><?xml version="1.0" encoding="utf-8"?>
+<file path=ppt/slideLayouts/slideLayout2.xml><?xml version="1.0" encoding="utf-8"?>
 <p:sldLayout xmlns:a="http://schemas.openxmlformats.org/drawingml/2006/main" xmlns:r="http://schemas.openxmlformats.org/officeDocument/2006/relationships" xmlns:p="http://schemas.openxmlformats.org/presentationml/2006/main" type="obj" preserve="1">
   <p:cSld name="Title and Content">
     <p:spTree>
@@ -3480,7 +1418,7 @@
           <p:cNvPr id="2" name="Title 1">
             <a:extLst>
               <a:ext uri="{FF2B5EF4-FFF2-40B4-BE49-F238E27FC236}">
-                <a16:creationId xmlns:a16="http://schemas.microsoft.com/office/drawing/2014/main" id="{9B53F3F8-E052-488D-90D0-D947B99C4AE2}"/>
+                <a16:creationId xmlns:a16="http://schemas.microsoft.com/office/drawing/2014/main" id="{6A54579A-6906-4E6D-591C-C727DF060739}"/>
               </a:ext>
             </a:extLst>
           </p:cNvPr>
@@ -3491,7 +1429,15 @@
             <p:ph type="title"/>
           </p:nvPr>
         </p:nvSpPr>
-        <p:spPr/>
+        <p:spPr>
+          <a:xfrm>
+            <a:off x="602787" y="1498382"/>
+            <a:ext cx="10515600" cy="1325563"/>
+          </a:xfrm>
+          <a:prstGeom prst="rect">
+            <a:avLst/>
+          </a:prstGeom>
+        </p:spPr>
         <p:txBody>
           <a:bodyPr/>
           <a:lstStyle/>
@@ -3508,7 +1454,7 @@
           <p:cNvPr id="3" name="Content Placeholder 2">
             <a:extLst>
               <a:ext uri="{FF2B5EF4-FFF2-40B4-BE49-F238E27FC236}">
-                <a16:creationId xmlns:a16="http://schemas.microsoft.com/office/drawing/2014/main" id="{EDD73720-466D-068E-61C9-BDF9BF686AF3}"/>
+                <a16:creationId xmlns:a16="http://schemas.microsoft.com/office/drawing/2014/main" id="{9C426EAA-227D-5ECA-282E-3A3B3C8AE97C}"/>
               </a:ext>
             </a:extLst>
           </p:cNvPr>
@@ -3519,7 +1465,15 @@
             <p:ph idx="1"/>
           </p:nvPr>
         </p:nvSpPr>
-        <p:spPr/>
+        <p:spPr>
+          <a:xfrm>
+            <a:off x="838200" y="1825625"/>
+            <a:ext cx="10515600" cy="4351338"/>
+          </a:xfrm>
+          <a:prstGeom prst="rect">
+            <a:avLst/>
+          </a:prstGeom>
+        </p:spPr>
         <p:txBody>
           <a:bodyPr/>
           <a:lstStyle/>
@@ -3565,7 +1519,7 @@
           <p:cNvPr id="4" name="Date Placeholder 3">
             <a:extLst>
               <a:ext uri="{FF2B5EF4-FFF2-40B4-BE49-F238E27FC236}">
-                <a16:creationId xmlns:a16="http://schemas.microsoft.com/office/drawing/2014/main" id="{86D8B675-57D5-D89F-01F5-209268AB9E4B}"/>
+                <a16:creationId xmlns:a16="http://schemas.microsoft.com/office/drawing/2014/main" id="{7F651069-7D1F-49B9-3F01-D52A9F3A60B7}"/>
               </a:ext>
             </a:extLst>
           </p:cNvPr>
@@ -3576,14 +1530,22 @@
             <p:ph type="dt" sz="half" idx="10"/>
           </p:nvPr>
         </p:nvSpPr>
-        <p:spPr/>
+        <p:spPr>
+          <a:xfrm>
+            <a:off x="838200" y="6445249"/>
+            <a:ext cx="2743200" cy="365125"/>
+          </a:xfrm>
+          <a:prstGeom prst="rect">
+            <a:avLst/>
+          </a:prstGeom>
+        </p:spPr>
         <p:txBody>
           <a:bodyPr/>
           <a:lstStyle/>
           <a:p>
-            <a:fld id="{0D69348B-4620-44E9-BF3F-EACBA9EEF323}" type="datetimeFigureOut">
+            <a:fld id="{71087A05-F855-4434-8DDE-39A8542098A6}" type="datetimeFigureOut">
               <a:rPr lang="en-US" smtClean="0"/>
-              <a:t>5/16/2024</a:t>
+              <a:t>11/21/2024</a:t>
             </a:fld>
             <a:endParaRPr lang="en-US"/>
           </a:p>
@@ -3594,7 +1556,7 @@
           <p:cNvPr id="5" name="Footer Placeholder 4">
             <a:extLst>
               <a:ext uri="{FF2B5EF4-FFF2-40B4-BE49-F238E27FC236}">
-                <a16:creationId xmlns:a16="http://schemas.microsoft.com/office/drawing/2014/main" id="{7053F998-E2CB-02E4-49BF-97696F865F45}"/>
+                <a16:creationId xmlns:a16="http://schemas.microsoft.com/office/drawing/2014/main" id="{5756067D-C727-84C7-612B-F665F36170EE}"/>
               </a:ext>
             </a:extLst>
           </p:cNvPr>
@@ -3605,7 +1567,15 @@
             <p:ph type="ftr" sz="quarter" idx="11"/>
           </p:nvPr>
         </p:nvSpPr>
-        <p:spPr/>
+        <p:spPr>
+          <a:xfrm>
+            <a:off x="4038600" y="6356350"/>
+            <a:ext cx="4114800" cy="365125"/>
+          </a:xfrm>
+          <a:prstGeom prst="rect">
+            <a:avLst/>
+          </a:prstGeom>
+        </p:spPr>
         <p:txBody>
           <a:bodyPr/>
           <a:lstStyle/>
@@ -3619,7 +1589,7 @@
           <p:cNvPr id="6" name="Slide Number Placeholder 5">
             <a:extLst>
               <a:ext uri="{FF2B5EF4-FFF2-40B4-BE49-F238E27FC236}">
-                <a16:creationId xmlns:a16="http://schemas.microsoft.com/office/drawing/2014/main" id="{FED59867-B8CC-A6E9-DDC7-43729DA70B76}"/>
+                <a16:creationId xmlns:a16="http://schemas.microsoft.com/office/drawing/2014/main" id="{A3C64F88-1C59-3F79-931F-4F91F22F14D3}"/>
               </a:ext>
             </a:extLst>
           </p:cNvPr>
@@ -3630,12 +1600,20 @@
             <p:ph type="sldNum" sz="quarter" idx="12"/>
           </p:nvPr>
         </p:nvSpPr>
-        <p:spPr/>
+        <p:spPr>
+          <a:xfrm>
+            <a:off x="8610600" y="6356350"/>
+            <a:ext cx="2743200" cy="365125"/>
+          </a:xfrm>
+          <a:prstGeom prst="rect">
+            <a:avLst/>
+          </a:prstGeom>
+        </p:spPr>
         <p:txBody>
           <a:bodyPr/>
           <a:lstStyle/>
           <a:p>
-            <a:fld id="{986C47A0-D0C4-4E8A-BEE9-37B09C3712B2}" type="slidenum">
+            <a:fld id="{6C0014F0-3D1D-4459-A530-32E6C19AE461}" type="slidenum">
               <a:rPr lang="en-US" smtClean="0"/>
               <a:t>‹#›</a:t>
             </a:fld>
@@ -3646,7 +1624,7 @@
     </p:spTree>
     <p:extLst>
       <p:ext uri="{BB962C8B-B14F-4D97-AF65-F5344CB8AC3E}">
-        <p14:creationId xmlns:p14="http://schemas.microsoft.com/office/powerpoint/2010/main" val="1773732037"/>
+        <p14:creationId xmlns:p14="http://schemas.microsoft.com/office/powerpoint/2010/main" val="3412372441"/>
       </p:ext>
     </p:extLst>
   </p:cSld>
@@ -3656,7 +1634,7 @@
 </p:sldLayout>
 </file>
 
-<file path=ppt/slideLayouts/slideLayout9.xml><?xml version="1.0" encoding="utf-8"?>
+<file path=ppt/slideLayouts/slideLayout3.xml><?xml version="1.0" encoding="utf-8"?>
 <p:sldLayout xmlns:a="http://schemas.openxmlformats.org/drawingml/2006/main" xmlns:r="http://schemas.openxmlformats.org/officeDocument/2006/relationships" xmlns:p="http://schemas.openxmlformats.org/presentationml/2006/main" type="secHead" preserve="1">
   <p:cSld name="Section Header">
     <p:spTree>
@@ -3678,7 +1656,7 @@
           <p:cNvPr id="2" name="Title 1">
             <a:extLst>
               <a:ext uri="{FF2B5EF4-FFF2-40B4-BE49-F238E27FC236}">
-                <a16:creationId xmlns:a16="http://schemas.microsoft.com/office/drawing/2014/main" id="{24562E59-A35F-2B41-2BE7-EC4592347134}"/>
+                <a16:creationId xmlns:a16="http://schemas.microsoft.com/office/drawing/2014/main" id="{C2E67B73-4EBE-86E7-DEDC-379A7358D71A}"/>
               </a:ext>
             </a:extLst>
           </p:cNvPr>
@@ -3694,6 +1672,9 @@
             <a:off x="831850" y="1709738"/>
             <a:ext cx="10515600" cy="2852737"/>
           </a:xfrm>
+          <a:prstGeom prst="rect">
+            <a:avLst/>
+          </a:prstGeom>
         </p:spPr>
         <p:txBody>
           <a:bodyPr anchor="b"/>
@@ -3715,7 +1696,7 @@
           <p:cNvPr id="3" name="Text Placeholder 2">
             <a:extLst>
               <a:ext uri="{FF2B5EF4-FFF2-40B4-BE49-F238E27FC236}">
-                <a16:creationId xmlns:a16="http://schemas.microsoft.com/office/drawing/2014/main" id="{6CB88CFD-8D25-CDFD-1F9A-6A5BAFD86DD9}"/>
+                <a16:creationId xmlns:a16="http://schemas.microsoft.com/office/drawing/2014/main" id="{39DC486F-4B2F-BAA7-822D-AF77A301C3EF}"/>
               </a:ext>
             </a:extLst>
           </p:cNvPr>
@@ -3731,6 +1712,9 @@
             <a:off x="831850" y="4589463"/>
             <a:ext cx="10515600" cy="1500187"/>
           </a:xfrm>
+          <a:prstGeom prst="rect">
+            <a:avLst/>
+          </a:prstGeom>
         </p:spPr>
         <p:txBody>
           <a:bodyPr/>
@@ -3740,7 +1724,7 @@
               <a:defRPr sz="2400">
                 <a:solidFill>
                   <a:schemeClr val="tx1">
-                    <a:tint val="75000"/>
+                    <a:tint val="82000"/>
                   </a:schemeClr>
                 </a:solidFill>
               </a:defRPr>
@@ -3750,7 +1734,7 @@
               <a:defRPr sz="2000">
                 <a:solidFill>
                   <a:schemeClr val="tx1">
-                    <a:tint val="75000"/>
+                    <a:tint val="82000"/>
                   </a:schemeClr>
                 </a:solidFill>
               </a:defRPr>
@@ -3760,7 +1744,7 @@
               <a:defRPr sz="1800">
                 <a:solidFill>
                   <a:schemeClr val="tx1">
-                    <a:tint val="75000"/>
+                    <a:tint val="82000"/>
                   </a:schemeClr>
                 </a:solidFill>
               </a:defRPr>
@@ -3770,7 +1754,7 @@
               <a:defRPr sz="1600">
                 <a:solidFill>
                   <a:schemeClr val="tx1">
-                    <a:tint val="75000"/>
+                    <a:tint val="82000"/>
                   </a:schemeClr>
                 </a:solidFill>
               </a:defRPr>
@@ -3780,7 +1764,7 @@
               <a:defRPr sz="1600">
                 <a:solidFill>
                   <a:schemeClr val="tx1">
-                    <a:tint val="75000"/>
+                    <a:tint val="82000"/>
                   </a:schemeClr>
                 </a:solidFill>
               </a:defRPr>
@@ -3790,7 +1774,7 @@
               <a:defRPr sz="1600">
                 <a:solidFill>
                   <a:schemeClr val="tx1">
-                    <a:tint val="75000"/>
+                    <a:tint val="82000"/>
                   </a:schemeClr>
                 </a:solidFill>
               </a:defRPr>
@@ -3800,7 +1784,7 @@
               <a:defRPr sz="1600">
                 <a:solidFill>
                   <a:schemeClr val="tx1">
-                    <a:tint val="75000"/>
+                    <a:tint val="82000"/>
                   </a:schemeClr>
                 </a:solidFill>
               </a:defRPr>
@@ -3810,7 +1794,7 @@
               <a:defRPr sz="1600">
                 <a:solidFill>
                   <a:schemeClr val="tx1">
-                    <a:tint val="75000"/>
+                    <a:tint val="82000"/>
                   </a:schemeClr>
                 </a:solidFill>
               </a:defRPr>
@@ -3820,7 +1804,7 @@
               <a:defRPr sz="1600">
                 <a:solidFill>
                   <a:schemeClr val="tx1">
-                    <a:tint val="75000"/>
+                    <a:tint val="82000"/>
                   </a:schemeClr>
                 </a:solidFill>
               </a:defRPr>
@@ -3840,7 +1824,7 @@
           <p:cNvPr id="4" name="Date Placeholder 3">
             <a:extLst>
               <a:ext uri="{FF2B5EF4-FFF2-40B4-BE49-F238E27FC236}">
-                <a16:creationId xmlns:a16="http://schemas.microsoft.com/office/drawing/2014/main" id="{5DC2235C-EA94-C1E9-D4DB-83056BF4C68F}"/>
+                <a16:creationId xmlns:a16="http://schemas.microsoft.com/office/drawing/2014/main" id="{AC1AB7C3-5E85-3B9F-4177-A1AF2AB486D8}"/>
               </a:ext>
             </a:extLst>
           </p:cNvPr>
@@ -3851,14 +1835,22 @@
             <p:ph type="dt" sz="half" idx="10"/>
           </p:nvPr>
         </p:nvSpPr>
-        <p:spPr/>
+        <p:spPr>
+          <a:xfrm>
+            <a:off x="838200" y="6445249"/>
+            <a:ext cx="2743200" cy="365125"/>
+          </a:xfrm>
+          <a:prstGeom prst="rect">
+            <a:avLst/>
+          </a:prstGeom>
+        </p:spPr>
         <p:txBody>
           <a:bodyPr/>
           <a:lstStyle/>
           <a:p>
-            <a:fld id="{0D69348B-4620-44E9-BF3F-EACBA9EEF323}" type="datetimeFigureOut">
+            <a:fld id="{71087A05-F855-4434-8DDE-39A8542098A6}" type="datetimeFigureOut">
               <a:rPr lang="en-US" smtClean="0"/>
-              <a:t>5/16/2024</a:t>
+              <a:t>11/21/2024</a:t>
             </a:fld>
             <a:endParaRPr lang="en-US"/>
           </a:p>
@@ -3869,7 +1861,7 @@
           <p:cNvPr id="5" name="Footer Placeholder 4">
             <a:extLst>
               <a:ext uri="{FF2B5EF4-FFF2-40B4-BE49-F238E27FC236}">
-                <a16:creationId xmlns:a16="http://schemas.microsoft.com/office/drawing/2014/main" id="{E178E07A-E8A4-2767-2911-D824C588F20D}"/>
+                <a16:creationId xmlns:a16="http://schemas.microsoft.com/office/drawing/2014/main" id="{8950E3CD-02DB-7A08-79DC-74CA926DE70F}"/>
               </a:ext>
             </a:extLst>
           </p:cNvPr>
@@ -3880,7 +1872,15 @@
             <p:ph type="ftr" sz="quarter" idx="11"/>
           </p:nvPr>
         </p:nvSpPr>
-        <p:spPr/>
+        <p:spPr>
+          <a:xfrm>
+            <a:off x="4038600" y="6356350"/>
+            <a:ext cx="4114800" cy="365125"/>
+          </a:xfrm>
+          <a:prstGeom prst="rect">
+            <a:avLst/>
+          </a:prstGeom>
+        </p:spPr>
         <p:txBody>
           <a:bodyPr/>
           <a:lstStyle/>
@@ -3894,7 +1894,7 @@
           <p:cNvPr id="6" name="Slide Number Placeholder 5">
             <a:extLst>
               <a:ext uri="{FF2B5EF4-FFF2-40B4-BE49-F238E27FC236}">
-                <a16:creationId xmlns:a16="http://schemas.microsoft.com/office/drawing/2014/main" id="{6D865987-67F3-82BA-9FFE-7A512551887E}"/>
+                <a16:creationId xmlns:a16="http://schemas.microsoft.com/office/drawing/2014/main" id="{78D6A67F-8469-E8AB-D35D-DEC64EA01BF9}"/>
               </a:ext>
             </a:extLst>
           </p:cNvPr>
@@ -3905,12 +1905,20 @@
             <p:ph type="sldNum" sz="quarter" idx="12"/>
           </p:nvPr>
         </p:nvSpPr>
-        <p:spPr/>
+        <p:spPr>
+          <a:xfrm>
+            <a:off x="8610600" y="6356350"/>
+            <a:ext cx="2743200" cy="365125"/>
+          </a:xfrm>
+          <a:prstGeom prst="rect">
+            <a:avLst/>
+          </a:prstGeom>
+        </p:spPr>
         <p:txBody>
           <a:bodyPr/>
           <a:lstStyle/>
           <a:p>
-            <a:fld id="{986C47A0-D0C4-4E8A-BEE9-37B09C3712B2}" type="slidenum">
+            <a:fld id="{6C0014F0-3D1D-4459-A530-32E6C19AE461}" type="slidenum">
               <a:rPr lang="en-US" smtClean="0"/>
               <a:t>‹#›</a:t>
             </a:fld>
@@ -3921,7 +1929,7 @@
     </p:spTree>
     <p:extLst>
       <p:ext uri="{BB962C8B-B14F-4D97-AF65-F5344CB8AC3E}">
-        <p14:creationId xmlns:p14="http://schemas.microsoft.com/office/powerpoint/2010/main" val="3968263454"/>
+        <p14:creationId xmlns:p14="http://schemas.microsoft.com/office/powerpoint/2010/main" val="2389875780"/>
       </p:ext>
     </p:extLst>
   </p:cSld>
@@ -3931,17 +1939,9 @@
 </p:sldLayout>
 </file>
 
-<file path=ppt/slideMasters/slideMaster1.xml><?xml version="1.0" encoding="utf-8"?>
-<p:sldMaster xmlns:a="http://schemas.openxmlformats.org/drawingml/2006/main" xmlns:r="http://schemas.openxmlformats.org/officeDocument/2006/relationships" xmlns:p="http://schemas.openxmlformats.org/presentationml/2006/main" preserve="1">
-  <p:cSld>
-    <p:bg>
-      <p:bgPr>
-        <a:solidFill>
-          <a:schemeClr val="bg1"/>
-        </a:solidFill>
-        <a:effectLst/>
-      </p:bgPr>
-    </p:bg>
+<file path=ppt/slideLayouts/slideLayout4.xml><?xml version="1.0" encoding="utf-8"?>
+<p:sldLayout xmlns:a="http://schemas.openxmlformats.org/drawingml/2006/main" xmlns:r="http://schemas.openxmlformats.org/officeDocument/2006/relationships" xmlns:p="http://schemas.openxmlformats.org/presentationml/2006/main" type="twoObj" preserve="1">
+  <p:cSld name="Two Content">
     <p:spTree>
       <p:nvGrpSpPr>
         <p:cNvPr id="1" name=""/>
@@ -3956,696 +1956,1722 @@
           <a:chExt cx="0" cy="0"/>
         </a:xfrm>
       </p:grpSpPr>
-      <p:pic>
-        <p:nvPicPr>
-          <p:cNvPr id="1026" name="Picture 4"/>
-          <p:cNvPicPr>
-            <a:picLocks noChangeAspect="1"/>
-          </p:cNvPicPr>
-          <p:nvPr/>
-        </p:nvPicPr>
-        <p:blipFill>
-          <a:blip r:embed="rId8">
-            <a:extLst>
-              <a:ext uri="{28A0092B-C50C-407E-A947-70E740481C1C}">
-                <a14:useLocalDpi xmlns:a14="http://schemas.microsoft.com/office/drawing/2010/main"/>
-              </a:ext>
-            </a:extLst>
-          </a:blip>
-          <a:stretch>
-            <a:fillRect/>
-          </a:stretch>
-        </p:blipFill>
-        <p:spPr bwMode="auto">
+      <p:sp>
+        <p:nvSpPr>
+          <p:cNvPr id="2" name="Title 1">
+            <a:extLst>
+              <a:ext uri="{FF2B5EF4-FFF2-40B4-BE49-F238E27FC236}">
+                <a16:creationId xmlns:a16="http://schemas.microsoft.com/office/drawing/2014/main" id="{BFB01EF5-6F0D-8686-CDD5-7DB43C9F613E}"/>
+              </a:ext>
+            </a:extLst>
+          </p:cNvPr>
+          <p:cNvSpPr>
+            <a:spLocks noGrp="1"/>
+          </p:cNvSpPr>
+          <p:nvPr>
+            <p:ph type="title"/>
+          </p:nvPr>
+        </p:nvSpPr>
+        <p:spPr>
           <a:xfrm>
-            <a:off x="0" y="0"/>
-            <a:ext cx="12192000" cy="6858000"/>
+            <a:off x="602787" y="1498382"/>
+            <a:ext cx="10515600" cy="1325563"/>
           </a:xfrm>
           <a:prstGeom prst="rect">
             <a:avLst/>
           </a:prstGeom>
-          <a:noFill/>
-          <a:ln>
-            <a:noFill/>
-          </a:ln>
-          <a:extLst>
-            <a:ext uri="{909E8E84-426E-40dd-AFC4-6F175D3DCCD1}">
-              <a14:hiddenFill xmlns="" xmlns:a14="http://schemas.microsoft.com/office/drawing/2010/main">
-                <a:solidFill>
-                  <a:srgbClr val="FFFFFF"/>
-                </a:solidFill>
-              </a14:hiddenFill>
-            </a:ext>
-            <a:ext uri="{91240B29-F687-4f45-9708-019B960494DF}">
-              <a14:hiddenLine xmlns="" xmlns:a14="http://schemas.microsoft.com/office/drawing/2010/main" w="9525">
-                <a:solidFill>
-                  <a:srgbClr val="000000"/>
-                </a:solidFill>
-                <a:miter lim="800000"/>
-                <a:headEnd/>
-                <a:tailEnd/>
-              </a14:hiddenLine>
-            </a:ext>
-          </a:extLst>
         </p:spPr>
-      </p:pic>
+        <p:txBody>
+          <a:bodyPr/>
+          <a:lstStyle/>
+          <a:p>
+            <a:r>
+              <a:rPr lang="en-US"/>
+              <a:t>Click to edit Master title style</a:t>
+            </a:r>
+          </a:p>
+        </p:txBody>
+      </p:sp>
       <p:sp>
         <p:nvSpPr>
-          <p:cNvPr id="5" name="Rectangle 4"/>
-          <p:cNvSpPr/>
-          <p:nvPr/>
+          <p:cNvPr id="3" name="Content Placeholder 2">
+            <a:extLst>
+              <a:ext uri="{FF2B5EF4-FFF2-40B4-BE49-F238E27FC236}">
+                <a16:creationId xmlns:a16="http://schemas.microsoft.com/office/drawing/2014/main" id="{2ED595E2-3C65-7E01-6223-574BF8FB8119}"/>
+              </a:ext>
+            </a:extLst>
+          </p:cNvPr>
+          <p:cNvSpPr>
+            <a:spLocks noGrp="1"/>
+          </p:cNvSpPr>
+          <p:nvPr>
+            <p:ph sz="half" idx="1"/>
+          </p:nvPr>
         </p:nvSpPr>
         <p:spPr>
           <a:xfrm>
-            <a:off x="0" y="6219260"/>
-            <a:ext cx="638629" cy="638740"/>
+            <a:off x="838200" y="1825625"/>
+            <a:ext cx="5181600" cy="4351338"/>
           </a:xfrm>
           <a:prstGeom prst="rect">
             <a:avLst/>
           </a:prstGeom>
-          <a:solidFill>
-            <a:schemeClr val="tx1"/>
-          </a:solidFill>
-          <a:ln w="3175">
-            <a:noFill/>
-          </a:ln>
-          <a:effectLst>
-            <a:glow rad="635000">
-              <a:srgbClr val="0071B1">
-                <a:alpha val="10000"/>
-              </a:srgbClr>
-            </a:glow>
-            <a:outerShdw blurRad="40000" dist="23000" dir="5400000" rotWithShape="0">
-              <a:srgbClr val="000000">
-                <a:alpha val="10000"/>
-              </a:srgbClr>
-            </a:outerShdw>
-          </a:effectLst>
         </p:spPr>
-        <p:style>
-          <a:lnRef idx="1">
-            <a:schemeClr val="accent1"/>
-          </a:lnRef>
-          <a:fillRef idx="3">
-            <a:schemeClr val="accent1"/>
-          </a:fillRef>
-          <a:effectRef idx="2">
-            <a:schemeClr val="accent1"/>
-          </a:effectRef>
-          <a:fontRef idx="minor">
-            <a:schemeClr val="lt1"/>
-          </a:fontRef>
-        </p:style>
         <p:txBody>
-          <a:bodyPr lIns="121917" tIns="60958" rIns="121917" bIns="60958" rtlCol="0" anchor="ctr"/>
+          <a:bodyPr/>
           <a:lstStyle/>
           <a:p>
-            <a:pPr algn="ctr"/>
-            <a:endParaRPr lang="en-US"/>
+            <a:pPr lvl="0"/>
+            <a:r>
+              <a:rPr lang="en-US"/>
+              <a:t>Click to edit Master text styles</a:t>
+            </a:r>
+          </a:p>
+          <a:p>
+            <a:pPr lvl="1"/>
+            <a:r>
+              <a:rPr lang="en-US"/>
+              <a:t>Second level</a:t>
+            </a:r>
+          </a:p>
+          <a:p>
+            <a:pPr lvl="2"/>
+            <a:r>
+              <a:rPr lang="en-US"/>
+              <a:t>Third level</a:t>
+            </a:r>
+          </a:p>
+          <a:p>
+            <a:pPr lvl="3"/>
+            <a:r>
+              <a:rPr lang="en-US"/>
+              <a:t>Fourth level</a:t>
+            </a:r>
+          </a:p>
+          <a:p>
+            <a:pPr lvl="4"/>
+            <a:r>
+              <a:rPr lang="en-US"/>
+              <a:t>Fifth level</a:t>
+            </a:r>
           </a:p>
         </p:txBody>
       </p:sp>
-      <p:pic>
-        <p:nvPicPr>
-          <p:cNvPr id="6" name="Picture 5" descr="2.5 in monogram white.eps"/>
-          <p:cNvPicPr>
-            <a:picLocks noChangeAspect="1"/>
-          </p:cNvPicPr>
-          <p:nvPr/>
-        </p:nvPicPr>
-        <p:blipFill>
-          <a:blip r:embed="rId9" cstate="screen">
-            <a:extLst>
-              <a:ext uri="{28A0092B-C50C-407E-A947-70E740481C1C}">
-                <a14:useLocalDpi xmlns:a14="http://schemas.microsoft.com/office/drawing/2010/main"/>
-              </a:ext>
-            </a:extLst>
-          </a:blip>
-          <a:stretch>
-            <a:fillRect/>
-          </a:stretch>
-        </p:blipFill>
+      <p:sp>
+        <p:nvSpPr>
+          <p:cNvPr id="4" name="Content Placeholder 3">
+            <a:extLst>
+              <a:ext uri="{FF2B5EF4-FFF2-40B4-BE49-F238E27FC236}">
+                <a16:creationId xmlns:a16="http://schemas.microsoft.com/office/drawing/2014/main" id="{DFDA5243-FD59-824D-9801-C6A7FC40AD32}"/>
+              </a:ext>
+            </a:extLst>
+          </p:cNvPr>
+          <p:cNvSpPr>
+            <a:spLocks noGrp="1"/>
+          </p:cNvSpPr>
+          <p:nvPr>
+            <p:ph sz="half" idx="2"/>
+          </p:nvPr>
+        </p:nvSpPr>
         <p:spPr>
           <a:xfrm>
-            <a:off x="132619" y="6419125"/>
-            <a:ext cx="375028" cy="216493"/>
+            <a:off x="6172200" y="1825625"/>
+            <a:ext cx="5181600" cy="4351338"/>
           </a:xfrm>
           <a:prstGeom prst="rect">
             <a:avLst/>
           </a:prstGeom>
-          <a:effectLst/>
         </p:spPr>
-      </p:pic>
+        <p:txBody>
+          <a:bodyPr/>
+          <a:lstStyle/>
+          <a:p>
+            <a:pPr lvl="0"/>
+            <a:r>
+              <a:rPr lang="en-US"/>
+              <a:t>Click to edit Master text styles</a:t>
+            </a:r>
+          </a:p>
+          <a:p>
+            <a:pPr lvl="1"/>
+            <a:r>
+              <a:rPr lang="en-US"/>
+              <a:t>Second level</a:t>
+            </a:r>
+          </a:p>
+          <a:p>
+            <a:pPr lvl="2"/>
+            <a:r>
+              <a:rPr lang="en-US"/>
+              <a:t>Third level</a:t>
+            </a:r>
+          </a:p>
+          <a:p>
+            <a:pPr lvl="3"/>
+            <a:r>
+              <a:rPr lang="en-US"/>
+              <a:t>Fourth level</a:t>
+            </a:r>
+          </a:p>
+          <a:p>
+            <a:pPr lvl="4"/>
+            <a:r>
+              <a:rPr lang="en-US"/>
+              <a:t>Fifth level</a:t>
+            </a:r>
+          </a:p>
+        </p:txBody>
+      </p:sp>
       <p:sp>
         <p:nvSpPr>
-          <p:cNvPr id="7" name="TextBox 6"/>
-          <p:cNvSpPr txBox="1"/>
-          <p:nvPr/>
+          <p:cNvPr id="5" name="Date Placeholder 4">
+            <a:extLst>
+              <a:ext uri="{FF2B5EF4-FFF2-40B4-BE49-F238E27FC236}">
+                <a16:creationId xmlns:a16="http://schemas.microsoft.com/office/drawing/2014/main" id="{BB0B0631-5586-E8EE-C280-1DC0A64D54C9}"/>
+              </a:ext>
+            </a:extLst>
+          </p:cNvPr>
+          <p:cNvSpPr>
+            <a:spLocks noGrp="1"/>
+          </p:cNvSpPr>
+          <p:nvPr>
+            <p:ph type="dt" sz="half" idx="10"/>
+          </p:nvPr>
         </p:nvSpPr>
         <p:spPr>
           <a:xfrm>
-            <a:off x="9448800" y="6400800"/>
-            <a:ext cx="2050822" cy="215444"/>
+            <a:off x="838200" y="6445249"/>
+            <a:ext cx="2743200" cy="365125"/>
           </a:xfrm>
           <a:prstGeom prst="rect">
             <a:avLst/>
           </a:prstGeom>
-          <a:noFill/>
         </p:spPr>
         <p:txBody>
-          <a:bodyPr wrap="square" rtlCol="0">
-            <a:spAutoFit/>
-          </a:bodyPr>
+          <a:bodyPr/>
           <a:lstStyle/>
           <a:p>
-            <a:pPr marL="0" marR="0" indent="0" algn="r" defTabSz="914400" rtl="0" eaLnBrk="0" fontAlgn="base" latinLnBrk="0" hangingPunct="0">
-              <a:lnSpc>
-                <a:spcPct val="100000"/>
-              </a:lnSpc>
-              <a:spcBef>
-                <a:spcPct val="0"/>
-              </a:spcBef>
-              <a:spcAft>
-                <a:spcPct val="0"/>
-              </a:spcAft>
-              <a:buClrTx/>
-              <a:buSzTx/>
-              <a:buFontTx/>
-              <a:buNone/>
-              <a:tabLst/>
-              <a:defRPr/>
-            </a:pPr>
-            <a:r>
-              <a:rPr lang="en-US" sz="800" dirty="0">
-                <a:solidFill>
-                  <a:srgbClr val="FFFFFF"/>
-                </a:solidFill>
-              </a:rPr>
-              <a:t>© Brigham Young University-Idaho</a:t>
-            </a:r>
+            <a:fld id="{71087A05-F855-4434-8DDE-39A8542098A6}" type="datetimeFigureOut">
+              <a:rPr lang="en-US" smtClean="0"/>
+              <a:t>11/21/2024</a:t>
+            </a:fld>
+            <a:endParaRPr lang="en-US"/>
           </a:p>
         </p:txBody>
       </p:sp>
       <p:sp>
         <p:nvSpPr>
-          <p:cNvPr id="2" name="TextBox 1"/>
-          <p:cNvSpPr txBox="1"/>
-          <p:nvPr/>
+          <p:cNvPr id="6" name="Footer Placeholder 5">
+            <a:extLst>
+              <a:ext uri="{FF2B5EF4-FFF2-40B4-BE49-F238E27FC236}">
+                <a16:creationId xmlns:a16="http://schemas.microsoft.com/office/drawing/2014/main" id="{4C7022BC-4356-2E12-5FFC-95893C9539C6}"/>
+              </a:ext>
+            </a:extLst>
+          </p:cNvPr>
+          <p:cNvSpPr>
+            <a:spLocks noGrp="1"/>
+          </p:cNvSpPr>
+          <p:nvPr>
+            <p:ph type="ftr" sz="quarter" idx="11"/>
+          </p:nvPr>
         </p:nvSpPr>
         <p:spPr>
           <a:xfrm>
-            <a:off x="11582400" y="6352401"/>
-            <a:ext cx="457200" cy="276999"/>
+            <a:off x="4038600" y="6356350"/>
+            <a:ext cx="4114800" cy="365125"/>
           </a:xfrm>
           <a:prstGeom prst="rect">
             <a:avLst/>
           </a:prstGeom>
-          <a:noFill/>
         </p:spPr>
         <p:txBody>
-          <a:bodyPr wrap="square" rtlCol="0">
-            <a:spAutoFit/>
-          </a:bodyPr>
+          <a:bodyPr/>
           <a:lstStyle/>
           <a:p>
-            <a:fld id="{2E941A2C-A4B7-174C-86AB-EEB99EBDE1CD}" type="slidenum">
-              <a:rPr lang="en-US" sz="1200" smtClean="0">
-                <a:solidFill>
-                  <a:schemeClr val="bg1"/>
-                </a:solidFill>
-              </a:rPr>
+            <a:endParaRPr lang="en-US"/>
+          </a:p>
+        </p:txBody>
+      </p:sp>
+      <p:sp>
+        <p:nvSpPr>
+          <p:cNvPr id="7" name="Slide Number Placeholder 6">
+            <a:extLst>
+              <a:ext uri="{FF2B5EF4-FFF2-40B4-BE49-F238E27FC236}">
+                <a16:creationId xmlns:a16="http://schemas.microsoft.com/office/drawing/2014/main" id="{2F6F0616-5185-D339-BFDE-0E16B9960312}"/>
+              </a:ext>
+            </a:extLst>
+          </p:cNvPr>
+          <p:cNvSpPr>
+            <a:spLocks noGrp="1"/>
+          </p:cNvSpPr>
+          <p:nvPr>
+            <p:ph type="sldNum" sz="quarter" idx="12"/>
+          </p:nvPr>
+        </p:nvSpPr>
+        <p:spPr>
+          <a:xfrm>
+            <a:off x="8610600" y="6356350"/>
+            <a:ext cx="2743200" cy="365125"/>
+          </a:xfrm>
+          <a:prstGeom prst="rect">
+            <a:avLst/>
+          </a:prstGeom>
+        </p:spPr>
+        <p:txBody>
+          <a:bodyPr/>
+          <a:lstStyle/>
+          <a:p>
+            <a:fld id="{6C0014F0-3D1D-4459-A530-32E6C19AE461}" type="slidenum">
+              <a:rPr lang="en-US" smtClean="0"/>
               <a:t>‹#›</a:t>
             </a:fld>
-            <a:endParaRPr lang="en-US" sz="1200" dirty="0">
-              <a:solidFill>
-                <a:schemeClr val="bg1"/>
-              </a:solidFill>
-            </a:endParaRPr>
+            <a:endParaRPr lang="en-US"/>
           </a:p>
         </p:txBody>
       </p:sp>
     </p:spTree>
     <p:extLst>
       <p:ext uri="{BB962C8B-B14F-4D97-AF65-F5344CB8AC3E}">
-        <p14:creationId xmlns:p14="http://schemas.microsoft.com/office/powerpoint/2010/main" val="1606318753"/>
+        <p14:creationId xmlns:p14="http://schemas.microsoft.com/office/powerpoint/2010/main" val="1597145891"/>
       </p:ext>
     </p:extLst>
   </p:cSld>
-  <p:clrMap bg1="lt1" tx1="dk1" bg2="lt2" tx2="dk2" accent1="accent1" accent2="accent2" accent3="accent3" accent4="accent4" accent5="accent5" accent6="accent6" hlink="hlink" folHlink="folHlink"/>
-  <p:sldLayoutIdLst>
-    <p:sldLayoutId id="2147483662" r:id="rId1"/>
-    <p:sldLayoutId id="2147483663" r:id="rId2"/>
-    <p:sldLayoutId id="2147483664" r:id="rId3"/>
-    <p:sldLayoutId id="2147483665" r:id="rId4"/>
-    <p:sldLayoutId id="2147483666" r:id="rId5"/>
-    <p:sldLayoutId id="2147483667" r:id="rId6"/>
-  </p:sldLayoutIdLst>
-  <p:transition>
-    <p:fade/>
-  </p:transition>
-  <p:txStyles>
-    <p:titleStyle>
-      <a:lvl1pPr algn="l" rtl="0" eaLnBrk="1" fontAlgn="base" hangingPunct="1">
-        <a:spcBef>
-          <a:spcPct val="0"/>
-        </a:spcBef>
-        <a:spcAft>
-          <a:spcPct val="0"/>
-        </a:spcAft>
-        <a:defRPr sz="2400">
-          <a:solidFill>
-            <a:schemeClr val="bg1"/>
-          </a:solidFill>
-          <a:latin typeface="+mj-lt"/>
-          <a:ea typeface="ＭＳ Ｐゴシック" charset="0"/>
-          <a:cs typeface="MS PGothic" charset="0"/>
-        </a:defRPr>
-      </a:lvl1pPr>
-      <a:lvl2pPr algn="l" rtl="0" eaLnBrk="1" fontAlgn="base" hangingPunct="1">
-        <a:spcBef>
-          <a:spcPct val="0"/>
-        </a:spcBef>
-        <a:spcAft>
-          <a:spcPct val="0"/>
-        </a:spcAft>
-        <a:defRPr sz="2400">
-          <a:solidFill>
-            <a:schemeClr val="bg1"/>
-          </a:solidFill>
-          <a:latin typeface="Arial" pitchFamily="44" charset="0"/>
-          <a:ea typeface="ＭＳ Ｐゴシック" charset="0"/>
-          <a:cs typeface="MS PGothic" charset="0"/>
-        </a:defRPr>
-      </a:lvl2pPr>
-      <a:lvl3pPr algn="l" rtl="0" eaLnBrk="1" fontAlgn="base" hangingPunct="1">
-        <a:spcBef>
-          <a:spcPct val="0"/>
-        </a:spcBef>
-        <a:spcAft>
-          <a:spcPct val="0"/>
-        </a:spcAft>
-        <a:defRPr sz="2400">
-          <a:solidFill>
-            <a:schemeClr val="bg1"/>
-          </a:solidFill>
-          <a:latin typeface="Arial" pitchFamily="44" charset="0"/>
-          <a:ea typeface="ＭＳ Ｐゴシック" charset="0"/>
-          <a:cs typeface="MS PGothic" charset="0"/>
-        </a:defRPr>
-      </a:lvl3pPr>
-      <a:lvl4pPr algn="l" rtl="0" eaLnBrk="1" fontAlgn="base" hangingPunct="1">
-        <a:spcBef>
-          <a:spcPct val="0"/>
-        </a:spcBef>
-        <a:spcAft>
-          <a:spcPct val="0"/>
-        </a:spcAft>
-        <a:defRPr sz="2400">
-          <a:solidFill>
-            <a:schemeClr val="bg1"/>
-          </a:solidFill>
-          <a:latin typeface="Arial" pitchFamily="44" charset="0"/>
-          <a:ea typeface="ＭＳ Ｐゴシック" charset="0"/>
-          <a:cs typeface="MS PGothic" charset="0"/>
-        </a:defRPr>
-      </a:lvl4pPr>
-      <a:lvl5pPr algn="l" rtl="0" eaLnBrk="1" fontAlgn="base" hangingPunct="1">
-        <a:spcBef>
-          <a:spcPct val="0"/>
-        </a:spcBef>
-        <a:spcAft>
-          <a:spcPct val="0"/>
-        </a:spcAft>
-        <a:defRPr sz="2400">
-          <a:solidFill>
-            <a:schemeClr val="bg1"/>
-          </a:solidFill>
-          <a:latin typeface="Arial" pitchFamily="44" charset="0"/>
-          <a:ea typeface="ＭＳ Ｐゴシック" charset="0"/>
-          <a:cs typeface="MS PGothic" charset="0"/>
-        </a:defRPr>
-      </a:lvl5pPr>
-      <a:lvl6pPr marL="457200" algn="l" rtl="0" eaLnBrk="1" fontAlgn="base" hangingPunct="1">
-        <a:spcBef>
-          <a:spcPct val="0"/>
-        </a:spcBef>
-        <a:spcAft>
-          <a:spcPct val="0"/>
-        </a:spcAft>
-        <a:defRPr sz="2400">
-          <a:solidFill>
-            <a:schemeClr val="bg1"/>
-          </a:solidFill>
-          <a:latin typeface="Arial" pitchFamily="44" charset="0"/>
-          <a:ea typeface="ＭＳ Ｐゴシック" pitchFamily="44" charset="-128"/>
-          <a:cs typeface="ＭＳ Ｐゴシック" pitchFamily="44" charset="-128"/>
-        </a:defRPr>
-      </a:lvl6pPr>
-      <a:lvl7pPr marL="914400" algn="l" rtl="0" eaLnBrk="1" fontAlgn="base" hangingPunct="1">
-        <a:spcBef>
-          <a:spcPct val="0"/>
-        </a:spcBef>
-        <a:spcAft>
-          <a:spcPct val="0"/>
-        </a:spcAft>
-        <a:defRPr sz="2400">
-          <a:solidFill>
-            <a:schemeClr val="bg1"/>
-          </a:solidFill>
-          <a:latin typeface="Arial" pitchFamily="44" charset="0"/>
-          <a:ea typeface="ＭＳ Ｐゴシック" pitchFamily="44" charset="-128"/>
-          <a:cs typeface="ＭＳ Ｐゴシック" pitchFamily="44" charset="-128"/>
-        </a:defRPr>
-      </a:lvl7pPr>
-      <a:lvl8pPr marL="1371600" algn="l" rtl="0" eaLnBrk="1" fontAlgn="base" hangingPunct="1">
-        <a:spcBef>
-          <a:spcPct val="0"/>
-        </a:spcBef>
-        <a:spcAft>
-          <a:spcPct val="0"/>
-        </a:spcAft>
-        <a:defRPr sz="2400">
-          <a:solidFill>
-            <a:schemeClr val="bg1"/>
-          </a:solidFill>
-          <a:latin typeface="Arial" pitchFamily="44" charset="0"/>
-          <a:ea typeface="ＭＳ Ｐゴシック" pitchFamily="44" charset="-128"/>
-          <a:cs typeface="ＭＳ Ｐゴシック" pitchFamily="44" charset="-128"/>
-        </a:defRPr>
-      </a:lvl8pPr>
-      <a:lvl9pPr marL="1828800" algn="l" rtl="0" eaLnBrk="1" fontAlgn="base" hangingPunct="1">
-        <a:spcBef>
-          <a:spcPct val="0"/>
-        </a:spcBef>
-        <a:spcAft>
-          <a:spcPct val="0"/>
-        </a:spcAft>
-        <a:defRPr sz="2400">
-          <a:solidFill>
-            <a:schemeClr val="bg1"/>
-          </a:solidFill>
-          <a:latin typeface="Arial" pitchFamily="44" charset="0"/>
-          <a:ea typeface="ＭＳ Ｐゴシック" pitchFamily="44" charset="-128"/>
-          <a:cs typeface="ＭＳ Ｐゴシック" pitchFamily="44" charset="-128"/>
-        </a:defRPr>
-      </a:lvl9pPr>
-    </p:titleStyle>
-    <p:bodyStyle>
-      <a:lvl1pPr marL="342900" indent="-342900" algn="l" rtl="0" eaLnBrk="1" fontAlgn="base" hangingPunct="1">
-        <a:spcBef>
-          <a:spcPct val="20000"/>
-        </a:spcBef>
-        <a:spcAft>
-          <a:spcPct val="0"/>
-        </a:spcAft>
-        <a:buClr>
-          <a:srgbClr val="606060"/>
-        </a:buClr>
-        <a:buSzPct val="80000"/>
-        <a:buFont typeface="Times" charset="0"/>
-        <a:buChar char="•"/>
-        <a:defRPr sz="2400">
-          <a:solidFill>
-            <a:srgbClr val="FFFFFF"/>
-          </a:solidFill>
-          <a:latin typeface="+mn-lt"/>
-          <a:ea typeface="ＭＳ Ｐゴシック" charset="0"/>
-          <a:cs typeface="MS PGothic" charset="0"/>
-        </a:defRPr>
-      </a:lvl1pPr>
-      <a:lvl2pPr marL="742950" indent="-285750" algn="l" rtl="0" eaLnBrk="1" fontAlgn="base" hangingPunct="1">
-        <a:spcBef>
-          <a:spcPct val="20000"/>
-        </a:spcBef>
-        <a:spcAft>
-          <a:spcPct val="0"/>
-        </a:spcAft>
-        <a:buClr>
-          <a:srgbClr val="606060"/>
-        </a:buClr>
-        <a:buSzPct val="80000"/>
-        <a:buFont typeface="Times" charset="0"/>
-        <a:buChar char="•"/>
-        <a:defRPr sz="2400">
-          <a:solidFill>
-            <a:srgbClr val="FFFFFF"/>
-          </a:solidFill>
-          <a:latin typeface="+mn-lt"/>
-          <a:ea typeface="MS PGothic" panose="020B0600070205080204" pitchFamily="34" charset="-128"/>
-          <a:cs typeface="MS PGothic" charset="0"/>
-        </a:defRPr>
-      </a:lvl2pPr>
-      <a:lvl3pPr marL="1143000" indent="-228600" algn="l" rtl="0" eaLnBrk="1" fontAlgn="base" hangingPunct="1">
-        <a:spcBef>
-          <a:spcPct val="20000"/>
-        </a:spcBef>
-        <a:spcAft>
-          <a:spcPct val="0"/>
-        </a:spcAft>
-        <a:buClr>
-          <a:srgbClr val="606060"/>
-        </a:buClr>
-        <a:buSzPct val="80000"/>
-        <a:buFont typeface="Times" charset="0"/>
-        <a:buChar char="•"/>
-        <a:defRPr sz="2400">
-          <a:solidFill>
-            <a:srgbClr val="FFFFFF"/>
-          </a:solidFill>
-          <a:latin typeface="+mn-lt"/>
-          <a:ea typeface="MS PGothic" panose="020B0600070205080204" pitchFamily="34" charset="-128"/>
-          <a:cs typeface="MS PGothic" charset="0"/>
-        </a:defRPr>
-      </a:lvl3pPr>
-      <a:lvl4pPr marL="1600200" indent="-228600" algn="l" rtl="0" eaLnBrk="1" fontAlgn="base" hangingPunct="1">
-        <a:spcBef>
-          <a:spcPct val="20000"/>
-        </a:spcBef>
-        <a:spcAft>
-          <a:spcPct val="0"/>
-        </a:spcAft>
-        <a:buClr>
-          <a:srgbClr val="606060"/>
-        </a:buClr>
-        <a:buSzPct val="80000"/>
-        <a:buFont typeface="Times" charset="0"/>
-        <a:buChar char="•"/>
-        <a:defRPr sz="2400">
-          <a:solidFill>
-            <a:srgbClr val="FFFFFF"/>
-          </a:solidFill>
-          <a:latin typeface="+mn-lt"/>
-          <a:ea typeface="MS PGothic" panose="020B0600070205080204" pitchFamily="34" charset="-128"/>
-          <a:cs typeface="MS PGothic" charset="0"/>
-        </a:defRPr>
-      </a:lvl4pPr>
-      <a:lvl5pPr marL="2057400" indent="-228600" algn="l" rtl="0" eaLnBrk="1" fontAlgn="base" hangingPunct="1">
-        <a:spcBef>
-          <a:spcPct val="20000"/>
-        </a:spcBef>
-        <a:spcAft>
-          <a:spcPct val="0"/>
-        </a:spcAft>
-        <a:buClr>
-          <a:srgbClr val="606060"/>
-        </a:buClr>
-        <a:buSzPct val="80000"/>
-        <a:buFont typeface="Times" charset="0"/>
-        <a:buChar char="•"/>
-        <a:defRPr sz="2400">
-          <a:solidFill>
-            <a:srgbClr val="FFFFFF"/>
-          </a:solidFill>
-          <a:latin typeface="+mn-lt"/>
-          <a:ea typeface="MS PGothic" panose="020B0600070205080204" pitchFamily="34" charset="-128"/>
-          <a:cs typeface="MS PGothic" charset="0"/>
-        </a:defRPr>
-      </a:lvl5pPr>
-      <a:lvl6pPr marL="2514600" indent="-228600" algn="l" rtl="0" eaLnBrk="1" fontAlgn="base" hangingPunct="1">
-        <a:spcBef>
-          <a:spcPct val="20000"/>
-        </a:spcBef>
-        <a:spcAft>
-          <a:spcPct val="0"/>
-        </a:spcAft>
-        <a:buClr>
-          <a:srgbClr val="1C5696"/>
-        </a:buClr>
-        <a:buSzPct val="80000"/>
-        <a:buFont typeface="Times" pitchFamily="44" charset="0"/>
-        <a:buChar char="•"/>
-        <a:defRPr sz="2400">
-          <a:solidFill>
-            <a:schemeClr val="tx1"/>
-          </a:solidFill>
-          <a:latin typeface="+mn-lt"/>
-          <a:ea typeface="+mn-ea"/>
-        </a:defRPr>
-      </a:lvl6pPr>
-      <a:lvl7pPr marL="2971800" indent="-228600" algn="l" rtl="0" eaLnBrk="1" fontAlgn="base" hangingPunct="1">
-        <a:spcBef>
-          <a:spcPct val="20000"/>
-        </a:spcBef>
-        <a:spcAft>
-          <a:spcPct val="0"/>
-        </a:spcAft>
-        <a:buClr>
-          <a:srgbClr val="1C5696"/>
-        </a:buClr>
-        <a:buSzPct val="80000"/>
-        <a:buFont typeface="Times" pitchFamily="44" charset="0"/>
-        <a:buChar char="•"/>
-        <a:defRPr sz="2400">
-          <a:solidFill>
-            <a:schemeClr val="tx1"/>
-          </a:solidFill>
-          <a:latin typeface="+mn-lt"/>
-          <a:ea typeface="+mn-ea"/>
-        </a:defRPr>
-      </a:lvl7pPr>
-      <a:lvl8pPr marL="3429000" indent="-228600" algn="l" rtl="0" eaLnBrk="1" fontAlgn="base" hangingPunct="1">
-        <a:spcBef>
-          <a:spcPct val="20000"/>
-        </a:spcBef>
-        <a:spcAft>
-          <a:spcPct val="0"/>
-        </a:spcAft>
-        <a:buClr>
-          <a:srgbClr val="1C5696"/>
-        </a:buClr>
-        <a:buSzPct val="80000"/>
-        <a:buFont typeface="Times" pitchFamily="44" charset="0"/>
-        <a:buChar char="•"/>
-        <a:defRPr sz="2400">
-          <a:solidFill>
-            <a:schemeClr val="tx1"/>
-          </a:solidFill>
-          <a:latin typeface="+mn-lt"/>
-          <a:ea typeface="+mn-ea"/>
-        </a:defRPr>
-      </a:lvl8pPr>
-      <a:lvl9pPr marL="3886200" indent="-228600" algn="l" rtl="0" eaLnBrk="1" fontAlgn="base" hangingPunct="1">
-        <a:spcBef>
-          <a:spcPct val="20000"/>
-        </a:spcBef>
-        <a:spcAft>
-          <a:spcPct val="0"/>
-        </a:spcAft>
-        <a:buClr>
-          <a:srgbClr val="1C5696"/>
-        </a:buClr>
-        <a:buSzPct val="80000"/>
-        <a:buFont typeface="Times" pitchFamily="44" charset="0"/>
-        <a:buChar char="•"/>
-        <a:defRPr sz="2400">
-          <a:solidFill>
-            <a:schemeClr val="tx1"/>
-          </a:solidFill>
-          <a:latin typeface="+mn-lt"/>
-          <a:ea typeface="+mn-ea"/>
-        </a:defRPr>
-      </a:lvl9pPr>
-    </p:bodyStyle>
-    <p:otherStyle>
-      <a:defPPr>
-        <a:defRPr lang="en-US"/>
-      </a:defPPr>
-      <a:lvl1pPr marL="0" algn="l" defTabSz="457200" rtl="0" eaLnBrk="1" latinLnBrk="0" hangingPunct="1">
-        <a:defRPr sz="1800" kern="1200">
-          <a:solidFill>
-            <a:schemeClr val="tx1"/>
-          </a:solidFill>
-          <a:latin typeface="+mn-lt"/>
-          <a:ea typeface="+mn-ea"/>
-          <a:cs typeface="+mn-cs"/>
-        </a:defRPr>
-      </a:lvl1pPr>
-      <a:lvl2pPr marL="457200" algn="l" defTabSz="457200" rtl="0" eaLnBrk="1" latinLnBrk="0" hangingPunct="1">
-        <a:defRPr sz="1800" kern="1200">
-          <a:solidFill>
-            <a:schemeClr val="tx1"/>
-          </a:solidFill>
-          <a:latin typeface="+mn-lt"/>
-          <a:ea typeface="+mn-ea"/>
-          <a:cs typeface="+mn-cs"/>
-        </a:defRPr>
-      </a:lvl2pPr>
-      <a:lvl3pPr marL="914400" algn="l" defTabSz="457200" rtl="0" eaLnBrk="1" latinLnBrk="0" hangingPunct="1">
-        <a:defRPr sz="1800" kern="1200">
-          <a:solidFill>
-            <a:schemeClr val="tx1"/>
-          </a:solidFill>
-          <a:latin typeface="+mn-lt"/>
-          <a:ea typeface="+mn-ea"/>
-          <a:cs typeface="+mn-cs"/>
-        </a:defRPr>
-      </a:lvl3pPr>
-      <a:lvl4pPr marL="1371600" algn="l" defTabSz="457200" rtl="0" eaLnBrk="1" latinLnBrk="0" hangingPunct="1">
-        <a:defRPr sz="1800" kern="1200">
-          <a:solidFill>
-            <a:schemeClr val="tx1"/>
-          </a:solidFill>
-          <a:latin typeface="+mn-lt"/>
-          <a:ea typeface="+mn-ea"/>
-          <a:cs typeface="+mn-cs"/>
-        </a:defRPr>
-      </a:lvl4pPr>
-      <a:lvl5pPr marL="1828800" algn="l" defTabSz="457200" rtl="0" eaLnBrk="1" latinLnBrk="0" hangingPunct="1">
-        <a:defRPr sz="1800" kern="1200">
-          <a:solidFill>
-            <a:schemeClr val="tx1"/>
-          </a:solidFill>
-          <a:latin typeface="+mn-lt"/>
-          <a:ea typeface="+mn-ea"/>
-          <a:cs typeface="+mn-cs"/>
-        </a:defRPr>
-      </a:lvl5pPr>
-      <a:lvl6pPr marL="2286000" algn="l" defTabSz="457200" rtl="0" eaLnBrk="1" latinLnBrk="0" hangingPunct="1">
-        <a:defRPr sz="1800" kern="1200">
-          <a:solidFill>
-            <a:schemeClr val="tx1"/>
-          </a:solidFill>
-          <a:latin typeface="+mn-lt"/>
-          <a:ea typeface="+mn-ea"/>
-          <a:cs typeface="+mn-cs"/>
-        </a:defRPr>
-      </a:lvl6pPr>
-      <a:lvl7pPr marL="2743200" algn="l" defTabSz="457200" rtl="0" eaLnBrk="1" latinLnBrk="0" hangingPunct="1">
-        <a:defRPr sz="1800" kern="1200">
-          <a:solidFill>
-            <a:schemeClr val="tx1"/>
-          </a:solidFill>
-          <a:latin typeface="+mn-lt"/>
-          <a:ea typeface="+mn-ea"/>
-          <a:cs typeface="+mn-cs"/>
-        </a:defRPr>
-      </a:lvl7pPr>
-      <a:lvl8pPr marL="3200400" algn="l" defTabSz="457200" rtl="0" eaLnBrk="1" latinLnBrk="0" hangingPunct="1">
-        <a:defRPr sz="1800" kern="1200">
-          <a:solidFill>
-            <a:schemeClr val="tx1"/>
-          </a:solidFill>
-          <a:latin typeface="+mn-lt"/>
-          <a:ea typeface="+mn-ea"/>
-          <a:cs typeface="+mn-cs"/>
-        </a:defRPr>
-      </a:lvl8pPr>
-      <a:lvl9pPr marL="3657600" algn="l" defTabSz="457200" rtl="0" eaLnBrk="1" latinLnBrk="0" hangingPunct="1">
-        <a:defRPr sz="1800" kern="1200">
-          <a:solidFill>
-            <a:schemeClr val="tx1"/>
-          </a:solidFill>
-          <a:latin typeface="+mn-lt"/>
-          <a:ea typeface="+mn-ea"/>
-          <a:cs typeface="+mn-cs"/>
-        </a:defRPr>
-      </a:lvl9pPr>
-    </p:otherStyle>
-  </p:txStyles>
-</p:sldMaster>
+  <p:clrMapOvr>
+    <a:masterClrMapping/>
+  </p:clrMapOvr>
+</p:sldLayout>
 </file>
 
-<file path=ppt/slideMasters/slideMaster2.xml><?xml version="1.0" encoding="utf-8"?>
+<file path=ppt/slideLayouts/slideLayout5.xml><?xml version="1.0" encoding="utf-8"?>
+<p:sldLayout xmlns:a="http://schemas.openxmlformats.org/drawingml/2006/main" xmlns:r="http://schemas.openxmlformats.org/officeDocument/2006/relationships" xmlns:p="http://schemas.openxmlformats.org/presentationml/2006/main" type="twoTxTwoObj" preserve="1">
+  <p:cSld name="Comparison">
+    <p:spTree>
+      <p:nvGrpSpPr>
+        <p:cNvPr id="1" name=""/>
+        <p:cNvGrpSpPr/>
+        <p:nvPr/>
+      </p:nvGrpSpPr>
+      <p:grpSpPr>
+        <a:xfrm>
+          <a:off x="0" y="0"/>
+          <a:ext cx="0" cy="0"/>
+          <a:chOff x="0" y="0"/>
+          <a:chExt cx="0" cy="0"/>
+        </a:xfrm>
+      </p:grpSpPr>
+      <p:sp>
+        <p:nvSpPr>
+          <p:cNvPr id="2" name="Title 1">
+            <a:extLst>
+              <a:ext uri="{FF2B5EF4-FFF2-40B4-BE49-F238E27FC236}">
+                <a16:creationId xmlns:a16="http://schemas.microsoft.com/office/drawing/2014/main" id="{0AADFFED-E59B-6D4E-6B64-0F5B746DEB96}"/>
+              </a:ext>
+            </a:extLst>
+          </p:cNvPr>
+          <p:cNvSpPr>
+            <a:spLocks noGrp="1"/>
+          </p:cNvSpPr>
+          <p:nvPr>
+            <p:ph type="title"/>
+          </p:nvPr>
+        </p:nvSpPr>
+        <p:spPr>
+          <a:xfrm>
+            <a:off x="839788" y="365125"/>
+            <a:ext cx="10515600" cy="1325563"/>
+          </a:xfrm>
+          <a:prstGeom prst="rect">
+            <a:avLst/>
+          </a:prstGeom>
+        </p:spPr>
+        <p:txBody>
+          <a:bodyPr/>
+          <a:lstStyle/>
+          <a:p>
+            <a:r>
+              <a:rPr lang="en-US"/>
+              <a:t>Click to edit Master title style</a:t>
+            </a:r>
+          </a:p>
+        </p:txBody>
+      </p:sp>
+      <p:sp>
+        <p:nvSpPr>
+          <p:cNvPr id="3" name="Text Placeholder 2">
+            <a:extLst>
+              <a:ext uri="{FF2B5EF4-FFF2-40B4-BE49-F238E27FC236}">
+                <a16:creationId xmlns:a16="http://schemas.microsoft.com/office/drawing/2014/main" id="{1D25BBE6-1C38-6614-EF63-AF608E55C235}"/>
+              </a:ext>
+            </a:extLst>
+          </p:cNvPr>
+          <p:cNvSpPr>
+            <a:spLocks noGrp="1"/>
+          </p:cNvSpPr>
+          <p:nvPr>
+            <p:ph type="body" idx="1"/>
+          </p:nvPr>
+        </p:nvSpPr>
+        <p:spPr>
+          <a:xfrm>
+            <a:off x="839788" y="1681163"/>
+            <a:ext cx="5157787" cy="823912"/>
+          </a:xfrm>
+          <a:prstGeom prst="rect">
+            <a:avLst/>
+          </a:prstGeom>
+        </p:spPr>
+        <p:txBody>
+          <a:bodyPr anchor="b"/>
+          <a:lstStyle>
+            <a:lvl1pPr marL="0" indent="0">
+              <a:buNone/>
+              <a:defRPr sz="2400" b="1"/>
+            </a:lvl1pPr>
+            <a:lvl2pPr marL="457200" indent="0">
+              <a:buNone/>
+              <a:defRPr sz="2000" b="1"/>
+            </a:lvl2pPr>
+            <a:lvl3pPr marL="914400" indent="0">
+              <a:buNone/>
+              <a:defRPr sz="1800" b="1"/>
+            </a:lvl3pPr>
+            <a:lvl4pPr marL="1371600" indent="0">
+              <a:buNone/>
+              <a:defRPr sz="1600" b="1"/>
+            </a:lvl4pPr>
+            <a:lvl5pPr marL="1828800" indent="0">
+              <a:buNone/>
+              <a:defRPr sz="1600" b="1"/>
+            </a:lvl5pPr>
+            <a:lvl6pPr marL="2286000" indent="0">
+              <a:buNone/>
+              <a:defRPr sz="1600" b="1"/>
+            </a:lvl6pPr>
+            <a:lvl7pPr marL="2743200" indent="0">
+              <a:buNone/>
+              <a:defRPr sz="1600" b="1"/>
+            </a:lvl7pPr>
+            <a:lvl8pPr marL="3200400" indent="0">
+              <a:buNone/>
+              <a:defRPr sz="1600" b="1"/>
+            </a:lvl8pPr>
+            <a:lvl9pPr marL="3657600" indent="0">
+              <a:buNone/>
+              <a:defRPr sz="1600" b="1"/>
+            </a:lvl9pPr>
+          </a:lstStyle>
+          <a:p>
+            <a:pPr lvl="0"/>
+            <a:r>
+              <a:rPr lang="en-US"/>
+              <a:t>Click to edit Master text styles</a:t>
+            </a:r>
+          </a:p>
+        </p:txBody>
+      </p:sp>
+      <p:sp>
+        <p:nvSpPr>
+          <p:cNvPr id="4" name="Content Placeholder 3">
+            <a:extLst>
+              <a:ext uri="{FF2B5EF4-FFF2-40B4-BE49-F238E27FC236}">
+                <a16:creationId xmlns:a16="http://schemas.microsoft.com/office/drawing/2014/main" id="{D639AC2E-A378-9E93-69F7-FF92F43FC3A8}"/>
+              </a:ext>
+            </a:extLst>
+          </p:cNvPr>
+          <p:cNvSpPr>
+            <a:spLocks noGrp="1"/>
+          </p:cNvSpPr>
+          <p:nvPr>
+            <p:ph sz="half" idx="2"/>
+          </p:nvPr>
+        </p:nvSpPr>
+        <p:spPr>
+          <a:xfrm>
+            <a:off x="839788" y="2505075"/>
+            <a:ext cx="5157787" cy="3684588"/>
+          </a:xfrm>
+          <a:prstGeom prst="rect">
+            <a:avLst/>
+          </a:prstGeom>
+        </p:spPr>
+        <p:txBody>
+          <a:bodyPr/>
+          <a:lstStyle/>
+          <a:p>
+            <a:pPr lvl="0"/>
+            <a:r>
+              <a:rPr lang="en-US"/>
+              <a:t>Click to edit Master text styles</a:t>
+            </a:r>
+          </a:p>
+          <a:p>
+            <a:pPr lvl="1"/>
+            <a:r>
+              <a:rPr lang="en-US"/>
+              <a:t>Second level</a:t>
+            </a:r>
+          </a:p>
+          <a:p>
+            <a:pPr lvl="2"/>
+            <a:r>
+              <a:rPr lang="en-US"/>
+              <a:t>Third level</a:t>
+            </a:r>
+          </a:p>
+          <a:p>
+            <a:pPr lvl="3"/>
+            <a:r>
+              <a:rPr lang="en-US"/>
+              <a:t>Fourth level</a:t>
+            </a:r>
+          </a:p>
+          <a:p>
+            <a:pPr lvl="4"/>
+            <a:r>
+              <a:rPr lang="en-US"/>
+              <a:t>Fifth level</a:t>
+            </a:r>
+          </a:p>
+        </p:txBody>
+      </p:sp>
+      <p:sp>
+        <p:nvSpPr>
+          <p:cNvPr id="5" name="Text Placeholder 4">
+            <a:extLst>
+              <a:ext uri="{FF2B5EF4-FFF2-40B4-BE49-F238E27FC236}">
+                <a16:creationId xmlns:a16="http://schemas.microsoft.com/office/drawing/2014/main" id="{E57BF240-C80B-E670-B12B-8BCBA850E04F}"/>
+              </a:ext>
+            </a:extLst>
+          </p:cNvPr>
+          <p:cNvSpPr>
+            <a:spLocks noGrp="1"/>
+          </p:cNvSpPr>
+          <p:nvPr>
+            <p:ph type="body" sz="quarter" idx="3"/>
+          </p:nvPr>
+        </p:nvSpPr>
+        <p:spPr>
+          <a:xfrm>
+            <a:off x="6172200" y="1681163"/>
+            <a:ext cx="5183188" cy="823912"/>
+          </a:xfrm>
+          <a:prstGeom prst="rect">
+            <a:avLst/>
+          </a:prstGeom>
+        </p:spPr>
+        <p:txBody>
+          <a:bodyPr anchor="b"/>
+          <a:lstStyle>
+            <a:lvl1pPr marL="0" indent="0">
+              <a:buNone/>
+              <a:defRPr sz="2400" b="1"/>
+            </a:lvl1pPr>
+            <a:lvl2pPr marL="457200" indent="0">
+              <a:buNone/>
+              <a:defRPr sz="2000" b="1"/>
+            </a:lvl2pPr>
+            <a:lvl3pPr marL="914400" indent="0">
+              <a:buNone/>
+              <a:defRPr sz="1800" b="1"/>
+            </a:lvl3pPr>
+            <a:lvl4pPr marL="1371600" indent="0">
+              <a:buNone/>
+              <a:defRPr sz="1600" b="1"/>
+            </a:lvl4pPr>
+            <a:lvl5pPr marL="1828800" indent="0">
+              <a:buNone/>
+              <a:defRPr sz="1600" b="1"/>
+            </a:lvl5pPr>
+            <a:lvl6pPr marL="2286000" indent="0">
+              <a:buNone/>
+              <a:defRPr sz="1600" b="1"/>
+            </a:lvl6pPr>
+            <a:lvl7pPr marL="2743200" indent="0">
+              <a:buNone/>
+              <a:defRPr sz="1600" b="1"/>
+            </a:lvl7pPr>
+            <a:lvl8pPr marL="3200400" indent="0">
+              <a:buNone/>
+              <a:defRPr sz="1600" b="1"/>
+            </a:lvl8pPr>
+            <a:lvl9pPr marL="3657600" indent="0">
+              <a:buNone/>
+              <a:defRPr sz="1600" b="1"/>
+            </a:lvl9pPr>
+          </a:lstStyle>
+          <a:p>
+            <a:pPr lvl="0"/>
+            <a:r>
+              <a:rPr lang="en-US"/>
+              <a:t>Click to edit Master text styles</a:t>
+            </a:r>
+          </a:p>
+        </p:txBody>
+      </p:sp>
+      <p:sp>
+        <p:nvSpPr>
+          <p:cNvPr id="6" name="Content Placeholder 5">
+            <a:extLst>
+              <a:ext uri="{FF2B5EF4-FFF2-40B4-BE49-F238E27FC236}">
+                <a16:creationId xmlns:a16="http://schemas.microsoft.com/office/drawing/2014/main" id="{6AB0FB7E-A75F-AB8B-3217-710BBB592FB3}"/>
+              </a:ext>
+            </a:extLst>
+          </p:cNvPr>
+          <p:cNvSpPr>
+            <a:spLocks noGrp="1"/>
+          </p:cNvSpPr>
+          <p:nvPr>
+            <p:ph sz="quarter" idx="4"/>
+          </p:nvPr>
+        </p:nvSpPr>
+        <p:spPr>
+          <a:xfrm>
+            <a:off x="6172200" y="2505075"/>
+            <a:ext cx="5183188" cy="3684588"/>
+          </a:xfrm>
+          <a:prstGeom prst="rect">
+            <a:avLst/>
+          </a:prstGeom>
+        </p:spPr>
+        <p:txBody>
+          <a:bodyPr/>
+          <a:lstStyle/>
+          <a:p>
+            <a:pPr lvl="0"/>
+            <a:r>
+              <a:rPr lang="en-US"/>
+              <a:t>Click to edit Master text styles</a:t>
+            </a:r>
+          </a:p>
+          <a:p>
+            <a:pPr lvl="1"/>
+            <a:r>
+              <a:rPr lang="en-US"/>
+              <a:t>Second level</a:t>
+            </a:r>
+          </a:p>
+          <a:p>
+            <a:pPr lvl="2"/>
+            <a:r>
+              <a:rPr lang="en-US"/>
+              <a:t>Third level</a:t>
+            </a:r>
+          </a:p>
+          <a:p>
+            <a:pPr lvl="3"/>
+            <a:r>
+              <a:rPr lang="en-US"/>
+              <a:t>Fourth level</a:t>
+            </a:r>
+          </a:p>
+          <a:p>
+            <a:pPr lvl="4"/>
+            <a:r>
+              <a:rPr lang="en-US"/>
+              <a:t>Fifth level</a:t>
+            </a:r>
+          </a:p>
+        </p:txBody>
+      </p:sp>
+      <p:sp>
+        <p:nvSpPr>
+          <p:cNvPr id="7" name="Date Placeholder 6">
+            <a:extLst>
+              <a:ext uri="{FF2B5EF4-FFF2-40B4-BE49-F238E27FC236}">
+                <a16:creationId xmlns:a16="http://schemas.microsoft.com/office/drawing/2014/main" id="{BBAC691C-E8A1-E4A4-391E-3EA19AE5DF7A}"/>
+              </a:ext>
+            </a:extLst>
+          </p:cNvPr>
+          <p:cNvSpPr>
+            <a:spLocks noGrp="1"/>
+          </p:cNvSpPr>
+          <p:nvPr>
+            <p:ph type="dt" sz="half" idx="10"/>
+          </p:nvPr>
+        </p:nvSpPr>
+        <p:spPr>
+          <a:xfrm>
+            <a:off x="838200" y="6445249"/>
+            <a:ext cx="2743200" cy="365125"/>
+          </a:xfrm>
+          <a:prstGeom prst="rect">
+            <a:avLst/>
+          </a:prstGeom>
+        </p:spPr>
+        <p:txBody>
+          <a:bodyPr/>
+          <a:lstStyle/>
+          <a:p>
+            <a:fld id="{71087A05-F855-4434-8DDE-39A8542098A6}" type="datetimeFigureOut">
+              <a:rPr lang="en-US" smtClean="0"/>
+              <a:t>11/21/2024</a:t>
+            </a:fld>
+            <a:endParaRPr lang="en-US"/>
+          </a:p>
+        </p:txBody>
+      </p:sp>
+      <p:sp>
+        <p:nvSpPr>
+          <p:cNvPr id="8" name="Footer Placeholder 7">
+            <a:extLst>
+              <a:ext uri="{FF2B5EF4-FFF2-40B4-BE49-F238E27FC236}">
+                <a16:creationId xmlns:a16="http://schemas.microsoft.com/office/drawing/2014/main" id="{A5742DC8-1560-8BC0-2128-ACBD57240165}"/>
+              </a:ext>
+            </a:extLst>
+          </p:cNvPr>
+          <p:cNvSpPr>
+            <a:spLocks noGrp="1"/>
+          </p:cNvSpPr>
+          <p:nvPr>
+            <p:ph type="ftr" sz="quarter" idx="11"/>
+          </p:nvPr>
+        </p:nvSpPr>
+        <p:spPr>
+          <a:xfrm>
+            <a:off x="4038600" y="6356350"/>
+            <a:ext cx="4114800" cy="365125"/>
+          </a:xfrm>
+          <a:prstGeom prst="rect">
+            <a:avLst/>
+          </a:prstGeom>
+        </p:spPr>
+        <p:txBody>
+          <a:bodyPr/>
+          <a:lstStyle/>
+          <a:p>
+            <a:endParaRPr lang="en-US"/>
+          </a:p>
+        </p:txBody>
+      </p:sp>
+      <p:sp>
+        <p:nvSpPr>
+          <p:cNvPr id="9" name="Slide Number Placeholder 8">
+            <a:extLst>
+              <a:ext uri="{FF2B5EF4-FFF2-40B4-BE49-F238E27FC236}">
+                <a16:creationId xmlns:a16="http://schemas.microsoft.com/office/drawing/2014/main" id="{589CBA34-0EA5-98FC-EEAA-0C1A44BA1CB5}"/>
+              </a:ext>
+            </a:extLst>
+          </p:cNvPr>
+          <p:cNvSpPr>
+            <a:spLocks noGrp="1"/>
+          </p:cNvSpPr>
+          <p:nvPr>
+            <p:ph type="sldNum" sz="quarter" idx="12"/>
+          </p:nvPr>
+        </p:nvSpPr>
+        <p:spPr>
+          <a:xfrm>
+            <a:off x="8610600" y="6356350"/>
+            <a:ext cx="2743200" cy="365125"/>
+          </a:xfrm>
+          <a:prstGeom prst="rect">
+            <a:avLst/>
+          </a:prstGeom>
+        </p:spPr>
+        <p:txBody>
+          <a:bodyPr/>
+          <a:lstStyle/>
+          <a:p>
+            <a:fld id="{6C0014F0-3D1D-4459-A530-32E6C19AE461}" type="slidenum">
+              <a:rPr lang="en-US" smtClean="0"/>
+              <a:t>‹#›</a:t>
+            </a:fld>
+            <a:endParaRPr lang="en-US"/>
+          </a:p>
+        </p:txBody>
+      </p:sp>
+    </p:spTree>
+    <p:extLst>
+      <p:ext uri="{BB962C8B-B14F-4D97-AF65-F5344CB8AC3E}">
+        <p14:creationId xmlns:p14="http://schemas.microsoft.com/office/powerpoint/2010/main" val="205957926"/>
+      </p:ext>
+    </p:extLst>
+  </p:cSld>
+  <p:clrMapOvr>
+    <a:masterClrMapping/>
+  </p:clrMapOvr>
+</p:sldLayout>
+</file>
+
+<file path=ppt/slideLayouts/slideLayout6.xml><?xml version="1.0" encoding="utf-8"?>
+<p:sldLayout xmlns:a="http://schemas.openxmlformats.org/drawingml/2006/main" xmlns:r="http://schemas.openxmlformats.org/officeDocument/2006/relationships" xmlns:p="http://schemas.openxmlformats.org/presentationml/2006/main" type="titleOnly" preserve="1">
+  <p:cSld name="Title Only">
+    <p:spTree>
+      <p:nvGrpSpPr>
+        <p:cNvPr id="1" name=""/>
+        <p:cNvGrpSpPr/>
+        <p:nvPr/>
+      </p:nvGrpSpPr>
+      <p:grpSpPr>
+        <a:xfrm>
+          <a:off x="0" y="0"/>
+          <a:ext cx="0" cy="0"/>
+          <a:chOff x="0" y="0"/>
+          <a:chExt cx="0" cy="0"/>
+        </a:xfrm>
+      </p:grpSpPr>
+      <p:sp>
+        <p:nvSpPr>
+          <p:cNvPr id="2" name="Title 1">
+            <a:extLst>
+              <a:ext uri="{FF2B5EF4-FFF2-40B4-BE49-F238E27FC236}">
+                <a16:creationId xmlns:a16="http://schemas.microsoft.com/office/drawing/2014/main" id="{DB1F5818-3C7C-015C-2483-1875C395B0BF}"/>
+              </a:ext>
+            </a:extLst>
+          </p:cNvPr>
+          <p:cNvSpPr>
+            <a:spLocks noGrp="1"/>
+          </p:cNvSpPr>
+          <p:nvPr>
+            <p:ph type="title"/>
+          </p:nvPr>
+        </p:nvSpPr>
+        <p:spPr>
+          <a:xfrm>
+            <a:off x="602787" y="1498382"/>
+            <a:ext cx="10515600" cy="1325563"/>
+          </a:xfrm>
+          <a:prstGeom prst="rect">
+            <a:avLst/>
+          </a:prstGeom>
+        </p:spPr>
+        <p:txBody>
+          <a:bodyPr/>
+          <a:lstStyle/>
+          <a:p>
+            <a:r>
+              <a:rPr lang="en-US"/>
+              <a:t>Click to edit Master title style</a:t>
+            </a:r>
+          </a:p>
+        </p:txBody>
+      </p:sp>
+      <p:sp>
+        <p:nvSpPr>
+          <p:cNvPr id="3" name="Date Placeholder 2">
+            <a:extLst>
+              <a:ext uri="{FF2B5EF4-FFF2-40B4-BE49-F238E27FC236}">
+                <a16:creationId xmlns:a16="http://schemas.microsoft.com/office/drawing/2014/main" id="{F223477C-97F9-76B1-065E-300F62DDCF99}"/>
+              </a:ext>
+            </a:extLst>
+          </p:cNvPr>
+          <p:cNvSpPr>
+            <a:spLocks noGrp="1"/>
+          </p:cNvSpPr>
+          <p:nvPr>
+            <p:ph type="dt" sz="half" idx="10"/>
+          </p:nvPr>
+        </p:nvSpPr>
+        <p:spPr>
+          <a:xfrm>
+            <a:off x="838200" y="6445249"/>
+            <a:ext cx="2743200" cy="365125"/>
+          </a:xfrm>
+          <a:prstGeom prst="rect">
+            <a:avLst/>
+          </a:prstGeom>
+        </p:spPr>
+        <p:txBody>
+          <a:bodyPr/>
+          <a:lstStyle/>
+          <a:p>
+            <a:fld id="{71087A05-F855-4434-8DDE-39A8542098A6}" type="datetimeFigureOut">
+              <a:rPr lang="en-US" smtClean="0"/>
+              <a:t>11/21/2024</a:t>
+            </a:fld>
+            <a:endParaRPr lang="en-US"/>
+          </a:p>
+        </p:txBody>
+      </p:sp>
+      <p:sp>
+        <p:nvSpPr>
+          <p:cNvPr id="4" name="Footer Placeholder 3">
+            <a:extLst>
+              <a:ext uri="{FF2B5EF4-FFF2-40B4-BE49-F238E27FC236}">
+                <a16:creationId xmlns:a16="http://schemas.microsoft.com/office/drawing/2014/main" id="{725CCAE4-3361-9867-C2CA-9F8A178ED41C}"/>
+              </a:ext>
+            </a:extLst>
+          </p:cNvPr>
+          <p:cNvSpPr>
+            <a:spLocks noGrp="1"/>
+          </p:cNvSpPr>
+          <p:nvPr>
+            <p:ph type="ftr" sz="quarter" idx="11"/>
+          </p:nvPr>
+        </p:nvSpPr>
+        <p:spPr>
+          <a:xfrm>
+            <a:off x="4038600" y="6356350"/>
+            <a:ext cx="4114800" cy="365125"/>
+          </a:xfrm>
+          <a:prstGeom prst="rect">
+            <a:avLst/>
+          </a:prstGeom>
+        </p:spPr>
+        <p:txBody>
+          <a:bodyPr/>
+          <a:lstStyle/>
+          <a:p>
+            <a:endParaRPr lang="en-US"/>
+          </a:p>
+        </p:txBody>
+      </p:sp>
+      <p:sp>
+        <p:nvSpPr>
+          <p:cNvPr id="5" name="Slide Number Placeholder 4">
+            <a:extLst>
+              <a:ext uri="{FF2B5EF4-FFF2-40B4-BE49-F238E27FC236}">
+                <a16:creationId xmlns:a16="http://schemas.microsoft.com/office/drawing/2014/main" id="{E42ECABF-B7A6-37FC-1091-0A6AE97D6725}"/>
+              </a:ext>
+            </a:extLst>
+          </p:cNvPr>
+          <p:cNvSpPr>
+            <a:spLocks noGrp="1"/>
+          </p:cNvSpPr>
+          <p:nvPr>
+            <p:ph type="sldNum" sz="quarter" idx="12"/>
+          </p:nvPr>
+        </p:nvSpPr>
+        <p:spPr>
+          <a:xfrm>
+            <a:off x="8610600" y="6356350"/>
+            <a:ext cx="2743200" cy="365125"/>
+          </a:xfrm>
+          <a:prstGeom prst="rect">
+            <a:avLst/>
+          </a:prstGeom>
+        </p:spPr>
+        <p:txBody>
+          <a:bodyPr/>
+          <a:lstStyle/>
+          <a:p>
+            <a:fld id="{6C0014F0-3D1D-4459-A530-32E6C19AE461}" type="slidenum">
+              <a:rPr lang="en-US" smtClean="0"/>
+              <a:t>‹#›</a:t>
+            </a:fld>
+            <a:endParaRPr lang="en-US"/>
+          </a:p>
+        </p:txBody>
+      </p:sp>
+    </p:spTree>
+    <p:extLst>
+      <p:ext uri="{BB962C8B-B14F-4D97-AF65-F5344CB8AC3E}">
+        <p14:creationId xmlns:p14="http://schemas.microsoft.com/office/powerpoint/2010/main" val="2477561557"/>
+      </p:ext>
+    </p:extLst>
+  </p:cSld>
+  <p:clrMapOvr>
+    <a:masterClrMapping/>
+  </p:clrMapOvr>
+</p:sldLayout>
+</file>
+
+<file path=ppt/slideLayouts/slideLayout7.xml><?xml version="1.0" encoding="utf-8"?>
+<p:sldLayout xmlns:a="http://schemas.openxmlformats.org/drawingml/2006/main" xmlns:r="http://schemas.openxmlformats.org/officeDocument/2006/relationships" xmlns:p="http://schemas.openxmlformats.org/presentationml/2006/main" type="blank" preserve="1">
+  <p:cSld name="Blank">
+    <p:spTree>
+      <p:nvGrpSpPr>
+        <p:cNvPr id="1" name=""/>
+        <p:cNvGrpSpPr/>
+        <p:nvPr/>
+      </p:nvGrpSpPr>
+      <p:grpSpPr>
+        <a:xfrm>
+          <a:off x="0" y="0"/>
+          <a:ext cx="0" cy="0"/>
+          <a:chOff x="0" y="0"/>
+          <a:chExt cx="0" cy="0"/>
+        </a:xfrm>
+      </p:grpSpPr>
+      <p:sp>
+        <p:nvSpPr>
+          <p:cNvPr id="2" name="Date Placeholder 1">
+            <a:extLst>
+              <a:ext uri="{FF2B5EF4-FFF2-40B4-BE49-F238E27FC236}">
+                <a16:creationId xmlns:a16="http://schemas.microsoft.com/office/drawing/2014/main" id="{E2C2A218-2D68-399E-5303-823F32D18A0A}"/>
+              </a:ext>
+            </a:extLst>
+          </p:cNvPr>
+          <p:cNvSpPr>
+            <a:spLocks noGrp="1"/>
+          </p:cNvSpPr>
+          <p:nvPr>
+            <p:ph type="dt" sz="half" idx="10"/>
+          </p:nvPr>
+        </p:nvSpPr>
+        <p:spPr>
+          <a:xfrm>
+            <a:off x="838200" y="6445249"/>
+            <a:ext cx="2743200" cy="365125"/>
+          </a:xfrm>
+          <a:prstGeom prst="rect">
+            <a:avLst/>
+          </a:prstGeom>
+        </p:spPr>
+        <p:txBody>
+          <a:bodyPr/>
+          <a:lstStyle/>
+          <a:p>
+            <a:fld id="{71087A05-F855-4434-8DDE-39A8542098A6}" type="datetimeFigureOut">
+              <a:rPr lang="en-US" smtClean="0"/>
+              <a:t>11/21/2024</a:t>
+            </a:fld>
+            <a:endParaRPr lang="en-US"/>
+          </a:p>
+        </p:txBody>
+      </p:sp>
+      <p:sp>
+        <p:nvSpPr>
+          <p:cNvPr id="3" name="Footer Placeholder 2">
+            <a:extLst>
+              <a:ext uri="{FF2B5EF4-FFF2-40B4-BE49-F238E27FC236}">
+                <a16:creationId xmlns:a16="http://schemas.microsoft.com/office/drawing/2014/main" id="{41BB3505-96AE-D8F2-469A-F36E9DD155D5}"/>
+              </a:ext>
+            </a:extLst>
+          </p:cNvPr>
+          <p:cNvSpPr>
+            <a:spLocks noGrp="1"/>
+          </p:cNvSpPr>
+          <p:nvPr>
+            <p:ph type="ftr" sz="quarter" idx="11"/>
+          </p:nvPr>
+        </p:nvSpPr>
+        <p:spPr>
+          <a:xfrm>
+            <a:off x="4038600" y="6356350"/>
+            <a:ext cx="4114800" cy="365125"/>
+          </a:xfrm>
+          <a:prstGeom prst="rect">
+            <a:avLst/>
+          </a:prstGeom>
+        </p:spPr>
+        <p:txBody>
+          <a:bodyPr/>
+          <a:lstStyle/>
+          <a:p>
+            <a:endParaRPr lang="en-US"/>
+          </a:p>
+        </p:txBody>
+      </p:sp>
+      <p:sp>
+        <p:nvSpPr>
+          <p:cNvPr id="4" name="Slide Number Placeholder 3">
+            <a:extLst>
+              <a:ext uri="{FF2B5EF4-FFF2-40B4-BE49-F238E27FC236}">
+                <a16:creationId xmlns:a16="http://schemas.microsoft.com/office/drawing/2014/main" id="{47BA2558-EB65-5F2B-4DEB-5E332CDDC572}"/>
+              </a:ext>
+            </a:extLst>
+          </p:cNvPr>
+          <p:cNvSpPr>
+            <a:spLocks noGrp="1"/>
+          </p:cNvSpPr>
+          <p:nvPr>
+            <p:ph type="sldNum" sz="quarter" idx="12"/>
+          </p:nvPr>
+        </p:nvSpPr>
+        <p:spPr>
+          <a:xfrm>
+            <a:off x="8610600" y="6356350"/>
+            <a:ext cx="2743200" cy="365125"/>
+          </a:xfrm>
+          <a:prstGeom prst="rect">
+            <a:avLst/>
+          </a:prstGeom>
+        </p:spPr>
+        <p:txBody>
+          <a:bodyPr/>
+          <a:lstStyle/>
+          <a:p>
+            <a:fld id="{6C0014F0-3D1D-4459-A530-32E6C19AE461}" type="slidenum">
+              <a:rPr lang="en-US" smtClean="0"/>
+              <a:t>‹#›</a:t>
+            </a:fld>
+            <a:endParaRPr lang="en-US"/>
+          </a:p>
+        </p:txBody>
+      </p:sp>
+    </p:spTree>
+    <p:extLst>
+      <p:ext uri="{BB962C8B-B14F-4D97-AF65-F5344CB8AC3E}">
+        <p14:creationId xmlns:p14="http://schemas.microsoft.com/office/powerpoint/2010/main" val="632191323"/>
+      </p:ext>
+    </p:extLst>
+  </p:cSld>
+  <p:clrMapOvr>
+    <a:masterClrMapping/>
+  </p:clrMapOvr>
+</p:sldLayout>
+</file>
+
+<file path=ppt/slideLayouts/slideLayout8.xml><?xml version="1.0" encoding="utf-8"?>
+<p:sldLayout xmlns:a="http://schemas.openxmlformats.org/drawingml/2006/main" xmlns:r="http://schemas.openxmlformats.org/officeDocument/2006/relationships" xmlns:p="http://schemas.openxmlformats.org/presentationml/2006/main" type="objTx" preserve="1">
+  <p:cSld name="Content with Caption">
+    <p:spTree>
+      <p:nvGrpSpPr>
+        <p:cNvPr id="1" name=""/>
+        <p:cNvGrpSpPr/>
+        <p:nvPr/>
+      </p:nvGrpSpPr>
+      <p:grpSpPr>
+        <a:xfrm>
+          <a:off x="0" y="0"/>
+          <a:ext cx="0" cy="0"/>
+          <a:chOff x="0" y="0"/>
+          <a:chExt cx="0" cy="0"/>
+        </a:xfrm>
+      </p:grpSpPr>
+      <p:sp>
+        <p:nvSpPr>
+          <p:cNvPr id="2" name="Title 1">
+            <a:extLst>
+              <a:ext uri="{FF2B5EF4-FFF2-40B4-BE49-F238E27FC236}">
+                <a16:creationId xmlns:a16="http://schemas.microsoft.com/office/drawing/2014/main" id="{E731290A-4FEE-1487-F6FC-152481239225}"/>
+              </a:ext>
+            </a:extLst>
+          </p:cNvPr>
+          <p:cNvSpPr>
+            <a:spLocks noGrp="1"/>
+          </p:cNvSpPr>
+          <p:nvPr>
+            <p:ph type="title"/>
+          </p:nvPr>
+        </p:nvSpPr>
+        <p:spPr>
+          <a:xfrm>
+            <a:off x="839788" y="457200"/>
+            <a:ext cx="3932237" cy="1600200"/>
+          </a:xfrm>
+          <a:prstGeom prst="rect">
+            <a:avLst/>
+          </a:prstGeom>
+        </p:spPr>
+        <p:txBody>
+          <a:bodyPr anchor="b"/>
+          <a:lstStyle>
+            <a:lvl1pPr>
+              <a:defRPr sz="3200"/>
+            </a:lvl1pPr>
+          </a:lstStyle>
+          <a:p>
+            <a:r>
+              <a:rPr lang="en-US"/>
+              <a:t>Click to edit Master title style</a:t>
+            </a:r>
+          </a:p>
+        </p:txBody>
+      </p:sp>
+      <p:sp>
+        <p:nvSpPr>
+          <p:cNvPr id="3" name="Content Placeholder 2">
+            <a:extLst>
+              <a:ext uri="{FF2B5EF4-FFF2-40B4-BE49-F238E27FC236}">
+                <a16:creationId xmlns:a16="http://schemas.microsoft.com/office/drawing/2014/main" id="{3FD49862-968E-6027-1E22-A84213937FC4}"/>
+              </a:ext>
+            </a:extLst>
+          </p:cNvPr>
+          <p:cNvSpPr>
+            <a:spLocks noGrp="1"/>
+          </p:cNvSpPr>
+          <p:nvPr>
+            <p:ph idx="1"/>
+          </p:nvPr>
+        </p:nvSpPr>
+        <p:spPr>
+          <a:xfrm>
+            <a:off x="5183188" y="987425"/>
+            <a:ext cx="6172200" cy="4873625"/>
+          </a:xfrm>
+          <a:prstGeom prst="rect">
+            <a:avLst/>
+          </a:prstGeom>
+        </p:spPr>
+        <p:txBody>
+          <a:bodyPr/>
+          <a:lstStyle>
+            <a:lvl1pPr>
+              <a:defRPr sz="3200"/>
+            </a:lvl1pPr>
+            <a:lvl2pPr>
+              <a:defRPr sz="2800"/>
+            </a:lvl2pPr>
+            <a:lvl3pPr>
+              <a:defRPr sz="2400"/>
+            </a:lvl3pPr>
+            <a:lvl4pPr>
+              <a:defRPr sz="2000"/>
+            </a:lvl4pPr>
+            <a:lvl5pPr>
+              <a:defRPr sz="2000"/>
+            </a:lvl5pPr>
+            <a:lvl6pPr>
+              <a:defRPr sz="2000"/>
+            </a:lvl6pPr>
+            <a:lvl7pPr>
+              <a:defRPr sz="2000"/>
+            </a:lvl7pPr>
+            <a:lvl8pPr>
+              <a:defRPr sz="2000"/>
+            </a:lvl8pPr>
+            <a:lvl9pPr>
+              <a:defRPr sz="2000"/>
+            </a:lvl9pPr>
+          </a:lstStyle>
+          <a:p>
+            <a:pPr lvl="0"/>
+            <a:r>
+              <a:rPr lang="en-US"/>
+              <a:t>Click to edit Master text styles</a:t>
+            </a:r>
+          </a:p>
+          <a:p>
+            <a:pPr lvl="1"/>
+            <a:r>
+              <a:rPr lang="en-US"/>
+              <a:t>Second level</a:t>
+            </a:r>
+          </a:p>
+          <a:p>
+            <a:pPr lvl="2"/>
+            <a:r>
+              <a:rPr lang="en-US"/>
+              <a:t>Third level</a:t>
+            </a:r>
+          </a:p>
+          <a:p>
+            <a:pPr lvl="3"/>
+            <a:r>
+              <a:rPr lang="en-US"/>
+              <a:t>Fourth level</a:t>
+            </a:r>
+          </a:p>
+          <a:p>
+            <a:pPr lvl="4"/>
+            <a:r>
+              <a:rPr lang="en-US"/>
+              <a:t>Fifth level</a:t>
+            </a:r>
+          </a:p>
+        </p:txBody>
+      </p:sp>
+      <p:sp>
+        <p:nvSpPr>
+          <p:cNvPr id="4" name="Text Placeholder 3">
+            <a:extLst>
+              <a:ext uri="{FF2B5EF4-FFF2-40B4-BE49-F238E27FC236}">
+                <a16:creationId xmlns:a16="http://schemas.microsoft.com/office/drawing/2014/main" id="{DDD75452-B3CD-E4D7-2EEB-4D8E7A55BA47}"/>
+              </a:ext>
+            </a:extLst>
+          </p:cNvPr>
+          <p:cNvSpPr>
+            <a:spLocks noGrp="1"/>
+          </p:cNvSpPr>
+          <p:nvPr>
+            <p:ph type="body" sz="half" idx="2"/>
+          </p:nvPr>
+        </p:nvSpPr>
+        <p:spPr>
+          <a:xfrm>
+            <a:off x="839788" y="2057400"/>
+            <a:ext cx="3932237" cy="3811588"/>
+          </a:xfrm>
+          <a:prstGeom prst="rect">
+            <a:avLst/>
+          </a:prstGeom>
+        </p:spPr>
+        <p:txBody>
+          <a:bodyPr/>
+          <a:lstStyle>
+            <a:lvl1pPr marL="0" indent="0">
+              <a:buNone/>
+              <a:defRPr sz="1600"/>
+            </a:lvl1pPr>
+            <a:lvl2pPr marL="457200" indent="0">
+              <a:buNone/>
+              <a:defRPr sz="1400"/>
+            </a:lvl2pPr>
+            <a:lvl3pPr marL="914400" indent="0">
+              <a:buNone/>
+              <a:defRPr sz="1200"/>
+            </a:lvl3pPr>
+            <a:lvl4pPr marL="1371600" indent="0">
+              <a:buNone/>
+              <a:defRPr sz="1000"/>
+            </a:lvl4pPr>
+            <a:lvl5pPr marL="1828800" indent="0">
+              <a:buNone/>
+              <a:defRPr sz="1000"/>
+            </a:lvl5pPr>
+            <a:lvl6pPr marL="2286000" indent="0">
+              <a:buNone/>
+              <a:defRPr sz="1000"/>
+            </a:lvl6pPr>
+            <a:lvl7pPr marL="2743200" indent="0">
+              <a:buNone/>
+              <a:defRPr sz="1000"/>
+            </a:lvl7pPr>
+            <a:lvl8pPr marL="3200400" indent="0">
+              <a:buNone/>
+              <a:defRPr sz="1000"/>
+            </a:lvl8pPr>
+            <a:lvl9pPr marL="3657600" indent="0">
+              <a:buNone/>
+              <a:defRPr sz="1000"/>
+            </a:lvl9pPr>
+          </a:lstStyle>
+          <a:p>
+            <a:pPr lvl="0"/>
+            <a:r>
+              <a:rPr lang="en-US"/>
+              <a:t>Click to edit Master text styles</a:t>
+            </a:r>
+          </a:p>
+        </p:txBody>
+      </p:sp>
+      <p:sp>
+        <p:nvSpPr>
+          <p:cNvPr id="5" name="Date Placeholder 4">
+            <a:extLst>
+              <a:ext uri="{FF2B5EF4-FFF2-40B4-BE49-F238E27FC236}">
+                <a16:creationId xmlns:a16="http://schemas.microsoft.com/office/drawing/2014/main" id="{E910F3D6-85F4-16D5-02EC-B52A50D1363C}"/>
+              </a:ext>
+            </a:extLst>
+          </p:cNvPr>
+          <p:cNvSpPr>
+            <a:spLocks noGrp="1"/>
+          </p:cNvSpPr>
+          <p:nvPr>
+            <p:ph type="dt" sz="half" idx="10"/>
+          </p:nvPr>
+        </p:nvSpPr>
+        <p:spPr>
+          <a:xfrm>
+            <a:off x="838200" y="6445249"/>
+            <a:ext cx="2743200" cy="365125"/>
+          </a:xfrm>
+          <a:prstGeom prst="rect">
+            <a:avLst/>
+          </a:prstGeom>
+        </p:spPr>
+        <p:txBody>
+          <a:bodyPr/>
+          <a:lstStyle/>
+          <a:p>
+            <a:fld id="{71087A05-F855-4434-8DDE-39A8542098A6}" type="datetimeFigureOut">
+              <a:rPr lang="en-US" smtClean="0"/>
+              <a:t>11/21/2024</a:t>
+            </a:fld>
+            <a:endParaRPr lang="en-US"/>
+          </a:p>
+        </p:txBody>
+      </p:sp>
+      <p:sp>
+        <p:nvSpPr>
+          <p:cNvPr id="6" name="Footer Placeholder 5">
+            <a:extLst>
+              <a:ext uri="{FF2B5EF4-FFF2-40B4-BE49-F238E27FC236}">
+                <a16:creationId xmlns:a16="http://schemas.microsoft.com/office/drawing/2014/main" id="{FA7DC6C8-71E8-B7D5-9A82-0FA963F35B00}"/>
+              </a:ext>
+            </a:extLst>
+          </p:cNvPr>
+          <p:cNvSpPr>
+            <a:spLocks noGrp="1"/>
+          </p:cNvSpPr>
+          <p:nvPr>
+            <p:ph type="ftr" sz="quarter" idx="11"/>
+          </p:nvPr>
+        </p:nvSpPr>
+        <p:spPr>
+          <a:xfrm>
+            <a:off x="4038600" y="6356350"/>
+            <a:ext cx="4114800" cy="365125"/>
+          </a:xfrm>
+          <a:prstGeom prst="rect">
+            <a:avLst/>
+          </a:prstGeom>
+        </p:spPr>
+        <p:txBody>
+          <a:bodyPr/>
+          <a:lstStyle/>
+          <a:p>
+            <a:endParaRPr lang="en-US"/>
+          </a:p>
+        </p:txBody>
+      </p:sp>
+      <p:sp>
+        <p:nvSpPr>
+          <p:cNvPr id="7" name="Slide Number Placeholder 6">
+            <a:extLst>
+              <a:ext uri="{FF2B5EF4-FFF2-40B4-BE49-F238E27FC236}">
+                <a16:creationId xmlns:a16="http://schemas.microsoft.com/office/drawing/2014/main" id="{33AEBF5B-81ED-5FC8-76EE-E85F459B2D2B}"/>
+              </a:ext>
+            </a:extLst>
+          </p:cNvPr>
+          <p:cNvSpPr>
+            <a:spLocks noGrp="1"/>
+          </p:cNvSpPr>
+          <p:nvPr>
+            <p:ph type="sldNum" sz="quarter" idx="12"/>
+          </p:nvPr>
+        </p:nvSpPr>
+        <p:spPr>
+          <a:xfrm>
+            <a:off x="8610600" y="6356350"/>
+            <a:ext cx="2743200" cy="365125"/>
+          </a:xfrm>
+          <a:prstGeom prst="rect">
+            <a:avLst/>
+          </a:prstGeom>
+        </p:spPr>
+        <p:txBody>
+          <a:bodyPr/>
+          <a:lstStyle/>
+          <a:p>
+            <a:fld id="{6C0014F0-3D1D-4459-A530-32E6C19AE461}" type="slidenum">
+              <a:rPr lang="en-US" smtClean="0"/>
+              <a:t>‹#›</a:t>
+            </a:fld>
+            <a:endParaRPr lang="en-US"/>
+          </a:p>
+        </p:txBody>
+      </p:sp>
+    </p:spTree>
+    <p:extLst>
+      <p:ext uri="{BB962C8B-B14F-4D97-AF65-F5344CB8AC3E}">
+        <p14:creationId xmlns:p14="http://schemas.microsoft.com/office/powerpoint/2010/main" val="740176455"/>
+      </p:ext>
+    </p:extLst>
+  </p:cSld>
+  <p:clrMapOvr>
+    <a:masterClrMapping/>
+  </p:clrMapOvr>
+</p:sldLayout>
+</file>
+
+<file path=ppt/slideLayouts/slideLayout9.xml><?xml version="1.0" encoding="utf-8"?>
+<p:sldLayout xmlns:a="http://schemas.openxmlformats.org/drawingml/2006/main" xmlns:r="http://schemas.openxmlformats.org/officeDocument/2006/relationships" xmlns:p="http://schemas.openxmlformats.org/presentationml/2006/main" type="picTx" preserve="1">
+  <p:cSld name="Picture with Caption">
+    <p:spTree>
+      <p:nvGrpSpPr>
+        <p:cNvPr id="1" name=""/>
+        <p:cNvGrpSpPr/>
+        <p:nvPr/>
+      </p:nvGrpSpPr>
+      <p:grpSpPr>
+        <a:xfrm>
+          <a:off x="0" y="0"/>
+          <a:ext cx="0" cy="0"/>
+          <a:chOff x="0" y="0"/>
+          <a:chExt cx="0" cy="0"/>
+        </a:xfrm>
+      </p:grpSpPr>
+      <p:sp>
+        <p:nvSpPr>
+          <p:cNvPr id="2" name="Title 1">
+            <a:extLst>
+              <a:ext uri="{FF2B5EF4-FFF2-40B4-BE49-F238E27FC236}">
+                <a16:creationId xmlns:a16="http://schemas.microsoft.com/office/drawing/2014/main" id="{640090C6-958A-8F1E-AAA5-6F70ABB1D9F3}"/>
+              </a:ext>
+            </a:extLst>
+          </p:cNvPr>
+          <p:cNvSpPr>
+            <a:spLocks noGrp="1"/>
+          </p:cNvSpPr>
+          <p:nvPr>
+            <p:ph type="title"/>
+          </p:nvPr>
+        </p:nvSpPr>
+        <p:spPr>
+          <a:xfrm>
+            <a:off x="839788" y="457200"/>
+            <a:ext cx="3932237" cy="1600200"/>
+          </a:xfrm>
+          <a:prstGeom prst="rect">
+            <a:avLst/>
+          </a:prstGeom>
+        </p:spPr>
+        <p:txBody>
+          <a:bodyPr anchor="b"/>
+          <a:lstStyle>
+            <a:lvl1pPr>
+              <a:defRPr sz="3200"/>
+            </a:lvl1pPr>
+          </a:lstStyle>
+          <a:p>
+            <a:r>
+              <a:rPr lang="en-US"/>
+              <a:t>Click to edit Master title style</a:t>
+            </a:r>
+          </a:p>
+        </p:txBody>
+      </p:sp>
+      <p:sp>
+        <p:nvSpPr>
+          <p:cNvPr id="3" name="Picture Placeholder 2">
+            <a:extLst>
+              <a:ext uri="{FF2B5EF4-FFF2-40B4-BE49-F238E27FC236}">
+                <a16:creationId xmlns:a16="http://schemas.microsoft.com/office/drawing/2014/main" id="{3302DF14-CA9B-4C85-16D1-AE914D7EB7E7}"/>
+              </a:ext>
+            </a:extLst>
+          </p:cNvPr>
+          <p:cNvSpPr>
+            <a:spLocks noGrp="1"/>
+          </p:cNvSpPr>
+          <p:nvPr>
+            <p:ph type="pic" idx="1"/>
+          </p:nvPr>
+        </p:nvSpPr>
+        <p:spPr>
+          <a:xfrm>
+            <a:off x="5183188" y="987425"/>
+            <a:ext cx="6172200" cy="4873625"/>
+          </a:xfrm>
+          <a:prstGeom prst="rect">
+            <a:avLst/>
+          </a:prstGeom>
+        </p:spPr>
+        <p:txBody>
+          <a:bodyPr/>
+          <a:lstStyle>
+            <a:lvl1pPr marL="0" indent="0">
+              <a:buNone/>
+              <a:defRPr sz="3200"/>
+            </a:lvl1pPr>
+            <a:lvl2pPr marL="457200" indent="0">
+              <a:buNone/>
+              <a:defRPr sz="2800"/>
+            </a:lvl2pPr>
+            <a:lvl3pPr marL="914400" indent="0">
+              <a:buNone/>
+              <a:defRPr sz="2400"/>
+            </a:lvl3pPr>
+            <a:lvl4pPr marL="1371600" indent="0">
+              <a:buNone/>
+              <a:defRPr sz="2000"/>
+            </a:lvl4pPr>
+            <a:lvl5pPr marL="1828800" indent="0">
+              <a:buNone/>
+              <a:defRPr sz="2000"/>
+            </a:lvl5pPr>
+            <a:lvl6pPr marL="2286000" indent="0">
+              <a:buNone/>
+              <a:defRPr sz="2000"/>
+            </a:lvl6pPr>
+            <a:lvl7pPr marL="2743200" indent="0">
+              <a:buNone/>
+              <a:defRPr sz="2000"/>
+            </a:lvl7pPr>
+            <a:lvl8pPr marL="3200400" indent="0">
+              <a:buNone/>
+              <a:defRPr sz="2000"/>
+            </a:lvl8pPr>
+            <a:lvl9pPr marL="3657600" indent="0">
+              <a:buNone/>
+              <a:defRPr sz="2000"/>
+            </a:lvl9pPr>
+          </a:lstStyle>
+          <a:p>
+            <a:r>
+              <a:rPr lang="en-US"/>
+              <a:t>Click icon to add picture</a:t>
+            </a:r>
+          </a:p>
+        </p:txBody>
+      </p:sp>
+      <p:sp>
+        <p:nvSpPr>
+          <p:cNvPr id="4" name="Text Placeholder 3">
+            <a:extLst>
+              <a:ext uri="{FF2B5EF4-FFF2-40B4-BE49-F238E27FC236}">
+                <a16:creationId xmlns:a16="http://schemas.microsoft.com/office/drawing/2014/main" id="{449386B6-C485-3496-A8CD-9C25B60A4255}"/>
+              </a:ext>
+            </a:extLst>
+          </p:cNvPr>
+          <p:cNvSpPr>
+            <a:spLocks noGrp="1"/>
+          </p:cNvSpPr>
+          <p:nvPr>
+            <p:ph type="body" sz="half" idx="2"/>
+          </p:nvPr>
+        </p:nvSpPr>
+        <p:spPr>
+          <a:xfrm>
+            <a:off x="839788" y="2057400"/>
+            <a:ext cx="3932237" cy="3811588"/>
+          </a:xfrm>
+          <a:prstGeom prst="rect">
+            <a:avLst/>
+          </a:prstGeom>
+        </p:spPr>
+        <p:txBody>
+          <a:bodyPr/>
+          <a:lstStyle>
+            <a:lvl1pPr marL="0" indent="0">
+              <a:buNone/>
+              <a:defRPr sz="1600"/>
+            </a:lvl1pPr>
+            <a:lvl2pPr marL="457200" indent="0">
+              <a:buNone/>
+              <a:defRPr sz="1400"/>
+            </a:lvl2pPr>
+            <a:lvl3pPr marL="914400" indent="0">
+              <a:buNone/>
+              <a:defRPr sz="1200"/>
+            </a:lvl3pPr>
+            <a:lvl4pPr marL="1371600" indent="0">
+              <a:buNone/>
+              <a:defRPr sz="1000"/>
+            </a:lvl4pPr>
+            <a:lvl5pPr marL="1828800" indent="0">
+              <a:buNone/>
+              <a:defRPr sz="1000"/>
+            </a:lvl5pPr>
+            <a:lvl6pPr marL="2286000" indent="0">
+              <a:buNone/>
+              <a:defRPr sz="1000"/>
+            </a:lvl6pPr>
+            <a:lvl7pPr marL="2743200" indent="0">
+              <a:buNone/>
+              <a:defRPr sz="1000"/>
+            </a:lvl7pPr>
+            <a:lvl8pPr marL="3200400" indent="0">
+              <a:buNone/>
+              <a:defRPr sz="1000"/>
+            </a:lvl8pPr>
+            <a:lvl9pPr marL="3657600" indent="0">
+              <a:buNone/>
+              <a:defRPr sz="1000"/>
+            </a:lvl9pPr>
+          </a:lstStyle>
+          <a:p>
+            <a:pPr lvl="0"/>
+            <a:r>
+              <a:rPr lang="en-US"/>
+              <a:t>Click to edit Master text styles</a:t>
+            </a:r>
+          </a:p>
+        </p:txBody>
+      </p:sp>
+      <p:sp>
+        <p:nvSpPr>
+          <p:cNvPr id="5" name="Date Placeholder 4">
+            <a:extLst>
+              <a:ext uri="{FF2B5EF4-FFF2-40B4-BE49-F238E27FC236}">
+                <a16:creationId xmlns:a16="http://schemas.microsoft.com/office/drawing/2014/main" id="{DBD5F565-8080-7E82-246E-1EDDAAC2C236}"/>
+              </a:ext>
+            </a:extLst>
+          </p:cNvPr>
+          <p:cNvSpPr>
+            <a:spLocks noGrp="1"/>
+          </p:cNvSpPr>
+          <p:nvPr>
+            <p:ph type="dt" sz="half" idx="10"/>
+          </p:nvPr>
+        </p:nvSpPr>
+        <p:spPr>
+          <a:xfrm>
+            <a:off x="838200" y="6445249"/>
+            <a:ext cx="2743200" cy="365125"/>
+          </a:xfrm>
+          <a:prstGeom prst="rect">
+            <a:avLst/>
+          </a:prstGeom>
+        </p:spPr>
+        <p:txBody>
+          <a:bodyPr/>
+          <a:lstStyle/>
+          <a:p>
+            <a:fld id="{71087A05-F855-4434-8DDE-39A8542098A6}" type="datetimeFigureOut">
+              <a:rPr lang="en-US" smtClean="0"/>
+              <a:t>11/21/2024</a:t>
+            </a:fld>
+            <a:endParaRPr lang="en-US"/>
+          </a:p>
+        </p:txBody>
+      </p:sp>
+      <p:sp>
+        <p:nvSpPr>
+          <p:cNvPr id="6" name="Footer Placeholder 5">
+            <a:extLst>
+              <a:ext uri="{FF2B5EF4-FFF2-40B4-BE49-F238E27FC236}">
+                <a16:creationId xmlns:a16="http://schemas.microsoft.com/office/drawing/2014/main" id="{C9E12A3F-827C-0539-3AFC-062DDE283567}"/>
+              </a:ext>
+            </a:extLst>
+          </p:cNvPr>
+          <p:cNvSpPr>
+            <a:spLocks noGrp="1"/>
+          </p:cNvSpPr>
+          <p:nvPr>
+            <p:ph type="ftr" sz="quarter" idx="11"/>
+          </p:nvPr>
+        </p:nvSpPr>
+        <p:spPr>
+          <a:xfrm>
+            <a:off x="4038600" y="6356350"/>
+            <a:ext cx="4114800" cy="365125"/>
+          </a:xfrm>
+          <a:prstGeom prst="rect">
+            <a:avLst/>
+          </a:prstGeom>
+        </p:spPr>
+        <p:txBody>
+          <a:bodyPr/>
+          <a:lstStyle/>
+          <a:p>
+            <a:endParaRPr lang="en-US"/>
+          </a:p>
+        </p:txBody>
+      </p:sp>
+      <p:sp>
+        <p:nvSpPr>
+          <p:cNvPr id="7" name="Slide Number Placeholder 6">
+            <a:extLst>
+              <a:ext uri="{FF2B5EF4-FFF2-40B4-BE49-F238E27FC236}">
+                <a16:creationId xmlns:a16="http://schemas.microsoft.com/office/drawing/2014/main" id="{516B4C84-F522-0893-1790-EF8E720A114E}"/>
+              </a:ext>
+            </a:extLst>
+          </p:cNvPr>
+          <p:cNvSpPr>
+            <a:spLocks noGrp="1"/>
+          </p:cNvSpPr>
+          <p:nvPr>
+            <p:ph type="sldNum" sz="quarter" idx="12"/>
+          </p:nvPr>
+        </p:nvSpPr>
+        <p:spPr>
+          <a:xfrm>
+            <a:off x="8610600" y="6356350"/>
+            <a:ext cx="2743200" cy="365125"/>
+          </a:xfrm>
+          <a:prstGeom prst="rect">
+            <a:avLst/>
+          </a:prstGeom>
+        </p:spPr>
+        <p:txBody>
+          <a:bodyPr/>
+          <a:lstStyle/>
+          <a:p>
+            <a:fld id="{6C0014F0-3D1D-4459-A530-32E6C19AE461}" type="slidenum">
+              <a:rPr lang="en-US" smtClean="0"/>
+              <a:t>‹#›</a:t>
+            </a:fld>
+            <a:endParaRPr lang="en-US"/>
+          </a:p>
+        </p:txBody>
+      </p:sp>
+    </p:spTree>
+    <p:extLst>
+      <p:ext uri="{BB962C8B-B14F-4D97-AF65-F5344CB8AC3E}">
+        <p14:creationId xmlns:p14="http://schemas.microsoft.com/office/powerpoint/2010/main" val="2266235175"/>
+      </p:ext>
+    </p:extLst>
+  </p:cSld>
+  <p:clrMapOvr>
+    <a:masterClrMapping/>
+  </p:clrMapOvr>
+</p:sldLayout>
+</file>
+
+<file path=ppt/slideMasters/slideMaster1.xml><?xml version="1.0" encoding="utf-8"?>
 <p:sldMaster xmlns:a="http://schemas.openxmlformats.org/drawingml/2006/main" xmlns:r="http://schemas.openxmlformats.org/officeDocument/2006/relationships" xmlns:p="http://schemas.openxmlformats.org/presentationml/2006/main">
   <p:cSld>
     <p:bg>
@@ -4667,244 +3693,131 @@
           <a:chExt cx="0" cy="0"/>
         </a:xfrm>
       </p:grpSpPr>
-      <p:sp>
-        <p:nvSpPr>
-          <p:cNvPr id="2" name="Title Placeholder 1">
+      <p:pic>
+        <p:nvPicPr>
+          <p:cNvPr id="7" name="Picture 6">
             <a:extLst>
               <a:ext uri="{FF2B5EF4-FFF2-40B4-BE49-F238E27FC236}">
-                <a16:creationId xmlns:a16="http://schemas.microsoft.com/office/drawing/2014/main" id="{DADBBF7B-0A87-603A-6F96-ED995D2876BC}"/>
+                <a16:creationId xmlns:a16="http://schemas.microsoft.com/office/drawing/2014/main" id="{AEB2CF3C-8982-A5D5-05DB-5BF3F09E24AE}"/>
+              </a:ext>
+              <a:ext uri="{C183D7F6-B498-43B3-948B-1728B52AA6E4}">
+                <adec:decorative xmlns:adec="http://schemas.microsoft.com/office/drawing/2017/decorative" val="1"/>
               </a:ext>
             </a:extLst>
           </p:cNvPr>
-          <p:cNvSpPr>
-            <a:spLocks noGrp="1"/>
-          </p:cNvSpPr>
-          <p:nvPr>
-            <p:ph type="title"/>
-          </p:nvPr>
-        </p:nvSpPr>
+          <p:cNvPicPr>
+            <a:picLocks noChangeAspect="1"/>
+          </p:cNvPicPr>
+          <p:nvPr userDrawn="1"/>
+        </p:nvPicPr>
+        <p:blipFill>
+          <a:blip r:embed="rId15">
+            <a:extLst>
+              <a:ext uri="{28A0092B-C50C-407E-A947-70E740481C1C}">
+                <a14:useLocalDpi xmlns:a14="http://schemas.microsoft.com/office/drawing/2010/main" val="0"/>
+              </a:ext>
+            </a:extLst>
+          </a:blip>
+          <a:stretch>
+            <a:fillRect/>
+          </a:stretch>
+        </p:blipFill>
         <p:spPr>
           <a:xfrm>
-            <a:off x="838200" y="365125"/>
-            <a:ext cx="10515600" cy="1325563"/>
+            <a:off x="212436" y="236453"/>
+            <a:ext cx="11767127" cy="787737"/>
           </a:xfrm>
           <a:prstGeom prst="rect">
             <a:avLst/>
           </a:prstGeom>
         </p:spPr>
-        <p:txBody>
-          <a:bodyPr vert="horz" lIns="91440" tIns="45720" rIns="91440" bIns="45720" rtlCol="0" anchor="ctr">
-            <a:normAutofit/>
-          </a:bodyPr>
-          <a:lstStyle/>
-          <a:p>
-            <a:r>
-              <a:rPr lang="en-US"/>
-              <a:t>Click to edit Master title style</a:t>
-            </a:r>
-          </a:p>
-        </p:txBody>
-      </p:sp>
+      </p:pic>
+      <p:cxnSp>
+        <p:nvCxnSpPr>
+          <p:cNvPr id="9" name="Straight Connector 8">
+            <a:extLst>
+              <a:ext uri="{FF2B5EF4-FFF2-40B4-BE49-F238E27FC236}">
+                <a16:creationId xmlns:a16="http://schemas.microsoft.com/office/drawing/2014/main" id="{DE7FEFD9-5638-352F-A6ED-06F1FDE322D4}"/>
+              </a:ext>
+            </a:extLst>
+          </p:cNvPr>
+          <p:cNvCxnSpPr>
+            <a:cxnSpLocks/>
+          </p:cNvCxnSpPr>
+          <p:nvPr userDrawn="1"/>
+        </p:nvCxnSpPr>
+        <p:spPr>
+          <a:xfrm>
+            <a:off x="175490" y="1099127"/>
+            <a:ext cx="11841020" cy="0"/>
+          </a:xfrm>
+          <a:prstGeom prst="line">
+            <a:avLst/>
+          </a:prstGeom>
+          <a:ln w="38100">
+            <a:solidFill>
+              <a:srgbClr val="A13C39"/>
+            </a:solidFill>
+          </a:ln>
+        </p:spPr>
+        <p:style>
+          <a:lnRef idx="2">
+            <a:schemeClr val="accent1"/>
+          </a:lnRef>
+          <a:fillRef idx="0">
+            <a:schemeClr val="accent1"/>
+          </a:fillRef>
+          <a:effectRef idx="1">
+            <a:schemeClr val="accent1"/>
+          </a:effectRef>
+          <a:fontRef idx="minor">
+            <a:schemeClr val="tx1"/>
+          </a:fontRef>
+        </p:style>
+      </p:cxnSp>
       <p:sp>
         <p:nvSpPr>
-          <p:cNvPr id="3" name="Text Placeholder 2">
+          <p:cNvPr id="11" name="Rectangle 10">
             <a:extLst>
               <a:ext uri="{FF2B5EF4-FFF2-40B4-BE49-F238E27FC236}">
-                <a16:creationId xmlns:a16="http://schemas.microsoft.com/office/drawing/2014/main" id="{1EBB9990-0CBB-2977-C631-37F97EB6D7A7}"/>
+                <a16:creationId xmlns:a16="http://schemas.microsoft.com/office/drawing/2014/main" id="{910C5C32-408D-8072-82C8-297384424B54}"/>
               </a:ext>
             </a:extLst>
           </p:cNvPr>
-          <p:cNvSpPr>
-            <a:spLocks noGrp="1"/>
-          </p:cNvSpPr>
-          <p:nvPr>
-            <p:ph type="body" idx="1"/>
-          </p:nvPr>
+          <p:cNvSpPr/>
+          <p:nvPr userDrawn="1"/>
         </p:nvSpPr>
         <p:spPr>
           <a:xfrm>
-            <a:off x="838200" y="1825625"/>
-            <a:ext cx="10515600" cy="4351338"/>
+            <a:off x="175492" y="184727"/>
+            <a:ext cx="11841018" cy="6493164"/>
           </a:xfrm>
           <a:prstGeom prst="rect">
             <a:avLst/>
           </a:prstGeom>
+          <a:noFill/>
         </p:spPr>
+        <p:style>
+          <a:lnRef idx="2">
+            <a:schemeClr val="accent1">
+              <a:shade val="15000"/>
+            </a:schemeClr>
+          </a:lnRef>
+          <a:fillRef idx="1">
+            <a:schemeClr val="accent1"/>
+          </a:fillRef>
+          <a:effectRef idx="0">
+            <a:schemeClr val="accent1"/>
+          </a:effectRef>
+          <a:fontRef idx="minor">
+            <a:schemeClr val="lt1"/>
+          </a:fontRef>
+        </p:style>
         <p:txBody>
-          <a:bodyPr vert="horz" lIns="91440" tIns="45720" rIns="91440" bIns="45720" rtlCol="0">
-            <a:normAutofit/>
-          </a:bodyPr>
+          <a:bodyPr rtlCol="0" anchor="ctr"/>
           <a:lstStyle/>
           <a:p>
-            <a:pPr lvl="0"/>
-            <a:r>
-              <a:rPr lang="en-US"/>
-              <a:t>Click to edit Master text styles</a:t>
-            </a:r>
-          </a:p>
-          <a:p>
-            <a:pPr lvl="1"/>
-            <a:r>
-              <a:rPr lang="en-US"/>
-              <a:t>Second level</a:t>
-            </a:r>
-          </a:p>
-          <a:p>
-            <a:pPr lvl="2"/>
-            <a:r>
-              <a:rPr lang="en-US"/>
-              <a:t>Third level</a:t>
-            </a:r>
-          </a:p>
-          <a:p>
-            <a:pPr lvl="3"/>
-            <a:r>
-              <a:rPr lang="en-US"/>
-              <a:t>Fourth level</a:t>
-            </a:r>
-          </a:p>
-          <a:p>
-            <a:pPr lvl="4"/>
-            <a:r>
-              <a:rPr lang="en-US"/>
-              <a:t>Fifth level</a:t>
-            </a:r>
-          </a:p>
-        </p:txBody>
-      </p:sp>
-      <p:sp>
-        <p:nvSpPr>
-          <p:cNvPr id="4" name="Date Placeholder 3">
-            <a:extLst>
-              <a:ext uri="{FF2B5EF4-FFF2-40B4-BE49-F238E27FC236}">
-                <a16:creationId xmlns:a16="http://schemas.microsoft.com/office/drawing/2014/main" id="{F336638E-F817-1BC9-ECB7-18071DC44D12}"/>
-              </a:ext>
-            </a:extLst>
-          </p:cNvPr>
-          <p:cNvSpPr>
-            <a:spLocks noGrp="1"/>
-          </p:cNvSpPr>
-          <p:nvPr>
-            <p:ph type="dt" sz="half" idx="2"/>
-          </p:nvPr>
-        </p:nvSpPr>
-        <p:spPr>
-          <a:xfrm>
-            <a:off x="838200" y="6356350"/>
-            <a:ext cx="2743200" cy="365125"/>
-          </a:xfrm>
-          <a:prstGeom prst="rect">
-            <a:avLst/>
-          </a:prstGeom>
-        </p:spPr>
-        <p:txBody>
-          <a:bodyPr vert="horz" lIns="91440" tIns="45720" rIns="91440" bIns="45720" rtlCol="0" anchor="ctr"/>
-          <a:lstStyle>
-            <a:lvl1pPr algn="l">
-              <a:defRPr sz="1200">
-                <a:solidFill>
-                  <a:schemeClr val="tx1">
-                    <a:tint val="75000"/>
-                  </a:schemeClr>
-                </a:solidFill>
-              </a:defRPr>
-            </a:lvl1pPr>
-          </a:lstStyle>
-          <a:p>
-            <a:fld id="{0D69348B-4620-44E9-BF3F-EACBA9EEF323}" type="datetimeFigureOut">
-              <a:rPr lang="en-US" smtClean="0"/>
-              <a:t>5/16/2024</a:t>
-            </a:fld>
-            <a:endParaRPr lang="en-US"/>
-          </a:p>
-        </p:txBody>
-      </p:sp>
-      <p:sp>
-        <p:nvSpPr>
-          <p:cNvPr id="5" name="Footer Placeholder 4">
-            <a:extLst>
-              <a:ext uri="{FF2B5EF4-FFF2-40B4-BE49-F238E27FC236}">
-                <a16:creationId xmlns:a16="http://schemas.microsoft.com/office/drawing/2014/main" id="{60C57151-F515-08FA-FD9F-F59EDF1B6581}"/>
-              </a:ext>
-            </a:extLst>
-          </p:cNvPr>
-          <p:cNvSpPr>
-            <a:spLocks noGrp="1"/>
-          </p:cNvSpPr>
-          <p:nvPr>
-            <p:ph type="ftr" sz="quarter" idx="3"/>
-          </p:nvPr>
-        </p:nvSpPr>
-        <p:spPr>
-          <a:xfrm>
-            <a:off x="4038600" y="6356350"/>
-            <a:ext cx="4114800" cy="365125"/>
-          </a:xfrm>
-          <a:prstGeom prst="rect">
-            <a:avLst/>
-          </a:prstGeom>
-        </p:spPr>
-        <p:txBody>
-          <a:bodyPr vert="horz" lIns="91440" tIns="45720" rIns="91440" bIns="45720" rtlCol="0" anchor="ctr"/>
-          <a:lstStyle>
-            <a:lvl1pPr algn="ctr">
-              <a:defRPr sz="1200">
-                <a:solidFill>
-                  <a:schemeClr val="tx1">
-                    <a:tint val="75000"/>
-                  </a:schemeClr>
-                </a:solidFill>
-              </a:defRPr>
-            </a:lvl1pPr>
-          </a:lstStyle>
-          <a:p>
-            <a:endParaRPr lang="en-US"/>
-          </a:p>
-        </p:txBody>
-      </p:sp>
-      <p:sp>
-        <p:nvSpPr>
-          <p:cNvPr id="6" name="Slide Number Placeholder 5">
-            <a:extLst>
-              <a:ext uri="{FF2B5EF4-FFF2-40B4-BE49-F238E27FC236}">
-                <a16:creationId xmlns:a16="http://schemas.microsoft.com/office/drawing/2014/main" id="{F7D361D9-183D-9DF9-C01C-5B530B1CB880}"/>
-              </a:ext>
-            </a:extLst>
-          </p:cNvPr>
-          <p:cNvSpPr>
-            <a:spLocks noGrp="1"/>
-          </p:cNvSpPr>
-          <p:nvPr>
-            <p:ph type="sldNum" sz="quarter" idx="4"/>
-          </p:nvPr>
-        </p:nvSpPr>
-        <p:spPr>
-          <a:xfrm>
-            <a:off x="8610600" y="6356350"/>
-            <a:ext cx="2743200" cy="365125"/>
-          </a:xfrm>
-          <a:prstGeom prst="rect">
-            <a:avLst/>
-          </a:prstGeom>
-        </p:spPr>
-        <p:txBody>
-          <a:bodyPr vert="horz" lIns="91440" tIns="45720" rIns="91440" bIns="45720" rtlCol="0" anchor="ctr"/>
-          <a:lstStyle>
-            <a:lvl1pPr algn="r">
-              <a:defRPr sz="1200">
-                <a:solidFill>
-                  <a:schemeClr val="tx1">
-                    <a:tint val="75000"/>
-                  </a:schemeClr>
-                </a:solidFill>
-              </a:defRPr>
-            </a:lvl1pPr>
-          </a:lstStyle>
-          <a:p>
-            <a:fld id="{986C47A0-D0C4-4E8A-BEE9-37B09C3712B2}" type="slidenum">
-              <a:rPr lang="en-US" smtClean="0"/>
-              <a:t>‹#›</a:t>
-            </a:fld>
+            <a:pPr algn="ctr"/>
             <a:endParaRPr lang="en-US"/>
           </a:p>
         </p:txBody>
@@ -4912,28 +3825,29 @@
     </p:spTree>
     <p:extLst>
       <p:ext uri="{BB962C8B-B14F-4D97-AF65-F5344CB8AC3E}">
-        <p14:creationId xmlns:p14="http://schemas.microsoft.com/office/powerpoint/2010/main" val="3136267371"/>
+        <p14:creationId xmlns:p14="http://schemas.microsoft.com/office/powerpoint/2010/main" val="466850387"/>
       </p:ext>
     </p:extLst>
   </p:cSld>
   <p:clrMap bg1="lt1" tx1="dk1" bg2="lt2" tx2="dk2" accent1="accent1" accent2="accent2" accent3="accent3" accent4="accent4" accent5="accent5" accent6="accent6" hlink="hlink" folHlink="folHlink"/>
   <p:sldLayoutIdLst>
-    <p:sldLayoutId id="2147483682" r:id="rId1"/>
-    <p:sldLayoutId id="2147483683" r:id="rId2"/>
-    <p:sldLayoutId id="2147483684" r:id="rId3"/>
-    <p:sldLayoutId id="2147483685" r:id="rId4"/>
-    <p:sldLayoutId id="2147483686" r:id="rId5"/>
-    <p:sldLayoutId id="2147483687" r:id="rId6"/>
-    <p:sldLayoutId id="2147483688" r:id="rId7"/>
-    <p:sldLayoutId id="2147483689" r:id="rId8"/>
-    <p:sldLayoutId id="2147483690" r:id="rId9"/>
-    <p:sldLayoutId id="2147483691" r:id="rId10"/>
-    <p:sldLayoutId id="2147483692" r:id="rId11"/>
-    <p:sldLayoutId id="2147483693" r:id="rId12"/>
+    <p:sldLayoutId id="2147483649" r:id="rId1"/>
+    <p:sldLayoutId id="2147483650" r:id="rId2"/>
+    <p:sldLayoutId id="2147483651" r:id="rId3"/>
+    <p:sldLayoutId id="2147483652" r:id="rId4"/>
+    <p:sldLayoutId id="2147483653" r:id="rId5"/>
+    <p:sldLayoutId id="2147483654" r:id="rId6"/>
+    <p:sldLayoutId id="2147483655" r:id="rId7"/>
+    <p:sldLayoutId id="2147483656" r:id="rId8"/>
+    <p:sldLayoutId id="2147483657" r:id="rId9"/>
+    <p:sldLayoutId id="2147483658" r:id="rId10"/>
+    <p:sldLayoutId id="2147483659" r:id="rId11"/>
+    <p:sldLayoutId id="2147483660" r:id="rId12"/>
+    <p:sldLayoutId id="2147483661" r:id="rId13"/>
   </p:sldLayoutIdLst>
   <p:txStyles>
     <p:titleStyle>
-      <a:lvl1pPr algn="l" defTabSz="914400" rtl="0" eaLnBrk="1" latinLnBrk="0" hangingPunct="1">
+      <a:lvl1pPr algn="ctr" defTabSz="914400" rtl="0" eaLnBrk="1" latinLnBrk="0" hangingPunct="1">
         <a:lnSpc>
           <a:spcPct val="90000"/>
         </a:lnSpc>
@@ -5333,10 +4247,15 @@
             <p:ph type="body" sz="quarter" idx="10"/>
           </p:nvPr>
         </p:nvSpPr>
-        <p:spPr/>
+        <p:spPr>
+          <a:xfrm>
+            <a:off x="323529" y="1234859"/>
+            <a:ext cx="11573197" cy="724247"/>
+          </a:xfrm>
+        </p:spPr>
         <p:txBody>
           <a:bodyPr>
-            <a:normAutofit fontScale="92500" lnSpcReduction="10000"/>
+            <a:normAutofit fontScale="92500" lnSpcReduction="20000"/>
           </a:bodyPr>
           <a:lstStyle/>
           <a:p>
@@ -5361,8 +4280,8 @@
         </p:nvSpPr>
         <p:spPr>
           <a:xfrm>
-            <a:off x="1268392" y="1054728"/>
-            <a:ext cx="9655207" cy="3785652"/>
+            <a:off x="1119032" y="1931028"/>
+            <a:ext cx="9982190" cy="3785652"/>
           </a:xfrm>
           <a:prstGeom prst="rect">
             <a:avLst/>
@@ -5587,7 +4506,7 @@
         </p:nvSpPr>
         <p:spPr>
           <a:xfrm>
-            <a:off x="771460" y="5047767"/>
+            <a:off x="785593" y="5857392"/>
             <a:ext cx="10649069" cy="1015663"/>
           </a:xfrm>
           <a:prstGeom prst="rect">
@@ -5748,10 +4667,15 @@
             <p:ph type="body" sz="quarter" idx="10"/>
           </p:nvPr>
         </p:nvSpPr>
-        <p:spPr/>
+        <p:spPr>
+          <a:xfrm>
+            <a:off x="323529" y="1301534"/>
+            <a:ext cx="11573197" cy="724247"/>
+          </a:xfrm>
+        </p:spPr>
         <p:txBody>
           <a:bodyPr>
-            <a:normAutofit fontScale="92500" lnSpcReduction="10000"/>
+            <a:normAutofit fontScale="92500" lnSpcReduction="20000"/>
           </a:bodyPr>
           <a:lstStyle/>
           <a:p>
@@ -5776,7 +4700,7 @@
         </p:nvSpPr>
         <p:spPr>
           <a:xfrm>
-            <a:off x="1268392" y="1054728"/>
+            <a:off x="1282524" y="2416803"/>
             <a:ext cx="9655207" cy="3477875"/>
           </a:xfrm>
           <a:prstGeom prst="rect">
@@ -5920,10 +4844,15 @@
             <p:ph type="body" sz="quarter" idx="10"/>
           </p:nvPr>
         </p:nvSpPr>
-        <p:spPr/>
+        <p:spPr>
+          <a:xfrm>
+            <a:off x="323529" y="1244384"/>
+            <a:ext cx="11573197" cy="724247"/>
+          </a:xfrm>
+        </p:spPr>
         <p:txBody>
           <a:bodyPr>
-            <a:normAutofit fontScale="92500" lnSpcReduction="10000"/>
+            <a:normAutofit fontScale="92500" lnSpcReduction="20000"/>
           </a:bodyPr>
           <a:lstStyle/>
           <a:p>
@@ -5948,7 +4877,7 @@
         </p:nvSpPr>
         <p:spPr>
           <a:xfrm>
-            <a:off x="1268392" y="1054728"/>
+            <a:off x="1282524" y="1873878"/>
             <a:ext cx="9655207" cy="4708981"/>
           </a:xfrm>
           <a:prstGeom prst="rect">
@@ -6216,10 +5145,15 @@
             <p:ph type="body" sz="quarter" idx="10"/>
           </p:nvPr>
         </p:nvSpPr>
-        <p:spPr/>
+        <p:spPr>
+          <a:xfrm>
+            <a:off x="323529" y="1263434"/>
+            <a:ext cx="11573197" cy="724247"/>
+          </a:xfrm>
+        </p:spPr>
         <p:txBody>
           <a:bodyPr>
-            <a:normAutofit fontScale="92500" lnSpcReduction="10000"/>
+            <a:normAutofit fontScale="92500" lnSpcReduction="20000"/>
           </a:bodyPr>
           <a:lstStyle/>
           <a:p>
@@ -6244,8 +5178,8 @@
         </p:nvSpPr>
         <p:spPr>
           <a:xfrm>
-            <a:off x="1278902" y="1054728"/>
-            <a:ext cx="9655207" cy="5016758"/>
+            <a:off x="803722" y="1950078"/>
+            <a:ext cx="10612810" cy="5016758"/>
           </a:xfrm>
           <a:prstGeom prst="rect">
             <a:avLst/>
@@ -6509,8 +5443,8 @@
         </p:nvSpPr>
         <p:spPr>
           <a:xfrm>
-            <a:off x="309401" y="2101346"/>
-            <a:ext cx="11573197" cy="923330"/>
+            <a:off x="877962" y="3025271"/>
+            <a:ext cx="10464330" cy="923330"/>
           </a:xfrm>
           <a:prstGeom prst="rect">
             <a:avLst/>
@@ -6658,10 +5592,15 @@
             <p:ph type="body" sz="quarter" idx="10"/>
           </p:nvPr>
         </p:nvSpPr>
-        <p:spPr/>
+        <p:spPr>
+          <a:xfrm>
+            <a:off x="323529" y="1282484"/>
+            <a:ext cx="11573197" cy="724247"/>
+          </a:xfrm>
+        </p:spPr>
         <p:txBody>
           <a:bodyPr>
-            <a:normAutofit fontScale="92500" lnSpcReduction="10000"/>
+            <a:normAutofit fontScale="92500" lnSpcReduction="20000"/>
           </a:bodyPr>
           <a:lstStyle/>
           <a:p>
@@ -6686,7 +5625,7 @@
         </p:nvSpPr>
         <p:spPr>
           <a:xfrm>
-            <a:off x="1268392" y="1054728"/>
+            <a:off x="1282524" y="1597653"/>
             <a:ext cx="9655207" cy="5016758"/>
           </a:xfrm>
           <a:prstGeom prst="rect">
@@ -6988,7 +5927,12 @@
             <p:ph type="body" sz="quarter" idx="10"/>
           </p:nvPr>
         </p:nvSpPr>
-        <p:spPr/>
+        <p:spPr>
+          <a:xfrm>
+            <a:off x="323529" y="1101509"/>
+            <a:ext cx="11573197" cy="724247"/>
+          </a:xfrm>
+        </p:spPr>
         <p:txBody>
           <a:bodyPr>
             <a:normAutofit fontScale="85000" lnSpcReduction="10000"/>
@@ -7016,7 +5960,7 @@
         </p:nvSpPr>
         <p:spPr>
           <a:xfrm>
-            <a:off x="1268392" y="1054728"/>
+            <a:off x="1282524" y="1711953"/>
             <a:ext cx="9655207" cy="4708981"/>
           </a:xfrm>
           <a:prstGeom prst="rect">
@@ -7374,10 +6318,15 @@
             <p:ph type="body" sz="quarter" idx="10"/>
           </p:nvPr>
         </p:nvSpPr>
-        <p:spPr/>
+        <p:spPr>
+          <a:xfrm>
+            <a:off x="323529" y="1130084"/>
+            <a:ext cx="11573197" cy="724247"/>
+          </a:xfrm>
+        </p:spPr>
         <p:txBody>
           <a:bodyPr>
-            <a:normAutofit fontScale="92500" lnSpcReduction="10000"/>
+            <a:normAutofit fontScale="92500" lnSpcReduction="20000"/>
           </a:bodyPr>
           <a:lstStyle/>
           <a:p>
@@ -7402,8 +6351,8 @@
         </p:nvSpPr>
         <p:spPr>
           <a:xfrm>
-            <a:off x="1268392" y="1054728"/>
-            <a:ext cx="9655207" cy="5632311"/>
+            <a:off x="1268397" y="1845303"/>
+            <a:ext cx="9655207" cy="4708981"/>
           </a:xfrm>
           <a:prstGeom prst="rect">
             <a:avLst/>
@@ -7771,6 +6720,35 @@
               <a:t>(We chained two messages together. Observe output: POWER. Let that sink in a bit!)</a:t>
             </a:r>
           </a:p>
+        </p:txBody>
+      </p:sp>
+      <p:sp>
+        <p:nvSpPr>
+          <p:cNvPr id="5" name="TextBox 4">
+            <a:extLst>
+              <a:ext uri="{FF2B5EF4-FFF2-40B4-BE49-F238E27FC236}">
+                <a16:creationId xmlns:a16="http://schemas.microsoft.com/office/drawing/2014/main" id="{C3D53CFC-124F-2A23-2884-777394206961}"/>
+              </a:ext>
+            </a:extLst>
+          </p:cNvPr>
+          <p:cNvSpPr txBox="1"/>
+          <p:nvPr/>
+        </p:nvSpPr>
+        <p:spPr>
+          <a:xfrm>
+            <a:off x="10909476" y="5727916"/>
+            <a:ext cx="372830" cy="1015663"/>
+          </a:xfrm>
+          <a:prstGeom prst="rect">
+            <a:avLst/>
+          </a:prstGeom>
+          <a:noFill/>
+        </p:spPr>
+        <p:txBody>
+          <a:bodyPr wrap="square">
+            <a:spAutoFit/>
+          </a:bodyPr>
+          <a:lstStyle/>
           <a:p>
             <a:pPr algn="r"/>
             <a:r>
@@ -7828,10 +6806,15 @@
             <p:ph type="body" sz="quarter" idx="10"/>
           </p:nvPr>
         </p:nvSpPr>
-        <p:spPr/>
+        <p:spPr>
+          <a:xfrm>
+            <a:off x="323529" y="1139609"/>
+            <a:ext cx="11573197" cy="724247"/>
+          </a:xfrm>
+        </p:spPr>
         <p:txBody>
           <a:bodyPr>
-            <a:normAutofit fontScale="92500" lnSpcReduction="10000"/>
+            <a:normAutofit fontScale="92500" lnSpcReduction="20000"/>
           </a:bodyPr>
           <a:lstStyle/>
           <a:p>
@@ -7856,7 +6839,7 @@
         </p:nvSpPr>
         <p:spPr>
           <a:xfrm>
-            <a:off x="1268392" y="1054728"/>
+            <a:off x="1282524" y="1854828"/>
             <a:ext cx="9655207" cy="4401205"/>
           </a:xfrm>
           <a:prstGeom prst="rect">
@@ -8143,16 +7126,10 @@
           </a:p>
           <a:p>
             <a:r>
-              <a:rPr lang="en-US" sz="2000">
-                <a:latin typeface="+mn-lt"/>
-              </a:rPr>
-              <a:t>From that </a:t>
-            </a:r>
-            <a:r>
-              <a:rPr lang="en-US" sz="2000" dirty="0">
-                <a:latin typeface="+mn-lt"/>
-              </a:rPr>
-              <a:t>document we can infer that </a:t>
+              <a:rPr lang="en-US" sz="2000" dirty="0">
+                <a:latin typeface="+mn-lt"/>
+              </a:rPr>
+              <a:t>From that document we can infer that </a:t>
             </a:r>
             <a:r>
               <a:rPr lang="en-US" sz="2000" dirty="0">
@@ -8227,10 +7204,15 @@
             <p:ph type="body" sz="quarter" idx="10"/>
           </p:nvPr>
         </p:nvSpPr>
-        <p:spPr/>
+        <p:spPr>
+          <a:xfrm>
+            <a:off x="323529" y="1301534"/>
+            <a:ext cx="11573197" cy="724247"/>
+          </a:xfrm>
+        </p:spPr>
         <p:txBody>
           <a:bodyPr>
-            <a:normAutofit fontScale="92500" lnSpcReduction="10000"/>
+            <a:normAutofit fontScale="92500" lnSpcReduction="20000"/>
           </a:bodyPr>
           <a:lstStyle/>
           <a:p>
@@ -8255,8 +7237,8 @@
         </p:nvSpPr>
         <p:spPr>
           <a:xfrm>
-            <a:off x="1268392" y="1054728"/>
-            <a:ext cx="9655207" cy="5324535"/>
+            <a:off x="309401" y="1969128"/>
+            <a:ext cx="11601452" cy="4708981"/>
           </a:xfrm>
           <a:prstGeom prst="rect">
             <a:avLst/>
@@ -8493,10 +7475,15 @@
             <p:ph type="body" sz="quarter" idx="10"/>
           </p:nvPr>
         </p:nvSpPr>
-        <p:spPr/>
+        <p:spPr>
+          <a:xfrm>
+            <a:off x="309401" y="1853984"/>
+            <a:ext cx="11573197" cy="724247"/>
+          </a:xfrm>
+        </p:spPr>
         <p:txBody>
           <a:bodyPr>
-            <a:normAutofit fontScale="92500" lnSpcReduction="10000"/>
+            <a:normAutofit fontScale="92500" lnSpcReduction="20000"/>
           </a:bodyPr>
           <a:lstStyle/>
           <a:p>
@@ -8521,7 +7508,7 @@
         </p:nvSpPr>
         <p:spPr>
           <a:xfrm>
-            <a:off x="1268392" y="1054728"/>
+            <a:off x="1268396" y="2807328"/>
             <a:ext cx="9655207" cy="3477875"/>
           </a:xfrm>
           <a:prstGeom prst="rect">
@@ -8650,10 +7637,15 @@
             <p:ph type="body" sz="quarter" idx="10"/>
           </p:nvPr>
         </p:nvSpPr>
-        <p:spPr/>
+        <p:spPr>
+          <a:xfrm>
+            <a:off x="323529" y="1292009"/>
+            <a:ext cx="11573197" cy="724247"/>
+          </a:xfrm>
+        </p:spPr>
         <p:txBody>
           <a:bodyPr>
-            <a:normAutofit fontScale="92500" lnSpcReduction="10000"/>
+            <a:normAutofit fontScale="92500" lnSpcReduction="20000"/>
           </a:bodyPr>
           <a:lstStyle/>
           <a:p>
@@ -8678,7 +7670,7 @@
         </p:nvSpPr>
         <p:spPr>
           <a:xfrm>
-            <a:off x="1268392" y="1054728"/>
+            <a:off x="1282524" y="2283453"/>
             <a:ext cx="9655207" cy="4093428"/>
           </a:xfrm>
           <a:prstGeom prst="rect">
@@ -9080,10 +8072,15 @@
             <p:ph type="body" sz="quarter" idx="10"/>
           </p:nvPr>
         </p:nvSpPr>
-        <p:spPr/>
+        <p:spPr>
+          <a:xfrm>
+            <a:off x="323529" y="1301534"/>
+            <a:ext cx="11573197" cy="724247"/>
+          </a:xfrm>
+        </p:spPr>
         <p:txBody>
           <a:bodyPr>
-            <a:normAutofit fontScale="92500" lnSpcReduction="10000"/>
+            <a:normAutofit fontScale="92500" lnSpcReduction="20000"/>
           </a:bodyPr>
           <a:lstStyle/>
           <a:p>
@@ -9108,8 +8105,8 @@
         </p:nvSpPr>
         <p:spPr>
           <a:xfrm>
-            <a:off x="1268392" y="1054728"/>
-            <a:ext cx="9655207" cy="4708981"/>
+            <a:off x="1595281" y="2064378"/>
+            <a:ext cx="9029692" cy="4708981"/>
           </a:xfrm>
           <a:prstGeom prst="rect">
             <a:avLst/>
@@ -9130,6 +8127,11 @@
             </a:r>
           </a:p>
           <a:p>
+            <a:pPr>
+              <a:lnSpc>
+                <a:spcPts val="1000"/>
+              </a:lnSpc>
+            </a:pPr>
             <a:endParaRPr lang="en-US" sz="2000" dirty="0">
               <a:latin typeface="+mn-lt"/>
             </a:endParaRPr>
@@ -9408,10 +8410,15 @@
             <p:ph type="body" sz="quarter" idx="10"/>
           </p:nvPr>
         </p:nvSpPr>
-        <p:spPr/>
+        <p:spPr>
+          <a:xfrm>
+            <a:off x="323529" y="1320584"/>
+            <a:ext cx="11573197" cy="724247"/>
+          </a:xfrm>
+        </p:spPr>
         <p:txBody>
           <a:bodyPr>
-            <a:normAutofit fontScale="92500" lnSpcReduction="10000"/>
+            <a:normAutofit fontScale="92500" lnSpcReduction="20000"/>
           </a:bodyPr>
           <a:lstStyle/>
           <a:p>
@@ -9436,8 +8443,8 @@
         </p:nvSpPr>
         <p:spPr>
           <a:xfrm>
-            <a:off x="1268392" y="1054728"/>
-            <a:ext cx="9655207" cy="4093428"/>
+            <a:off x="1128557" y="2216778"/>
+            <a:ext cx="9963140" cy="4093428"/>
           </a:xfrm>
           <a:prstGeom prst="rect">
             <a:avLst/>
@@ -9710,10 +8717,15 @@
             <p:ph type="body" sz="quarter" idx="10"/>
           </p:nvPr>
         </p:nvSpPr>
-        <p:spPr/>
+        <p:spPr>
+          <a:xfrm>
+            <a:off x="323529" y="1311059"/>
+            <a:ext cx="11573197" cy="724247"/>
+          </a:xfrm>
+        </p:spPr>
         <p:txBody>
           <a:bodyPr>
-            <a:normAutofit fontScale="92500" lnSpcReduction="10000"/>
+            <a:normAutofit fontScale="92500" lnSpcReduction="20000"/>
           </a:bodyPr>
           <a:lstStyle/>
           <a:p>
@@ -9738,7 +8750,7 @@
         </p:nvSpPr>
         <p:spPr>
           <a:xfrm>
-            <a:off x="1268392" y="1054728"/>
+            <a:off x="1282524" y="2397753"/>
             <a:ext cx="9655207" cy="3170099"/>
           </a:xfrm>
           <a:prstGeom prst="rect">
@@ -9957,10 +8969,15 @@
             <p:ph type="body" sz="quarter" idx="10"/>
           </p:nvPr>
         </p:nvSpPr>
-        <p:spPr/>
+        <p:spPr>
+          <a:xfrm>
+            <a:off x="323529" y="1282484"/>
+            <a:ext cx="11573197" cy="724247"/>
+          </a:xfrm>
+        </p:spPr>
         <p:txBody>
           <a:bodyPr>
-            <a:normAutofit fontScale="92500" lnSpcReduction="10000"/>
+            <a:normAutofit fontScale="92500" lnSpcReduction="20000"/>
           </a:bodyPr>
           <a:lstStyle/>
           <a:p>
@@ -9985,7 +9002,7 @@
         </p:nvSpPr>
         <p:spPr>
           <a:xfrm>
-            <a:off x="1268392" y="1054728"/>
+            <a:off x="1282524" y="1940553"/>
             <a:ext cx="9655207" cy="4401205"/>
           </a:xfrm>
           <a:prstGeom prst="rect">
@@ -10292,10 +9309,15 @@
             <p:ph type="body" sz="quarter" idx="10"/>
           </p:nvPr>
         </p:nvSpPr>
-        <p:spPr/>
+        <p:spPr>
+          <a:xfrm>
+            <a:off x="323529" y="1272959"/>
+            <a:ext cx="11573197" cy="724247"/>
+          </a:xfrm>
+        </p:spPr>
         <p:txBody>
           <a:bodyPr>
-            <a:normAutofit fontScale="92500" lnSpcReduction="10000"/>
+            <a:normAutofit fontScale="92500" lnSpcReduction="20000"/>
           </a:bodyPr>
           <a:lstStyle/>
           <a:p>
@@ -10320,8 +9342,8 @@
         </p:nvSpPr>
         <p:spPr>
           <a:xfrm>
-            <a:off x="1268392" y="1054728"/>
-            <a:ext cx="9655207" cy="5016758"/>
+            <a:off x="499906" y="1902453"/>
+            <a:ext cx="11220442" cy="4708981"/>
           </a:xfrm>
           <a:prstGeom prst="rect">
             <a:avLst/>
@@ -10526,854 +9548,6 @@
 </file>
 
 <file path=ppt/theme/theme1.xml><?xml version="1.0" encoding="utf-8"?>
-<a:theme xmlns:a="http://schemas.openxmlformats.org/drawingml/2006/main" name="Blue Background Theme">
-  <a:themeElements>
-    <a:clrScheme name="Office">
-      <a:dk1>
-        <a:sysClr val="windowText" lastClr="000000"/>
-      </a:dk1>
-      <a:lt1>
-        <a:sysClr val="window" lastClr="FFFFFF"/>
-      </a:lt1>
-      <a:dk2>
-        <a:srgbClr val="44546A"/>
-      </a:dk2>
-      <a:lt2>
-        <a:srgbClr val="E7E6E6"/>
-      </a:lt2>
-      <a:accent1>
-        <a:srgbClr val="4472C4"/>
-      </a:accent1>
-      <a:accent2>
-        <a:srgbClr val="ED7D31"/>
-      </a:accent2>
-      <a:accent3>
-        <a:srgbClr val="A5A5A5"/>
-      </a:accent3>
-      <a:accent4>
-        <a:srgbClr val="FFC000"/>
-      </a:accent4>
-      <a:accent5>
-        <a:srgbClr val="5B9BD5"/>
-      </a:accent5>
-      <a:accent6>
-        <a:srgbClr val="70AD47"/>
-      </a:accent6>
-      <a:hlink>
-        <a:srgbClr val="0563C1"/>
-      </a:hlink>
-      <a:folHlink>
-        <a:srgbClr val="954F72"/>
-      </a:folHlink>
-    </a:clrScheme>
-    <a:fontScheme name="Blank Presentation">
-      <a:majorFont>
-        <a:latin typeface="Arial"/>
-        <a:ea typeface="ＭＳ Ｐゴシック"/>
-        <a:cs typeface="ＭＳ Ｐゴシック"/>
-      </a:majorFont>
-      <a:minorFont>
-        <a:latin typeface="Arial"/>
-        <a:ea typeface="ＭＳ Ｐゴシック"/>
-        <a:cs typeface="ＭＳ Ｐゴシック"/>
-      </a:minorFont>
-    </a:fontScheme>
-    <a:fmtScheme name="Office">
-      <a:fillStyleLst>
-        <a:solidFill>
-          <a:schemeClr val="phClr"/>
-        </a:solidFill>
-        <a:gradFill rotWithShape="1">
-          <a:gsLst>
-            <a:gs pos="0">
-              <a:schemeClr val="phClr">
-                <a:tint val="50000"/>
-                <a:satMod val="300000"/>
-              </a:schemeClr>
-            </a:gs>
-            <a:gs pos="35000">
-              <a:schemeClr val="phClr">
-                <a:tint val="37000"/>
-                <a:satMod val="300000"/>
-              </a:schemeClr>
-            </a:gs>
-            <a:gs pos="100000">
-              <a:schemeClr val="phClr">
-                <a:tint val="15000"/>
-                <a:satMod val="350000"/>
-              </a:schemeClr>
-            </a:gs>
-          </a:gsLst>
-          <a:lin ang="16200000" scaled="1"/>
-        </a:gradFill>
-        <a:gradFill rotWithShape="1">
-          <a:gsLst>
-            <a:gs pos="0">
-              <a:schemeClr val="phClr">
-                <a:tint val="100000"/>
-                <a:shade val="100000"/>
-                <a:satMod val="130000"/>
-              </a:schemeClr>
-            </a:gs>
-            <a:gs pos="100000">
-              <a:schemeClr val="phClr">
-                <a:tint val="50000"/>
-                <a:shade val="100000"/>
-                <a:satMod val="350000"/>
-              </a:schemeClr>
-            </a:gs>
-          </a:gsLst>
-          <a:lin ang="16200000" scaled="0"/>
-        </a:gradFill>
-      </a:fillStyleLst>
-      <a:lnStyleLst>
-        <a:ln w="9525" cap="flat" cmpd="sng" algn="ctr">
-          <a:solidFill>
-            <a:schemeClr val="phClr">
-              <a:shade val="95000"/>
-              <a:satMod val="105000"/>
-            </a:schemeClr>
-          </a:solidFill>
-          <a:prstDash val="solid"/>
-        </a:ln>
-        <a:ln w="25400" cap="flat" cmpd="sng" algn="ctr">
-          <a:solidFill>
-            <a:schemeClr val="phClr"/>
-          </a:solidFill>
-          <a:prstDash val="solid"/>
-        </a:ln>
-        <a:ln w="38100" cap="flat" cmpd="sng" algn="ctr">
-          <a:solidFill>
-            <a:schemeClr val="phClr"/>
-          </a:solidFill>
-          <a:prstDash val="solid"/>
-        </a:ln>
-      </a:lnStyleLst>
-      <a:effectStyleLst>
-        <a:effectStyle>
-          <a:effectLst>
-            <a:outerShdw blurRad="40000" dist="20000" dir="5400000" rotWithShape="0">
-              <a:srgbClr val="000000">
-                <a:alpha val="38000"/>
-              </a:srgbClr>
-            </a:outerShdw>
-          </a:effectLst>
-        </a:effectStyle>
-        <a:effectStyle>
-          <a:effectLst>
-            <a:outerShdw blurRad="40000" dist="23000" dir="5400000" rotWithShape="0">
-              <a:srgbClr val="000000">
-                <a:alpha val="35000"/>
-              </a:srgbClr>
-            </a:outerShdw>
-          </a:effectLst>
-        </a:effectStyle>
-        <a:effectStyle>
-          <a:effectLst>
-            <a:outerShdw blurRad="40000" dist="23000" dir="5400000" rotWithShape="0">
-              <a:srgbClr val="000000">
-                <a:alpha val="35000"/>
-              </a:srgbClr>
-            </a:outerShdw>
-          </a:effectLst>
-          <a:scene3d>
-            <a:camera prst="orthographicFront">
-              <a:rot lat="0" lon="0" rev="0"/>
-            </a:camera>
-            <a:lightRig rig="threePt" dir="t">
-              <a:rot lat="0" lon="0" rev="1200000"/>
-            </a:lightRig>
-          </a:scene3d>
-          <a:sp3d>
-            <a:bevelT w="63500" h="25400"/>
-          </a:sp3d>
-        </a:effectStyle>
-      </a:effectStyleLst>
-      <a:bgFillStyleLst>
-        <a:solidFill>
-          <a:schemeClr val="phClr"/>
-        </a:solidFill>
-        <a:gradFill rotWithShape="1">
-          <a:gsLst>
-            <a:gs pos="0">
-              <a:schemeClr val="phClr">
-                <a:tint val="40000"/>
-                <a:satMod val="350000"/>
-              </a:schemeClr>
-            </a:gs>
-            <a:gs pos="40000">
-              <a:schemeClr val="phClr">
-                <a:tint val="45000"/>
-                <a:shade val="99000"/>
-                <a:satMod val="350000"/>
-              </a:schemeClr>
-            </a:gs>
-            <a:gs pos="100000">
-              <a:schemeClr val="phClr">
-                <a:shade val="20000"/>
-                <a:satMod val="255000"/>
-              </a:schemeClr>
-            </a:gs>
-          </a:gsLst>
-          <a:path path="circle">
-            <a:fillToRect l="50000" t="-80000" r="50000" b="180000"/>
-          </a:path>
-        </a:gradFill>
-        <a:gradFill rotWithShape="1">
-          <a:gsLst>
-            <a:gs pos="0">
-              <a:schemeClr val="phClr">
-                <a:tint val="80000"/>
-                <a:satMod val="300000"/>
-              </a:schemeClr>
-            </a:gs>
-            <a:gs pos="100000">
-              <a:schemeClr val="phClr">
-                <a:shade val="30000"/>
-                <a:satMod val="200000"/>
-              </a:schemeClr>
-            </a:gs>
-          </a:gsLst>
-          <a:path path="circle">
-            <a:fillToRect l="50000" t="50000" r="50000" b="50000"/>
-          </a:path>
-        </a:gradFill>
-      </a:bgFillStyleLst>
-    </a:fmtScheme>
-  </a:themeElements>
-  <a:objectDefaults>
-    <a:spDef>
-      <a:spPr bwMode="auto">
-        <a:xfrm>
-          <a:off x="0" y="0"/>
-          <a:ext cx="1" cy="1"/>
-        </a:xfrm>
-        <a:custGeom>
-          <a:avLst/>
-          <a:gdLst/>
-          <a:ahLst/>
-          <a:cxnLst/>
-          <a:rect l="0" t="0" r="0" b="0"/>
-          <a:pathLst/>
-        </a:custGeom>
-        <a:solidFill>
-          <a:schemeClr val="accent1"/>
-        </a:solidFill>
-        <a:ln w="9525" cap="flat" cmpd="sng" algn="ctr">
-          <a:solidFill>
-            <a:schemeClr val="tx1"/>
-          </a:solidFill>
-          <a:prstDash val="solid"/>
-          <a:round/>
-          <a:headEnd type="none" w="med" len="med"/>
-          <a:tailEnd type="none" w="med" len="med"/>
-        </a:ln>
-        <a:effectLst/>
-      </a:spPr>
-      <a:bodyPr vert="horz" wrap="square" lIns="91440" tIns="45720" rIns="91440" bIns="45720" numCol="1" anchor="t" anchorCtr="0" compatLnSpc="1">
-        <a:prstTxWarp prst="textNoShape">
-          <a:avLst/>
-        </a:prstTxWarp>
-      </a:bodyPr>
-      <a:lstStyle>
-        <a:defPPr marL="0" marR="0" indent="0" algn="l" defTabSz="914400" rtl="0" eaLnBrk="0" fontAlgn="base" latinLnBrk="0" hangingPunct="0">
-          <a:lnSpc>
-            <a:spcPct val="100000"/>
-          </a:lnSpc>
-          <a:spcBef>
-            <a:spcPct val="0"/>
-          </a:spcBef>
-          <a:spcAft>
-            <a:spcPct val="0"/>
-          </a:spcAft>
-          <a:buClrTx/>
-          <a:buSzTx/>
-          <a:buFontTx/>
-          <a:buNone/>
-          <a:tabLst/>
-          <a:defRPr kumimoji="0" lang="en-US" sz="2400" b="0" i="0" u="none" strike="noStrike" cap="none" normalizeH="0" baseline="0">
-            <a:ln>
-              <a:noFill/>
-            </a:ln>
-            <a:solidFill>
-              <a:schemeClr val="tx1"/>
-            </a:solidFill>
-            <a:effectLst/>
-            <a:latin typeface="Arial" pitchFamily="44" charset="0"/>
-            <a:ea typeface="ＭＳ Ｐゴシック" pitchFamily="44" charset="-128"/>
-            <a:cs typeface="ＭＳ Ｐゴシック" pitchFamily="44" charset="-128"/>
-          </a:defRPr>
-        </a:defPPr>
-      </a:lstStyle>
-    </a:spDef>
-    <a:lnDef>
-      <a:spPr bwMode="auto">
-        <a:xfrm>
-          <a:off x="0" y="0"/>
-          <a:ext cx="1" cy="1"/>
-        </a:xfrm>
-        <a:custGeom>
-          <a:avLst/>
-          <a:gdLst/>
-          <a:ahLst/>
-          <a:cxnLst/>
-          <a:rect l="0" t="0" r="0" b="0"/>
-          <a:pathLst/>
-        </a:custGeom>
-        <a:solidFill>
-          <a:schemeClr val="accent1"/>
-        </a:solidFill>
-        <a:ln w="9525" cap="flat" cmpd="sng" algn="ctr">
-          <a:solidFill>
-            <a:schemeClr val="tx1"/>
-          </a:solidFill>
-          <a:prstDash val="solid"/>
-          <a:round/>
-          <a:headEnd type="none" w="med" len="med"/>
-          <a:tailEnd type="none" w="med" len="med"/>
-        </a:ln>
-        <a:effectLst/>
-      </a:spPr>
-      <a:bodyPr vert="horz" wrap="square" lIns="91440" tIns="45720" rIns="91440" bIns="45720" numCol="1" anchor="t" anchorCtr="0" compatLnSpc="1">
-        <a:prstTxWarp prst="textNoShape">
-          <a:avLst/>
-        </a:prstTxWarp>
-      </a:bodyPr>
-      <a:lstStyle>
-        <a:defPPr marL="0" marR="0" indent="0" algn="l" defTabSz="914400" rtl="0" eaLnBrk="0" fontAlgn="base" latinLnBrk="0" hangingPunct="0">
-          <a:lnSpc>
-            <a:spcPct val="100000"/>
-          </a:lnSpc>
-          <a:spcBef>
-            <a:spcPct val="0"/>
-          </a:spcBef>
-          <a:spcAft>
-            <a:spcPct val="0"/>
-          </a:spcAft>
-          <a:buClrTx/>
-          <a:buSzTx/>
-          <a:buFontTx/>
-          <a:buNone/>
-          <a:tabLst/>
-          <a:defRPr kumimoji="0" lang="en-US" sz="2400" b="0" i="0" u="none" strike="noStrike" cap="none" normalizeH="0" baseline="0">
-            <a:ln>
-              <a:noFill/>
-            </a:ln>
-            <a:solidFill>
-              <a:schemeClr val="tx1"/>
-            </a:solidFill>
-            <a:effectLst/>
-            <a:latin typeface="Arial" pitchFamily="44" charset="0"/>
-            <a:ea typeface="ＭＳ Ｐゴシック" pitchFamily="44" charset="-128"/>
-            <a:cs typeface="ＭＳ Ｐゴシック" pitchFamily="44" charset="-128"/>
-          </a:defRPr>
-        </a:defPPr>
-      </a:lstStyle>
-    </a:lnDef>
-  </a:objectDefaults>
-  <a:extraClrSchemeLst>
-    <a:extraClrScheme>
-      <a:clrScheme name="Blank Presentation 1">
-        <a:dk1>
-          <a:srgbClr val="000000"/>
-        </a:dk1>
-        <a:lt1>
-          <a:srgbClr val="FFFFFF"/>
-        </a:lt1>
-        <a:dk2>
-          <a:srgbClr val="000000"/>
-        </a:dk2>
-        <a:lt2>
-          <a:srgbClr val="808080"/>
-        </a:lt2>
-        <a:accent1>
-          <a:srgbClr val="BBE0E3"/>
-        </a:accent1>
-        <a:accent2>
-          <a:srgbClr val="333399"/>
-        </a:accent2>
-        <a:accent3>
-          <a:srgbClr val="FFFFFF"/>
-        </a:accent3>
-        <a:accent4>
-          <a:srgbClr val="000000"/>
-        </a:accent4>
-        <a:accent5>
-          <a:srgbClr val="DAEDEF"/>
-        </a:accent5>
-        <a:accent6>
-          <a:srgbClr val="2D2D8A"/>
-        </a:accent6>
-        <a:hlink>
-          <a:srgbClr val="009999"/>
-        </a:hlink>
-        <a:folHlink>
-          <a:srgbClr val="99CC00"/>
-        </a:folHlink>
-      </a:clrScheme>
-      <a:clrMap bg1="lt1" tx1="dk1" bg2="lt2" tx2="dk2" accent1="accent1" accent2="accent2" accent3="accent3" accent4="accent4" accent5="accent5" accent6="accent6" hlink="hlink" folHlink="folHlink"/>
-    </a:extraClrScheme>
-    <a:extraClrScheme>
-      <a:clrScheme name="Blank Presentation 2">
-        <a:dk1>
-          <a:srgbClr val="000000"/>
-        </a:dk1>
-        <a:lt1>
-          <a:srgbClr val="FFFFFF"/>
-        </a:lt1>
-        <a:dk2>
-          <a:srgbClr val="000000"/>
-        </a:dk2>
-        <a:lt2>
-          <a:srgbClr val="969696"/>
-        </a:lt2>
-        <a:accent1>
-          <a:srgbClr val="FBDF53"/>
-        </a:accent1>
-        <a:accent2>
-          <a:srgbClr val="FF9966"/>
-        </a:accent2>
-        <a:accent3>
-          <a:srgbClr val="FFFFFF"/>
-        </a:accent3>
-        <a:accent4>
-          <a:srgbClr val="000000"/>
-        </a:accent4>
-        <a:accent5>
-          <a:srgbClr val="FDECB3"/>
-        </a:accent5>
-        <a:accent6>
-          <a:srgbClr val="E78A5C"/>
-        </a:accent6>
-        <a:hlink>
-          <a:srgbClr val="CC3300"/>
-        </a:hlink>
-        <a:folHlink>
-          <a:srgbClr val="996600"/>
-        </a:folHlink>
-      </a:clrScheme>
-      <a:clrMap bg1="lt1" tx1="dk1" bg2="lt2" tx2="dk2" accent1="accent1" accent2="accent2" accent3="accent3" accent4="accent4" accent5="accent5" accent6="accent6" hlink="hlink" folHlink="folHlink"/>
-    </a:extraClrScheme>
-    <a:extraClrScheme>
-      <a:clrScheme name="Blank Presentation 3">
-        <a:dk1>
-          <a:srgbClr val="000000"/>
-        </a:dk1>
-        <a:lt1>
-          <a:srgbClr val="FFFFFF"/>
-        </a:lt1>
-        <a:dk2>
-          <a:srgbClr val="000000"/>
-        </a:dk2>
-        <a:lt2>
-          <a:srgbClr val="808080"/>
-        </a:lt2>
-        <a:accent1>
-          <a:srgbClr val="99CCFF"/>
-        </a:accent1>
-        <a:accent2>
-          <a:srgbClr val="CCCCFF"/>
-        </a:accent2>
-        <a:accent3>
-          <a:srgbClr val="FFFFFF"/>
-        </a:accent3>
-        <a:accent4>
-          <a:srgbClr val="000000"/>
-        </a:accent4>
-        <a:accent5>
-          <a:srgbClr val="CAE2FF"/>
-        </a:accent5>
-        <a:accent6>
-          <a:srgbClr val="B9B9E7"/>
-        </a:accent6>
-        <a:hlink>
-          <a:srgbClr val="3333CC"/>
-        </a:hlink>
-        <a:folHlink>
-          <a:srgbClr val="AF67FF"/>
-        </a:folHlink>
-      </a:clrScheme>
-      <a:clrMap bg1="lt1" tx1="dk1" bg2="lt2" tx2="dk2" accent1="accent1" accent2="accent2" accent3="accent3" accent4="accent4" accent5="accent5" accent6="accent6" hlink="hlink" folHlink="folHlink"/>
-    </a:extraClrScheme>
-    <a:extraClrScheme>
-      <a:clrScheme name="Blank Presentation 4">
-        <a:dk1>
-          <a:srgbClr val="000000"/>
-        </a:dk1>
-        <a:lt1>
-          <a:srgbClr val="DEF6F1"/>
-        </a:lt1>
-        <a:dk2>
-          <a:srgbClr val="000000"/>
-        </a:dk2>
-        <a:lt2>
-          <a:srgbClr val="969696"/>
-        </a:lt2>
-        <a:accent1>
-          <a:srgbClr val="FFFFFF"/>
-        </a:accent1>
-        <a:accent2>
-          <a:srgbClr val="8DC6FF"/>
-        </a:accent2>
-        <a:accent3>
-          <a:srgbClr val="ECFAF7"/>
-        </a:accent3>
-        <a:accent4>
-          <a:srgbClr val="000000"/>
-        </a:accent4>
-        <a:accent5>
-          <a:srgbClr val="FFFFFF"/>
-        </a:accent5>
-        <a:accent6>
-          <a:srgbClr val="7FB3E7"/>
-        </a:accent6>
-        <a:hlink>
-          <a:srgbClr val="0066CC"/>
-        </a:hlink>
-        <a:folHlink>
-          <a:srgbClr val="00A800"/>
-        </a:folHlink>
-      </a:clrScheme>
-      <a:clrMap bg1="lt1" tx1="dk1" bg2="lt2" tx2="dk2" accent1="accent1" accent2="accent2" accent3="accent3" accent4="accent4" accent5="accent5" accent6="accent6" hlink="hlink" folHlink="folHlink"/>
-    </a:extraClrScheme>
-    <a:extraClrScheme>
-      <a:clrScheme name="Blank Presentation 5">
-        <a:dk1>
-          <a:srgbClr val="000000"/>
-        </a:dk1>
-        <a:lt1>
-          <a:srgbClr val="FFFFD9"/>
-        </a:lt1>
-        <a:dk2>
-          <a:srgbClr val="000000"/>
-        </a:dk2>
-        <a:lt2>
-          <a:srgbClr val="777777"/>
-        </a:lt2>
-        <a:accent1>
-          <a:srgbClr val="FFFFF7"/>
-        </a:accent1>
-        <a:accent2>
-          <a:srgbClr val="33CCCC"/>
-        </a:accent2>
-        <a:accent3>
-          <a:srgbClr val="FFFFE9"/>
-        </a:accent3>
-        <a:accent4>
-          <a:srgbClr val="000000"/>
-        </a:accent4>
-        <a:accent5>
-          <a:srgbClr val="FFFFFA"/>
-        </a:accent5>
-        <a:accent6>
-          <a:srgbClr val="2DB9B9"/>
-        </a:accent6>
-        <a:hlink>
-          <a:srgbClr val="FF5050"/>
-        </a:hlink>
-        <a:folHlink>
-          <a:srgbClr val="FF9900"/>
-        </a:folHlink>
-      </a:clrScheme>
-      <a:clrMap bg1="lt1" tx1="dk1" bg2="lt2" tx2="dk2" accent1="accent1" accent2="accent2" accent3="accent3" accent4="accent4" accent5="accent5" accent6="accent6" hlink="hlink" folHlink="folHlink"/>
-    </a:extraClrScheme>
-    <a:extraClrScheme>
-      <a:clrScheme name="Blank Presentation 6">
-        <a:dk1>
-          <a:srgbClr val="005A58"/>
-        </a:dk1>
-        <a:lt1>
-          <a:srgbClr val="FFFFFF"/>
-        </a:lt1>
-        <a:dk2>
-          <a:srgbClr val="008080"/>
-        </a:dk2>
-        <a:lt2>
-          <a:srgbClr val="FFFF99"/>
-        </a:lt2>
-        <a:accent1>
-          <a:srgbClr val="006462"/>
-        </a:accent1>
-        <a:accent2>
-          <a:srgbClr val="6D6FC7"/>
-        </a:accent2>
-        <a:accent3>
-          <a:srgbClr val="AAC0C0"/>
-        </a:accent3>
-        <a:accent4>
-          <a:srgbClr val="DADADA"/>
-        </a:accent4>
-        <a:accent5>
-          <a:srgbClr val="AAB8B7"/>
-        </a:accent5>
-        <a:accent6>
-          <a:srgbClr val="6264B4"/>
-        </a:accent6>
-        <a:hlink>
-          <a:srgbClr val="00FFFF"/>
-        </a:hlink>
-        <a:folHlink>
-          <a:srgbClr val="00FF00"/>
-        </a:folHlink>
-      </a:clrScheme>
-      <a:clrMap bg1="dk2" tx1="lt1" bg2="dk1" tx2="lt2" accent1="accent1" accent2="accent2" accent3="accent3" accent4="accent4" accent5="accent5" accent6="accent6" hlink="hlink" folHlink="folHlink"/>
-    </a:extraClrScheme>
-    <a:extraClrScheme>
-      <a:clrScheme name="Blank Presentation 7">
-        <a:dk1>
-          <a:srgbClr val="5C1F00"/>
-        </a:dk1>
-        <a:lt1>
-          <a:srgbClr val="FFFFFF"/>
-        </a:lt1>
-        <a:dk2>
-          <a:srgbClr val="800000"/>
-        </a:dk2>
-        <a:lt2>
-          <a:srgbClr val="DFD293"/>
-        </a:lt2>
-        <a:accent1>
-          <a:srgbClr val="713E39"/>
-        </a:accent1>
-        <a:accent2>
-          <a:srgbClr val="BE7960"/>
-        </a:accent2>
-        <a:accent3>
-          <a:srgbClr val="C0AAAA"/>
-        </a:accent3>
-        <a:accent4>
-          <a:srgbClr val="DADADA"/>
-        </a:accent4>
-        <a:accent5>
-          <a:srgbClr val="BBAFAE"/>
-        </a:accent5>
-        <a:accent6>
-          <a:srgbClr val="AC6D56"/>
-        </a:accent6>
-        <a:hlink>
-          <a:srgbClr val="FFFF99"/>
-        </a:hlink>
-        <a:folHlink>
-          <a:srgbClr val="D3A219"/>
-        </a:folHlink>
-      </a:clrScheme>
-      <a:clrMap bg1="dk2" tx1="lt1" bg2="dk1" tx2="lt2" accent1="accent1" accent2="accent2" accent3="accent3" accent4="accent4" accent5="accent5" accent6="accent6" hlink="hlink" folHlink="folHlink"/>
-    </a:extraClrScheme>
-    <a:extraClrScheme>
-      <a:clrScheme name="Blank Presentation 8">
-        <a:dk1>
-          <a:srgbClr val="003366"/>
-        </a:dk1>
-        <a:lt1>
-          <a:srgbClr val="FFFFFF"/>
-        </a:lt1>
-        <a:dk2>
-          <a:srgbClr val="000099"/>
-        </a:dk2>
-        <a:lt2>
-          <a:srgbClr val="CCFFFF"/>
-        </a:lt2>
-        <a:accent1>
-          <a:srgbClr val="3366CC"/>
-        </a:accent1>
-        <a:accent2>
-          <a:srgbClr val="00B000"/>
-        </a:accent2>
-        <a:accent3>
-          <a:srgbClr val="AAAACA"/>
-        </a:accent3>
-        <a:accent4>
-          <a:srgbClr val="DADADA"/>
-        </a:accent4>
-        <a:accent5>
-          <a:srgbClr val="ADB8E2"/>
-        </a:accent5>
-        <a:accent6>
-          <a:srgbClr val="009F00"/>
-        </a:accent6>
-        <a:hlink>
-          <a:srgbClr val="66CCFF"/>
-        </a:hlink>
-        <a:folHlink>
-          <a:srgbClr val="FFE701"/>
-        </a:folHlink>
-      </a:clrScheme>
-      <a:clrMap bg1="dk2" tx1="lt1" bg2="dk1" tx2="lt2" accent1="accent1" accent2="accent2" accent3="accent3" accent4="accent4" accent5="accent5" accent6="accent6" hlink="hlink" folHlink="folHlink"/>
-    </a:extraClrScheme>
-    <a:extraClrScheme>
-      <a:clrScheme name="Blank Presentation 9">
-        <a:dk1>
-          <a:srgbClr val="336699"/>
-        </a:dk1>
-        <a:lt1>
-          <a:srgbClr val="FFFFFF"/>
-        </a:lt1>
-        <a:dk2>
-          <a:srgbClr val="000000"/>
-        </a:dk2>
-        <a:lt2>
-          <a:srgbClr val="E3EBF1"/>
-        </a:lt2>
-        <a:accent1>
-          <a:srgbClr val="003399"/>
-        </a:accent1>
-        <a:accent2>
-          <a:srgbClr val="468A4B"/>
-        </a:accent2>
-        <a:accent3>
-          <a:srgbClr val="AAAAAA"/>
-        </a:accent3>
-        <a:accent4>
-          <a:srgbClr val="DADADA"/>
-        </a:accent4>
-        <a:accent5>
-          <a:srgbClr val="AAADCA"/>
-        </a:accent5>
-        <a:accent6>
-          <a:srgbClr val="3F7D43"/>
-        </a:accent6>
-        <a:hlink>
-          <a:srgbClr val="66CCFF"/>
-        </a:hlink>
-        <a:folHlink>
-          <a:srgbClr val="F0E500"/>
-        </a:folHlink>
-      </a:clrScheme>
-      <a:clrMap bg1="dk2" tx1="lt1" bg2="dk1" tx2="lt2" accent1="accent1" accent2="accent2" accent3="accent3" accent4="accent4" accent5="accent5" accent6="accent6" hlink="hlink" folHlink="folHlink"/>
-    </a:extraClrScheme>
-    <a:extraClrScheme>
-      <a:clrScheme name="Blank Presentation 10">
-        <a:dk1>
-          <a:srgbClr val="777777"/>
-        </a:dk1>
-        <a:lt1>
-          <a:srgbClr val="FFFFFF"/>
-        </a:lt1>
-        <a:dk2>
-          <a:srgbClr val="686B5D"/>
-        </a:dk2>
-        <a:lt2>
-          <a:srgbClr val="D1D1CB"/>
-        </a:lt2>
-        <a:accent1>
-          <a:srgbClr val="909082"/>
-        </a:accent1>
-        <a:accent2>
-          <a:srgbClr val="809EA8"/>
-        </a:accent2>
-        <a:accent3>
-          <a:srgbClr val="B9BAB6"/>
-        </a:accent3>
-        <a:accent4>
-          <a:srgbClr val="DADADA"/>
-        </a:accent4>
-        <a:accent5>
-          <a:srgbClr val="C6C6C1"/>
-        </a:accent5>
-        <a:accent6>
-          <a:srgbClr val="738F98"/>
-        </a:accent6>
-        <a:hlink>
-          <a:srgbClr val="FFCC66"/>
-        </a:hlink>
-        <a:folHlink>
-          <a:srgbClr val="E9DCB9"/>
-        </a:folHlink>
-      </a:clrScheme>
-      <a:clrMap bg1="dk2" tx1="lt1" bg2="dk1" tx2="lt2" accent1="accent1" accent2="accent2" accent3="accent3" accent4="accent4" accent5="accent5" accent6="accent6" hlink="hlink" folHlink="folHlink"/>
-    </a:extraClrScheme>
-    <a:extraClrScheme>
-      <a:clrScheme name="Blank Presentation 11">
-        <a:dk1>
-          <a:srgbClr val="3E3E5C"/>
-        </a:dk1>
-        <a:lt1>
-          <a:srgbClr val="FFFFFF"/>
-        </a:lt1>
-        <a:dk2>
-          <a:srgbClr val="666699"/>
-        </a:dk2>
-        <a:lt2>
-          <a:srgbClr val="FFFFFF"/>
-        </a:lt2>
-        <a:accent1>
-          <a:srgbClr val="60597B"/>
-        </a:accent1>
-        <a:accent2>
-          <a:srgbClr val="6666FF"/>
-        </a:accent2>
-        <a:accent3>
-          <a:srgbClr val="B8B8CA"/>
-        </a:accent3>
-        <a:accent4>
-          <a:srgbClr val="DADADA"/>
-        </a:accent4>
-        <a:accent5>
-          <a:srgbClr val="B6B5BF"/>
-        </a:accent5>
-        <a:accent6>
-          <a:srgbClr val="5C5CE7"/>
-        </a:accent6>
-        <a:hlink>
-          <a:srgbClr val="99CCFF"/>
-        </a:hlink>
-        <a:folHlink>
-          <a:srgbClr val="FFFF99"/>
-        </a:folHlink>
-      </a:clrScheme>
-      <a:clrMap bg1="dk2" tx1="lt1" bg2="dk1" tx2="lt2" accent1="accent1" accent2="accent2" accent3="accent3" accent4="accent4" accent5="accent5" accent6="accent6" hlink="hlink" folHlink="folHlink"/>
-    </a:extraClrScheme>
-    <a:extraClrScheme>
-      <a:clrScheme name="Blank Presentation 12">
-        <a:dk1>
-          <a:srgbClr val="2D2015"/>
-        </a:dk1>
-        <a:lt1>
-          <a:srgbClr val="FFFFFF"/>
-        </a:lt1>
-        <a:dk2>
-          <a:srgbClr val="523E26"/>
-        </a:dk2>
-        <a:lt2>
-          <a:srgbClr val="DFC08D"/>
-        </a:lt2>
-        <a:accent1>
-          <a:srgbClr val="8C7B70"/>
-        </a:accent1>
-        <a:accent2>
-          <a:srgbClr val="8F5F2F"/>
-        </a:accent2>
-        <a:accent3>
-          <a:srgbClr val="B3AFAC"/>
-        </a:accent3>
-        <a:accent4>
-          <a:srgbClr val="DADADA"/>
-        </a:accent4>
-        <a:accent5>
-          <a:srgbClr val="C5BFBB"/>
-        </a:accent5>
-        <a:accent6>
-          <a:srgbClr val="81552A"/>
-        </a:accent6>
-        <a:hlink>
-          <a:srgbClr val="CCB400"/>
-        </a:hlink>
-        <a:folHlink>
-          <a:srgbClr val="8C9EA0"/>
-        </a:folHlink>
-      </a:clrScheme>
-      <a:clrMap bg1="dk2" tx1="lt1" bg2="dk1" tx2="lt2" accent1="accent1" accent2="accent2" accent3="accent3" accent4="accent4" accent5="accent5" accent6="accent6" hlink="hlink" folHlink="folHlink"/>
-    </a:extraClrScheme>
-  </a:extraClrSchemeLst>
-  <a:extLst>
-    <a:ext uri="{05A4C25C-085E-4340-85A3-A5531E510DB2}">
-      <thm15:themeFamily xmlns:thm15="http://schemas.microsoft.com/office/thememl/2012/main" name="Blue Background Theme" id="{2DFDCE93-67F8-4AD8-ADD9-EC0DB44F2AE1}" vid="{8095BF8E-35F9-4086-BB9D-BE8E66B472B4}"/>
-    </a:ext>
-  </a:extLst>
-</a:theme>
-</file>
-
-<file path=ppt/theme/theme2.xml><?xml version="1.0" encoding="utf-8"?>
 <a:theme xmlns:a="http://schemas.openxmlformats.org/drawingml/2006/main" name="Office Theme">
   <a:themeElements>
     <a:clrScheme name="Office">
@@ -11384,39 +9558,39 @@
         <a:sysClr val="window" lastClr="FFFFFF"/>
       </a:lt1>
       <a:dk2>
-        <a:srgbClr val="44546A"/>
+        <a:srgbClr val="0E2841"/>
       </a:dk2>
       <a:lt2>
-        <a:srgbClr val="E7E6E6"/>
+        <a:srgbClr val="E8E8E8"/>
       </a:lt2>
       <a:accent1>
-        <a:srgbClr val="4472C4"/>
+        <a:srgbClr val="156082"/>
       </a:accent1>
       <a:accent2>
-        <a:srgbClr val="ED7D31"/>
+        <a:srgbClr val="E97132"/>
       </a:accent2>
       <a:accent3>
-        <a:srgbClr val="A5A5A5"/>
+        <a:srgbClr val="196B24"/>
       </a:accent3>
       <a:accent4>
-        <a:srgbClr val="FFC000"/>
+        <a:srgbClr val="0F9ED5"/>
       </a:accent4>
       <a:accent5>
-        <a:srgbClr val="5B9BD5"/>
+        <a:srgbClr val="A02B93"/>
       </a:accent5>
       <a:accent6>
-        <a:srgbClr val="70AD47"/>
+        <a:srgbClr val="4EA72E"/>
       </a:accent6>
       <a:hlink>
-        <a:srgbClr val="0563C1"/>
+        <a:srgbClr val="467886"/>
       </a:hlink>
       <a:folHlink>
-        <a:srgbClr val="954F72"/>
+        <a:srgbClr val="96607D"/>
       </a:folHlink>
     </a:clrScheme>
     <a:fontScheme name="Office">
       <a:majorFont>
-        <a:latin typeface="Calibri Light" panose="020F0302020204030204"/>
+        <a:latin typeface="Aptos Display" panose="02110004020202020204"/>
         <a:ea typeface=""/>
         <a:cs typeface=""/>
         <a:font script="Jpan" typeface="游ゴシック Light"/>
@@ -11468,7 +9642,7 @@
         <a:font script="Tfng" typeface="Ebrima"/>
       </a:majorFont>
       <a:minorFont>
-        <a:latin typeface="Calibri" panose="020F0502020204030204"/>
+        <a:latin typeface="Aptos" panose="02110004020202020204"/>
         <a:ea typeface=""/>
         <a:cs typeface=""/>
         <a:font script="Jpan" typeface="游ゴシック"/>
@@ -11579,13 +9753,6 @@
         </a:gradFill>
       </a:fillStyleLst>
       <a:lnStyleLst>
-        <a:ln w="6350" cap="flat" cmpd="sng" algn="ctr">
-          <a:solidFill>
-            <a:schemeClr val="phClr"/>
-          </a:solidFill>
-          <a:prstDash val="solid"/>
-          <a:miter lim="800000"/>
-        </a:ln>
         <a:ln w="12700" cap="flat" cmpd="sng" algn="ctr">
           <a:solidFill>
             <a:schemeClr val="phClr"/>
@@ -11594,6 +9761,13 @@
           <a:miter lim="800000"/>
         </a:ln>
         <a:ln w="19050" cap="flat" cmpd="sng" algn="ctr">
+          <a:solidFill>
+            <a:schemeClr val="phClr"/>
+          </a:solidFill>
+          <a:prstDash val="solid"/>
+          <a:miter lim="800000"/>
+        </a:ln>
+        <a:ln w="25400" cap="flat" cmpd="sng" algn="ctr">
           <a:solidFill>
             <a:schemeClr val="phClr"/>
           </a:solidFill>
@@ -11658,11 +9832,31 @@
       </a:bgFillStyleLst>
     </a:fmtScheme>
   </a:themeElements>
-  <a:objectDefaults/>
+  <a:objectDefaults>
+    <a:lnDef>
+      <a:spPr/>
+      <a:bodyPr/>
+      <a:lstStyle/>
+      <a:style>
+        <a:lnRef idx="2">
+          <a:schemeClr val="accent1"/>
+        </a:lnRef>
+        <a:fillRef idx="0">
+          <a:schemeClr val="accent1"/>
+        </a:fillRef>
+        <a:effectRef idx="1">
+          <a:schemeClr val="accent1"/>
+        </a:effectRef>
+        <a:fontRef idx="minor">
+          <a:schemeClr val="tx1"/>
+        </a:fontRef>
+      </a:style>
+    </a:lnDef>
+  </a:objectDefaults>
   <a:extraClrSchemeLst/>
   <a:extLst>
     <a:ext uri="{05A4C25C-085E-4340-85A3-A5531E510DB2}">
-      <thm15:themeFamily xmlns:thm15="http://schemas.microsoft.com/office/thememl/2012/main" name="Office Theme" id="{62F939B6-93AF-4DB8-9C6B-D6C7DFDC589F}" vid="{4A3C46E8-61CC-4603-A589-7422A47A8E4A}"/>
+      <thm15:themeFamily xmlns:thm15="http://schemas.microsoft.com/office/thememl/2012/main" name="Presentation1" id="{DAD0D162-FE0C-45E1-B287-70A400F0FB2D}" vid="{0F85589E-3A92-4CE5-8C4F-6CD4A008415E}"/>
     </a:ext>
   </a:extLst>
 </a:theme>

--- a/CYBER360-1.6-Interactive-CLI.pptx
+++ b/CYBER360-1.6-Interactive-CLI.pptx
@@ -130,61 +130,6 @@
 
 <file path=ppt/changesInfos/changesInfo1.xml><?xml version="1.0" encoding="utf-8"?>
 <pc:chgInfo xmlns:a="http://schemas.openxmlformats.org/drawingml/2006/main" xmlns:r="http://schemas.openxmlformats.org/officeDocument/2006/relationships" xmlns:ac="http://schemas.microsoft.com/office/drawing/2013/main/command" xmlns:pc="http://schemas.microsoft.com/office/powerpoint/2013/main/command">
-  <pc:docChgLst>
-    <pc:chgData name="Palmer, Jennifer" userId="04c8c1b4-349a-4c5d-8a68-5732467f309e" providerId="ADAL" clId="{F06F7416-AE39-4B53-98DF-CCE392FB41DF}"/>
-    <pc:docChg chg="modSld">
-      <pc:chgData name="Palmer, Jennifer" userId="04c8c1b4-349a-4c5d-8a68-5732467f309e" providerId="ADAL" clId="{F06F7416-AE39-4B53-98DF-CCE392FB41DF}" dt="2024-11-20T22:54:03.626" v="5" actId="1076"/>
-      <pc:docMkLst>
-        <pc:docMk/>
-      </pc:docMkLst>
-      <pc:sldChg chg="modSp mod">
-        <pc:chgData name="Palmer, Jennifer" userId="04c8c1b4-349a-4c5d-8a68-5732467f309e" providerId="ADAL" clId="{F06F7416-AE39-4B53-98DF-CCE392FB41DF}" dt="2024-11-20T22:54:03.626" v="5" actId="1076"/>
-        <pc:sldMkLst>
-          <pc:docMk/>
-          <pc:sldMk cId="3093343089" sldId="258"/>
-        </pc:sldMkLst>
-        <pc:spChg chg="mod">
-          <ac:chgData name="Palmer, Jennifer" userId="04c8c1b4-349a-4c5d-8a68-5732467f309e" providerId="ADAL" clId="{F06F7416-AE39-4B53-98DF-CCE392FB41DF}" dt="2024-11-20T22:54:03.626" v="5" actId="1076"/>
-          <ac:spMkLst>
-            <pc:docMk/>
-            <pc:sldMk cId="3093343089" sldId="258"/>
-            <ac:spMk id="2" creationId="{64492E64-A68B-8CA7-B3C6-044F7C8E76AB}"/>
-          </ac:spMkLst>
-        </pc:spChg>
-        <pc:spChg chg="mod">
-          <ac:chgData name="Palmer, Jennifer" userId="04c8c1b4-349a-4c5d-8a68-5732467f309e" providerId="ADAL" clId="{F06F7416-AE39-4B53-98DF-CCE392FB41DF}" dt="2024-11-20T22:53:56.864" v="4" actId="1076"/>
-          <ac:spMkLst>
-            <pc:docMk/>
-            <pc:sldMk cId="3093343089" sldId="258"/>
-            <ac:spMk id="4" creationId="{B64A8207-997F-319E-7F6D-676D3ECA779B}"/>
-          </ac:spMkLst>
-        </pc:spChg>
-      </pc:sldChg>
-      <pc:sldChg chg="modSp mod">
-        <pc:chgData name="Palmer, Jennifer" userId="04c8c1b4-349a-4c5d-8a68-5732467f309e" providerId="ADAL" clId="{F06F7416-AE39-4B53-98DF-CCE392FB41DF}" dt="2024-11-20T22:52:51.937" v="1" actId="1076"/>
-        <pc:sldMkLst>
-          <pc:docMk/>
-          <pc:sldMk cId="3904849878" sldId="259"/>
-        </pc:sldMkLst>
-        <pc:spChg chg="mod">
-          <ac:chgData name="Palmer, Jennifer" userId="04c8c1b4-349a-4c5d-8a68-5732467f309e" providerId="ADAL" clId="{F06F7416-AE39-4B53-98DF-CCE392FB41DF}" dt="2024-11-20T22:52:51.937" v="1" actId="1076"/>
-          <ac:spMkLst>
-            <pc:docMk/>
-            <pc:sldMk cId="3904849878" sldId="259"/>
-            <ac:spMk id="2" creationId="{64492E64-A68B-8CA7-B3C6-044F7C8E76AB}"/>
-          </ac:spMkLst>
-        </pc:spChg>
-        <pc:spChg chg="mod">
-          <ac:chgData name="Palmer, Jennifer" userId="04c8c1b4-349a-4c5d-8a68-5732467f309e" providerId="ADAL" clId="{F06F7416-AE39-4B53-98DF-CCE392FB41DF}" dt="2024-11-20T22:52:48.045" v="0" actId="1076"/>
-          <ac:spMkLst>
-            <pc:docMk/>
-            <pc:sldMk cId="3904849878" sldId="259"/>
-            <ac:spMk id="4" creationId="{B64A8207-997F-319E-7F6D-676D3ECA779B}"/>
-          </ac:spMkLst>
-        </pc:spChg>
-      </pc:sldChg>
-    </pc:docChg>
-  </pc:docChgLst>
   <pc:docChgLst>
     <pc:chgData name="Talbert, Matthew" userId="877a4118-3f16-4ac9-a72c-5dd2c7b28c85" providerId="ADAL" clId="{542DF80E-0BAB-49BE-8038-A8F3A0DA3938}"/>
     <pc:docChg chg="undo redo custSel modSld">
@@ -586,6 +531,61 @@
       </pc:sldChg>
     </pc:docChg>
   </pc:docChgLst>
+  <pc:docChgLst>
+    <pc:chgData name="Palmer, Jennifer" userId="04c8c1b4-349a-4c5d-8a68-5732467f309e" providerId="ADAL" clId="{F06F7416-AE39-4B53-98DF-CCE392FB41DF}"/>
+    <pc:docChg chg="modSld">
+      <pc:chgData name="Palmer, Jennifer" userId="04c8c1b4-349a-4c5d-8a68-5732467f309e" providerId="ADAL" clId="{F06F7416-AE39-4B53-98DF-CCE392FB41DF}" dt="2024-11-20T22:54:03.626" v="5" actId="1076"/>
+      <pc:docMkLst>
+        <pc:docMk/>
+      </pc:docMkLst>
+      <pc:sldChg chg="modSp mod">
+        <pc:chgData name="Palmer, Jennifer" userId="04c8c1b4-349a-4c5d-8a68-5732467f309e" providerId="ADAL" clId="{F06F7416-AE39-4B53-98DF-CCE392FB41DF}" dt="2024-11-20T22:54:03.626" v="5" actId="1076"/>
+        <pc:sldMkLst>
+          <pc:docMk/>
+          <pc:sldMk cId="3093343089" sldId="258"/>
+        </pc:sldMkLst>
+        <pc:spChg chg="mod">
+          <ac:chgData name="Palmer, Jennifer" userId="04c8c1b4-349a-4c5d-8a68-5732467f309e" providerId="ADAL" clId="{F06F7416-AE39-4B53-98DF-CCE392FB41DF}" dt="2024-11-20T22:54:03.626" v="5" actId="1076"/>
+          <ac:spMkLst>
+            <pc:docMk/>
+            <pc:sldMk cId="3093343089" sldId="258"/>
+            <ac:spMk id="2" creationId="{64492E64-A68B-8CA7-B3C6-044F7C8E76AB}"/>
+          </ac:spMkLst>
+        </pc:spChg>
+        <pc:spChg chg="mod">
+          <ac:chgData name="Palmer, Jennifer" userId="04c8c1b4-349a-4c5d-8a68-5732467f309e" providerId="ADAL" clId="{F06F7416-AE39-4B53-98DF-CCE392FB41DF}" dt="2024-11-20T22:53:56.864" v="4" actId="1076"/>
+          <ac:spMkLst>
+            <pc:docMk/>
+            <pc:sldMk cId="3093343089" sldId="258"/>
+            <ac:spMk id="4" creationId="{B64A8207-997F-319E-7F6D-676D3ECA779B}"/>
+          </ac:spMkLst>
+        </pc:spChg>
+      </pc:sldChg>
+      <pc:sldChg chg="modSp mod">
+        <pc:chgData name="Palmer, Jennifer" userId="04c8c1b4-349a-4c5d-8a68-5732467f309e" providerId="ADAL" clId="{F06F7416-AE39-4B53-98DF-CCE392FB41DF}" dt="2024-11-20T22:52:51.937" v="1" actId="1076"/>
+        <pc:sldMkLst>
+          <pc:docMk/>
+          <pc:sldMk cId="3904849878" sldId="259"/>
+        </pc:sldMkLst>
+        <pc:spChg chg="mod">
+          <ac:chgData name="Palmer, Jennifer" userId="04c8c1b4-349a-4c5d-8a68-5732467f309e" providerId="ADAL" clId="{F06F7416-AE39-4B53-98DF-CCE392FB41DF}" dt="2024-11-20T22:52:51.937" v="1" actId="1076"/>
+          <ac:spMkLst>
+            <pc:docMk/>
+            <pc:sldMk cId="3904849878" sldId="259"/>
+            <ac:spMk id="2" creationId="{64492E64-A68B-8CA7-B3C6-044F7C8E76AB}"/>
+          </ac:spMkLst>
+        </pc:spChg>
+        <pc:spChg chg="mod">
+          <ac:chgData name="Palmer, Jennifer" userId="04c8c1b4-349a-4c5d-8a68-5732467f309e" providerId="ADAL" clId="{F06F7416-AE39-4B53-98DF-CCE392FB41DF}" dt="2024-11-20T22:52:48.045" v="0" actId="1076"/>
+          <ac:spMkLst>
+            <pc:docMk/>
+            <pc:sldMk cId="3904849878" sldId="259"/>
+            <ac:spMk id="4" creationId="{B64A8207-997F-319E-7F6D-676D3ECA779B}"/>
+          </ac:spMkLst>
+        </pc:spChg>
+      </pc:sldChg>
+    </pc:docChg>
+  </pc:docChgLst>
 </pc:chgInfo>
 </file>
 
@@ -768,7 +768,7 @@
           <a:p>
             <a:fld id="{71087A05-F855-4434-8DDE-39A8542098A6}" type="datetimeFigureOut">
               <a:rPr lang="en-US" smtClean="0"/>
-              <a:t>11/21/2024</a:t>
+              <a:t>2/8/2025</a:t>
             </a:fld>
             <a:endParaRPr lang="en-US"/>
           </a:p>
@@ -1006,7 +1006,7 @@
           <a:p>
             <a:fld id="{71087A05-F855-4434-8DDE-39A8542098A6}" type="datetimeFigureOut">
               <a:rPr lang="en-US" smtClean="0"/>
-              <a:t>11/21/2024</a:t>
+              <a:t>2/8/2025</a:t>
             </a:fld>
             <a:endParaRPr lang="en-US"/>
           </a:p>
@@ -1242,7 +1242,7 @@
           <a:p>
             <a:fld id="{0BE24BAF-58C0-4D38-ABA0-4170CC92DC13}" type="datetimeFigureOut">
               <a:rPr lang="en-US" smtClean="0"/>
-              <a:t>11/21/2024</a:t>
+              <a:t>2/8/2025</a:t>
             </a:fld>
             <a:endParaRPr lang="en-US"/>
           </a:p>
@@ -1545,7 +1545,7 @@
           <a:p>
             <a:fld id="{71087A05-F855-4434-8DDE-39A8542098A6}" type="datetimeFigureOut">
               <a:rPr lang="en-US" smtClean="0"/>
-              <a:t>11/21/2024</a:t>
+              <a:t>2/8/2025</a:t>
             </a:fld>
             <a:endParaRPr lang="en-US"/>
           </a:p>
@@ -1850,7 +1850,7 @@
           <a:p>
             <a:fld id="{71087A05-F855-4434-8DDE-39A8542098A6}" type="datetimeFigureOut">
               <a:rPr lang="en-US" smtClean="0"/>
-              <a:t>11/21/2024</a:t>
+              <a:t>2/8/2025</a:t>
             </a:fld>
             <a:endParaRPr lang="en-US"/>
           </a:p>
@@ -2153,7 +2153,7 @@
           <a:p>
             <a:fld id="{71087A05-F855-4434-8DDE-39A8542098A6}" type="datetimeFigureOut">
               <a:rPr lang="en-US" smtClean="0"/>
-              <a:t>11/21/2024</a:t>
+              <a:t>2/8/2025</a:t>
             </a:fld>
             <a:endParaRPr lang="en-US"/>
           </a:p>
@@ -2604,7 +2604,7 @@
           <a:p>
             <a:fld id="{71087A05-F855-4434-8DDE-39A8542098A6}" type="datetimeFigureOut">
               <a:rPr lang="en-US" smtClean="0"/>
-              <a:t>11/21/2024</a:t>
+              <a:t>2/8/2025</a:t>
             </a:fld>
             <a:endParaRPr lang="en-US"/>
           </a:p>
@@ -2777,7 +2777,7 @@
           <a:p>
             <a:fld id="{71087A05-F855-4434-8DDE-39A8542098A6}" type="datetimeFigureOut">
               <a:rPr lang="en-US" smtClean="0"/>
-              <a:t>11/21/2024</a:t>
+              <a:t>2/8/2025</a:t>
             </a:fld>
             <a:endParaRPr lang="en-US"/>
           </a:p>
@@ -2914,7 +2914,7 @@
           <a:p>
             <a:fld id="{71087A05-F855-4434-8DDE-39A8542098A6}" type="datetimeFigureOut">
               <a:rPr lang="en-US" smtClean="0"/>
-              <a:t>11/21/2024</a:t>
+              <a:t>2/8/2025</a:t>
             </a:fld>
             <a:endParaRPr lang="en-US"/>
           </a:p>
@@ -3258,7 +3258,7 @@
           <a:p>
             <a:fld id="{71087A05-F855-4434-8DDE-39A8542098A6}" type="datetimeFigureOut">
               <a:rPr lang="en-US" smtClean="0"/>
-              <a:t>11/21/2024</a:t>
+              <a:t>2/8/2025</a:t>
             </a:fld>
             <a:endParaRPr lang="en-US"/>
           </a:p>
@@ -3582,7 +3582,7 @@
           <a:p>
             <a:fld id="{71087A05-F855-4434-8DDE-39A8542098A6}" type="datetimeFigureOut">
               <a:rPr lang="en-US" smtClean="0"/>
-              <a:t>11/21/2024</a:t>
+              <a:t>2/8/2025</a:t>
             </a:fld>
             <a:endParaRPr lang="en-US"/>
           </a:p>
@@ -8240,10 +8240,10 @@
               <a:t>h | </a:t>
             </a:r>
             <a:r>
-              <a:rPr lang="en-US" sz="2000" dirty="0" err="1">
-                <a:latin typeface="Lucida Console" panose="020B0609040504020204" pitchFamily="49" charset="0"/>
-              </a:rPr>
-              <a:t>sts</a:t>
+              <a:rPr lang="en-US" sz="2000">
+                <a:latin typeface="Lucida Console" panose="020B0609040504020204" pitchFamily="49" charset="0"/>
+              </a:rPr>
+              <a:t>sls</a:t>
             </a:r>
             <a:r>
               <a:rPr lang="en-US" sz="2000" dirty="0">
